--- a/Courses/ML_Concepts/Module_01_Introduction_to_Classification/Module_01_Introduction_to_Classification_02_LogisticRegression.pptx
+++ b/Courses/ML_Concepts/Module_01_Introduction_to_Classification/Module_01_Introduction_to_Classification_02_LogisticRegression.pptx
@@ -1,11 +1,11 @@
 
 <file path=ppt/presentation.xml><?xml version="1.0" encoding="utf-8"?>
-<p:presentation xmlns:a="http://schemas.openxmlformats.org/drawingml/2006/main" xmlns:r="http://schemas.openxmlformats.org/officeDocument/2006/relationships" xmlns:p="http://schemas.openxmlformats.org/presentationml/2006/main" saveSubsetFonts="1">
+<p:presentation xmlns:a="http://schemas.openxmlformats.org/drawingml/2006/main" xmlns:r="http://schemas.openxmlformats.org/officeDocument/2006/relationships" xmlns:p="http://schemas.openxmlformats.org/presentationml/2006/main" embedTrueTypeFonts="1" saveSubsetFonts="1">
   <p:sldMasterIdLst>
     <p:sldMasterId id="2147483648" r:id="rId1"/>
   </p:sldMasterIdLst>
   <p:notesMasterIdLst>
-    <p:notesMasterId r:id="rId13"/>
+    <p:notesMasterId r:id="rId12"/>
   </p:notesMasterIdLst>
   <p:sldIdLst>
     <p:sldId id="1995" r:id="rId2"/>
@@ -13,15 +13,28 @@
     <p:sldId id="1975" r:id="rId4"/>
     <p:sldId id="1979" r:id="rId5"/>
     <p:sldId id="1980" r:id="rId6"/>
-    <p:sldId id="1981" r:id="rId7"/>
-    <p:sldId id="1982" r:id="rId8"/>
-    <p:sldId id="1916" r:id="rId9"/>
-    <p:sldId id="1984" r:id="rId10"/>
-    <p:sldId id="1983" r:id="rId11"/>
-    <p:sldId id="1985" r:id="rId12"/>
+    <p:sldId id="1982" r:id="rId7"/>
+    <p:sldId id="1916" r:id="rId8"/>
+    <p:sldId id="1984" r:id="rId9"/>
+    <p:sldId id="1983" r:id="rId10"/>
+    <p:sldId id="1985" r:id="rId11"/>
   </p:sldIdLst>
   <p:sldSz cx="12192000" cy="6858000"/>
   <p:notesSz cx="6858000" cy="9144000"/>
+  <p:embeddedFontLst>
+    <p:embeddedFont>
+      <p:font typeface="Calibri" panose="020F0502020204030204" pitchFamily="34" charset="0"/>
+      <p:regular r:id="rId13"/>
+      <p:bold r:id="rId14"/>
+      <p:italic r:id="rId15"/>
+      <p:boldItalic r:id="rId16"/>
+    </p:embeddedFont>
+    <p:embeddedFont>
+      <p:font typeface="Calibri Light" panose="020F0302020204030204" pitchFamily="34" charset="0"/>
+      <p:regular r:id="rId17"/>
+      <p:italic r:id="rId18"/>
+    </p:embeddedFont>
+  </p:embeddedFontLst>
   <p:defaultTextStyle>
     <a:defPPr>
       <a:defRPr lang="en-US"/>
@@ -207,7 +220,7 @@
           <a:p>
             <a:fld id="{8BF7BA16-693B-49DC-B4FA-AF7A11A8ED46}" type="datetimeFigureOut">
               <a:rPr lang="en-US" smtClean="0"/>
-              <a:t>12/13/2022</a:t>
+              <a:t>1/3/2023</a:t>
             </a:fld>
             <a:endParaRPr lang="en-US"/>
           </a:p>
@@ -621,7 +634,7 @@
           <a:p>
             <a:fld id="{D788A639-B81C-4455-ABEE-AAB245CF3941}" type="datetimeFigureOut">
               <a:rPr lang="en-US" smtClean="0"/>
-              <a:t>12/13/2022</a:t>
+              <a:t>1/3/2023</a:t>
             </a:fld>
             <a:endParaRPr lang="en-US"/>
           </a:p>
@@ -819,7 +832,7 @@
           <a:p>
             <a:fld id="{D788A639-B81C-4455-ABEE-AAB245CF3941}" type="datetimeFigureOut">
               <a:rPr lang="en-US" smtClean="0"/>
-              <a:t>12/13/2022</a:t>
+              <a:t>1/3/2023</a:t>
             </a:fld>
             <a:endParaRPr lang="en-US"/>
           </a:p>
@@ -1027,7 +1040,7 @@
           <a:p>
             <a:fld id="{D788A639-B81C-4455-ABEE-AAB245CF3941}" type="datetimeFigureOut">
               <a:rPr lang="en-US" smtClean="0"/>
-              <a:t>12/13/2022</a:t>
+              <a:t>1/3/2023</a:t>
             </a:fld>
             <a:endParaRPr lang="en-US"/>
           </a:p>
@@ -1225,7 +1238,7 @@
           <a:p>
             <a:fld id="{D788A639-B81C-4455-ABEE-AAB245CF3941}" type="datetimeFigureOut">
               <a:rPr lang="en-US" smtClean="0"/>
-              <a:t>12/13/2022</a:t>
+              <a:t>1/3/2023</a:t>
             </a:fld>
             <a:endParaRPr lang="en-US"/>
           </a:p>
@@ -1500,7 +1513,7 @@
           <a:p>
             <a:fld id="{D788A639-B81C-4455-ABEE-AAB245CF3941}" type="datetimeFigureOut">
               <a:rPr lang="en-US" smtClean="0"/>
-              <a:t>12/13/2022</a:t>
+              <a:t>1/3/2023</a:t>
             </a:fld>
             <a:endParaRPr lang="en-US"/>
           </a:p>
@@ -1765,7 +1778,7 @@
           <a:p>
             <a:fld id="{D788A639-B81C-4455-ABEE-AAB245CF3941}" type="datetimeFigureOut">
               <a:rPr lang="en-US" smtClean="0"/>
-              <a:t>12/13/2022</a:t>
+              <a:t>1/3/2023</a:t>
             </a:fld>
             <a:endParaRPr lang="en-US"/>
           </a:p>
@@ -2177,7 +2190,7 @@
           <a:p>
             <a:fld id="{D788A639-B81C-4455-ABEE-AAB245CF3941}" type="datetimeFigureOut">
               <a:rPr lang="en-US" smtClean="0"/>
-              <a:t>12/13/2022</a:t>
+              <a:t>1/3/2023</a:t>
             </a:fld>
             <a:endParaRPr lang="en-US"/>
           </a:p>
@@ -2318,7 +2331,7 @@
           <a:p>
             <a:fld id="{D788A639-B81C-4455-ABEE-AAB245CF3941}" type="datetimeFigureOut">
               <a:rPr lang="en-US" smtClean="0"/>
-              <a:t>12/13/2022</a:t>
+              <a:t>1/3/2023</a:t>
             </a:fld>
             <a:endParaRPr lang="en-US"/>
           </a:p>
@@ -2431,7 +2444,7 @@
           <a:p>
             <a:fld id="{D788A639-B81C-4455-ABEE-AAB245CF3941}" type="datetimeFigureOut">
               <a:rPr lang="en-US" smtClean="0"/>
-              <a:t>12/13/2022</a:t>
+              <a:t>1/3/2023</a:t>
             </a:fld>
             <a:endParaRPr lang="en-US"/>
           </a:p>
@@ -2742,7 +2755,7 @@
           <a:p>
             <a:fld id="{D788A639-B81C-4455-ABEE-AAB245CF3941}" type="datetimeFigureOut">
               <a:rPr lang="en-US" smtClean="0"/>
-              <a:t>12/13/2022</a:t>
+              <a:t>1/3/2023</a:t>
             </a:fld>
             <a:endParaRPr lang="en-US"/>
           </a:p>
@@ -3030,7 +3043,7 @@
           <a:p>
             <a:fld id="{D788A639-B81C-4455-ABEE-AAB245CF3941}" type="datetimeFigureOut">
               <a:rPr lang="en-US" smtClean="0"/>
-              <a:t>12/13/2022</a:t>
+              <a:t>1/3/2023</a:t>
             </a:fld>
             <a:endParaRPr lang="en-US"/>
           </a:p>
@@ -3271,7 +3284,7 @@
           <a:p>
             <a:fld id="{D788A639-B81C-4455-ABEE-AAB245CF3941}" type="datetimeFigureOut">
               <a:rPr lang="en-US" smtClean="0"/>
-              <a:t>12/13/2022</a:t>
+              <a:t>1/3/2023</a:t>
             </a:fld>
             <a:endParaRPr lang="en-US"/>
           </a:p>
@@ -3812,2746 +3825,6 @@
 </file>
 
 <file path=ppt/slides/slide10.xml><?xml version="1.0" encoding="utf-8"?>
-<p:sld xmlns:a="http://schemas.openxmlformats.org/drawingml/2006/main" xmlns:r="http://schemas.openxmlformats.org/officeDocument/2006/relationships" xmlns:p="http://schemas.openxmlformats.org/presentationml/2006/main">
-  <p:cSld>
-    <p:spTree>
-      <p:nvGrpSpPr>
-        <p:cNvPr id="1" name=""/>
-        <p:cNvGrpSpPr/>
-        <p:nvPr/>
-      </p:nvGrpSpPr>
-      <p:grpSpPr>
-        <a:xfrm>
-          <a:off x="0" y="0"/>
-          <a:ext cx="0" cy="0"/>
-          <a:chOff x="0" y="0"/>
-          <a:chExt cx="0" cy="0"/>
-        </a:xfrm>
-      </p:grpSpPr>
-      <p:sp>
-        <p:nvSpPr>
-          <p:cNvPr id="3" name="Oval 2">
-            <a:extLst>
-              <a:ext uri="{FF2B5EF4-FFF2-40B4-BE49-F238E27FC236}">
-                <a16:creationId xmlns:a16="http://schemas.microsoft.com/office/drawing/2014/main" id="{0E9EA18A-DA6F-4514-8EF7-7451044E967A}"/>
-              </a:ext>
-            </a:extLst>
-          </p:cNvPr>
-          <p:cNvSpPr/>
-          <p:nvPr/>
-        </p:nvSpPr>
-        <p:spPr>
-          <a:xfrm>
-            <a:off x="1704073" y="2847685"/>
-            <a:ext cx="1148948" cy="1104297"/>
-          </a:xfrm>
-          <a:prstGeom prst="ellipse">
-            <a:avLst/>
-          </a:prstGeom>
-        </p:spPr>
-        <p:style>
-          <a:lnRef idx="2">
-            <a:schemeClr val="accent2"/>
-          </a:lnRef>
-          <a:fillRef idx="1">
-            <a:schemeClr val="lt1"/>
-          </a:fillRef>
-          <a:effectRef idx="0">
-            <a:schemeClr val="accent2"/>
-          </a:effectRef>
-          <a:fontRef idx="minor">
-            <a:schemeClr val="dk1"/>
-          </a:fontRef>
-        </p:style>
-        <p:txBody>
-          <a:bodyPr rtlCol="0" anchor="ctr"/>
-          <a:lstStyle/>
-          <a:p>
-            <a:pPr algn="ctr"/>
-            <a:endParaRPr lang="en-US"/>
-          </a:p>
-        </p:txBody>
-      </p:sp>
-      <p:sp>
-        <p:nvSpPr>
-          <p:cNvPr id="2" name="Title 1">
-            <a:extLst>
-              <a:ext uri="{FF2B5EF4-FFF2-40B4-BE49-F238E27FC236}">
-                <a16:creationId xmlns:a16="http://schemas.microsoft.com/office/drawing/2014/main" id="{D3A83D46-9A10-4E69-8C3E-C9CB340F5A47}"/>
-              </a:ext>
-            </a:extLst>
-          </p:cNvPr>
-          <p:cNvSpPr>
-            <a:spLocks noGrp="1"/>
-          </p:cNvSpPr>
-          <p:nvPr>
-            <p:ph type="title"/>
-          </p:nvPr>
-        </p:nvSpPr>
-        <p:spPr/>
-        <p:txBody>
-          <a:bodyPr/>
-          <a:lstStyle/>
-          <a:p>
-            <a:r>
-              <a:rPr lang="en-US" dirty="0"/>
-              <a:t>Polynomial Features</a:t>
-            </a:r>
-          </a:p>
-        </p:txBody>
-      </p:sp>
-      <p:sp>
-        <p:nvSpPr>
-          <p:cNvPr id="4" name="TextBox 3">
-            <a:extLst>
-              <a:ext uri="{FF2B5EF4-FFF2-40B4-BE49-F238E27FC236}">
-                <a16:creationId xmlns:a16="http://schemas.microsoft.com/office/drawing/2014/main" id="{DB68E18E-1EAE-421C-AD2C-203B4BE8B1D9}"/>
-              </a:ext>
-            </a:extLst>
-          </p:cNvPr>
-          <p:cNvSpPr txBox="1"/>
-          <p:nvPr/>
-        </p:nvSpPr>
-        <p:spPr>
-          <a:xfrm>
-            <a:off x="3363812" y="3275034"/>
-            <a:ext cx="241668" cy="253234"/>
-          </a:xfrm>
-          <a:prstGeom prst="rect">
-            <a:avLst/>
-          </a:prstGeom>
-          <a:noFill/>
-          <a:ln w="19050">
-            <a:noFill/>
-          </a:ln>
-        </p:spPr>
-        <p:txBody>
-          <a:bodyPr wrap="none" rtlCol="0">
-            <a:spAutoFit/>
-          </a:bodyPr>
-          <a:lstStyle/>
-          <a:p>
-            <a:r>
-              <a:rPr lang="en-US" sz="2000" dirty="0">
-                <a:solidFill>
-                  <a:prstClr val="black"/>
-                </a:solidFill>
-                <a:latin typeface="Calibri"/>
-              </a:rPr>
-              <a:t>x</a:t>
-            </a:r>
-            <a:r>
-              <a:rPr lang="en-US" sz="2000" baseline="-25000" dirty="0">
-                <a:solidFill>
-                  <a:prstClr val="black"/>
-                </a:solidFill>
-                <a:latin typeface="Calibri"/>
-              </a:rPr>
-              <a:t>1</a:t>
-            </a:r>
-          </a:p>
-        </p:txBody>
-      </p:sp>
-      <p:sp>
-        <p:nvSpPr>
-          <p:cNvPr id="5" name="TextBox 4">
-            <a:extLst>
-              <a:ext uri="{FF2B5EF4-FFF2-40B4-BE49-F238E27FC236}">
-                <a16:creationId xmlns:a16="http://schemas.microsoft.com/office/drawing/2014/main" id="{32E91CC1-5B29-43FF-98A2-4D4A7DE93992}"/>
-              </a:ext>
-            </a:extLst>
-          </p:cNvPr>
-          <p:cNvSpPr txBox="1"/>
-          <p:nvPr/>
-        </p:nvSpPr>
-        <p:spPr>
-          <a:xfrm>
-            <a:off x="1951295" y="2012745"/>
-            <a:ext cx="241668" cy="253234"/>
-          </a:xfrm>
-          <a:prstGeom prst="rect">
-            <a:avLst/>
-          </a:prstGeom>
-          <a:noFill/>
-          <a:ln w="19050">
-            <a:noFill/>
-          </a:ln>
-        </p:spPr>
-        <p:txBody>
-          <a:bodyPr wrap="none" rtlCol="0">
-            <a:spAutoFit/>
-          </a:bodyPr>
-          <a:lstStyle/>
-          <a:p>
-            <a:r>
-              <a:rPr lang="en-US" sz="2000" dirty="0">
-                <a:solidFill>
-                  <a:prstClr val="black"/>
-                </a:solidFill>
-                <a:latin typeface="Calibri"/>
-              </a:rPr>
-              <a:t>x</a:t>
-            </a:r>
-            <a:r>
-              <a:rPr lang="en-US" sz="2000" baseline="-25000" dirty="0">
-                <a:solidFill>
-                  <a:prstClr val="black"/>
-                </a:solidFill>
-                <a:latin typeface="Calibri"/>
-              </a:rPr>
-              <a:t>2</a:t>
-            </a:r>
-          </a:p>
-        </p:txBody>
-      </p:sp>
-      <p:cxnSp>
-        <p:nvCxnSpPr>
-          <p:cNvPr id="6" name="Straight Arrow Connector 5">
-            <a:extLst>
-              <a:ext uri="{FF2B5EF4-FFF2-40B4-BE49-F238E27FC236}">
-                <a16:creationId xmlns:a16="http://schemas.microsoft.com/office/drawing/2014/main" id="{594BF2C8-F617-4769-A800-D7F70985C2F5}"/>
-              </a:ext>
-            </a:extLst>
-          </p:cNvPr>
-          <p:cNvCxnSpPr/>
-          <p:nvPr/>
-        </p:nvCxnSpPr>
-        <p:spPr>
-          <a:xfrm flipV="1">
-            <a:off x="2294621" y="2322605"/>
-            <a:ext cx="0" cy="2119134"/>
-          </a:xfrm>
-          <a:prstGeom prst="straightConnector1">
-            <a:avLst/>
-          </a:prstGeom>
-          <a:ln w="19050">
-            <a:solidFill>
-              <a:schemeClr val="bg1">
-                <a:lumMod val="50000"/>
-              </a:schemeClr>
-            </a:solidFill>
-            <a:tailEnd type="arrow"/>
-          </a:ln>
-        </p:spPr>
-        <p:style>
-          <a:lnRef idx="1">
-            <a:schemeClr val="accent1"/>
-          </a:lnRef>
-          <a:fillRef idx="0">
-            <a:schemeClr val="accent1"/>
-          </a:fillRef>
-          <a:effectRef idx="0">
-            <a:schemeClr val="accent1"/>
-          </a:effectRef>
-          <a:fontRef idx="minor">
-            <a:schemeClr val="tx1"/>
-          </a:fontRef>
-        </p:style>
-      </p:cxnSp>
-      <p:cxnSp>
-        <p:nvCxnSpPr>
-          <p:cNvPr id="7" name="Straight Arrow Connector 6">
-            <a:extLst>
-              <a:ext uri="{FF2B5EF4-FFF2-40B4-BE49-F238E27FC236}">
-                <a16:creationId xmlns:a16="http://schemas.microsoft.com/office/drawing/2014/main" id="{2AB8313C-E58C-48ED-879E-224CAC4A5E31}"/>
-              </a:ext>
-            </a:extLst>
-          </p:cNvPr>
-          <p:cNvCxnSpPr/>
-          <p:nvPr/>
-        </p:nvCxnSpPr>
-        <p:spPr>
-          <a:xfrm>
-            <a:off x="1260826" y="3418962"/>
-            <a:ext cx="2018631" cy="0"/>
-          </a:xfrm>
-          <a:prstGeom prst="straightConnector1">
-            <a:avLst/>
-          </a:prstGeom>
-          <a:ln w="19050">
-            <a:solidFill>
-              <a:schemeClr val="bg1">
-                <a:lumMod val="50000"/>
-              </a:schemeClr>
-            </a:solidFill>
-            <a:tailEnd type="arrow"/>
-          </a:ln>
-        </p:spPr>
-        <p:style>
-          <a:lnRef idx="1">
-            <a:schemeClr val="accent1"/>
-          </a:lnRef>
-          <a:fillRef idx="0">
-            <a:schemeClr val="accent1"/>
-          </a:fillRef>
-          <a:effectRef idx="0">
-            <a:schemeClr val="accent1"/>
-          </a:effectRef>
-          <a:fontRef idx="minor">
-            <a:schemeClr val="tx1"/>
-          </a:fontRef>
-        </p:style>
-      </p:cxnSp>
-      <p:pic>
-        <p:nvPicPr>
-          <p:cNvPr id="8" name="Picture 7">
-            <a:extLst>
-              <a:ext uri="{FF2B5EF4-FFF2-40B4-BE49-F238E27FC236}">
-                <a16:creationId xmlns:a16="http://schemas.microsoft.com/office/drawing/2014/main" id="{BEE397F9-27D6-42D3-8553-73B405C25B83}"/>
-              </a:ext>
-            </a:extLst>
-          </p:cNvPr>
-          <p:cNvPicPr>
-            <a:picLocks noChangeAspect="1"/>
-          </p:cNvPicPr>
-          <p:nvPr>
-            <p:custDataLst>
-              <p:tags r:id="rId1"/>
-            </p:custDataLst>
-          </p:nvPr>
-        </p:nvPicPr>
-        <p:blipFill>
-          <a:blip r:embed="rId6" cstate="print">
-            <a:extLst>
-              <a:ext uri="{28A0092B-C50C-407E-A947-70E740481C1C}">
-                <a14:useLocalDpi xmlns:a14="http://schemas.microsoft.com/office/drawing/2010/main" val="0"/>
-              </a:ext>
-            </a:extLst>
-          </a:blip>
-          <a:stretch>
-            <a:fillRect/>
-          </a:stretch>
-        </p:blipFill>
-        <p:spPr>
-          <a:xfrm>
-            <a:off x="3958478" y="2393864"/>
-            <a:ext cx="4147185" cy="357378"/>
-          </a:xfrm>
-          <a:prstGeom prst="rect">
-            <a:avLst/>
-          </a:prstGeom>
-        </p:spPr>
-      </p:pic>
-      <p:pic>
-        <p:nvPicPr>
-          <p:cNvPr id="9" name="Picture 8">
-            <a:extLst>
-              <a:ext uri="{FF2B5EF4-FFF2-40B4-BE49-F238E27FC236}">
-                <a16:creationId xmlns:a16="http://schemas.microsoft.com/office/drawing/2014/main" id="{9A5A068E-1772-4C5B-844C-98F5C5A3073A}"/>
-              </a:ext>
-            </a:extLst>
-          </p:cNvPr>
-          <p:cNvPicPr>
-            <a:picLocks noChangeAspect="1"/>
-          </p:cNvPicPr>
-          <p:nvPr>
-            <p:custDataLst>
-              <p:tags r:id="rId2"/>
-            </p:custDataLst>
-          </p:nvPr>
-        </p:nvPicPr>
-        <p:blipFill>
-          <a:blip r:embed="rId7" cstate="print">
-            <a:extLst>
-              <a:ext uri="{28A0092B-C50C-407E-A947-70E740481C1C}">
-                <a14:useLocalDpi xmlns:a14="http://schemas.microsoft.com/office/drawing/2010/main" val="0"/>
-              </a:ext>
-            </a:extLst>
-          </a:blip>
-          <a:stretch>
-            <a:fillRect/>
-          </a:stretch>
-        </p:blipFill>
-        <p:spPr>
-          <a:xfrm>
-            <a:off x="6041595" y="2880574"/>
-            <a:ext cx="2168271" cy="384048"/>
-          </a:xfrm>
-          <a:prstGeom prst="rect">
-            <a:avLst/>
-          </a:prstGeom>
-        </p:spPr>
-      </p:pic>
-      <p:sp>
-        <p:nvSpPr>
-          <p:cNvPr id="10" name="TextBox 9">
-            <a:extLst>
-              <a:ext uri="{FF2B5EF4-FFF2-40B4-BE49-F238E27FC236}">
-                <a16:creationId xmlns:a16="http://schemas.microsoft.com/office/drawing/2014/main" id="{59437328-F460-4BEB-90F3-3EBFE4883604}"/>
-              </a:ext>
-            </a:extLst>
-          </p:cNvPr>
-          <p:cNvSpPr txBox="1"/>
-          <p:nvPr/>
-        </p:nvSpPr>
-        <p:spPr>
-          <a:xfrm>
-            <a:off x="1104900" y="5289728"/>
-            <a:ext cx="5410200" cy="523220"/>
-          </a:xfrm>
-          <a:prstGeom prst="rect">
-            <a:avLst/>
-          </a:prstGeom>
-          <a:noFill/>
-        </p:spPr>
-        <p:txBody>
-          <a:bodyPr wrap="square" rtlCol="0">
-            <a:spAutoFit/>
-          </a:bodyPr>
-          <a:lstStyle/>
-          <a:p>
-            <a:r>
-              <a:rPr lang="en-US" sz="2800" dirty="0">
-                <a:solidFill>
-                  <a:prstClr val="black"/>
-                </a:solidFill>
-                <a:latin typeface="Calibri"/>
-              </a:rPr>
-              <a:t>Predict “          “ if </a:t>
-            </a:r>
-          </a:p>
-        </p:txBody>
-      </p:sp>
-      <p:pic>
-        <p:nvPicPr>
-          <p:cNvPr id="11" name="Picture 10">
-            <a:extLst>
-              <a:ext uri="{FF2B5EF4-FFF2-40B4-BE49-F238E27FC236}">
-                <a16:creationId xmlns:a16="http://schemas.microsoft.com/office/drawing/2014/main" id="{C42DE325-1FA6-448F-AC59-63FE8B8D43B1}"/>
-              </a:ext>
-            </a:extLst>
-          </p:cNvPr>
-          <p:cNvPicPr>
-            <a:picLocks noChangeAspect="1"/>
-          </p:cNvPicPr>
-          <p:nvPr>
-            <p:custDataLst>
-              <p:tags r:id="rId3"/>
-            </p:custDataLst>
-          </p:nvPr>
-        </p:nvPicPr>
-        <p:blipFill>
-          <a:blip r:embed="rId8" cstate="print">
-            <a:extLst>
-              <a:ext uri="{28A0092B-C50C-407E-A947-70E740481C1C}">
-                <a14:useLocalDpi xmlns:a14="http://schemas.microsoft.com/office/drawing/2010/main" val="0"/>
-              </a:ext>
-            </a:extLst>
-          </a:blip>
-          <a:stretch>
-            <a:fillRect/>
-          </a:stretch>
-        </p:blipFill>
-        <p:spPr>
-          <a:xfrm>
-            <a:off x="2498246" y="5392574"/>
-            <a:ext cx="800100" cy="309372"/>
-          </a:xfrm>
-          <a:prstGeom prst="rect">
-            <a:avLst/>
-          </a:prstGeom>
-        </p:spPr>
-      </p:pic>
-      <p:pic>
-        <p:nvPicPr>
-          <p:cNvPr id="12" name="Picture 11">
-            <a:extLst>
-              <a:ext uri="{FF2B5EF4-FFF2-40B4-BE49-F238E27FC236}">
-                <a16:creationId xmlns:a16="http://schemas.microsoft.com/office/drawing/2014/main" id="{7FEFEC8A-48F8-4CF3-8196-AD33D14F188E}"/>
-              </a:ext>
-            </a:extLst>
-          </p:cNvPr>
-          <p:cNvPicPr>
-            <a:picLocks noChangeAspect="1"/>
-          </p:cNvPicPr>
-          <p:nvPr>
-            <p:custDataLst>
-              <p:tags r:id="rId4"/>
-            </p:custDataLst>
-          </p:nvPr>
-        </p:nvPicPr>
-        <p:blipFill>
-          <a:blip r:embed="rId9" cstate="print">
-            <a:extLst>
-              <a:ext uri="{28A0092B-C50C-407E-A947-70E740481C1C}">
-                <a14:useLocalDpi xmlns:a14="http://schemas.microsoft.com/office/drawing/2010/main" val="0"/>
-              </a:ext>
-            </a:extLst>
-          </a:blip>
-          <a:stretch>
-            <a:fillRect/>
-          </a:stretch>
-        </p:blipFill>
-        <p:spPr>
-          <a:xfrm>
-            <a:off x="4123561" y="5380034"/>
-            <a:ext cx="2650998" cy="384048"/>
-          </a:xfrm>
-          <a:prstGeom prst="rect">
-            <a:avLst/>
-          </a:prstGeom>
-        </p:spPr>
-      </p:pic>
-      <p:sp>
-        <p:nvSpPr>
-          <p:cNvPr id="13" name="TextBox 12">
-            <a:extLst>
-              <a:ext uri="{FF2B5EF4-FFF2-40B4-BE49-F238E27FC236}">
-                <a16:creationId xmlns:a16="http://schemas.microsoft.com/office/drawing/2014/main" id="{493A8D76-A38F-47A2-A043-6364CD13E87D}"/>
-              </a:ext>
-            </a:extLst>
-          </p:cNvPr>
-          <p:cNvSpPr txBox="1"/>
-          <p:nvPr/>
-        </p:nvSpPr>
-        <p:spPr>
-          <a:xfrm>
-            <a:off x="1541956" y="4289730"/>
-            <a:ext cx="241668" cy="253234"/>
-          </a:xfrm>
-          <a:prstGeom prst="rect">
-            <a:avLst/>
-          </a:prstGeom>
-          <a:noFill/>
-          <a:ln w="19050">
-            <a:noFill/>
-          </a:ln>
-        </p:spPr>
-        <p:txBody>
-          <a:bodyPr wrap="none" rtlCol="0">
-            <a:spAutoFit/>
-          </a:bodyPr>
-          <a:lstStyle/>
-          <a:p>
-            <a:r>
-              <a:rPr lang="en-US" sz="2000" dirty="0">
-                <a:solidFill>
-                  <a:prstClr val="black"/>
-                </a:solidFill>
-                <a:latin typeface="Calibri"/>
-              </a:rPr>
-              <a:t>x</a:t>
-            </a:r>
-            <a:r>
-              <a:rPr lang="en-US" sz="2000" baseline="-25000" dirty="0">
-                <a:solidFill>
-                  <a:prstClr val="black"/>
-                </a:solidFill>
-                <a:latin typeface="Calibri"/>
-              </a:rPr>
-              <a:t>2</a:t>
-            </a:r>
-          </a:p>
-        </p:txBody>
-      </p:sp>
-      <p:grpSp>
-        <p:nvGrpSpPr>
-          <p:cNvPr id="14" name="Group 13">
-            <a:extLst>
-              <a:ext uri="{FF2B5EF4-FFF2-40B4-BE49-F238E27FC236}">
-                <a16:creationId xmlns:a16="http://schemas.microsoft.com/office/drawing/2014/main" id="{2ADF6F40-D8C6-442A-9010-1F198D669B6C}"/>
-              </a:ext>
-            </a:extLst>
-          </p:cNvPr>
-          <p:cNvGrpSpPr/>
-          <p:nvPr/>
-        </p:nvGrpSpPr>
-        <p:grpSpPr>
-          <a:xfrm>
-            <a:off x="1332235" y="2472709"/>
-            <a:ext cx="1814029" cy="1829875"/>
-            <a:chOff x="812855" y="1212320"/>
-            <a:chExt cx="1814029" cy="1829875"/>
-          </a:xfrm>
-        </p:grpSpPr>
-        <p:sp>
-          <p:nvSpPr>
-            <p:cNvPr id="15" name="Oval 14">
-              <a:extLst>
-                <a:ext uri="{FF2B5EF4-FFF2-40B4-BE49-F238E27FC236}">
-                  <a16:creationId xmlns:a16="http://schemas.microsoft.com/office/drawing/2014/main" id="{D86A7636-4F83-4278-BBF6-32CB1AC07D21}"/>
-                </a:ext>
-              </a:extLst>
-            </p:cNvPr>
-            <p:cNvSpPr/>
-            <p:nvPr/>
-          </p:nvSpPr>
-          <p:spPr>
-            <a:xfrm>
-              <a:off x="1366477" y="2319308"/>
-              <a:ext cx="153439" cy="153439"/>
-            </a:xfrm>
-            <a:prstGeom prst="ellipse">
-              <a:avLst/>
-            </a:prstGeom>
-            <a:noFill/>
-            <a:ln w="19050">
-              <a:solidFill>
-                <a:schemeClr val="tx2">
-                  <a:lumMod val="60000"/>
-                  <a:lumOff val="40000"/>
-                </a:schemeClr>
-              </a:solidFill>
-            </a:ln>
-          </p:spPr>
-          <p:style>
-            <a:lnRef idx="2">
-              <a:schemeClr val="accent1">
-                <a:shade val="50000"/>
-              </a:schemeClr>
-            </a:lnRef>
-            <a:fillRef idx="1">
-              <a:schemeClr val="accent1"/>
-            </a:fillRef>
-            <a:effectRef idx="0">
-              <a:schemeClr val="accent1"/>
-            </a:effectRef>
-            <a:fontRef idx="minor">
-              <a:schemeClr val="lt1"/>
-            </a:fontRef>
-          </p:style>
-          <p:txBody>
-            <a:bodyPr rtlCol="0" anchor="ctr"/>
-            <a:lstStyle/>
-            <a:p>
-              <a:pPr algn="ctr"/>
-              <a:endParaRPr lang="en-US">
-                <a:solidFill>
-                  <a:prstClr val="white"/>
-                </a:solidFill>
-                <a:latin typeface="Calibri"/>
-              </a:endParaRPr>
-            </a:p>
-          </p:txBody>
-        </p:sp>
-        <p:sp>
-          <p:nvSpPr>
-            <p:cNvPr id="16" name="Oval 15">
-              <a:extLst>
-                <a:ext uri="{FF2B5EF4-FFF2-40B4-BE49-F238E27FC236}">
-                  <a16:creationId xmlns:a16="http://schemas.microsoft.com/office/drawing/2014/main" id="{BF1376F9-4484-4A26-954B-1C18FBA1BA15}"/>
-                </a:ext>
-              </a:extLst>
-            </p:cNvPr>
-            <p:cNvSpPr/>
-            <p:nvPr/>
-          </p:nvSpPr>
-          <p:spPr>
-            <a:xfrm>
-              <a:off x="1597322" y="2376201"/>
-              <a:ext cx="153439" cy="153439"/>
-            </a:xfrm>
-            <a:prstGeom prst="ellipse">
-              <a:avLst/>
-            </a:prstGeom>
-            <a:noFill/>
-            <a:ln w="19050">
-              <a:solidFill>
-                <a:schemeClr val="tx2">
-                  <a:lumMod val="60000"/>
-                  <a:lumOff val="40000"/>
-                </a:schemeClr>
-              </a:solidFill>
-            </a:ln>
-          </p:spPr>
-          <p:style>
-            <a:lnRef idx="2">
-              <a:schemeClr val="accent1">
-                <a:shade val="50000"/>
-              </a:schemeClr>
-            </a:lnRef>
-            <a:fillRef idx="1">
-              <a:schemeClr val="accent1"/>
-            </a:fillRef>
-            <a:effectRef idx="0">
-              <a:schemeClr val="accent1"/>
-            </a:effectRef>
-            <a:fontRef idx="minor">
-              <a:schemeClr val="lt1"/>
-            </a:fontRef>
-          </p:style>
-          <p:txBody>
-            <a:bodyPr rtlCol="0" anchor="ctr"/>
-            <a:lstStyle/>
-            <a:p>
-              <a:pPr algn="ctr"/>
-              <a:endParaRPr lang="en-US">
-                <a:solidFill>
-                  <a:prstClr val="white"/>
-                </a:solidFill>
-                <a:latin typeface="Calibri"/>
-              </a:endParaRPr>
-            </a:p>
-          </p:txBody>
-        </p:sp>
-        <p:sp>
-          <p:nvSpPr>
-            <p:cNvPr id="17" name="Oval 16">
-              <a:extLst>
-                <a:ext uri="{FF2B5EF4-FFF2-40B4-BE49-F238E27FC236}">
-                  <a16:creationId xmlns:a16="http://schemas.microsoft.com/office/drawing/2014/main" id="{965A8069-E388-4088-B0E6-5E0B5C805ED4}"/>
-                </a:ext>
-              </a:extLst>
-            </p:cNvPr>
-            <p:cNvSpPr/>
-            <p:nvPr/>
-          </p:nvSpPr>
-          <p:spPr>
-            <a:xfrm>
-              <a:off x="1538039" y="2147626"/>
-              <a:ext cx="153439" cy="153439"/>
-            </a:xfrm>
-            <a:prstGeom prst="ellipse">
-              <a:avLst/>
-            </a:prstGeom>
-            <a:noFill/>
-            <a:ln w="19050">
-              <a:solidFill>
-                <a:schemeClr val="tx2">
-                  <a:lumMod val="60000"/>
-                  <a:lumOff val="40000"/>
-                </a:schemeClr>
-              </a:solidFill>
-            </a:ln>
-          </p:spPr>
-          <p:style>
-            <a:lnRef idx="2">
-              <a:schemeClr val="accent1">
-                <a:shade val="50000"/>
-              </a:schemeClr>
-            </a:lnRef>
-            <a:fillRef idx="1">
-              <a:schemeClr val="accent1"/>
-            </a:fillRef>
-            <a:effectRef idx="0">
-              <a:schemeClr val="accent1"/>
-            </a:effectRef>
-            <a:fontRef idx="minor">
-              <a:schemeClr val="lt1"/>
-            </a:fontRef>
-          </p:style>
-          <p:txBody>
-            <a:bodyPr rtlCol="0" anchor="ctr"/>
-            <a:lstStyle/>
-            <a:p>
-              <a:pPr algn="ctr"/>
-              <a:endParaRPr lang="en-US">
-                <a:solidFill>
-                  <a:prstClr val="white"/>
-                </a:solidFill>
-                <a:latin typeface="Calibri"/>
-              </a:endParaRPr>
-            </a:p>
-          </p:txBody>
-        </p:sp>
-        <p:sp>
-          <p:nvSpPr>
-            <p:cNvPr id="18" name="Oval 17">
-              <a:extLst>
-                <a:ext uri="{FF2B5EF4-FFF2-40B4-BE49-F238E27FC236}">
-                  <a16:creationId xmlns:a16="http://schemas.microsoft.com/office/drawing/2014/main" id="{7CD86C3A-41E1-4996-800E-5BE656AF09ED}"/>
-                </a:ext>
-              </a:extLst>
-            </p:cNvPr>
-            <p:cNvSpPr/>
-            <p:nvPr/>
-          </p:nvSpPr>
-          <p:spPr>
-            <a:xfrm>
-              <a:off x="1387791" y="1823930"/>
-              <a:ext cx="153439" cy="153439"/>
-            </a:xfrm>
-            <a:prstGeom prst="ellipse">
-              <a:avLst/>
-            </a:prstGeom>
-            <a:noFill/>
-            <a:ln w="19050">
-              <a:solidFill>
-                <a:schemeClr val="tx2">
-                  <a:lumMod val="60000"/>
-                  <a:lumOff val="40000"/>
-                </a:schemeClr>
-              </a:solidFill>
-            </a:ln>
-          </p:spPr>
-          <p:style>
-            <a:lnRef idx="2">
-              <a:schemeClr val="accent1">
-                <a:shade val="50000"/>
-              </a:schemeClr>
-            </a:lnRef>
-            <a:fillRef idx="1">
-              <a:schemeClr val="accent1"/>
-            </a:fillRef>
-            <a:effectRef idx="0">
-              <a:schemeClr val="accent1"/>
-            </a:effectRef>
-            <a:fontRef idx="minor">
-              <a:schemeClr val="lt1"/>
-            </a:fontRef>
-          </p:style>
-          <p:txBody>
-            <a:bodyPr rtlCol="0" anchor="ctr"/>
-            <a:lstStyle/>
-            <a:p>
-              <a:pPr algn="ctr"/>
-              <a:endParaRPr lang="en-US">
-                <a:solidFill>
-                  <a:prstClr val="white"/>
-                </a:solidFill>
-                <a:latin typeface="Calibri"/>
-              </a:endParaRPr>
-            </a:p>
-          </p:txBody>
-        </p:sp>
-        <p:sp>
-          <p:nvSpPr>
-            <p:cNvPr id="19" name="Oval 18">
-              <a:extLst>
-                <a:ext uri="{FF2B5EF4-FFF2-40B4-BE49-F238E27FC236}">
-                  <a16:creationId xmlns:a16="http://schemas.microsoft.com/office/drawing/2014/main" id="{3D7502EB-DC41-4278-A54F-2C5CE9EEB7CF}"/>
-                </a:ext>
-              </a:extLst>
-            </p:cNvPr>
-            <p:cNvSpPr/>
-            <p:nvPr/>
-          </p:nvSpPr>
-          <p:spPr>
-            <a:xfrm>
-              <a:off x="1704237" y="1791140"/>
-              <a:ext cx="153439" cy="153439"/>
-            </a:xfrm>
-            <a:prstGeom prst="ellipse">
-              <a:avLst/>
-            </a:prstGeom>
-            <a:noFill/>
-            <a:ln w="19050">
-              <a:solidFill>
-                <a:schemeClr val="tx2">
-                  <a:lumMod val="60000"/>
-                  <a:lumOff val="40000"/>
-                </a:schemeClr>
-              </a:solidFill>
-            </a:ln>
-          </p:spPr>
-          <p:style>
-            <a:lnRef idx="2">
-              <a:schemeClr val="accent1">
-                <a:shade val="50000"/>
-              </a:schemeClr>
-            </a:lnRef>
-            <a:fillRef idx="1">
-              <a:schemeClr val="accent1"/>
-            </a:fillRef>
-            <a:effectRef idx="0">
-              <a:schemeClr val="accent1"/>
-            </a:effectRef>
-            <a:fontRef idx="minor">
-              <a:schemeClr val="lt1"/>
-            </a:fontRef>
-          </p:style>
-          <p:txBody>
-            <a:bodyPr rtlCol="0" anchor="ctr"/>
-            <a:lstStyle/>
-            <a:p>
-              <a:pPr algn="ctr"/>
-              <a:endParaRPr lang="en-US">
-                <a:solidFill>
-                  <a:prstClr val="white"/>
-                </a:solidFill>
-                <a:latin typeface="Calibri"/>
-              </a:endParaRPr>
-            </a:p>
-          </p:txBody>
-        </p:sp>
-        <p:sp>
-          <p:nvSpPr>
-            <p:cNvPr id="20" name="Oval 19">
-              <a:extLst>
-                <a:ext uri="{FF2B5EF4-FFF2-40B4-BE49-F238E27FC236}">
-                  <a16:creationId xmlns:a16="http://schemas.microsoft.com/office/drawing/2014/main" id="{466A64CA-8042-4A0F-A553-602DAB9833EC}"/>
-                </a:ext>
-              </a:extLst>
-            </p:cNvPr>
-            <p:cNvSpPr/>
-            <p:nvPr/>
-          </p:nvSpPr>
-          <p:spPr>
-            <a:xfrm>
-              <a:off x="1531490" y="1927513"/>
-              <a:ext cx="153439" cy="153439"/>
-            </a:xfrm>
-            <a:prstGeom prst="ellipse">
-              <a:avLst/>
-            </a:prstGeom>
-            <a:noFill/>
-            <a:ln w="19050">
-              <a:solidFill>
-                <a:schemeClr val="tx2">
-                  <a:lumMod val="60000"/>
-                  <a:lumOff val="40000"/>
-                </a:schemeClr>
-              </a:solidFill>
-            </a:ln>
-          </p:spPr>
-          <p:style>
-            <a:lnRef idx="2">
-              <a:schemeClr val="accent1">
-                <a:shade val="50000"/>
-              </a:schemeClr>
-            </a:lnRef>
-            <a:fillRef idx="1">
-              <a:schemeClr val="accent1"/>
-            </a:fillRef>
-            <a:effectRef idx="0">
-              <a:schemeClr val="accent1"/>
-            </a:effectRef>
-            <a:fontRef idx="minor">
-              <a:schemeClr val="lt1"/>
-            </a:fontRef>
-          </p:style>
-          <p:txBody>
-            <a:bodyPr rtlCol="0" anchor="ctr"/>
-            <a:lstStyle/>
-            <a:p>
-              <a:pPr algn="ctr"/>
-              <a:endParaRPr lang="en-US">
-                <a:solidFill>
-                  <a:prstClr val="white"/>
-                </a:solidFill>
-                <a:latin typeface="Calibri"/>
-              </a:endParaRPr>
-            </a:p>
-          </p:txBody>
-        </p:sp>
-        <p:sp>
-          <p:nvSpPr>
-            <p:cNvPr id="21" name="Oval 20">
-              <a:extLst>
-                <a:ext uri="{FF2B5EF4-FFF2-40B4-BE49-F238E27FC236}">
-                  <a16:creationId xmlns:a16="http://schemas.microsoft.com/office/drawing/2014/main" id="{F26F866B-F98B-4109-9574-7097B1D11313}"/>
-                </a:ext>
-              </a:extLst>
-            </p:cNvPr>
-            <p:cNvSpPr/>
-            <p:nvPr/>
-          </p:nvSpPr>
-          <p:spPr>
-            <a:xfrm>
-              <a:off x="1295400" y="2064623"/>
-              <a:ext cx="153439" cy="153439"/>
-            </a:xfrm>
-            <a:prstGeom prst="ellipse">
-              <a:avLst/>
-            </a:prstGeom>
-            <a:noFill/>
-            <a:ln w="19050">
-              <a:solidFill>
-                <a:schemeClr val="tx2">
-                  <a:lumMod val="60000"/>
-                  <a:lumOff val="40000"/>
-                </a:schemeClr>
-              </a:solidFill>
-            </a:ln>
-          </p:spPr>
-          <p:style>
-            <a:lnRef idx="2">
-              <a:schemeClr val="accent1">
-                <a:shade val="50000"/>
-              </a:schemeClr>
-            </a:lnRef>
-            <a:fillRef idx="1">
-              <a:schemeClr val="accent1"/>
-            </a:fillRef>
-            <a:effectRef idx="0">
-              <a:schemeClr val="accent1"/>
-            </a:effectRef>
-            <a:fontRef idx="minor">
-              <a:schemeClr val="lt1"/>
-            </a:fontRef>
-          </p:style>
-          <p:txBody>
-            <a:bodyPr rtlCol="0" anchor="ctr"/>
-            <a:lstStyle/>
-            <a:p>
-              <a:pPr algn="ctr"/>
-              <a:endParaRPr lang="en-US">
-                <a:solidFill>
-                  <a:prstClr val="white"/>
-                </a:solidFill>
-                <a:latin typeface="Calibri"/>
-              </a:endParaRPr>
-            </a:p>
-          </p:txBody>
-        </p:sp>
-        <p:sp>
-          <p:nvSpPr>
-            <p:cNvPr id="22" name="Oval 21">
-              <a:extLst>
-                <a:ext uri="{FF2B5EF4-FFF2-40B4-BE49-F238E27FC236}">
-                  <a16:creationId xmlns:a16="http://schemas.microsoft.com/office/drawing/2014/main" id="{71204575-CAEF-434C-AB2D-7A31D15B45CD}"/>
-                </a:ext>
-              </a:extLst>
-            </p:cNvPr>
-            <p:cNvSpPr/>
-            <p:nvPr/>
-          </p:nvSpPr>
-          <p:spPr>
-            <a:xfrm>
-              <a:off x="1580767" y="1683859"/>
-              <a:ext cx="153439" cy="153439"/>
-            </a:xfrm>
-            <a:prstGeom prst="ellipse">
-              <a:avLst/>
-            </a:prstGeom>
-            <a:noFill/>
-            <a:ln w="19050">
-              <a:solidFill>
-                <a:schemeClr val="tx2">
-                  <a:lumMod val="60000"/>
-                  <a:lumOff val="40000"/>
-                </a:schemeClr>
-              </a:solidFill>
-            </a:ln>
-          </p:spPr>
-          <p:style>
-            <a:lnRef idx="2">
-              <a:schemeClr val="accent1">
-                <a:shade val="50000"/>
-              </a:schemeClr>
-            </a:lnRef>
-            <a:fillRef idx="1">
-              <a:schemeClr val="accent1"/>
-            </a:fillRef>
-            <a:effectRef idx="0">
-              <a:schemeClr val="accent1"/>
-            </a:effectRef>
-            <a:fontRef idx="minor">
-              <a:schemeClr val="lt1"/>
-            </a:fontRef>
-          </p:style>
-          <p:txBody>
-            <a:bodyPr rtlCol="0" anchor="ctr"/>
-            <a:lstStyle/>
-            <a:p>
-              <a:pPr algn="ctr"/>
-              <a:endParaRPr lang="en-US">
-                <a:solidFill>
-                  <a:prstClr val="white"/>
-                </a:solidFill>
-                <a:latin typeface="Calibri"/>
-              </a:endParaRPr>
-            </a:p>
-          </p:txBody>
-        </p:sp>
-        <p:sp>
-          <p:nvSpPr>
-            <p:cNvPr id="23" name="Cross 22">
-              <a:extLst>
-                <a:ext uri="{FF2B5EF4-FFF2-40B4-BE49-F238E27FC236}">
-                  <a16:creationId xmlns:a16="http://schemas.microsoft.com/office/drawing/2014/main" id="{19E8292F-CE03-42A3-91A0-DC7F61EACCA9}"/>
-                </a:ext>
-              </a:extLst>
-            </p:cNvPr>
-            <p:cNvSpPr/>
-            <p:nvPr/>
-          </p:nvSpPr>
-          <p:spPr>
-            <a:xfrm rot="2734294">
-              <a:off x="2472981" y="2237190"/>
-              <a:ext cx="153134" cy="154670"/>
-            </a:xfrm>
-            <a:prstGeom prst="plus">
-              <a:avLst>
-                <a:gd name="adj" fmla="val 46579"/>
-              </a:avLst>
-            </a:prstGeom>
-            <a:solidFill>
-              <a:schemeClr val="tx1"/>
-            </a:solidFill>
-            <a:ln w="19050">
-              <a:solidFill>
-                <a:srgbClr val="FF0000"/>
-              </a:solidFill>
-            </a:ln>
-          </p:spPr>
-          <p:style>
-            <a:lnRef idx="2">
-              <a:schemeClr val="accent1">
-                <a:shade val="50000"/>
-              </a:schemeClr>
-            </a:lnRef>
-            <a:fillRef idx="1">
-              <a:schemeClr val="accent1"/>
-            </a:fillRef>
-            <a:effectRef idx="0">
-              <a:schemeClr val="accent1"/>
-            </a:effectRef>
-            <a:fontRef idx="minor">
-              <a:schemeClr val="lt1"/>
-            </a:fontRef>
-          </p:style>
-          <p:txBody>
-            <a:bodyPr rtlCol="0" anchor="ctr"/>
-            <a:lstStyle/>
-            <a:p>
-              <a:pPr algn="ctr"/>
-              <a:endParaRPr lang="en-US">
-                <a:solidFill>
-                  <a:prstClr val="white"/>
-                </a:solidFill>
-                <a:latin typeface="Calibri"/>
-              </a:endParaRPr>
-            </a:p>
-          </p:txBody>
-        </p:sp>
-        <p:sp>
-          <p:nvSpPr>
-            <p:cNvPr id="24" name="Cross 23">
-              <a:extLst>
-                <a:ext uri="{FF2B5EF4-FFF2-40B4-BE49-F238E27FC236}">
-                  <a16:creationId xmlns:a16="http://schemas.microsoft.com/office/drawing/2014/main" id="{D41F5348-960C-4360-A4C6-7CC78D7F6710}"/>
-                </a:ext>
-              </a:extLst>
-            </p:cNvPr>
-            <p:cNvSpPr/>
-            <p:nvPr/>
-          </p:nvSpPr>
-          <p:spPr>
-            <a:xfrm rot="2734294">
-              <a:off x="1120341" y="2646737"/>
-              <a:ext cx="153909" cy="153909"/>
-            </a:xfrm>
-            <a:prstGeom prst="plus">
-              <a:avLst>
-                <a:gd name="adj" fmla="val 46579"/>
-              </a:avLst>
-            </a:prstGeom>
-            <a:solidFill>
-              <a:schemeClr val="tx1"/>
-            </a:solidFill>
-            <a:ln w="19050">
-              <a:solidFill>
-                <a:srgbClr val="FF0000"/>
-              </a:solidFill>
-            </a:ln>
-          </p:spPr>
-          <p:style>
-            <a:lnRef idx="2">
-              <a:schemeClr val="accent1">
-                <a:shade val="50000"/>
-              </a:schemeClr>
-            </a:lnRef>
-            <a:fillRef idx="1">
-              <a:schemeClr val="accent1"/>
-            </a:fillRef>
-            <a:effectRef idx="0">
-              <a:schemeClr val="accent1"/>
-            </a:effectRef>
-            <a:fontRef idx="minor">
-              <a:schemeClr val="lt1"/>
-            </a:fontRef>
-          </p:style>
-          <p:txBody>
-            <a:bodyPr rtlCol="0" anchor="ctr"/>
-            <a:lstStyle/>
-            <a:p>
-              <a:pPr algn="ctr"/>
-              <a:endParaRPr lang="en-US">
-                <a:solidFill>
-                  <a:prstClr val="white"/>
-                </a:solidFill>
-                <a:latin typeface="Calibri"/>
-              </a:endParaRPr>
-            </a:p>
-          </p:txBody>
-        </p:sp>
-        <p:sp>
-          <p:nvSpPr>
-            <p:cNvPr id="25" name="Cross 24">
-              <a:extLst>
-                <a:ext uri="{FF2B5EF4-FFF2-40B4-BE49-F238E27FC236}">
-                  <a16:creationId xmlns:a16="http://schemas.microsoft.com/office/drawing/2014/main" id="{E8FA6CC2-5545-40AE-9D3A-9989F5C11044}"/>
-                </a:ext>
-              </a:extLst>
-            </p:cNvPr>
-            <p:cNvSpPr/>
-            <p:nvPr/>
-          </p:nvSpPr>
-          <p:spPr>
-            <a:xfrm rot="2734294">
-              <a:off x="1452062" y="2841006"/>
-              <a:ext cx="153909" cy="153909"/>
-            </a:xfrm>
-            <a:prstGeom prst="plus">
-              <a:avLst>
-                <a:gd name="adj" fmla="val 46579"/>
-              </a:avLst>
-            </a:prstGeom>
-            <a:solidFill>
-              <a:schemeClr val="tx1"/>
-            </a:solidFill>
-            <a:ln w="19050">
-              <a:solidFill>
-                <a:srgbClr val="FF0000"/>
-              </a:solidFill>
-            </a:ln>
-          </p:spPr>
-          <p:style>
-            <a:lnRef idx="2">
-              <a:schemeClr val="accent1">
-                <a:shade val="50000"/>
-              </a:schemeClr>
-            </a:lnRef>
-            <a:fillRef idx="1">
-              <a:schemeClr val="accent1"/>
-            </a:fillRef>
-            <a:effectRef idx="0">
-              <a:schemeClr val="accent1"/>
-            </a:effectRef>
-            <a:fontRef idx="minor">
-              <a:schemeClr val="lt1"/>
-            </a:fontRef>
-          </p:style>
-          <p:txBody>
-            <a:bodyPr rtlCol="0" anchor="ctr"/>
-            <a:lstStyle/>
-            <a:p>
-              <a:pPr algn="ctr"/>
-              <a:endParaRPr lang="en-US">
-                <a:solidFill>
-                  <a:prstClr val="white"/>
-                </a:solidFill>
-                <a:latin typeface="Calibri"/>
-              </a:endParaRPr>
-            </a:p>
-          </p:txBody>
-        </p:sp>
-        <p:sp>
-          <p:nvSpPr>
-            <p:cNvPr id="26" name="Cross 25">
-              <a:extLst>
-                <a:ext uri="{FF2B5EF4-FFF2-40B4-BE49-F238E27FC236}">
-                  <a16:creationId xmlns:a16="http://schemas.microsoft.com/office/drawing/2014/main" id="{95C5A63A-2A82-4DDC-838B-F8AFFA5D5AB6}"/>
-                </a:ext>
-              </a:extLst>
-            </p:cNvPr>
-            <p:cNvSpPr/>
-            <p:nvPr/>
-          </p:nvSpPr>
-          <p:spPr>
-            <a:xfrm rot="2734294">
-              <a:off x="2271958" y="2670635"/>
-              <a:ext cx="153909" cy="153909"/>
-            </a:xfrm>
-            <a:prstGeom prst="plus">
-              <a:avLst>
-                <a:gd name="adj" fmla="val 46579"/>
-              </a:avLst>
-            </a:prstGeom>
-            <a:solidFill>
-              <a:schemeClr val="tx1"/>
-            </a:solidFill>
-            <a:ln w="19050">
-              <a:solidFill>
-                <a:srgbClr val="FF0000"/>
-              </a:solidFill>
-            </a:ln>
-          </p:spPr>
-          <p:style>
-            <a:lnRef idx="2">
-              <a:schemeClr val="accent1">
-                <a:shade val="50000"/>
-              </a:schemeClr>
-            </a:lnRef>
-            <a:fillRef idx="1">
-              <a:schemeClr val="accent1"/>
-            </a:fillRef>
-            <a:effectRef idx="0">
-              <a:schemeClr val="accent1"/>
-            </a:effectRef>
-            <a:fontRef idx="minor">
-              <a:schemeClr val="lt1"/>
-            </a:fontRef>
-          </p:style>
-          <p:txBody>
-            <a:bodyPr rtlCol="0" anchor="ctr"/>
-            <a:lstStyle/>
-            <a:p>
-              <a:pPr algn="ctr"/>
-              <a:endParaRPr lang="en-US">
-                <a:solidFill>
-                  <a:prstClr val="white"/>
-                </a:solidFill>
-                <a:latin typeface="Calibri"/>
-              </a:endParaRPr>
-            </a:p>
-          </p:txBody>
-        </p:sp>
-        <p:sp>
-          <p:nvSpPr>
-            <p:cNvPr id="27" name="Cross 26">
-              <a:extLst>
-                <a:ext uri="{FF2B5EF4-FFF2-40B4-BE49-F238E27FC236}">
-                  <a16:creationId xmlns:a16="http://schemas.microsoft.com/office/drawing/2014/main" id="{7597D166-6D1D-4C64-B09D-61A234D2AD8C}"/>
-                </a:ext>
-              </a:extLst>
-            </p:cNvPr>
-            <p:cNvSpPr/>
-            <p:nvPr/>
-          </p:nvSpPr>
-          <p:spPr>
-            <a:xfrm rot="2734294">
-              <a:off x="1853770" y="2888286"/>
-              <a:ext cx="153909" cy="153909"/>
-            </a:xfrm>
-            <a:prstGeom prst="plus">
-              <a:avLst>
-                <a:gd name="adj" fmla="val 46579"/>
-              </a:avLst>
-            </a:prstGeom>
-            <a:solidFill>
-              <a:schemeClr val="tx1"/>
-            </a:solidFill>
-            <a:ln w="19050">
-              <a:solidFill>
-                <a:srgbClr val="FF0000"/>
-              </a:solidFill>
-            </a:ln>
-          </p:spPr>
-          <p:style>
-            <a:lnRef idx="2">
-              <a:schemeClr val="accent1">
-                <a:shade val="50000"/>
-              </a:schemeClr>
-            </a:lnRef>
-            <a:fillRef idx="1">
-              <a:schemeClr val="accent1"/>
-            </a:fillRef>
-            <a:effectRef idx="0">
-              <a:schemeClr val="accent1"/>
-            </a:effectRef>
-            <a:fontRef idx="minor">
-              <a:schemeClr val="lt1"/>
-            </a:fontRef>
-          </p:style>
-          <p:txBody>
-            <a:bodyPr rtlCol="0" anchor="ctr"/>
-            <a:lstStyle/>
-            <a:p>
-              <a:pPr algn="ctr"/>
-              <a:endParaRPr lang="en-US">
-                <a:solidFill>
-                  <a:prstClr val="white"/>
-                </a:solidFill>
-                <a:latin typeface="Calibri"/>
-              </a:endParaRPr>
-            </a:p>
-          </p:txBody>
-        </p:sp>
-        <p:sp>
-          <p:nvSpPr>
-            <p:cNvPr id="28" name="Cross 27">
-              <a:extLst>
-                <a:ext uri="{FF2B5EF4-FFF2-40B4-BE49-F238E27FC236}">
-                  <a16:creationId xmlns:a16="http://schemas.microsoft.com/office/drawing/2014/main" id="{B836E8CC-8EDC-4FB8-85C5-E107D8BBE08E}"/>
-                </a:ext>
-              </a:extLst>
-            </p:cNvPr>
-            <p:cNvSpPr/>
-            <p:nvPr/>
-          </p:nvSpPr>
-          <p:spPr>
-            <a:xfrm rot="2734294">
-              <a:off x="812855" y="2319072"/>
-              <a:ext cx="153909" cy="153909"/>
-            </a:xfrm>
-            <a:prstGeom prst="plus">
-              <a:avLst>
-                <a:gd name="adj" fmla="val 46579"/>
-              </a:avLst>
-            </a:prstGeom>
-            <a:solidFill>
-              <a:schemeClr val="tx1"/>
-            </a:solidFill>
-            <a:ln w="19050">
-              <a:solidFill>
-                <a:srgbClr val="FF0000"/>
-              </a:solidFill>
-            </a:ln>
-          </p:spPr>
-          <p:style>
-            <a:lnRef idx="2">
-              <a:schemeClr val="accent1">
-                <a:shade val="50000"/>
-              </a:schemeClr>
-            </a:lnRef>
-            <a:fillRef idx="1">
-              <a:schemeClr val="accent1"/>
-            </a:fillRef>
-            <a:effectRef idx="0">
-              <a:schemeClr val="accent1"/>
-            </a:effectRef>
-            <a:fontRef idx="minor">
-              <a:schemeClr val="lt1"/>
-            </a:fontRef>
-          </p:style>
-          <p:txBody>
-            <a:bodyPr rtlCol="0" anchor="ctr"/>
-            <a:lstStyle/>
-            <a:p>
-              <a:pPr algn="ctr"/>
-              <a:endParaRPr lang="en-US">
-                <a:solidFill>
-                  <a:prstClr val="white"/>
-                </a:solidFill>
-                <a:latin typeface="Calibri"/>
-              </a:endParaRPr>
-            </a:p>
-          </p:txBody>
-        </p:sp>
-        <p:sp>
-          <p:nvSpPr>
-            <p:cNvPr id="29" name="Oval 28">
-              <a:extLst>
-                <a:ext uri="{FF2B5EF4-FFF2-40B4-BE49-F238E27FC236}">
-                  <a16:creationId xmlns:a16="http://schemas.microsoft.com/office/drawing/2014/main" id="{C3A835F3-156C-42D7-8C0E-C216BA39437F}"/>
-                </a:ext>
-              </a:extLst>
-            </p:cNvPr>
-            <p:cNvSpPr/>
-            <p:nvPr/>
-          </p:nvSpPr>
-          <p:spPr>
-            <a:xfrm>
-              <a:off x="1848800" y="2070906"/>
-              <a:ext cx="153439" cy="153439"/>
-            </a:xfrm>
-            <a:prstGeom prst="ellipse">
-              <a:avLst/>
-            </a:prstGeom>
-            <a:noFill/>
-            <a:ln w="19050">
-              <a:solidFill>
-                <a:schemeClr val="tx2">
-                  <a:lumMod val="60000"/>
-                  <a:lumOff val="40000"/>
-                </a:schemeClr>
-              </a:solidFill>
-            </a:ln>
-          </p:spPr>
-          <p:style>
-            <a:lnRef idx="2">
-              <a:schemeClr val="accent1">
-                <a:shade val="50000"/>
-              </a:schemeClr>
-            </a:lnRef>
-            <a:fillRef idx="1">
-              <a:schemeClr val="accent1"/>
-            </a:fillRef>
-            <a:effectRef idx="0">
-              <a:schemeClr val="accent1"/>
-            </a:effectRef>
-            <a:fontRef idx="minor">
-              <a:schemeClr val="lt1"/>
-            </a:fontRef>
-          </p:style>
-          <p:txBody>
-            <a:bodyPr rtlCol="0" anchor="ctr"/>
-            <a:lstStyle/>
-            <a:p>
-              <a:pPr algn="ctr"/>
-              <a:endParaRPr lang="en-US">
-                <a:solidFill>
-                  <a:prstClr val="white"/>
-                </a:solidFill>
-                <a:latin typeface="Calibri"/>
-              </a:endParaRPr>
-            </a:p>
-          </p:txBody>
-        </p:sp>
-        <p:sp>
-          <p:nvSpPr>
-            <p:cNvPr id="30" name="Oval 29">
-              <a:extLst>
-                <a:ext uri="{FF2B5EF4-FFF2-40B4-BE49-F238E27FC236}">
-                  <a16:creationId xmlns:a16="http://schemas.microsoft.com/office/drawing/2014/main" id="{513D5C61-9DF3-4213-983B-B39DA081749A}"/>
-                </a:ext>
-              </a:extLst>
-            </p:cNvPr>
-            <p:cNvSpPr/>
-            <p:nvPr/>
-          </p:nvSpPr>
-          <p:spPr>
-            <a:xfrm>
-              <a:off x="2045415" y="2224345"/>
-              <a:ext cx="153439" cy="153439"/>
-            </a:xfrm>
-            <a:prstGeom prst="ellipse">
-              <a:avLst/>
-            </a:prstGeom>
-            <a:noFill/>
-            <a:ln w="19050">
-              <a:solidFill>
-                <a:schemeClr val="tx2">
-                  <a:lumMod val="60000"/>
-                  <a:lumOff val="40000"/>
-                </a:schemeClr>
-              </a:solidFill>
-            </a:ln>
-          </p:spPr>
-          <p:style>
-            <a:lnRef idx="2">
-              <a:schemeClr val="accent1">
-                <a:shade val="50000"/>
-              </a:schemeClr>
-            </a:lnRef>
-            <a:fillRef idx="1">
-              <a:schemeClr val="accent1"/>
-            </a:fillRef>
-            <a:effectRef idx="0">
-              <a:schemeClr val="accent1"/>
-            </a:effectRef>
-            <a:fontRef idx="minor">
-              <a:schemeClr val="lt1"/>
-            </a:fontRef>
-          </p:style>
-          <p:txBody>
-            <a:bodyPr rtlCol="0" anchor="ctr"/>
-            <a:lstStyle/>
-            <a:p>
-              <a:pPr algn="ctr"/>
-              <a:endParaRPr lang="en-US">
-                <a:solidFill>
-                  <a:prstClr val="white"/>
-                </a:solidFill>
-                <a:latin typeface="Calibri"/>
-              </a:endParaRPr>
-            </a:p>
-          </p:txBody>
-        </p:sp>
-        <p:sp>
-          <p:nvSpPr>
-            <p:cNvPr id="31" name="Oval 30">
-              <a:extLst>
-                <a:ext uri="{FF2B5EF4-FFF2-40B4-BE49-F238E27FC236}">
-                  <a16:creationId xmlns:a16="http://schemas.microsoft.com/office/drawing/2014/main" id="{FE9AB4B6-4158-4EA1-BEBE-20B8EAABBBB2}"/>
-                </a:ext>
-              </a:extLst>
-            </p:cNvPr>
-            <p:cNvSpPr/>
-            <p:nvPr/>
-          </p:nvSpPr>
-          <p:spPr>
-            <a:xfrm>
-              <a:off x="2026623" y="1882119"/>
-              <a:ext cx="153439" cy="153439"/>
-            </a:xfrm>
-            <a:prstGeom prst="ellipse">
-              <a:avLst/>
-            </a:prstGeom>
-            <a:noFill/>
-            <a:ln w="19050">
-              <a:solidFill>
-                <a:schemeClr val="tx2">
-                  <a:lumMod val="60000"/>
-                  <a:lumOff val="40000"/>
-                </a:schemeClr>
-              </a:solidFill>
-            </a:ln>
-          </p:spPr>
-          <p:style>
-            <a:lnRef idx="2">
-              <a:schemeClr val="accent1">
-                <a:shade val="50000"/>
-              </a:schemeClr>
-            </a:lnRef>
-            <a:fillRef idx="1">
-              <a:schemeClr val="accent1"/>
-            </a:fillRef>
-            <a:effectRef idx="0">
-              <a:schemeClr val="accent1"/>
-            </a:effectRef>
-            <a:fontRef idx="minor">
-              <a:schemeClr val="lt1"/>
-            </a:fontRef>
-          </p:style>
-          <p:txBody>
-            <a:bodyPr rtlCol="0" anchor="ctr"/>
-            <a:lstStyle/>
-            <a:p>
-              <a:pPr algn="ctr"/>
-              <a:endParaRPr lang="en-US">
-                <a:solidFill>
-                  <a:prstClr val="white"/>
-                </a:solidFill>
-                <a:latin typeface="Calibri"/>
-              </a:endParaRPr>
-            </a:p>
-          </p:txBody>
-        </p:sp>
-        <p:sp>
-          <p:nvSpPr>
-            <p:cNvPr id="32" name="Oval 31">
-              <a:extLst>
-                <a:ext uri="{FF2B5EF4-FFF2-40B4-BE49-F238E27FC236}">
-                  <a16:creationId xmlns:a16="http://schemas.microsoft.com/office/drawing/2014/main" id="{ECC517F6-98D0-460F-A178-16275E3DAD05}"/>
-                </a:ext>
-              </a:extLst>
-            </p:cNvPr>
-            <p:cNvSpPr/>
-            <p:nvPr/>
-          </p:nvSpPr>
-          <p:spPr>
-            <a:xfrm>
-              <a:off x="1848801" y="2428132"/>
-              <a:ext cx="153439" cy="153439"/>
-            </a:xfrm>
-            <a:prstGeom prst="ellipse">
-              <a:avLst/>
-            </a:prstGeom>
-            <a:noFill/>
-            <a:ln w="19050">
-              <a:solidFill>
-                <a:schemeClr val="tx2">
-                  <a:lumMod val="60000"/>
-                  <a:lumOff val="40000"/>
-                </a:schemeClr>
-              </a:solidFill>
-            </a:ln>
-          </p:spPr>
-          <p:style>
-            <a:lnRef idx="2">
-              <a:schemeClr val="accent1">
-                <a:shade val="50000"/>
-              </a:schemeClr>
-            </a:lnRef>
-            <a:fillRef idx="1">
-              <a:schemeClr val="accent1"/>
-            </a:fillRef>
-            <a:effectRef idx="0">
-              <a:schemeClr val="accent1"/>
-            </a:effectRef>
-            <a:fontRef idx="minor">
-              <a:schemeClr val="lt1"/>
-            </a:fontRef>
-          </p:style>
-          <p:txBody>
-            <a:bodyPr rtlCol="0" anchor="ctr"/>
-            <a:lstStyle/>
-            <a:p>
-              <a:pPr algn="ctr"/>
-              <a:endParaRPr lang="en-US">
-                <a:solidFill>
-                  <a:prstClr val="white"/>
-                </a:solidFill>
-                <a:latin typeface="Calibri"/>
-              </a:endParaRPr>
-            </a:p>
-          </p:txBody>
-        </p:sp>
-        <p:sp>
-          <p:nvSpPr>
-            <p:cNvPr id="33" name="Cross 32">
-              <a:extLst>
-                <a:ext uri="{FF2B5EF4-FFF2-40B4-BE49-F238E27FC236}">
-                  <a16:creationId xmlns:a16="http://schemas.microsoft.com/office/drawing/2014/main" id="{875F3C16-BD2A-44EF-9338-75455E0026E7}"/>
-                </a:ext>
-              </a:extLst>
-            </p:cNvPr>
-            <p:cNvSpPr/>
-            <p:nvPr/>
-          </p:nvSpPr>
-          <p:spPr>
-            <a:xfrm rot="2734294">
-              <a:off x="2472982" y="1734874"/>
-              <a:ext cx="153134" cy="154670"/>
-            </a:xfrm>
-            <a:prstGeom prst="plus">
-              <a:avLst>
-                <a:gd name="adj" fmla="val 46579"/>
-              </a:avLst>
-            </a:prstGeom>
-            <a:solidFill>
-              <a:schemeClr val="tx1"/>
-            </a:solidFill>
-            <a:ln w="19050">
-              <a:solidFill>
-                <a:srgbClr val="FF0000"/>
-              </a:solidFill>
-            </a:ln>
-          </p:spPr>
-          <p:style>
-            <a:lnRef idx="2">
-              <a:schemeClr val="accent1">
-                <a:shade val="50000"/>
-              </a:schemeClr>
-            </a:lnRef>
-            <a:fillRef idx="1">
-              <a:schemeClr val="accent1"/>
-            </a:fillRef>
-            <a:effectRef idx="0">
-              <a:schemeClr val="accent1"/>
-            </a:effectRef>
-            <a:fontRef idx="minor">
-              <a:schemeClr val="lt1"/>
-            </a:fontRef>
-          </p:style>
-          <p:txBody>
-            <a:bodyPr rtlCol="0" anchor="ctr"/>
-            <a:lstStyle/>
-            <a:p>
-              <a:pPr algn="ctr"/>
-              <a:endParaRPr lang="en-US">
-                <a:solidFill>
-                  <a:prstClr val="white"/>
-                </a:solidFill>
-                <a:latin typeface="Calibri"/>
-              </a:endParaRPr>
-            </a:p>
-          </p:txBody>
-        </p:sp>
-        <p:sp>
-          <p:nvSpPr>
-            <p:cNvPr id="34" name="Cross 33">
-              <a:extLst>
-                <a:ext uri="{FF2B5EF4-FFF2-40B4-BE49-F238E27FC236}">
-                  <a16:creationId xmlns:a16="http://schemas.microsoft.com/office/drawing/2014/main" id="{878A3921-8ED8-4F8B-A896-BC4B80E096A7}"/>
-                </a:ext>
-              </a:extLst>
-            </p:cNvPr>
-            <p:cNvSpPr/>
-            <p:nvPr/>
-          </p:nvSpPr>
-          <p:spPr>
-            <a:xfrm rot="2734294">
-              <a:off x="2292182" y="1410890"/>
-              <a:ext cx="153134" cy="154670"/>
-            </a:xfrm>
-            <a:prstGeom prst="plus">
-              <a:avLst>
-                <a:gd name="adj" fmla="val 46579"/>
-              </a:avLst>
-            </a:prstGeom>
-            <a:solidFill>
-              <a:schemeClr val="tx1"/>
-            </a:solidFill>
-            <a:ln w="19050">
-              <a:solidFill>
-                <a:srgbClr val="FF0000"/>
-              </a:solidFill>
-            </a:ln>
-          </p:spPr>
-          <p:style>
-            <a:lnRef idx="2">
-              <a:schemeClr val="accent1">
-                <a:shade val="50000"/>
-              </a:schemeClr>
-            </a:lnRef>
-            <a:fillRef idx="1">
-              <a:schemeClr val="accent1"/>
-            </a:fillRef>
-            <a:effectRef idx="0">
-              <a:schemeClr val="accent1"/>
-            </a:effectRef>
-            <a:fontRef idx="minor">
-              <a:schemeClr val="lt1"/>
-            </a:fontRef>
-          </p:style>
-          <p:txBody>
-            <a:bodyPr rtlCol="0" anchor="ctr"/>
-            <a:lstStyle/>
-            <a:p>
-              <a:pPr algn="ctr"/>
-              <a:endParaRPr lang="en-US">
-                <a:solidFill>
-                  <a:prstClr val="white"/>
-                </a:solidFill>
-                <a:latin typeface="Calibri"/>
-              </a:endParaRPr>
-            </a:p>
-          </p:txBody>
-        </p:sp>
-        <p:sp>
-          <p:nvSpPr>
-            <p:cNvPr id="35" name="Cross 34">
-              <a:extLst>
-                <a:ext uri="{FF2B5EF4-FFF2-40B4-BE49-F238E27FC236}">
-                  <a16:creationId xmlns:a16="http://schemas.microsoft.com/office/drawing/2014/main" id="{1793633B-8023-445E-A858-F8D1321E13F8}"/>
-                </a:ext>
-              </a:extLst>
-            </p:cNvPr>
-            <p:cNvSpPr/>
-            <p:nvPr/>
-          </p:nvSpPr>
-          <p:spPr>
-            <a:xfrm rot="2734294">
-              <a:off x="1902299" y="1211552"/>
-              <a:ext cx="153134" cy="154670"/>
-            </a:xfrm>
-            <a:prstGeom prst="plus">
-              <a:avLst>
-                <a:gd name="adj" fmla="val 46579"/>
-              </a:avLst>
-            </a:prstGeom>
-            <a:solidFill>
-              <a:schemeClr val="tx1"/>
-            </a:solidFill>
-            <a:ln w="19050">
-              <a:solidFill>
-                <a:srgbClr val="FF0000"/>
-              </a:solidFill>
-            </a:ln>
-          </p:spPr>
-          <p:style>
-            <a:lnRef idx="2">
-              <a:schemeClr val="accent1">
-                <a:shade val="50000"/>
-              </a:schemeClr>
-            </a:lnRef>
-            <a:fillRef idx="1">
-              <a:schemeClr val="accent1"/>
-            </a:fillRef>
-            <a:effectRef idx="0">
-              <a:schemeClr val="accent1"/>
-            </a:effectRef>
-            <a:fontRef idx="minor">
-              <a:schemeClr val="lt1"/>
-            </a:fontRef>
-          </p:style>
-          <p:txBody>
-            <a:bodyPr rtlCol="0" anchor="ctr"/>
-            <a:lstStyle/>
-            <a:p>
-              <a:pPr algn="ctr"/>
-              <a:endParaRPr lang="en-US">
-                <a:solidFill>
-                  <a:prstClr val="white"/>
-                </a:solidFill>
-                <a:latin typeface="Calibri"/>
-              </a:endParaRPr>
-            </a:p>
-          </p:txBody>
-        </p:sp>
-        <p:sp>
-          <p:nvSpPr>
-            <p:cNvPr id="36" name="Cross 35">
-              <a:extLst>
-                <a:ext uri="{FF2B5EF4-FFF2-40B4-BE49-F238E27FC236}">
-                  <a16:creationId xmlns:a16="http://schemas.microsoft.com/office/drawing/2014/main" id="{169A4C88-6E06-453E-8BAF-6FF197C2D26E}"/>
-                </a:ext>
-              </a:extLst>
-            </p:cNvPr>
-            <p:cNvSpPr/>
-            <p:nvPr/>
-          </p:nvSpPr>
-          <p:spPr>
-            <a:xfrm rot="2734294">
-              <a:off x="1433225" y="1211552"/>
-              <a:ext cx="153134" cy="154670"/>
-            </a:xfrm>
-            <a:prstGeom prst="plus">
-              <a:avLst>
-                <a:gd name="adj" fmla="val 46579"/>
-              </a:avLst>
-            </a:prstGeom>
-            <a:solidFill>
-              <a:schemeClr val="tx1"/>
-            </a:solidFill>
-            <a:ln w="19050">
-              <a:solidFill>
-                <a:srgbClr val="FF0000"/>
-              </a:solidFill>
-            </a:ln>
-          </p:spPr>
-          <p:style>
-            <a:lnRef idx="2">
-              <a:schemeClr val="accent1">
-                <a:shade val="50000"/>
-              </a:schemeClr>
-            </a:lnRef>
-            <a:fillRef idx="1">
-              <a:schemeClr val="accent1"/>
-            </a:fillRef>
-            <a:effectRef idx="0">
-              <a:schemeClr val="accent1"/>
-            </a:effectRef>
-            <a:fontRef idx="minor">
-              <a:schemeClr val="lt1"/>
-            </a:fontRef>
-          </p:style>
-          <p:txBody>
-            <a:bodyPr rtlCol="0" anchor="ctr"/>
-            <a:lstStyle/>
-            <a:p>
-              <a:pPr algn="ctr"/>
-              <a:endParaRPr lang="en-US">
-                <a:solidFill>
-                  <a:prstClr val="white"/>
-                </a:solidFill>
-                <a:latin typeface="Calibri"/>
-              </a:endParaRPr>
-            </a:p>
-          </p:txBody>
-        </p:sp>
-        <p:sp>
-          <p:nvSpPr>
-            <p:cNvPr id="37" name="Cross 36">
-              <a:extLst>
-                <a:ext uri="{FF2B5EF4-FFF2-40B4-BE49-F238E27FC236}">
-                  <a16:creationId xmlns:a16="http://schemas.microsoft.com/office/drawing/2014/main" id="{28EB489C-CDE4-4DE3-B597-10E0835CDE2C}"/>
-                </a:ext>
-              </a:extLst>
-            </p:cNvPr>
-            <p:cNvSpPr/>
-            <p:nvPr/>
-          </p:nvSpPr>
-          <p:spPr>
-            <a:xfrm rot="2734294">
-              <a:off x="1019788" y="1354717"/>
-              <a:ext cx="153134" cy="154670"/>
-            </a:xfrm>
-            <a:prstGeom prst="plus">
-              <a:avLst>
-                <a:gd name="adj" fmla="val 46579"/>
-              </a:avLst>
-            </a:prstGeom>
-            <a:solidFill>
-              <a:schemeClr val="tx1"/>
-            </a:solidFill>
-            <a:ln w="19050">
-              <a:solidFill>
-                <a:srgbClr val="FF0000"/>
-              </a:solidFill>
-            </a:ln>
-          </p:spPr>
-          <p:style>
-            <a:lnRef idx="2">
-              <a:schemeClr val="accent1">
-                <a:shade val="50000"/>
-              </a:schemeClr>
-            </a:lnRef>
-            <a:fillRef idx="1">
-              <a:schemeClr val="accent1"/>
-            </a:fillRef>
-            <a:effectRef idx="0">
-              <a:schemeClr val="accent1"/>
-            </a:effectRef>
-            <a:fontRef idx="minor">
-              <a:schemeClr val="lt1"/>
-            </a:fontRef>
-          </p:style>
-          <p:txBody>
-            <a:bodyPr rtlCol="0" anchor="ctr"/>
-            <a:lstStyle/>
-            <a:p>
-              <a:pPr algn="ctr"/>
-              <a:endParaRPr lang="en-US">
-                <a:solidFill>
-                  <a:prstClr val="white"/>
-                </a:solidFill>
-                <a:latin typeface="Calibri"/>
-              </a:endParaRPr>
-            </a:p>
-          </p:txBody>
-        </p:sp>
-        <p:sp>
-          <p:nvSpPr>
-            <p:cNvPr id="38" name="Cross 37">
-              <a:extLst>
-                <a:ext uri="{FF2B5EF4-FFF2-40B4-BE49-F238E27FC236}">
-                  <a16:creationId xmlns:a16="http://schemas.microsoft.com/office/drawing/2014/main" id="{DDCC1B47-8281-4498-BEAF-481521EF1884}"/>
-                </a:ext>
-              </a:extLst>
-            </p:cNvPr>
-            <p:cNvSpPr/>
-            <p:nvPr/>
-          </p:nvSpPr>
-          <p:spPr>
-            <a:xfrm rot="2734294">
-              <a:off x="816315" y="1790525"/>
-              <a:ext cx="153134" cy="154670"/>
-            </a:xfrm>
-            <a:prstGeom prst="plus">
-              <a:avLst>
-                <a:gd name="adj" fmla="val 46579"/>
-              </a:avLst>
-            </a:prstGeom>
-            <a:solidFill>
-              <a:schemeClr val="tx1"/>
-            </a:solidFill>
-            <a:ln w="19050">
-              <a:solidFill>
-                <a:srgbClr val="FF0000"/>
-              </a:solidFill>
-            </a:ln>
-          </p:spPr>
-          <p:style>
-            <a:lnRef idx="2">
-              <a:schemeClr val="accent1">
-                <a:shade val="50000"/>
-              </a:schemeClr>
-            </a:lnRef>
-            <a:fillRef idx="1">
-              <a:schemeClr val="accent1"/>
-            </a:fillRef>
-            <a:effectRef idx="0">
-              <a:schemeClr val="accent1"/>
-            </a:effectRef>
-            <a:fontRef idx="minor">
-              <a:schemeClr val="lt1"/>
-            </a:fontRef>
-          </p:style>
-          <p:txBody>
-            <a:bodyPr rtlCol="0" anchor="ctr"/>
-            <a:lstStyle/>
-            <a:p>
-              <a:pPr algn="ctr"/>
-              <a:endParaRPr lang="en-US">
-                <a:solidFill>
-                  <a:prstClr val="white"/>
-                </a:solidFill>
-                <a:latin typeface="Calibri"/>
-              </a:endParaRPr>
-            </a:p>
-          </p:txBody>
-        </p:sp>
-      </p:grpSp>
-      <p:sp>
-        <p:nvSpPr>
-          <p:cNvPr id="39" name="TextBox 38">
-            <a:extLst>
-              <a:ext uri="{FF2B5EF4-FFF2-40B4-BE49-F238E27FC236}">
-                <a16:creationId xmlns:a16="http://schemas.microsoft.com/office/drawing/2014/main" id="{A64BB2DB-5674-4F70-85D8-59B935A00CEC}"/>
-              </a:ext>
-            </a:extLst>
-          </p:cNvPr>
-          <p:cNvSpPr txBox="1"/>
-          <p:nvPr/>
-        </p:nvSpPr>
-        <p:spPr>
-          <a:xfrm>
-            <a:off x="2718234" y="3402690"/>
-            <a:ext cx="274273" cy="261610"/>
-          </a:xfrm>
-          <a:prstGeom prst="rect">
-            <a:avLst/>
-          </a:prstGeom>
-          <a:noFill/>
-          <a:ln w="19050">
-            <a:noFill/>
-          </a:ln>
-        </p:spPr>
-        <p:txBody>
-          <a:bodyPr wrap="square" rtlCol="0">
-            <a:spAutoFit/>
-          </a:bodyPr>
-          <a:lstStyle/>
-          <a:p>
-            <a:r>
-              <a:rPr lang="en-US" sz="1100" dirty="0">
-                <a:solidFill>
-                  <a:prstClr val="black"/>
-                </a:solidFill>
-                <a:latin typeface="Calibri"/>
-              </a:rPr>
-              <a:t>1</a:t>
-            </a:r>
-            <a:endParaRPr lang="en-US" sz="1100" baseline="-25000" dirty="0">
-              <a:solidFill>
-                <a:prstClr val="black"/>
-              </a:solidFill>
-              <a:latin typeface="Calibri"/>
-            </a:endParaRPr>
-          </a:p>
-        </p:txBody>
-      </p:sp>
-      <p:cxnSp>
-        <p:nvCxnSpPr>
-          <p:cNvPr id="40" name="Straight Arrow Connector 39">
-            <a:extLst>
-              <a:ext uri="{FF2B5EF4-FFF2-40B4-BE49-F238E27FC236}">
-                <a16:creationId xmlns:a16="http://schemas.microsoft.com/office/drawing/2014/main" id="{B813471D-786E-4A3B-83B2-0B8A90AF9D24}"/>
-              </a:ext>
-            </a:extLst>
-          </p:cNvPr>
-          <p:cNvCxnSpPr/>
-          <p:nvPr/>
-        </p:nvCxnSpPr>
-        <p:spPr>
-          <a:xfrm rot="16200000">
-            <a:off x="2803964" y="3410829"/>
-            <a:ext cx="98115" cy="0"/>
-          </a:xfrm>
-          <a:prstGeom prst="straightConnector1">
-            <a:avLst/>
-          </a:prstGeom>
-          <a:ln w="19050">
-            <a:solidFill>
-              <a:schemeClr val="bg1">
-                <a:lumMod val="50000"/>
-              </a:schemeClr>
-            </a:solidFill>
-            <a:tailEnd type="none"/>
-          </a:ln>
-        </p:spPr>
-        <p:style>
-          <a:lnRef idx="1">
-            <a:schemeClr val="accent1"/>
-          </a:lnRef>
-          <a:fillRef idx="0">
-            <a:schemeClr val="accent1"/>
-          </a:fillRef>
-          <a:effectRef idx="0">
-            <a:schemeClr val="accent1"/>
-          </a:effectRef>
-          <a:fontRef idx="minor">
-            <a:schemeClr val="tx1"/>
-          </a:fontRef>
-        </p:style>
-      </p:cxnSp>
-      <p:cxnSp>
-        <p:nvCxnSpPr>
-          <p:cNvPr id="41" name="Straight Arrow Connector 40">
-            <a:extLst>
-              <a:ext uri="{FF2B5EF4-FFF2-40B4-BE49-F238E27FC236}">
-                <a16:creationId xmlns:a16="http://schemas.microsoft.com/office/drawing/2014/main" id="{95BA9F41-7526-4705-A91D-8EB7BE9414C8}"/>
-              </a:ext>
-            </a:extLst>
-          </p:cNvPr>
-          <p:cNvCxnSpPr/>
-          <p:nvPr/>
-        </p:nvCxnSpPr>
-        <p:spPr>
-          <a:xfrm rot="16200000">
-            <a:off x="1668257" y="3412714"/>
-            <a:ext cx="98115" cy="0"/>
-          </a:xfrm>
-          <a:prstGeom prst="straightConnector1">
-            <a:avLst/>
-          </a:prstGeom>
-          <a:ln w="19050">
-            <a:solidFill>
-              <a:schemeClr val="bg1">
-                <a:lumMod val="50000"/>
-              </a:schemeClr>
-            </a:solidFill>
-            <a:tailEnd type="none"/>
-          </a:ln>
-        </p:spPr>
-        <p:style>
-          <a:lnRef idx="1">
-            <a:schemeClr val="accent1"/>
-          </a:lnRef>
-          <a:fillRef idx="0">
-            <a:schemeClr val="accent1"/>
-          </a:fillRef>
-          <a:effectRef idx="0">
-            <a:schemeClr val="accent1"/>
-          </a:effectRef>
-          <a:fontRef idx="minor">
-            <a:schemeClr val="tx1"/>
-          </a:fontRef>
-        </p:style>
-      </p:cxnSp>
-      <p:sp>
-        <p:nvSpPr>
-          <p:cNvPr id="42" name="TextBox 41">
-            <a:extLst>
-              <a:ext uri="{FF2B5EF4-FFF2-40B4-BE49-F238E27FC236}">
-                <a16:creationId xmlns:a16="http://schemas.microsoft.com/office/drawing/2014/main" id="{C1B87F13-EFB6-47D7-B55F-BE43D802693B}"/>
-              </a:ext>
-            </a:extLst>
-          </p:cNvPr>
-          <p:cNvSpPr txBox="1"/>
-          <p:nvPr/>
-        </p:nvSpPr>
-        <p:spPr>
-          <a:xfrm>
-            <a:off x="1568990" y="3419240"/>
-            <a:ext cx="408823" cy="261610"/>
-          </a:xfrm>
-          <a:prstGeom prst="rect">
-            <a:avLst/>
-          </a:prstGeom>
-          <a:noFill/>
-          <a:ln w="19050">
-            <a:noFill/>
-          </a:ln>
-        </p:spPr>
-        <p:txBody>
-          <a:bodyPr wrap="square" rtlCol="0">
-            <a:spAutoFit/>
-          </a:bodyPr>
-          <a:lstStyle/>
-          <a:p>
-            <a:r>
-              <a:rPr lang="en-US" sz="1100" dirty="0">
-                <a:solidFill>
-                  <a:prstClr val="black"/>
-                </a:solidFill>
-                <a:latin typeface="Calibri"/>
-              </a:rPr>
-              <a:t>-1</a:t>
-            </a:r>
-            <a:endParaRPr lang="en-US" sz="1100" baseline="-25000" dirty="0">
-              <a:solidFill>
-                <a:prstClr val="black"/>
-              </a:solidFill>
-              <a:latin typeface="Calibri"/>
-            </a:endParaRPr>
-          </a:p>
-        </p:txBody>
-      </p:sp>
-      <p:sp>
-        <p:nvSpPr>
-          <p:cNvPr id="43" name="TextBox 42">
-            <a:extLst>
-              <a:ext uri="{FF2B5EF4-FFF2-40B4-BE49-F238E27FC236}">
-                <a16:creationId xmlns:a16="http://schemas.microsoft.com/office/drawing/2014/main" id="{32ADECFB-6BDF-47B2-8F12-FD62F0018D02}"/>
-              </a:ext>
-            </a:extLst>
-          </p:cNvPr>
-          <p:cNvSpPr txBox="1"/>
-          <p:nvPr/>
-        </p:nvSpPr>
-        <p:spPr>
-          <a:xfrm>
-            <a:off x="2015557" y="3842772"/>
-            <a:ext cx="408823" cy="261610"/>
-          </a:xfrm>
-          <a:prstGeom prst="rect">
-            <a:avLst/>
-          </a:prstGeom>
-          <a:noFill/>
-          <a:ln w="19050">
-            <a:noFill/>
-          </a:ln>
-        </p:spPr>
-        <p:txBody>
-          <a:bodyPr wrap="square" rtlCol="0">
-            <a:spAutoFit/>
-          </a:bodyPr>
-          <a:lstStyle/>
-          <a:p>
-            <a:r>
-              <a:rPr lang="en-US" sz="1100" dirty="0">
-                <a:solidFill>
-                  <a:prstClr val="black"/>
-                </a:solidFill>
-                <a:latin typeface="Calibri"/>
-              </a:rPr>
-              <a:t>-1</a:t>
-            </a:r>
-            <a:endParaRPr lang="en-US" sz="1100" baseline="-25000" dirty="0">
-              <a:solidFill>
-                <a:prstClr val="black"/>
-              </a:solidFill>
-              <a:latin typeface="Calibri"/>
-            </a:endParaRPr>
-          </a:p>
-        </p:txBody>
-      </p:sp>
-      <p:cxnSp>
-        <p:nvCxnSpPr>
-          <p:cNvPr id="44" name="Straight Arrow Connector 43">
-            <a:extLst>
-              <a:ext uri="{FF2B5EF4-FFF2-40B4-BE49-F238E27FC236}">
-                <a16:creationId xmlns:a16="http://schemas.microsoft.com/office/drawing/2014/main" id="{BC377D22-9444-4B21-ABC5-574444C21320}"/>
-              </a:ext>
-            </a:extLst>
-          </p:cNvPr>
-          <p:cNvCxnSpPr/>
-          <p:nvPr/>
-        </p:nvCxnSpPr>
-        <p:spPr>
-          <a:xfrm>
-            <a:off x="2250714" y="3951982"/>
-            <a:ext cx="98115" cy="0"/>
-          </a:xfrm>
-          <a:prstGeom prst="straightConnector1">
-            <a:avLst/>
-          </a:prstGeom>
-          <a:ln w="19050">
-            <a:solidFill>
-              <a:schemeClr val="bg1">
-                <a:lumMod val="50000"/>
-              </a:schemeClr>
-            </a:solidFill>
-            <a:tailEnd type="none"/>
-          </a:ln>
-        </p:spPr>
-        <p:style>
-          <a:lnRef idx="1">
-            <a:schemeClr val="accent1"/>
-          </a:lnRef>
-          <a:fillRef idx="0">
-            <a:schemeClr val="accent1"/>
-          </a:fillRef>
-          <a:effectRef idx="0">
-            <a:schemeClr val="accent1"/>
-          </a:effectRef>
-          <a:fontRef idx="minor">
-            <a:schemeClr val="tx1"/>
-          </a:fontRef>
-        </p:style>
-      </p:cxnSp>
-      <p:cxnSp>
-        <p:nvCxnSpPr>
-          <p:cNvPr id="45" name="Straight Arrow Connector 44">
-            <a:extLst>
-              <a:ext uri="{FF2B5EF4-FFF2-40B4-BE49-F238E27FC236}">
-                <a16:creationId xmlns:a16="http://schemas.microsoft.com/office/drawing/2014/main" id="{D5D8445A-2B60-4070-8228-D0683326D647}"/>
-              </a:ext>
-            </a:extLst>
-          </p:cNvPr>
-          <p:cNvCxnSpPr/>
-          <p:nvPr/>
-        </p:nvCxnSpPr>
-        <p:spPr>
-          <a:xfrm>
-            <a:off x="2250714" y="2852172"/>
-            <a:ext cx="98115" cy="0"/>
-          </a:xfrm>
-          <a:prstGeom prst="straightConnector1">
-            <a:avLst/>
-          </a:prstGeom>
-          <a:ln w="19050">
-            <a:solidFill>
-              <a:schemeClr val="bg1">
-                <a:lumMod val="50000"/>
-              </a:schemeClr>
-            </a:solidFill>
-            <a:tailEnd type="none"/>
-          </a:ln>
-        </p:spPr>
-        <p:style>
-          <a:lnRef idx="1">
-            <a:schemeClr val="accent1"/>
-          </a:lnRef>
-          <a:fillRef idx="0">
-            <a:schemeClr val="accent1"/>
-          </a:fillRef>
-          <a:effectRef idx="0">
-            <a:schemeClr val="accent1"/>
-          </a:effectRef>
-          <a:fontRef idx="minor">
-            <a:schemeClr val="tx1"/>
-          </a:fontRef>
-        </p:style>
-      </p:cxnSp>
-      <p:sp>
-        <p:nvSpPr>
-          <p:cNvPr id="46" name="TextBox 45">
-            <a:extLst>
-              <a:ext uri="{FF2B5EF4-FFF2-40B4-BE49-F238E27FC236}">
-                <a16:creationId xmlns:a16="http://schemas.microsoft.com/office/drawing/2014/main" id="{18C5A615-3514-486C-93FF-2D6550657109}"/>
-              </a:ext>
-            </a:extLst>
-          </p:cNvPr>
-          <p:cNvSpPr txBox="1"/>
-          <p:nvPr/>
-        </p:nvSpPr>
-        <p:spPr>
-          <a:xfrm>
-            <a:off x="2041611" y="2722807"/>
-            <a:ext cx="274273" cy="261610"/>
-          </a:xfrm>
-          <a:prstGeom prst="rect">
-            <a:avLst/>
-          </a:prstGeom>
-          <a:noFill/>
-          <a:ln w="19050">
-            <a:noFill/>
-          </a:ln>
-        </p:spPr>
-        <p:txBody>
-          <a:bodyPr wrap="square" rtlCol="0">
-            <a:spAutoFit/>
-          </a:bodyPr>
-          <a:lstStyle/>
-          <a:p>
-            <a:r>
-              <a:rPr lang="en-US" sz="1100" dirty="0">
-                <a:solidFill>
-                  <a:prstClr val="black"/>
-                </a:solidFill>
-                <a:latin typeface="Calibri"/>
-              </a:rPr>
-              <a:t>1</a:t>
-            </a:r>
-            <a:endParaRPr lang="en-US" sz="1100" baseline="-25000" dirty="0">
-              <a:solidFill>
-                <a:prstClr val="black"/>
-              </a:solidFill>
-              <a:latin typeface="Calibri"/>
-            </a:endParaRPr>
-          </a:p>
-        </p:txBody>
-      </p:sp>
-      <p:sp>
-        <p:nvSpPr>
-          <p:cNvPr id="49" name="TextBox 48">
-            <a:extLst>
-              <a:ext uri="{FF2B5EF4-FFF2-40B4-BE49-F238E27FC236}">
-                <a16:creationId xmlns:a16="http://schemas.microsoft.com/office/drawing/2014/main" id="{10267455-DB89-46D4-9170-17F461863CC1}"/>
-              </a:ext>
-            </a:extLst>
-          </p:cNvPr>
-          <p:cNvSpPr txBox="1"/>
-          <p:nvPr/>
-        </p:nvSpPr>
-        <p:spPr>
-          <a:xfrm>
-            <a:off x="4110878" y="3915798"/>
-            <a:ext cx="6098058" cy="369332"/>
-          </a:xfrm>
-          <a:prstGeom prst="rect">
-            <a:avLst/>
-          </a:prstGeom>
-          <a:noFill/>
-        </p:spPr>
-        <p:txBody>
-          <a:bodyPr wrap="square">
-            <a:spAutoFit/>
-          </a:bodyPr>
-          <a:lstStyle/>
-          <a:p>
-            <a:r>
-              <a:rPr lang="en-US" sz="1800" dirty="0"/>
-              <a:t>Suppose </a:t>
-            </a:r>
-            <a:r>
-              <a:rPr lang="en-US" sz="1800" dirty="0">
-                <a:latin typeface="Symbol" panose="05050102010706020507" pitchFamily="18" charset="2"/>
-              </a:rPr>
-              <a:t>q</a:t>
-            </a:r>
-            <a:r>
-              <a:rPr lang="en-US" sz="1800" dirty="0"/>
-              <a:t> = [-1, </a:t>
-            </a:r>
-            <a:r>
-              <a:rPr lang="en-US" dirty="0"/>
-              <a:t>0</a:t>
-            </a:r>
-            <a:r>
-              <a:rPr lang="en-US" sz="1800" dirty="0"/>
-              <a:t>, </a:t>
-            </a:r>
-            <a:r>
-              <a:rPr lang="en-US" dirty="0"/>
-              <a:t>0, 1, 1</a:t>
-            </a:r>
-            <a:r>
-              <a:rPr lang="en-US" sz="1800" dirty="0"/>
-              <a:t>] </a:t>
-            </a:r>
-            <a:endParaRPr lang="en-US" dirty="0"/>
-          </a:p>
-        </p:txBody>
-      </p:sp>
-      <p:sp>
-        <p:nvSpPr>
-          <p:cNvPr id="47" name="TextBox 46">
-            <a:extLst>
-              <a:ext uri="{FF2B5EF4-FFF2-40B4-BE49-F238E27FC236}">
-                <a16:creationId xmlns:a16="http://schemas.microsoft.com/office/drawing/2014/main" id="{D96A5930-34DF-48DB-848E-32D27E73E858}"/>
-              </a:ext>
-            </a:extLst>
-          </p:cNvPr>
-          <p:cNvSpPr txBox="1"/>
-          <p:nvPr/>
-        </p:nvSpPr>
-        <p:spPr>
-          <a:xfrm>
-            <a:off x="261254" y="2258563"/>
-            <a:ext cx="1701322" cy="369332"/>
-          </a:xfrm>
-          <a:prstGeom prst="rect">
-            <a:avLst/>
-          </a:prstGeom>
-          <a:noFill/>
-        </p:spPr>
-        <p:txBody>
-          <a:bodyPr wrap="square" rtlCol="0">
-            <a:spAutoFit/>
-          </a:bodyPr>
-          <a:lstStyle/>
-          <a:p>
-            <a:r>
-              <a:rPr lang="en-US" dirty="0">
-                <a:solidFill>
-                  <a:schemeClr val="accent2"/>
-                </a:solidFill>
-              </a:rPr>
-              <a:t>x</a:t>
-            </a:r>
-            <a:r>
-              <a:rPr lang="en-US" baseline="-25000" dirty="0">
-                <a:solidFill>
-                  <a:schemeClr val="accent2"/>
-                </a:solidFill>
-              </a:rPr>
-              <a:t>1</a:t>
-            </a:r>
-            <a:r>
-              <a:rPr lang="en-US" dirty="0">
-                <a:solidFill>
-                  <a:schemeClr val="accent2"/>
-                </a:solidFill>
-              </a:rPr>
-              <a:t>^2+ x</a:t>
-            </a:r>
-            <a:r>
-              <a:rPr lang="en-US" baseline="-25000" dirty="0">
-                <a:solidFill>
-                  <a:schemeClr val="accent2"/>
-                </a:solidFill>
-              </a:rPr>
-              <a:t>2</a:t>
-            </a:r>
-            <a:r>
-              <a:rPr lang="en-US" dirty="0">
-                <a:solidFill>
-                  <a:schemeClr val="accent2"/>
-                </a:solidFill>
-              </a:rPr>
-              <a:t>^2 = 1</a:t>
-            </a:r>
-          </a:p>
-        </p:txBody>
-      </p:sp>
-    </p:spTree>
-    <p:extLst>
-      <p:ext uri="{BB962C8B-B14F-4D97-AF65-F5344CB8AC3E}">
-        <p14:creationId xmlns:p14="http://schemas.microsoft.com/office/powerpoint/2010/main" val="2551146709"/>
-      </p:ext>
-    </p:extLst>
-  </p:cSld>
-  <p:clrMapOvr>
-    <a:masterClrMapping/>
-  </p:clrMapOvr>
-  <p:timing>
-    <p:tnLst>
-      <p:par>
-        <p:cTn id="1" dur="indefinite" restart="never" nodeType="tmRoot">
-          <p:childTnLst>
-            <p:seq concurrent="1" nextAc="seek">
-              <p:cTn id="2" dur="indefinite" nodeType="mainSeq">
-                <p:childTnLst>
-                  <p:par>
-                    <p:cTn id="3" fill="hold">
-                      <p:stCondLst>
-                        <p:cond delay="indefinite"/>
-                      </p:stCondLst>
-                      <p:childTnLst>
-                        <p:par>
-                          <p:cTn id="4" fill="hold">
-                            <p:stCondLst>
-                              <p:cond delay="0"/>
-                            </p:stCondLst>
-                            <p:childTnLst>
-                              <p:par>
-                                <p:cTn id="5" presetID="1" presetClass="entr" presetSubtype="0" fill="hold" grpId="0" nodeType="clickEffect">
-                                  <p:stCondLst>
-                                    <p:cond delay="0"/>
-                                  </p:stCondLst>
-                                  <p:childTnLst>
-                                    <p:set>
-                                      <p:cBhvr>
-                                        <p:cTn id="6" dur="1" fill="hold">
-                                          <p:stCondLst>
-                                            <p:cond delay="0"/>
-                                          </p:stCondLst>
-                                        </p:cTn>
-                                        <p:tgtEl>
-                                          <p:spTgt spid="3"/>
-                                        </p:tgtEl>
-                                        <p:attrNameLst>
-                                          <p:attrName>style.visibility</p:attrName>
-                                        </p:attrNameLst>
-                                      </p:cBhvr>
-                                      <p:to>
-                                        <p:strVal val="visible"/>
-                                      </p:to>
-                                    </p:set>
-                                  </p:childTnLst>
-                                </p:cTn>
-                              </p:par>
-                              <p:par>
-                                <p:cTn id="7" presetID="1" presetClass="entr" presetSubtype="0" fill="hold" grpId="0" nodeType="withEffect">
-                                  <p:stCondLst>
-                                    <p:cond delay="0"/>
-                                  </p:stCondLst>
-                                  <p:childTnLst>
-                                    <p:set>
-                                      <p:cBhvr>
-                                        <p:cTn id="8" dur="1" fill="hold">
-                                          <p:stCondLst>
-                                            <p:cond delay="0"/>
-                                          </p:stCondLst>
-                                        </p:cTn>
-                                        <p:tgtEl>
-                                          <p:spTgt spid="47"/>
-                                        </p:tgtEl>
-                                        <p:attrNameLst>
-                                          <p:attrName>style.visibility</p:attrName>
-                                        </p:attrNameLst>
-                                      </p:cBhvr>
-                                      <p:to>
-                                        <p:strVal val="visible"/>
-                                      </p:to>
-                                    </p:set>
-                                  </p:childTnLst>
-                                </p:cTn>
-                              </p:par>
-                              <p:par>
-                                <p:cTn id="9" presetID="1" presetClass="entr" presetSubtype="0" fill="hold" grpId="0" nodeType="withEffect">
-                                  <p:stCondLst>
-                                    <p:cond delay="0"/>
-                                  </p:stCondLst>
-                                  <p:childTnLst>
-                                    <p:set>
-                                      <p:cBhvr>
-                                        <p:cTn id="10" dur="1" fill="hold">
-                                          <p:stCondLst>
-                                            <p:cond delay="0"/>
-                                          </p:stCondLst>
-                                        </p:cTn>
-                                        <p:tgtEl>
-                                          <p:spTgt spid="49"/>
-                                        </p:tgtEl>
-                                        <p:attrNameLst>
-                                          <p:attrName>style.visibility</p:attrName>
-                                        </p:attrNameLst>
-                                      </p:cBhvr>
-                                      <p:to>
-                                        <p:strVal val="visible"/>
-                                      </p:to>
-                                    </p:set>
-                                  </p:childTnLst>
-                                </p:cTn>
-                              </p:par>
-                              <p:par>
-                                <p:cTn id="11" presetID="1" presetClass="entr" presetSubtype="0" fill="hold" grpId="0" nodeType="withEffect">
-                                  <p:stCondLst>
-                                    <p:cond delay="0"/>
-                                  </p:stCondLst>
-                                  <p:childTnLst>
-                                    <p:set>
-                                      <p:cBhvr>
-                                        <p:cTn id="12" dur="1" fill="hold">
-                                          <p:stCondLst>
-                                            <p:cond delay="0"/>
-                                          </p:stCondLst>
-                                        </p:cTn>
-                                        <p:tgtEl>
-                                          <p:spTgt spid="10"/>
-                                        </p:tgtEl>
-                                        <p:attrNameLst>
-                                          <p:attrName>style.visibility</p:attrName>
-                                        </p:attrNameLst>
-                                      </p:cBhvr>
-                                      <p:to>
-                                        <p:strVal val="visible"/>
-                                      </p:to>
-                                    </p:set>
-                                  </p:childTnLst>
-                                </p:cTn>
-                              </p:par>
-                              <p:par>
-                                <p:cTn id="13" presetID="1" presetClass="entr" presetSubtype="0" fill="hold" nodeType="withEffect">
-                                  <p:stCondLst>
-                                    <p:cond delay="0"/>
-                                  </p:stCondLst>
-                                  <p:childTnLst>
-                                    <p:set>
-                                      <p:cBhvr>
-                                        <p:cTn id="14" dur="1" fill="hold">
-                                          <p:stCondLst>
-                                            <p:cond delay="0"/>
-                                          </p:stCondLst>
-                                        </p:cTn>
-                                        <p:tgtEl>
-                                          <p:spTgt spid="11"/>
-                                        </p:tgtEl>
-                                        <p:attrNameLst>
-                                          <p:attrName>style.visibility</p:attrName>
-                                        </p:attrNameLst>
-                                      </p:cBhvr>
-                                      <p:to>
-                                        <p:strVal val="visible"/>
-                                      </p:to>
-                                    </p:set>
-                                  </p:childTnLst>
-                                </p:cTn>
-                              </p:par>
-                              <p:par>
-                                <p:cTn id="15" presetID="1" presetClass="entr" presetSubtype="0" fill="hold" nodeType="withEffect">
-                                  <p:stCondLst>
-                                    <p:cond delay="0"/>
-                                  </p:stCondLst>
-                                  <p:childTnLst>
-                                    <p:set>
-                                      <p:cBhvr>
-                                        <p:cTn id="16" dur="1" fill="hold">
-                                          <p:stCondLst>
-                                            <p:cond delay="0"/>
-                                          </p:stCondLst>
-                                        </p:cTn>
-                                        <p:tgtEl>
-                                          <p:spTgt spid="12"/>
-                                        </p:tgtEl>
-                                        <p:attrNameLst>
-                                          <p:attrName>style.visibility</p:attrName>
-                                        </p:attrNameLst>
-                                      </p:cBhvr>
-                                      <p:to>
-                                        <p:strVal val="visible"/>
-                                      </p:to>
-                                    </p:set>
-                                  </p:childTnLst>
-                                </p:cTn>
-                              </p:par>
-                            </p:childTnLst>
-                          </p:cTn>
-                        </p:par>
-                      </p:childTnLst>
-                    </p:cTn>
-                  </p:par>
-                </p:childTnLst>
-              </p:cTn>
-              <p:prevCondLst>
-                <p:cond evt="onPrev" delay="0">
-                  <p:tgtEl>
-                    <p:sldTgt/>
-                  </p:tgtEl>
-                </p:cond>
-              </p:prevCondLst>
-              <p:nextCondLst>
-                <p:cond evt="onNext" delay="0">
-                  <p:tgtEl>
-                    <p:sldTgt/>
-                  </p:tgtEl>
-                </p:cond>
-              </p:nextCondLst>
-            </p:seq>
-          </p:childTnLst>
-        </p:cTn>
-      </p:par>
-    </p:tnLst>
-    <p:bldLst>
-      <p:bldP spid="3" grpId="0" animBg="1"/>
-      <p:bldP spid="10" grpId="0"/>
-      <p:bldP spid="49" grpId="0"/>
-      <p:bldP spid="47" grpId="0"/>
-    </p:bldLst>
-  </p:timing>
-</p:sld>
-</file>
-
-<file path=ppt/slides/slide11.xml><?xml version="1.0" encoding="utf-8"?>
 <p:sld xmlns:a="http://schemas.openxmlformats.org/drawingml/2006/main" xmlns:r="http://schemas.openxmlformats.org/officeDocument/2006/relationships" xmlns:p="http://schemas.openxmlformats.org/presentationml/2006/main">
   <p:cSld>
     <p:spTree>
@@ -9336,6 +6609,42 @@
           <a:chExt cx="0" cy="0"/>
         </a:xfrm>
       </p:grpSpPr>
+      <p:pic>
+        <p:nvPicPr>
+          <p:cNvPr id="24" name="Picture 23" descr="A picture containing diagram&#10;&#10;Description automatically generated">
+            <a:extLst>
+              <a:ext uri="{FF2B5EF4-FFF2-40B4-BE49-F238E27FC236}">
+                <a16:creationId xmlns:a16="http://schemas.microsoft.com/office/drawing/2014/main" id="{2993838D-B854-4339-B385-3BDF8F63396B}"/>
+              </a:ext>
+            </a:extLst>
+          </p:cNvPr>
+          <p:cNvPicPr>
+            <a:picLocks noChangeAspect="1"/>
+          </p:cNvPicPr>
+          <p:nvPr/>
+        </p:nvPicPr>
+        <p:blipFill>
+          <a:blip r:embed="rId3">
+            <a:extLst>
+              <a:ext uri="{28A0092B-C50C-407E-A947-70E740481C1C}">
+                <a14:useLocalDpi xmlns:a14="http://schemas.microsoft.com/office/drawing/2010/main" val="0"/>
+              </a:ext>
+            </a:extLst>
+          </a:blip>
+          <a:stretch>
+            <a:fillRect/>
+          </a:stretch>
+        </p:blipFill>
+        <p:spPr>
+          <a:xfrm>
+            <a:off x="5748925" y="1579708"/>
+            <a:ext cx="6113950" cy="4297680"/>
+          </a:xfrm>
+          <a:prstGeom prst="rect">
+            <a:avLst/>
+          </a:prstGeom>
+        </p:spPr>
+      </p:pic>
       <p:sp>
         <p:nvSpPr>
           <p:cNvPr id="4" name="Title 3">
@@ -9425,7 +6734,7 @@
           </p:nvPr>
         </p:nvPicPr>
         <p:blipFill>
-          <a:blip r:embed="rId3" cstate="print">
+          <a:blip r:embed="rId4" cstate="print">
             <a:extLst>
               <a:ext uri="{28A0092B-C50C-407E-A947-70E740481C1C}">
                 <a14:useLocalDpi xmlns:a14="http://schemas.microsoft.com/office/drawing/2010/main" val="0"/>
@@ -9460,7 +6769,7 @@
         </p:nvSpPr>
         <p:spPr>
           <a:xfrm>
-            <a:off x="3533620" y="2770947"/>
+            <a:off x="1955340" y="5877388"/>
             <a:ext cx="2318539" cy="461665"/>
           </a:xfrm>
           <a:prstGeom prst="rect">
@@ -9561,36 +6870,6 @@
             <a:extLst>
               <a:ext uri="{FF2B5EF4-FFF2-40B4-BE49-F238E27FC236}">
                 <a16:creationId xmlns:a16="http://schemas.microsoft.com/office/drawing/2014/main" id="{CFFDB86B-4F36-4031-9740-9A691BE6240E}"/>
-              </a:ext>
-            </a:extLst>
-          </p:cNvPr>
-          <p:cNvPicPr>
-            <a:picLocks noChangeAspect="1"/>
-          </p:cNvPicPr>
-          <p:nvPr/>
-        </p:nvPicPr>
-        <p:blipFill>
-          <a:blip r:embed="rId4"/>
-          <a:stretch>
-            <a:fillRect/>
-          </a:stretch>
-        </p:blipFill>
-        <p:spPr>
-          <a:xfrm>
-            <a:off x="648462" y="2737966"/>
-            <a:ext cx="2885159" cy="595268"/>
-          </a:xfrm>
-          <a:prstGeom prst="rect">
-            <a:avLst/>
-          </a:prstGeom>
-        </p:spPr>
-      </p:pic>
-      <p:pic>
-        <p:nvPicPr>
-          <p:cNvPr id="14" name="Picture 13">
-            <a:extLst>
-              <a:ext uri="{FF2B5EF4-FFF2-40B4-BE49-F238E27FC236}">
-                <a16:creationId xmlns:a16="http://schemas.microsoft.com/office/drawing/2014/main" id="{4A859DA6-EB8B-4529-903D-6ED56F2CECC5}"/>
               </a:ext>
             </a:extLst>
           </p:cNvPr>
@@ -9607,8 +6886,37 @@
         </p:blipFill>
         <p:spPr>
           <a:xfrm>
-            <a:off x="637380" y="3979870"/>
-            <a:ext cx="2896241" cy="1583835"/>
+            <a:off x="736144" y="5282120"/>
+            <a:ext cx="2885159" cy="595268"/>
+          </a:xfrm>
+          <a:prstGeom prst="rect">
+            <a:avLst/>
+          </a:prstGeom>
+        </p:spPr>
+      </p:pic>
+      <p:pic>
+        <p:nvPicPr>
+          <p:cNvPr id="14" name="Picture 13">
+            <a:extLst>
+              <a:ext uri="{FF2B5EF4-FFF2-40B4-BE49-F238E27FC236}">
+                <a16:creationId xmlns:a16="http://schemas.microsoft.com/office/drawing/2014/main" id="{4A859DA6-EB8B-4529-903D-6ED56F2CECC5}"/>
+              </a:ext>
+            </a:extLst>
+          </p:cNvPr>
+          <p:cNvPicPr>
+            <a:picLocks noChangeAspect="1"/>
+          </p:cNvPicPr>
+          <p:nvPr/>
+        </p:nvPicPr>
+        <p:blipFill rotWithShape="1">
+          <a:blip r:embed="rId6"/>
+          <a:srcRect t="39456"/>
+          <a:stretch/>
+        </p:blipFill>
+        <p:spPr>
+          <a:xfrm>
+            <a:off x="826720" y="3286562"/>
+            <a:ext cx="2896241" cy="958908"/>
           </a:xfrm>
           <a:prstGeom prst="rect">
             <a:avLst/>
@@ -9629,7 +6937,7 @@
         </p:nvSpPr>
         <p:spPr>
           <a:xfrm>
-            <a:off x="723987" y="5671732"/>
+            <a:off x="838200" y="2049691"/>
             <a:ext cx="3732415" cy="1077218"/>
           </a:xfrm>
           <a:prstGeom prst="rect">
@@ -9656,42 +6964,6 @@
           </a:p>
         </p:txBody>
       </p:sp>
-      <p:pic>
-        <p:nvPicPr>
-          <p:cNvPr id="24" name="Picture 23" descr="A picture containing diagram&#10;&#10;Description automatically generated">
-            <a:extLst>
-              <a:ext uri="{FF2B5EF4-FFF2-40B4-BE49-F238E27FC236}">
-                <a16:creationId xmlns:a16="http://schemas.microsoft.com/office/drawing/2014/main" id="{2993838D-B854-4339-B385-3BDF8F63396B}"/>
-              </a:ext>
-            </a:extLst>
-          </p:cNvPr>
-          <p:cNvPicPr>
-            <a:picLocks noChangeAspect="1"/>
-          </p:cNvPicPr>
-          <p:nvPr/>
-        </p:nvPicPr>
-        <p:blipFill>
-          <a:blip r:embed="rId6">
-            <a:extLst>
-              <a:ext uri="{28A0092B-C50C-407E-A947-70E740481C1C}">
-                <a14:useLocalDpi xmlns:a14="http://schemas.microsoft.com/office/drawing/2010/main" val="0"/>
-              </a:ext>
-            </a:extLst>
-          </a:blip>
-          <a:stretch>
-            <a:fillRect/>
-          </a:stretch>
-        </p:blipFill>
-        <p:spPr>
-          <a:xfrm>
-            <a:off x="5748925" y="1579708"/>
-            <a:ext cx="6113950" cy="4297680"/>
-          </a:xfrm>
-          <a:prstGeom prst="rect">
-            <a:avLst/>
-          </a:prstGeom>
-        </p:spPr>
-      </p:pic>
       <p:sp>
         <p:nvSpPr>
           <p:cNvPr id="25" name="TextBox 24">
@@ -9772,6 +7044,35 @@
           </a:p>
         </p:txBody>
       </p:sp>
+      <p:pic>
+        <p:nvPicPr>
+          <p:cNvPr id="13" name="Picture 12">
+            <a:extLst>
+              <a:ext uri="{FF2B5EF4-FFF2-40B4-BE49-F238E27FC236}">
+                <a16:creationId xmlns:a16="http://schemas.microsoft.com/office/drawing/2014/main" id="{24A5B877-C327-4278-B4A7-A364DEAE291D}"/>
+              </a:ext>
+            </a:extLst>
+          </p:cNvPr>
+          <p:cNvPicPr>
+            <a:picLocks noChangeAspect="1"/>
+          </p:cNvPicPr>
+          <p:nvPr/>
+        </p:nvPicPr>
+        <p:blipFill rotWithShape="1">
+          <a:blip r:embed="rId6"/>
+          <a:srcRect t="107" r="39201" b="56592"/>
+          <a:stretch/>
+        </p:blipFill>
+        <p:spPr>
+          <a:xfrm>
+            <a:off x="811669" y="4424270"/>
+            <a:ext cx="1760891" cy="685799"/>
+          </a:xfrm>
+          <a:prstGeom prst="rect">
+            <a:avLst/>
+          </a:prstGeom>
+        </p:spPr>
+      </p:pic>
     </p:spTree>
     <p:extLst>
       <p:ext uri="{BB962C8B-B14F-4D97-AF65-F5344CB8AC3E}">
@@ -9803,7 +7104,7 @@
                             </p:stCondLst>
                             <p:childTnLst>
                               <p:par>
-                                <p:cTn id="5" presetID="1" presetClass="entr" presetSubtype="0" fill="hold" grpId="0" nodeType="clickEffect">
+                                <p:cTn id="5" presetID="1" presetClass="entr" presetSubtype="0" fill="hold" nodeType="clickEffect">
                                   <p:stCondLst>
                                     <p:cond delay="0"/>
                                   </p:stCondLst>
@@ -9816,7 +7117,7 @@
                                           </p:stCondLst>
                                         </p:cTn>
                                         <p:tgtEl>
-                                          <p:spTgt spid="6"/>
+                                          <p:spTgt spid="14"/>
                                         </p:tgtEl>
                                         <p:attrNameLst>
                                           <p:attrName>style.visibility</p:attrName>
@@ -9830,7 +7131,7 @@
                                 </p:cTn>
                               </p:par>
                               <p:par>
-                                <p:cTn id="7" presetID="1" presetClass="entr" presetSubtype="0" fill="hold" nodeType="withEffect">
+                                <p:cTn id="7" presetID="1" presetClass="entr" presetSubtype="0" fill="hold" grpId="0" nodeType="withEffect">
                                   <p:stCondLst>
                                     <p:cond delay="0"/>
                                   </p:stCondLst>
@@ -9843,7 +7144,7 @@
                                           </p:stCondLst>
                                         </p:cTn>
                                         <p:tgtEl>
-                                          <p:spTgt spid="7"/>
+                                          <p:spTgt spid="6"/>
                                         </p:tgtEl>
                                         <p:attrNameLst>
                                           <p:attrName>style.visibility</p:attrName>
@@ -9870,7 +7171,7 @@
                                           </p:stCondLst>
                                         </p:cTn>
                                         <p:tgtEl>
-                                          <p:spTgt spid="12"/>
+                                          <p:spTgt spid="7"/>
                                         </p:tgtEl>
                                         <p:attrNameLst>
                                           <p:attrName>style.visibility</p:attrName>
@@ -9897,7 +7198,7 @@
                                           </p:stCondLst>
                                         </p:cTn>
                                         <p:tgtEl>
-                                          <p:spTgt spid="10"/>
+                                          <p:spTgt spid="15"/>
                                         </p:tgtEl>
                                         <p:attrNameLst>
                                           <p:attrName>style.visibility</p:attrName>
@@ -9910,26 +7211,35 @@
                                   </p:childTnLst>
                                 </p:cTn>
                               </p:par>
-                            </p:childTnLst>
-                          </p:cTn>
-                        </p:par>
-                      </p:childTnLst>
-                    </p:cTn>
-                  </p:par>
-                  <p:par>
-                    <p:cTn id="13" fill="hold">
-                      <p:stCondLst>
-                        <p:cond delay="indefinite"/>
-                      </p:stCondLst>
-                      <p:childTnLst>
-                        <p:par>
-                          <p:cTn id="14" fill="hold">
-                            <p:stCondLst>
-                              <p:cond delay="0"/>
-                            </p:stCondLst>
-                            <p:childTnLst>
                               <p:par>
-                                <p:cTn id="15" presetID="1" presetClass="entr" presetSubtype="0" fill="hold" nodeType="clickEffect">
+                                <p:cTn id="13" presetID="1" presetClass="entr" presetSubtype="0" fill="hold" nodeType="withEffect">
+                                  <p:stCondLst>
+                                    <p:cond delay="0"/>
+                                  </p:stCondLst>
+                                  <p:childTnLst>
+                                    <p:set>
+                                      <p:cBhvr>
+                                        <p:cTn id="14" dur="1" fill="hold">
+                                          <p:stCondLst>
+                                            <p:cond delay="0"/>
+                                          </p:stCondLst>
+                                        </p:cTn>
+                                        <p:tgtEl>
+                                          <p:spTgt spid="24"/>
+                                        </p:tgtEl>
+                                        <p:attrNameLst>
+                                          <p:attrName>style.visibility</p:attrName>
+                                        </p:attrNameLst>
+                                      </p:cBhvr>
+                                      <p:to>
+                                        <p:strVal val="visible"/>
+                                      </p:to>
+                                    </p:set>
+                                  </p:childTnLst>
+                                </p:cTn>
+                              </p:par>
+                              <p:par>
+                                <p:cTn id="15" presetID="1" presetClass="entr" presetSubtype="0" fill="hold" grpId="0" nodeType="withEffect">
                                   <p:stCondLst>
                                     <p:cond delay="0"/>
                                   </p:stCondLst>
@@ -9942,7 +7252,7 @@
                                           </p:stCondLst>
                                         </p:cTn>
                                         <p:tgtEl>
-                                          <p:spTgt spid="14"/>
+                                          <p:spTgt spid="26"/>
                                         </p:tgtEl>
                                         <p:attrNameLst>
                                           <p:attrName>style.visibility</p:attrName>
@@ -9969,7 +7279,7 @@
                                           </p:stCondLst>
                                         </p:cTn>
                                         <p:tgtEl>
-                                          <p:spTgt spid="15"/>
+                                          <p:spTgt spid="25"/>
                                         </p:tgtEl>
                                         <p:attrNameLst>
                                           <p:attrName>style.visibility</p:attrName>
@@ -9982,21 +7292,39 @@
                                   </p:childTnLst>
                                 </p:cTn>
                               </p:par>
+                            </p:childTnLst>
+                          </p:cTn>
+                        </p:par>
+                      </p:childTnLst>
+                    </p:cTn>
+                  </p:par>
+                  <p:par>
+                    <p:cTn id="19" fill="hold">
+                      <p:stCondLst>
+                        <p:cond delay="indefinite"/>
+                      </p:stCondLst>
+                      <p:childTnLst>
+                        <p:par>
+                          <p:cTn id="20" fill="hold">
+                            <p:stCondLst>
+                              <p:cond delay="0"/>
+                            </p:stCondLst>
+                            <p:childTnLst>
                               <p:par>
-                                <p:cTn id="19" presetID="1" presetClass="entr" presetSubtype="0" fill="hold" nodeType="withEffect">
+                                <p:cTn id="21" presetID="1" presetClass="entr" presetSubtype="0" fill="hold" nodeType="clickEffect">
                                   <p:stCondLst>
                                     <p:cond delay="0"/>
                                   </p:stCondLst>
                                   <p:childTnLst>
                                     <p:set>
                                       <p:cBhvr>
-                                        <p:cTn id="20" dur="1" fill="hold">
+                                        <p:cTn id="22" dur="1" fill="hold">
                                           <p:stCondLst>
                                             <p:cond delay="0"/>
                                           </p:stCondLst>
                                         </p:cTn>
                                         <p:tgtEl>
-                                          <p:spTgt spid="24"/>
+                                          <p:spTgt spid="13"/>
                                         </p:tgtEl>
                                         <p:attrNameLst>
                                           <p:attrName>style.visibility</p:attrName>
@@ -10009,21 +7337,39 @@
                                   </p:childTnLst>
                                 </p:cTn>
                               </p:par>
+                            </p:childTnLst>
+                          </p:cTn>
+                        </p:par>
+                      </p:childTnLst>
+                    </p:cTn>
+                  </p:par>
+                  <p:par>
+                    <p:cTn id="23" fill="hold">
+                      <p:stCondLst>
+                        <p:cond delay="indefinite"/>
+                      </p:stCondLst>
+                      <p:childTnLst>
+                        <p:par>
+                          <p:cTn id="24" fill="hold">
+                            <p:stCondLst>
+                              <p:cond delay="0"/>
+                            </p:stCondLst>
+                            <p:childTnLst>
                               <p:par>
-                                <p:cTn id="21" presetID="1" presetClass="entr" presetSubtype="0" fill="hold" grpId="0" nodeType="withEffect">
+                                <p:cTn id="25" presetID="1" presetClass="entr" presetSubtype="0" fill="hold" nodeType="clickEffect">
                                   <p:stCondLst>
                                     <p:cond delay="0"/>
                                   </p:stCondLst>
                                   <p:childTnLst>
                                     <p:set>
                                       <p:cBhvr>
-                                        <p:cTn id="22" dur="1" fill="hold">
+                                        <p:cTn id="26" dur="1" fill="hold">
                                           <p:stCondLst>
                                             <p:cond delay="0"/>
                                           </p:stCondLst>
                                         </p:cTn>
                                         <p:tgtEl>
-                                          <p:spTgt spid="26"/>
+                                          <p:spTgt spid="12"/>
                                         </p:tgtEl>
                                         <p:attrNameLst>
                                           <p:attrName>style.visibility</p:attrName>
@@ -10036,21 +7382,39 @@
                                   </p:childTnLst>
                                 </p:cTn>
                               </p:par>
+                            </p:childTnLst>
+                          </p:cTn>
+                        </p:par>
+                      </p:childTnLst>
+                    </p:cTn>
+                  </p:par>
+                  <p:par>
+                    <p:cTn id="27" fill="hold">
+                      <p:stCondLst>
+                        <p:cond delay="indefinite"/>
+                      </p:stCondLst>
+                      <p:childTnLst>
+                        <p:par>
+                          <p:cTn id="28" fill="hold">
+                            <p:stCondLst>
+                              <p:cond delay="0"/>
+                            </p:stCondLst>
+                            <p:childTnLst>
                               <p:par>
-                                <p:cTn id="23" presetID="1" presetClass="entr" presetSubtype="0" fill="hold" grpId="0" nodeType="withEffect">
+                                <p:cTn id="29" presetID="1" presetClass="entr" presetSubtype="0" fill="hold" grpId="0" nodeType="clickEffect">
                                   <p:stCondLst>
                                     <p:cond delay="0"/>
                                   </p:stCondLst>
                                   <p:childTnLst>
                                     <p:set>
                                       <p:cBhvr>
-                                        <p:cTn id="24" dur="1" fill="hold">
+                                        <p:cTn id="30" dur="1" fill="hold">
                                           <p:stCondLst>
                                             <p:cond delay="0"/>
                                           </p:stCondLst>
                                         </p:cTn>
                                         <p:tgtEl>
-                                          <p:spTgt spid="25"/>
+                                          <p:spTgt spid="10"/>
                                         </p:tgtEl>
                                         <p:attrNameLst>
                                           <p:attrName>style.visibility</p:attrName>
@@ -11398,2423 +8762,6 @@
 </file>
 
 <file path=ppt/slides/slide6.xml><?xml version="1.0" encoding="utf-8"?>
-<p:sld xmlns:a="http://schemas.openxmlformats.org/drawingml/2006/main" xmlns:r="http://schemas.openxmlformats.org/officeDocument/2006/relationships" xmlns:p="http://schemas.openxmlformats.org/presentationml/2006/main">
-  <p:cSld>
-    <p:spTree>
-      <p:nvGrpSpPr>
-        <p:cNvPr id="1" name=""/>
-        <p:cNvGrpSpPr/>
-        <p:nvPr/>
-      </p:nvGrpSpPr>
-      <p:grpSpPr>
-        <a:xfrm>
-          <a:off x="0" y="0"/>
-          <a:ext cx="0" cy="0"/>
-          <a:chOff x="0" y="0"/>
-          <a:chExt cx="0" cy="0"/>
-        </a:xfrm>
-      </p:grpSpPr>
-      <p:sp>
-        <p:nvSpPr>
-          <p:cNvPr id="4" name="Title 3">
-            <a:extLst>
-              <a:ext uri="{FF2B5EF4-FFF2-40B4-BE49-F238E27FC236}">
-                <a16:creationId xmlns:a16="http://schemas.microsoft.com/office/drawing/2014/main" id="{9F86F07C-EB5B-454A-BC45-F3AFFE18BD97}"/>
-              </a:ext>
-            </a:extLst>
-          </p:cNvPr>
-          <p:cNvSpPr>
-            <a:spLocks noGrp="1"/>
-          </p:cNvSpPr>
-          <p:nvPr>
-            <p:ph type="title"/>
-          </p:nvPr>
-        </p:nvSpPr>
-        <p:spPr>
-          <a:xfrm>
-            <a:off x="838200" y="365126"/>
-            <a:ext cx="10515600" cy="934286"/>
-          </a:xfrm>
-        </p:spPr>
-        <p:txBody>
-          <a:bodyPr>
-            <a:normAutofit/>
-          </a:bodyPr>
-          <a:lstStyle/>
-          <a:p>
-            <a:r>
-              <a:rPr lang="en-US" sz="3600" dirty="0"/>
-              <a:t>Decision Boundary</a:t>
-            </a:r>
-          </a:p>
-        </p:txBody>
-      </p:sp>
-      <p:grpSp>
-        <p:nvGrpSpPr>
-          <p:cNvPr id="50" name="Group 49">
-            <a:extLst>
-              <a:ext uri="{FF2B5EF4-FFF2-40B4-BE49-F238E27FC236}">
-                <a16:creationId xmlns:a16="http://schemas.microsoft.com/office/drawing/2014/main" id="{A8C3F644-5BC9-492E-8B2A-535C7FE43D54}"/>
-              </a:ext>
-            </a:extLst>
-          </p:cNvPr>
-          <p:cNvGrpSpPr/>
-          <p:nvPr/>
-        </p:nvGrpSpPr>
-        <p:grpSpPr>
-          <a:xfrm>
-            <a:off x="1346805" y="2217869"/>
-            <a:ext cx="8347407" cy="2137054"/>
-            <a:chOff x="1346805" y="2217869"/>
-            <a:chExt cx="8347407" cy="2137054"/>
-          </a:xfrm>
-        </p:grpSpPr>
-        <p:sp>
-          <p:nvSpPr>
-            <p:cNvPr id="6" name="TextBox 5">
-              <a:extLst>
-                <a:ext uri="{FF2B5EF4-FFF2-40B4-BE49-F238E27FC236}">
-                  <a16:creationId xmlns:a16="http://schemas.microsoft.com/office/drawing/2014/main" id="{2583CC81-885E-4340-B9CD-0B611E6A8B28}"/>
-                </a:ext>
-              </a:extLst>
-            </p:cNvPr>
-            <p:cNvSpPr txBox="1"/>
-            <p:nvPr/>
-          </p:nvSpPr>
-          <p:spPr>
-            <a:xfrm>
-              <a:off x="3643251" y="4011378"/>
-              <a:ext cx="241668" cy="253234"/>
-            </a:xfrm>
-            <a:prstGeom prst="rect">
-              <a:avLst/>
-            </a:prstGeom>
-            <a:noFill/>
-            <a:ln w="19050">
-              <a:noFill/>
-            </a:ln>
-          </p:spPr>
-          <p:txBody>
-            <a:bodyPr wrap="none" rtlCol="0">
-              <a:spAutoFit/>
-            </a:bodyPr>
-            <a:lstStyle/>
-            <a:p>
-              <a:r>
-                <a:rPr lang="en-US" sz="2000" dirty="0">
-                  <a:solidFill>
-                    <a:prstClr val="black"/>
-                  </a:solidFill>
-                  <a:latin typeface="Calibri"/>
-                </a:rPr>
-                <a:t>x</a:t>
-              </a:r>
-              <a:r>
-                <a:rPr lang="en-US" sz="2000" baseline="-25000" dirty="0">
-                  <a:solidFill>
-                    <a:prstClr val="black"/>
-                  </a:solidFill>
-                  <a:latin typeface="Calibri"/>
-                </a:rPr>
-                <a:t>1</a:t>
-              </a:r>
-            </a:p>
-          </p:txBody>
-        </p:sp>
-        <p:sp>
-          <p:nvSpPr>
-            <p:cNvPr id="7" name="TextBox 6">
-              <a:extLst>
-                <a:ext uri="{FF2B5EF4-FFF2-40B4-BE49-F238E27FC236}">
-                  <a16:creationId xmlns:a16="http://schemas.microsoft.com/office/drawing/2014/main" id="{B42452B3-04C2-40D2-A4F6-2F5DFE79DA38}"/>
-                </a:ext>
-              </a:extLst>
-            </p:cNvPr>
-            <p:cNvSpPr txBox="1"/>
-            <p:nvPr/>
-          </p:nvSpPr>
-          <p:spPr>
-            <a:xfrm>
-              <a:off x="1346805" y="2217869"/>
-              <a:ext cx="241668" cy="253234"/>
-            </a:xfrm>
-            <a:prstGeom prst="rect">
-              <a:avLst/>
-            </a:prstGeom>
-            <a:noFill/>
-            <a:ln w="19050">
-              <a:noFill/>
-            </a:ln>
-          </p:spPr>
-          <p:txBody>
-            <a:bodyPr wrap="none" rtlCol="0">
-              <a:spAutoFit/>
-            </a:bodyPr>
-            <a:lstStyle/>
-            <a:p>
-              <a:r>
-                <a:rPr lang="en-US" sz="2000" dirty="0">
-                  <a:solidFill>
-                    <a:prstClr val="black"/>
-                  </a:solidFill>
-                  <a:latin typeface="Calibri"/>
-                </a:rPr>
-                <a:t>x</a:t>
-              </a:r>
-              <a:r>
-                <a:rPr lang="en-US" sz="2000" baseline="-25000" dirty="0">
-                  <a:solidFill>
-                    <a:prstClr val="black"/>
-                  </a:solidFill>
-                  <a:latin typeface="Calibri"/>
-                </a:rPr>
-                <a:t>2</a:t>
-              </a:r>
-            </a:p>
-          </p:txBody>
-        </p:sp>
-        <p:cxnSp>
-          <p:nvCxnSpPr>
-            <p:cNvPr id="8" name="Straight Arrow Connector 7">
-              <a:extLst>
-                <a:ext uri="{FF2B5EF4-FFF2-40B4-BE49-F238E27FC236}">
-                  <a16:creationId xmlns:a16="http://schemas.microsoft.com/office/drawing/2014/main" id="{C3C2672A-E8E4-4476-81AD-4AD73BAA07E6}"/>
-                </a:ext>
-              </a:extLst>
-            </p:cNvPr>
-            <p:cNvCxnSpPr/>
-            <p:nvPr/>
-          </p:nvCxnSpPr>
-          <p:spPr>
-            <a:xfrm flipV="1">
-              <a:off x="1944608" y="2365804"/>
-              <a:ext cx="0" cy="1695124"/>
-            </a:xfrm>
-            <a:prstGeom prst="straightConnector1">
-              <a:avLst/>
-            </a:prstGeom>
-            <a:ln w="19050">
-              <a:solidFill>
-                <a:schemeClr val="bg1">
-                  <a:lumMod val="50000"/>
-                </a:schemeClr>
-              </a:solidFill>
-              <a:tailEnd type="arrow"/>
-            </a:ln>
-          </p:spPr>
-          <p:style>
-            <a:lnRef idx="1">
-              <a:schemeClr val="accent1"/>
-            </a:lnRef>
-            <a:fillRef idx="0">
-              <a:schemeClr val="accent1"/>
-            </a:fillRef>
-            <a:effectRef idx="0">
-              <a:schemeClr val="accent1"/>
-            </a:effectRef>
-            <a:fontRef idx="minor">
-              <a:schemeClr val="tx1"/>
-            </a:fontRef>
-          </p:style>
-        </p:cxnSp>
-        <p:cxnSp>
-          <p:nvCxnSpPr>
-            <p:cNvPr id="9" name="Straight Arrow Connector 8">
-              <a:extLst>
-                <a:ext uri="{FF2B5EF4-FFF2-40B4-BE49-F238E27FC236}">
-                  <a16:creationId xmlns:a16="http://schemas.microsoft.com/office/drawing/2014/main" id="{C9C1EE2B-069E-4369-9F6A-81F04B8F8212}"/>
-                </a:ext>
-              </a:extLst>
-            </p:cNvPr>
-            <p:cNvCxnSpPr/>
-            <p:nvPr/>
-          </p:nvCxnSpPr>
-          <p:spPr>
-            <a:xfrm>
-              <a:off x="1822465" y="3955487"/>
-              <a:ext cx="1747602" cy="0"/>
-            </a:xfrm>
-            <a:prstGeom prst="straightConnector1">
-              <a:avLst/>
-            </a:prstGeom>
-            <a:ln w="19050">
-              <a:solidFill>
-                <a:schemeClr val="bg1">
-                  <a:lumMod val="50000"/>
-                </a:schemeClr>
-              </a:solidFill>
-              <a:tailEnd type="arrow"/>
-            </a:ln>
-          </p:spPr>
-          <p:style>
-            <a:lnRef idx="1">
-              <a:schemeClr val="accent1"/>
-            </a:lnRef>
-            <a:fillRef idx="0">
-              <a:schemeClr val="accent1"/>
-            </a:fillRef>
-            <a:effectRef idx="0">
-              <a:schemeClr val="accent1"/>
-            </a:effectRef>
-            <a:fontRef idx="minor">
-              <a:schemeClr val="tx1"/>
-            </a:fontRef>
-          </p:style>
-        </p:cxnSp>
-        <p:cxnSp>
-          <p:nvCxnSpPr>
-            <p:cNvPr id="10" name="Straight Arrow Connector 9">
-              <a:extLst>
-                <a:ext uri="{FF2B5EF4-FFF2-40B4-BE49-F238E27FC236}">
-                  <a16:creationId xmlns:a16="http://schemas.microsoft.com/office/drawing/2014/main" id="{F4CB5D2E-D356-4836-8B2D-5CECD255D2C0}"/>
-                </a:ext>
-              </a:extLst>
-            </p:cNvPr>
-            <p:cNvCxnSpPr/>
-            <p:nvPr/>
-          </p:nvCxnSpPr>
-          <p:spPr>
-            <a:xfrm>
-              <a:off x="1889819" y="3568560"/>
-              <a:ext cx="98115" cy="0"/>
-            </a:xfrm>
-            <a:prstGeom prst="straightConnector1">
-              <a:avLst/>
-            </a:prstGeom>
-            <a:ln w="19050">
-              <a:solidFill>
-                <a:schemeClr val="bg1">
-                  <a:lumMod val="50000"/>
-                </a:schemeClr>
-              </a:solidFill>
-              <a:tailEnd type="none"/>
-            </a:ln>
-          </p:spPr>
-          <p:style>
-            <a:lnRef idx="1">
-              <a:schemeClr val="accent1"/>
-            </a:lnRef>
-            <a:fillRef idx="0">
-              <a:schemeClr val="accent1"/>
-            </a:fillRef>
-            <a:effectRef idx="0">
-              <a:schemeClr val="accent1"/>
-            </a:effectRef>
-            <a:fontRef idx="minor">
-              <a:schemeClr val="tx1"/>
-            </a:fontRef>
-          </p:style>
-        </p:cxnSp>
-        <p:cxnSp>
-          <p:nvCxnSpPr>
-            <p:cNvPr id="11" name="Straight Arrow Connector 10">
-              <a:extLst>
-                <a:ext uri="{FF2B5EF4-FFF2-40B4-BE49-F238E27FC236}">
-                  <a16:creationId xmlns:a16="http://schemas.microsoft.com/office/drawing/2014/main" id="{88F88BFA-8AD7-4466-BA72-461C18A50C8E}"/>
-                </a:ext>
-              </a:extLst>
-            </p:cNvPr>
-            <p:cNvCxnSpPr/>
-            <p:nvPr/>
-          </p:nvCxnSpPr>
-          <p:spPr>
-            <a:xfrm>
-              <a:off x="1895042" y="3958093"/>
-              <a:ext cx="98115" cy="0"/>
-            </a:xfrm>
-            <a:prstGeom prst="straightConnector1">
-              <a:avLst/>
-            </a:prstGeom>
-            <a:ln w="19050">
-              <a:solidFill>
-                <a:schemeClr val="bg1">
-                  <a:lumMod val="50000"/>
-                </a:schemeClr>
-              </a:solidFill>
-              <a:tailEnd type="none"/>
-            </a:ln>
-          </p:spPr>
-          <p:style>
-            <a:lnRef idx="1">
-              <a:schemeClr val="accent1"/>
-            </a:lnRef>
-            <a:fillRef idx="0">
-              <a:schemeClr val="accent1"/>
-            </a:fillRef>
-            <a:effectRef idx="0">
-              <a:schemeClr val="accent1"/>
-            </a:effectRef>
-            <a:fontRef idx="minor">
-              <a:schemeClr val="tx1"/>
-            </a:fontRef>
-          </p:style>
-        </p:cxnSp>
-        <p:cxnSp>
-          <p:nvCxnSpPr>
-            <p:cNvPr id="12" name="Straight Arrow Connector 11">
-              <a:extLst>
-                <a:ext uri="{FF2B5EF4-FFF2-40B4-BE49-F238E27FC236}">
-                  <a16:creationId xmlns:a16="http://schemas.microsoft.com/office/drawing/2014/main" id="{9E23E203-21A7-477B-BF3F-2F3C5440EA69}"/>
-                </a:ext>
-              </a:extLst>
-            </p:cNvPr>
-            <p:cNvCxnSpPr/>
-            <p:nvPr/>
-          </p:nvCxnSpPr>
-          <p:spPr>
-            <a:xfrm>
-              <a:off x="1896469" y="3182319"/>
-              <a:ext cx="98115" cy="0"/>
-            </a:xfrm>
-            <a:prstGeom prst="straightConnector1">
-              <a:avLst/>
-            </a:prstGeom>
-            <a:ln w="19050">
-              <a:solidFill>
-                <a:schemeClr val="bg1">
-                  <a:lumMod val="50000"/>
-                </a:schemeClr>
-              </a:solidFill>
-              <a:tailEnd type="none"/>
-            </a:ln>
-          </p:spPr>
-          <p:style>
-            <a:lnRef idx="1">
-              <a:schemeClr val="accent1"/>
-            </a:lnRef>
-            <a:fillRef idx="0">
-              <a:schemeClr val="accent1"/>
-            </a:fillRef>
-            <a:effectRef idx="0">
-              <a:schemeClr val="accent1"/>
-            </a:effectRef>
-            <a:fontRef idx="minor">
-              <a:schemeClr val="tx1"/>
-            </a:fontRef>
-          </p:style>
-        </p:cxnSp>
-        <p:cxnSp>
-          <p:nvCxnSpPr>
-            <p:cNvPr id="13" name="Straight Arrow Connector 12">
-              <a:extLst>
-                <a:ext uri="{FF2B5EF4-FFF2-40B4-BE49-F238E27FC236}">
-                  <a16:creationId xmlns:a16="http://schemas.microsoft.com/office/drawing/2014/main" id="{B37573C5-3B20-4031-860D-AAF4BCCCB8E8}"/>
-                </a:ext>
-              </a:extLst>
-            </p:cNvPr>
-            <p:cNvCxnSpPr/>
-            <p:nvPr/>
-          </p:nvCxnSpPr>
-          <p:spPr>
-            <a:xfrm>
-              <a:off x="1901692" y="3571852"/>
-              <a:ext cx="98115" cy="0"/>
-            </a:xfrm>
-            <a:prstGeom prst="straightConnector1">
-              <a:avLst/>
-            </a:prstGeom>
-            <a:ln w="19050">
-              <a:solidFill>
-                <a:schemeClr val="bg1">
-                  <a:lumMod val="50000"/>
-                </a:schemeClr>
-              </a:solidFill>
-              <a:tailEnd type="none"/>
-            </a:ln>
-          </p:spPr>
-          <p:style>
-            <a:lnRef idx="1">
-              <a:schemeClr val="accent1"/>
-            </a:lnRef>
-            <a:fillRef idx="0">
-              <a:schemeClr val="accent1"/>
-            </a:fillRef>
-            <a:effectRef idx="0">
-              <a:schemeClr val="accent1"/>
-            </a:effectRef>
-            <a:fontRef idx="minor">
-              <a:schemeClr val="tx1"/>
-            </a:fontRef>
-          </p:style>
-        </p:cxnSp>
-        <p:cxnSp>
-          <p:nvCxnSpPr>
-            <p:cNvPr id="14" name="Straight Arrow Connector 13">
-              <a:extLst>
-                <a:ext uri="{FF2B5EF4-FFF2-40B4-BE49-F238E27FC236}">
-                  <a16:creationId xmlns:a16="http://schemas.microsoft.com/office/drawing/2014/main" id="{A409BB97-DB39-40C7-B86F-EA04984A959F}"/>
-                </a:ext>
-              </a:extLst>
-            </p:cNvPr>
-            <p:cNvCxnSpPr/>
-            <p:nvPr/>
-          </p:nvCxnSpPr>
-          <p:spPr>
-            <a:xfrm>
-              <a:off x="1896928" y="2793006"/>
-              <a:ext cx="98115" cy="0"/>
-            </a:xfrm>
-            <a:prstGeom prst="straightConnector1">
-              <a:avLst/>
-            </a:prstGeom>
-            <a:ln w="19050">
-              <a:solidFill>
-                <a:schemeClr val="bg1">
-                  <a:lumMod val="50000"/>
-                </a:schemeClr>
-              </a:solidFill>
-              <a:tailEnd type="none"/>
-            </a:ln>
-          </p:spPr>
-          <p:style>
-            <a:lnRef idx="1">
-              <a:schemeClr val="accent1"/>
-            </a:lnRef>
-            <a:fillRef idx="0">
-              <a:schemeClr val="accent1"/>
-            </a:fillRef>
-            <a:effectRef idx="0">
-              <a:schemeClr val="accent1"/>
-            </a:effectRef>
-            <a:fontRef idx="minor">
-              <a:schemeClr val="tx1"/>
-            </a:fontRef>
-          </p:style>
-        </p:cxnSp>
-        <p:cxnSp>
-          <p:nvCxnSpPr>
-            <p:cNvPr id="15" name="Straight Arrow Connector 14">
-              <a:extLst>
-                <a:ext uri="{FF2B5EF4-FFF2-40B4-BE49-F238E27FC236}">
-                  <a16:creationId xmlns:a16="http://schemas.microsoft.com/office/drawing/2014/main" id="{C29F4CF7-B99C-46A9-AE29-9B467233C6B4}"/>
-                </a:ext>
-              </a:extLst>
-            </p:cNvPr>
-            <p:cNvCxnSpPr/>
-            <p:nvPr/>
-          </p:nvCxnSpPr>
-          <p:spPr>
-            <a:xfrm>
-              <a:off x="1902151" y="3182539"/>
-              <a:ext cx="98115" cy="0"/>
-            </a:xfrm>
-            <a:prstGeom prst="straightConnector1">
-              <a:avLst/>
-            </a:prstGeom>
-            <a:ln w="19050">
-              <a:solidFill>
-                <a:schemeClr val="bg1">
-                  <a:lumMod val="50000"/>
-                </a:schemeClr>
-              </a:solidFill>
-              <a:tailEnd type="none"/>
-            </a:ln>
-          </p:spPr>
-          <p:style>
-            <a:lnRef idx="1">
-              <a:schemeClr val="accent1"/>
-            </a:lnRef>
-            <a:fillRef idx="0">
-              <a:schemeClr val="accent1"/>
-            </a:fillRef>
-            <a:effectRef idx="0">
-              <a:schemeClr val="accent1"/>
-            </a:effectRef>
-            <a:fontRef idx="minor">
-              <a:schemeClr val="tx1"/>
-            </a:fontRef>
-          </p:style>
-        </p:cxnSp>
-        <p:grpSp>
-          <p:nvGrpSpPr>
-            <p:cNvPr id="16" name="Group 15">
-              <a:extLst>
-                <a:ext uri="{FF2B5EF4-FFF2-40B4-BE49-F238E27FC236}">
-                  <a16:creationId xmlns:a16="http://schemas.microsoft.com/office/drawing/2014/main" id="{713E2C22-294C-470E-B6DA-D84F3A1F1383}"/>
-                </a:ext>
-              </a:extLst>
-            </p:cNvPr>
-            <p:cNvGrpSpPr/>
-            <p:nvPr/>
-          </p:nvGrpSpPr>
-          <p:grpSpPr>
-            <a:xfrm rot="16200000">
-              <a:off x="2477150" y="3381127"/>
-              <a:ext cx="105224" cy="1165087"/>
-              <a:chOff x="1144375" y="1474952"/>
-              <a:chExt cx="105224" cy="1165087"/>
-            </a:xfrm>
-          </p:grpSpPr>
-          <p:cxnSp>
-            <p:nvCxnSpPr>
-              <p:cNvPr id="17" name="Straight Arrow Connector 16">
-                <a:extLst>
-                  <a:ext uri="{FF2B5EF4-FFF2-40B4-BE49-F238E27FC236}">
-                    <a16:creationId xmlns:a16="http://schemas.microsoft.com/office/drawing/2014/main" id="{4AFBE519-7060-4A70-A77C-2B9DB2C441B6}"/>
-                  </a:ext>
-                </a:extLst>
-              </p:cNvPr>
-              <p:cNvCxnSpPr/>
-              <p:nvPr/>
-            </p:nvCxnSpPr>
-            <p:spPr>
-              <a:xfrm>
-                <a:off x="1144375" y="2640039"/>
-                <a:ext cx="98115" cy="0"/>
-              </a:xfrm>
-              <a:prstGeom prst="straightConnector1">
-                <a:avLst/>
-              </a:prstGeom>
-              <a:ln w="19050">
-                <a:solidFill>
-                  <a:schemeClr val="bg1">
-                    <a:lumMod val="50000"/>
-                  </a:schemeClr>
-                </a:solidFill>
-                <a:tailEnd type="none"/>
-              </a:ln>
-            </p:spPr>
-            <p:style>
-              <a:lnRef idx="1">
-                <a:schemeClr val="accent1"/>
-              </a:lnRef>
-              <a:fillRef idx="0">
-                <a:schemeClr val="accent1"/>
-              </a:fillRef>
-              <a:effectRef idx="0">
-                <a:schemeClr val="accent1"/>
-              </a:effectRef>
-              <a:fontRef idx="minor">
-                <a:schemeClr val="tx1"/>
-              </a:fontRef>
-            </p:style>
-          </p:cxnSp>
-          <p:cxnSp>
-            <p:nvCxnSpPr>
-              <p:cNvPr id="18" name="Straight Arrow Connector 17">
-                <a:extLst>
-                  <a:ext uri="{FF2B5EF4-FFF2-40B4-BE49-F238E27FC236}">
-                    <a16:creationId xmlns:a16="http://schemas.microsoft.com/office/drawing/2014/main" id="{6A454AA1-C34C-42A1-AE34-5E933403222B}"/>
-                  </a:ext>
-                </a:extLst>
-              </p:cNvPr>
-              <p:cNvCxnSpPr/>
-              <p:nvPr/>
-            </p:nvCxnSpPr>
-            <p:spPr>
-              <a:xfrm>
-                <a:off x="1151025" y="2253798"/>
-                <a:ext cx="98115" cy="0"/>
-              </a:xfrm>
-              <a:prstGeom prst="straightConnector1">
-                <a:avLst/>
-              </a:prstGeom>
-              <a:ln w="19050">
-                <a:solidFill>
-                  <a:schemeClr val="bg1">
-                    <a:lumMod val="50000"/>
-                  </a:schemeClr>
-                </a:solidFill>
-                <a:tailEnd type="none"/>
-              </a:ln>
-            </p:spPr>
-            <p:style>
-              <a:lnRef idx="1">
-                <a:schemeClr val="accent1"/>
-              </a:lnRef>
-              <a:fillRef idx="0">
-                <a:schemeClr val="accent1"/>
-              </a:fillRef>
-              <a:effectRef idx="0">
-                <a:schemeClr val="accent1"/>
-              </a:effectRef>
-              <a:fontRef idx="minor">
-                <a:schemeClr val="tx1"/>
-              </a:fontRef>
-            </p:style>
-          </p:cxnSp>
-          <p:cxnSp>
-            <p:nvCxnSpPr>
-              <p:cNvPr id="19" name="Straight Arrow Connector 18">
-                <a:extLst>
-                  <a:ext uri="{FF2B5EF4-FFF2-40B4-BE49-F238E27FC236}">
-                    <a16:creationId xmlns:a16="http://schemas.microsoft.com/office/drawing/2014/main" id="{A86C8506-A26C-467D-9B5A-E21571291B30}"/>
-                  </a:ext>
-                </a:extLst>
-              </p:cNvPr>
-              <p:cNvCxnSpPr/>
-              <p:nvPr/>
-            </p:nvCxnSpPr>
-            <p:spPr>
-              <a:xfrm>
-                <a:off x="1146261" y="1474952"/>
-                <a:ext cx="98115" cy="0"/>
-              </a:xfrm>
-              <a:prstGeom prst="straightConnector1">
-                <a:avLst/>
-              </a:prstGeom>
-              <a:ln w="19050">
-                <a:solidFill>
-                  <a:schemeClr val="bg1">
-                    <a:lumMod val="50000"/>
-                  </a:schemeClr>
-                </a:solidFill>
-                <a:tailEnd type="none"/>
-              </a:ln>
-            </p:spPr>
-            <p:style>
-              <a:lnRef idx="1">
-                <a:schemeClr val="accent1"/>
-              </a:lnRef>
-              <a:fillRef idx="0">
-                <a:schemeClr val="accent1"/>
-              </a:fillRef>
-              <a:effectRef idx="0">
-                <a:schemeClr val="accent1"/>
-              </a:effectRef>
-              <a:fontRef idx="minor">
-                <a:schemeClr val="tx1"/>
-              </a:fontRef>
-            </p:style>
-          </p:cxnSp>
-          <p:cxnSp>
-            <p:nvCxnSpPr>
-              <p:cNvPr id="20" name="Straight Arrow Connector 19">
-                <a:extLst>
-                  <a:ext uri="{FF2B5EF4-FFF2-40B4-BE49-F238E27FC236}">
-                    <a16:creationId xmlns:a16="http://schemas.microsoft.com/office/drawing/2014/main" id="{E1C2B72C-A370-4018-982E-9BE4E63816DB}"/>
-                  </a:ext>
-                </a:extLst>
-              </p:cNvPr>
-              <p:cNvCxnSpPr/>
-              <p:nvPr/>
-            </p:nvCxnSpPr>
-            <p:spPr>
-              <a:xfrm>
-                <a:off x="1151484" y="1864485"/>
-                <a:ext cx="98115" cy="0"/>
-              </a:xfrm>
-              <a:prstGeom prst="straightConnector1">
-                <a:avLst/>
-              </a:prstGeom>
-              <a:ln w="19050">
-                <a:solidFill>
-                  <a:schemeClr val="bg1">
-                    <a:lumMod val="50000"/>
-                  </a:schemeClr>
-                </a:solidFill>
-                <a:tailEnd type="none"/>
-              </a:ln>
-            </p:spPr>
-            <p:style>
-              <a:lnRef idx="1">
-                <a:schemeClr val="accent1"/>
-              </a:lnRef>
-              <a:fillRef idx="0">
-                <a:schemeClr val="accent1"/>
-              </a:fillRef>
-              <a:effectRef idx="0">
-                <a:schemeClr val="accent1"/>
-              </a:effectRef>
-              <a:fontRef idx="minor">
-                <a:schemeClr val="tx1"/>
-              </a:fontRef>
-            </p:style>
-          </p:cxnSp>
-        </p:grpSp>
-        <p:grpSp>
-          <p:nvGrpSpPr>
-            <p:cNvPr id="21" name="Group 20">
-              <a:extLst>
-                <a:ext uri="{FF2B5EF4-FFF2-40B4-BE49-F238E27FC236}">
-                  <a16:creationId xmlns:a16="http://schemas.microsoft.com/office/drawing/2014/main" id="{32A8CCBA-B9C1-4213-B4BB-4B4A4C71300D}"/>
-                </a:ext>
-              </a:extLst>
-            </p:cNvPr>
-            <p:cNvGrpSpPr/>
-            <p:nvPr/>
-          </p:nvGrpSpPr>
-          <p:grpSpPr>
-            <a:xfrm>
-              <a:off x="2025183" y="2485573"/>
-              <a:ext cx="1413976" cy="1425485"/>
-              <a:chOff x="1122116" y="1015119"/>
-              <a:chExt cx="1413976" cy="1425485"/>
-            </a:xfrm>
-          </p:grpSpPr>
-          <p:sp>
-            <p:nvSpPr>
-              <p:cNvPr id="22" name="Oval 21">
-                <a:extLst>
-                  <a:ext uri="{FF2B5EF4-FFF2-40B4-BE49-F238E27FC236}">
-                    <a16:creationId xmlns:a16="http://schemas.microsoft.com/office/drawing/2014/main" id="{90DEC564-4091-4ED2-B5D0-DF9B83DB710F}"/>
-                  </a:ext>
-                </a:extLst>
-              </p:cNvPr>
-              <p:cNvSpPr/>
-              <p:nvPr/>
-            </p:nvSpPr>
-            <p:spPr>
-              <a:xfrm>
-                <a:off x="1122116" y="1795221"/>
-                <a:ext cx="153439" cy="153439"/>
-              </a:xfrm>
-              <a:prstGeom prst="ellipse">
-                <a:avLst/>
-              </a:prstGeom>
-              <a:noFill/>
-              <a:ln w="19050">
-                <a:solidFill>
-                  <a:schemeClr val="tx2">
-                    <a:lumMod val="60000"/>
-                    <a:lumOff val="40000"/>
-                  </a:schemeClr>
-                </a:solidFill>
-              </a:ln>
-            </p:spPr>
-            <p:style>
-              <a:lnRef idx="2">
-                <a:schemeClr val="accent1">
-                  <a:shade val="50000"/>
-                </a:schemeClr>
-              </a:lnRef>
-              <a:fillRef idx="1">
-                <a:schemeClr val="accent1"/>
-              </a:fillRef>
-              <a:effectRef idx="0">
-                <a:schemeClr val="accent1"/>
-              </a:effectRef>
-              <a:fontRef idx="minor">
-                <a:schemeClr val="lt1"/>
-              </a:fontRef>
-            </p:style>
-            <p:txBody>
-              <a:bodyPr rtlCol="0" anchor="ctr"/>
-              <a:lstStyle/>
-              <a:p>
-                <a:pPr algn="ctr"/>
-                <a:endParaRPr lang="en-US">
-                  <a:solidFill>
-                    <a:prstClr val="white"/>
-                  </a:solidFill>
-                  <a:latin typeface="Calibri"/>
-                </a:endParaRPr>
-              </a:p>
-            </p:txBody>
-          </p:sp>
-          <p:sp>
-            <p:nvSpPr>
-              <p:cNvPr id="23" name="Oval 22">
-                <a:extLst>
-                  <a:ext uri="{FF2B5EF4-FFF2-40B4-BE49-F238E27FC236}">
-                    <a16:creationId xmlns:a16="http://schemas.microsoft.com/office/drawing/2014/main" id="{C13CFADD-3A0B-4F69-BC9F-49FE12483EAA}"/>
-                  </a:ext>
-                </a:extLst>
-              </p:cNvPr>
-              <p:cNvSpPr/>
-              <p:nvPr/>
-            </p:nvSpPr>
-            <p:spPr>
-              <a:xfrm>
-                <a:off x="1204609" y="2021386"/>
-                <a:ext cx="153439" cy="153439"/>
-              </a:xfrm>
-              <a:prstGeom prst="ellipse">
-                <a:avLst/>
-              </a:prstGeom>
-              <a:noFill/>
-              <a:ln w="19050">
-                <a:solidFill>
-                  <a:schemeClr val="tx2">
-                    <a:lumMod val="60000"/>
-                    <a:lumOff val="40000"/>
-                  </a:schemeClr>
-                </a:solidFill>
-              </a:ln>
-            </p:spPr>
-            <p:style>
-              <a:lnRef idx="2">
-                <a:schemeClr val="accent1">
-                  <a:shade val="50000"/>
-                </a:schemeClr>
-              </a:lnRef>
-              <a:fillRef idx="1">
-                <a:schemeClr val="accent1"/>
-              </a:fillRef>
-              <a:effectRef idx="0">
-                <a:schemeClr val="accent1"/>
-              </a:effectRef>
-              <a:fontRef idx="minor">
-                <a:schemeClr val="lt1"/>
-              </a:fontRef>
-            </p:style>
-            <p:txBody>
-              <a:bodyPr rtlCol="0" anchor="ctr"/>
-              <a:lstStyle/>
-              <a:p>
-                <a:pPr algn="ctr"/>
-                <a:endParaRPr lang="en-US">
-                  <a:solidFill>
-                    <a:prstClr val="white"/>
-                  </a:solidFill>
-                  <a:latin typeface="Calibri"/>
-                </a:endParaRPr>
-              </a:p>
-            </p:txBody>
-          </p:sp>
-          <p:sp>
-            <p:nvSpPr>
-              <p:cNvPr id="24" name="Oval 23">
-                <a:extLst>
-                  <a:ext uri="{FF2B5EF4-FFF2-40B4-BE49-F238E27FC236}">
-                    <a16:creationId xmlns:a16="http://schemas.microsoft.com/office/drawing/2014/main" id="{62F25F0E-B603-45B5-9A84-45E30D96C5B1}"/>
-                  </a:ext>
-                </a:extLst>
-              </p:cNvPr>
-              <p:cNvSpPr/>
-              <p:nvPr/>
-            </p:nvSpPr>
-            <p:spPr>
-              <a:xfrm>
-                <a:off x="1127889" y="1542765"/>
-                <a:ext cx="153439" cy="153439"/>
-              </a:xfrm>
-              <a:prstGeom prst="ellipse">
-                <a:avLst/>
-              </a:prstGeom>
-              <a:noFill/>
-              <a:ln w="19050">
-                <a:solidFill>
-                  <a:schemeClr val="tx2">
-                    <a:lumMod val="60000"/>
-                    <a:lumOff val="40000"/>
-                  </a:schemeClr>
-                </a:solidFill>
-              </a:ln>
-            </p:spPr>
-            <p:style>
-              <a:lnRef idx="2">
-                <a:schemeClr val="accent1">
-                  <a:shade val="50000"/>
-                </a:schemeClr>
-              </a:lnRef>
-              <a:fillRef idx="1">
-                <a:schemeClr val="accent1"/>
-              </a:fillRef>
-              <a:effectRef idx="0">
-                <a:schemeClr val="accent1"/>
-              </a:effectRef>
-              <a:fontRef idx="minor">
-                <a:schemeClr val="lt1"/>
-              </a:fontRef>
-            </p:style>
-            <p:txBody>
-              <a:bodyPr rtlCol="0" anchor="ctr"/>
-              <a:lstStyle/>
-              <a:p>
-                <a:pPr algn="ctr"/>
-                <a:endParaRPr lang="en-US">
-                  <a:solidFill>
-                    <a:prstClr val="white"/>
-                  </a:solidFill>
-                  <a:latin typeface="Calibri"/>
-                </a:endParaRPr>
-              </a:p>
-            </p:txBody>
-          </p:sp>
-          <p:sp>
-            <p:nvSpPr>
-              <p:cNvPr id="25" name="Oval 24">
-                <a:extLst>
-                  <a:ext uri="{FF2B5EF4-FFF2-40B4-BE49-F238E27FC236}">
-                    <a16:creationId xmlns:a16="http://schemas.microsoft.com/office/drawing/2014/main" id="{EFEE261F-FAC3-4486-834A-4AF426A77AD0}"/>
-                  </a:ext>
-                </a:extLst>
-              </p:cNvPr>
-              <p:cNvSpPr/>
-              <p:nvPr/>
-            </p:nvSpPr>
-            <p:spPr>
-              <a:xfrm>
-                <a:off x="1384434" y="1888832"/>
-                <a:ext cx="153439" cy="153439"/>
-              </a:xfrm>
-              <a:prstGeom prst="ellipse">
-                <a:avLst/>
-              </a:prstGeom>
-              <a:noFill/>
-              <a:ln w="19050">
-                <a:solidFill>
-                  <a:schemeClr val="tx2">
-                    <a:lumMod val="60000"/>
-                    <a:lumOff val="40000"/>
-                  </a:schemeClr>
-                </a:solidFill>
-              </a:ln>
-            </p:spPr>
-            <p:style>
-              <a:lnRef idx="2">
-                <a:schemeClr val="accent1">
-                  <a:shade val="50000"/>
-                </a:schemeClr>
-              </a:lnRef>
-              <a:fillRef idx="1">
-                <a:schemeClr val="accent1"/>
-              </a:fillRef>
-              <a:effectRef idx="0">
-                <a:schemeClr val="accent1"/>
-              </a:effectRef>
-              <a:fontRef idx="minor">
-                <a:schemeClr val="lt1"/>
-              </a:fontRef>
-            </p:style>
-            <p:txBody>
-              <a:bodyPr rtlCol="0" anchor="ctr"/>
-              <a:lstStyle/>
-              <a:p>
-                <a:pPr algn="ctr"/>
-                <a:endParaRPr lang="en-US">
-                  <a:solidFill>
-                    <a:prstClr val="white"/>
-                  </a:solidFill>
-                  <a:latin typeface="Calibri"/>
-                </a:endParaRPr>
-              </a:p>
-            </p:txBody>
-          </p:sp>
-          <p:sp>
-            <p:nvSpPr>
-              <p:cNvPr id="26" name="Oval 25">
-                <a:extLst>
-                  <a:ext uri="{FF2B5EF4-FFF2-40B4-BE49-F238E27FC236}">
-                    <a16:creationId xmlns:a16="http://schemas.microsoft.com/office/drawing/2014/main" id="{44E77A79-E273-41FA-82DF-01F4571A035F}"/>
-                  </a:ext>
-                </a:extLst>
-              </p:cNvPr>
-              <p:cNvSpPr/>
-              <p:nvPr/>
-            </p:nvSpPr>
-            <p:spPr>
-              <a:xfrm>
-                <a:off x="1348695" y="2216372"/>
-                <a:ext cx="153439" cy="153439"/>
-              </a:xfrm>
-              <a:prstGeom prst="ellipse">
-                <a:avLst/>
-              </a:prstGeom>
-              <a:noFill/>
-              <a:ln w="19050">
-                <a:solidFill>
-                  <a:schemeClr val="tx2">
-                    <a:lumMod val="60000"/>
-                    <a:lumOff val="40000"/>
-                  </a:schemeClr>
-                </a:solidFill>
-              </a:ln>
-            </p:spPr>
-            <p:style>
-              <a:lnRef idx="2">
-                <a:schemeClr val="accent1">
-                  <a:shade val="50000"/>
-                </a:schemeClr>
-              </a:lnRef>
-              <a:fillRef idx="1">
-                <a:schemeClr val="accent1"/>
-              </a:fillRef>
-              <a:effectRef idx="0">
-                <a:schemeClr val="accent1"/>
-              </a:effectRef>
-              <a:fontRef idx="minor">
-                <a:schemeClr val="lt1"/>
-              </a:fontRef>
-            </p:style>
-            <p:txBody>
-              <a:bodyPr rtlCol="0" anchor="ctr"/>
-              <a:lstStyle/>
-              <a:p>
-                <a:pPr algn="ctr"/>
-                <a:endParaRPr lang="en-US">
-                  <a:solidFill>
-                    <a:prstClr val="white"/>
-                  </a:solidFill>
-                  <a:latin typeface="Calibri"/>
-                </a:endParaRPr>
-              </a:p>
-            </p:txBody>
-          </p:sp>
-          <p:sp>
-            <p:nvSpPr>
-              <p:cNvPr id="27" name="Oval 26">
-                <a:extLst>
-                  <a:ext uri="{FF2B5EF4-FFF2-40B4-BE49-F238E27FC236}">
-                    <a16:creationId xmlns:a16="http://schemas.microsoft.com/office/drawing/2014/main" id="{0995A6A5-9CCB-4F48-ABAF-760B1B5703AA}"/>
-                  </a:ext>
-                </a:extLst>
-              </p:cNvPr>
-              <p:cNvSpPr/>
-              <p:nvPr/>
-            </p:nvSpPr>
-            <p:spPr>
-              <a:xfrm>
-                <a:off x="1537873" y="2114448"/>
-                <a:ext cx="153439" cy="153439"/>
-              </a:xfrm>
-              <a:prstGeom prst="ellipse">
-                <a:avLst/>
-              </a:prstGeom>
-              <a:noFill/>
-              <a:ln w="19050">
-                <a:solidFill>
-                  <a:schemeClr val="tx2">
-                    <a:lumMod val="60000"/>
-                    <a:lumOff val="40000"/>
-                  </a:schemeClr>
-                </a:solidFill>
-              </a:ln>
-            </p:spPr>
-            <p:style>
-              <a:lnRef idx="2">
-                <a:schemeClr val="accent1">
-                  <a:shade val="50000"/>
-                </a:schemeClr>
-              </a:lnRef>
-              <a:fillRef idx="1">
-                <a:schemeClr val="accent1"/>
-              </a:fillRef>
-              <a:effectRef idx="0">
-                <a:schemeClr val="accent1"/>
-              </a:effectRef>
-              <a:fontRef idx="minor">
-                <a:schemeClr val="lt1"/>
-              </a:fontRef>
-            </p:style>
-            <p:txBody>
-              <a:bodyPr rtlCol="0" anchor="ctr"/>
-              <a:lstStyle/>
-              <a:p>
-                <a:pPr algn="ctr"/>
-                <a:endParaRPr lang="en-US">
-                  <a:solidFill>
-                    <a:prstClr val="white"/>
-                  </a:solidFill>
-                  <a:latin typeface="Calibri"/>
-                </a:endParaRPr>
-              </a:p>
-            </p:txBody>
-          </p:sp>
-          <p:sp>
-            <p:nvSpPr>
-              <p:cNvPr id="28" name="Oval 27">
-                <a:extLst>
-                  <a:ext uri="{FF2B5EF4-FFF2-40B4-BE49-F238E27FC236}">
-                    <a16:creationId xmlns:a16="http://schemas.microsoft.com/office/drawing/2014/main" id="{CDEC1AA0-1F5B-4E15-B4AB-9C86EF6C0E85}"/>
-                  </a:ext>
-                </a:extLst>
-              </p:cNvPr>
-              <p:cNvSpPr/>
-              <p:nvPr/>
-            </p:nvSpPr>
-            <p:spPr>
-              <a:xfrm>
-                <a:off x="1123402" y="2231856"/>
-                <a:ext cx="153439" cy="153439"/>
-              </a:xfrm>
-              <a:prstGeom prst="ellipse">
-                <a:avLst/>
-              </a:prstGeom>
-              <a:noFill/>
-              <a:ln w="19050">
-                <a:solidFill>
-                  <a:schemeClr val="tx2">
-                    <a:lumMod val="60000"/>
-                    <a:lumOff val="40000"/>
-                  </a:schemeClr>
-                </a:solidFill>
-              </a:ln>
-            </p:spPr>
-            <p:style>
-              <a:lnRef idx="2">
-                <a:schemeClr val="accent1">
-                  <a:shade val="50000"/>
-                </a:schemeClr>
-              </a:lnRef>
-              <a:fillRef idx="1">
-                <a:schemeClr val="accent1"/>
-              </a:fillRef>
-              <a:effectRef idx="0">
-                <a:schemeClr val="accent1"/>
-              </a:effectRef>
-              <a:fontRef idx="minor">
-                <a:schemeClr val="lt1"/>
-              </a:fontRef>
-            </p:style>
-            <p:txBody>
-              <a:bodyPr rtlCol="0" anchor="ctr"/>
-              <a:lstStyle/>
-              <a:p>
-                <a:pPr algn="ctr"/>
-                <a:endParaRPr lang="en-US">
-                  <a:solidFill>
-                    <a:prstClr val="white"/>
-                  </a:solidFill>
-                  <a:latin typeface="Calibri"/>
-                </a:endParaRPr>
-              </a:p>
-            </p:txBody>
-          </p:sp>
-          <p:sp>
-            <p:nvSpPr>
-              <p:cNvPr id="29" name="Cross 28">
-                <a:extLst>
-                  <a:ext uri="{FF2B5EF4-FFF2-40B4-BE49-F238E27FC236}">
-                    <a16:creationId xmlns:a16="http://schemas.microsoft.com/office/drawing/2014/main" id="{E9A4C7E6-0AE3-4660-BEBB-6FEF72754853}"/>
-                  </a:ext>
-                </a:extLst>
-              </p:cNvPr>
-              <p:cNvSpPr/>
-              <p:nvPr/>
-            </p:nvSpPr>
-            <p:spPr>
-              <a:xfrm rot="2734294">
-                <a:off x="1839342" y="1510425"/>
-                <a:ext cx="153909" cy="153909"/>
-              </a:xfrm>
-              <a:prstGeom prst="plus">
-                <a:avLst>
-                  <a:gd name="adj" fmla="val 46579"/>
-                </a:avLst>
-              </a:prstGeom>
-              <a:solidFill>
-                <a:schemeClr val="tx1"/>
-              </a:solidFill>
-              <a:ln w="19050">
-                <a:solidFill>
-                  <a:srgbClr val="FF0000"/>
-                </a:solidFill>
-              </a:ln>
-            </p:spPr>
-            <p:style>
-              <a:lnRef idx="2">
-                <a:schemeClr val="accent1">
-                  <a:shade val="50000"/>
-                </a:schemeClr>
-              </a:lnRef>
-              <a:fillRef idx="1">
-                <a:schemeClr val="accent1"/>
-              </a:fillRef>
-              <a:effectRef idx="0">
-                <a:schemeClr val="accent1"/>
-              </a:effectRef>
-              <a:fontRef idx="minor">
-                <a:schemeClr val="lt1"/>
-              </a:fontRef>
-            </p:style>
-            <p:txBody>
-              <a:bodyPr rtlCol="0" anchor="ctr"/>
-              <a:lstStyle/>
-              <a:p>
-                <a:pPr algn="ctr"/>
-                <a:endParaRPr lang="en-US">
-                  <a:solidFill>
-                    <a:prstClr val="white"/>
-                  </a:solidFill>
-                  <a:latin typeface="Calibri"/>
-                </a:endParaRPr>
-              </a:p>
-            </p:txBody>
-          </p:sp>
-          <p:sp>
-            <p:nvSpPr>
-              <p:cNvPr id="30" name="Cross 29">
-                <a:extLst>
-                  <a:ext uri="{FF2B5EF4-FFF2-40B4-BE49-F238E27FC236}">
-                    <a16:creationId xmlns:a16="http://schemas.microsoft.com/office/drawing/2014/main" id="{0587B948-6EBC-4A62-842E-571C3F688B82}"/>
-                  </a:ext>
-                </a:extLst>
-              </p:cNvPr>
-              <p:cNvSpPr/>
-              <p:nvPr/>
-            </p:nvSpPr>
-            <p:spPr>
-              <a:xfrm rot="2734294">
-                <a:off x="1496419" y="1147713"/>
-                <a:ext cx="153909" cy="153909"/>
-              </a:xfrm>
-              <a:prstGeom prst="plus">
-                <a:avLst>
-                  <a:gd name="adj" fmla="val 46579"/>
-                </a:avLst>
-              </a:prstGeom>
-              <a:solidFill>
-                <a:schemeClr val="tx1"/>
-              </a:solidFill>
-              <a:ln w="19050">
-                <a:solidFill>
-                  <a:srgbClr val="FF0000"/>
-                </a:solidFill>
-              </a:ln>
-            </p:spPr>
-            <p:style>
-              <a:lnRef idx="2">
-                <a:schemeClr val="accent1">
-                  <a:shade val="50000"/>
-                </a:schemeClr>
-              </a:lnRef>
-              <a:fillRef idx="1">
-                <a:schemeClr val="accent1"/>
-              </a:fillRef>
-              <a:effectRef idx="0">
-                <a:schemeClr val="accent1"/>
-              </a:effectRef>
-              <a:fontRef idx="minor">
-                <a:schemeClr val="lt1"/>
-              </a:fontRef>
-            </p:style>
-            <p:txBody>
-              <a:bodyPr rtlCol="0" anchor="ctr"/>
-              <a:lstStyle/>
-              <a:p>
-                <a:pPr algn="ctr"/>
-                <a:endParaRPr lang="en-US">
-                  <a:solidFill>
-                    <a:prstClr val="white"/>
-                  </a:solidFill>
-                  <a:latin typeface="Calibri"/>
-                </a:endParaRPr>
-              </a:p>
-            </p:txBody>
-          </p:sp>
-          <p:sp>
-            <p:nvSpPr>
-              <p:cNvPr id="31" name="Cross 30">
-                <a:extLst>
-                  <a:ext uri="{FF2B5EF4-FFF2-40B4-BE49-F238E27FC236}">
-                    <a16:creationId xmlns:a16="http://schemas.microsoft.com/office/drawing/2014/main" id="{2FDC4983-C0DA-4DFC-A066-AA646B25EC37}"/>
-                  </a:ext>
-                </a:extLst>
-              </p:cNvPr>
-              <p:cNvSpPr/>
-              <p:nvPr/>
-            </p:nvSpPr>
-            <p:spPr>
-              <a:xfrm rot="2734294">
-                <a:off x="1790032" y="1280276"/>
-                <a:ext cx="153909" cy="153909"/>
-              </a:xfrm>
-              <a:prstGeom prst="plus">
-                <a:avLst>
-                  <a:gd name="adj" fmla="val 46579"/>
-                </a:avLst>
-              </a:prstGeom>
-              <a:solidFill>
-                <a:schemeClr val="tx1"/>
-              </a:solidFill>
-              <a:ln w="19050">
-                <a:solidFill>
-                  <a:srgbClr val="FF0000"/>
-                </a:solidFill>
-              </a:ln>
-            </p:spPr>
-            <p:style>
-              <a:lnRef idx="2">
-                <a:schemeClr val="accent1">
-                  <a:shade val="50000"/>
-                </a:schemeClr>
-              </a:lnRef>
-              <a:fillRef idx="1">
-                <a:schemeClr val="accent1"/>
-              </a:fillRef>
-              <a:effectRef idx="0">
-                <a:schemeClr val="accent1"/>
-              </a:effectRef>
-              <a:fontRef idx="minor">
-                <a:schemeClr val="lt1"/>
-              </a:fontRef>
-            </p:style>
-            <p:txBody>
-              <a:bodyPr rtlCol="0" anchor="ctr"/>
-              <a:lstStyle/>
-              <a:p>
-                <a:pPr algn="ctr"/>
-                <a:endParaRPr lang="en-US">
-                  <a:solidFill>
-                    <a:prstClr val="white"/>
-                  </a:solidFill>
-                  <a:latin typeface="Calibri"/>
-                </a:endParaRPr>
-              </a:p>
-            </p:txBody>
-          </p:sp>
-          <p:sp>
-            <p:nvSpPr>
-              <p:cNvPr id="32" name="Cross 31">
-                <a:extLst>
-                  <a:ext uri="{FF2B5EF4-FFF2-40B4-BE49-F238E27FC236}">
-                    <a16:creationId xmlns:a16="http://schemas.microsoft.com/office/drawing/2014/main" id="{724C630A-F8D2-4724-B4C3-7136818863F5}"/>
-                  </a:ext>
-                </a:extLst>
-              </p:cNvPr>
-              <p:cNvSpPr/>
-              <p:nvPr/>
-            </p:nvSpPr>
-            <p:spPr>
-              <a:xfrm rot="2734294">
-                <a:off x="1718996" y="1030771"/>
-                <a:ext cx="153909" cy="153909"/>
-              </a:xfrm>
-              <a:prstGeom prst="plus">
-                <a:avLst>
-                  <a:gd name="adj" fmla="val 46579"/>
-                </a:avLst>
-              </a:prstGeom>
-              <a:solidFill>
-                <a:schemeClr val="tx1"/>
-              </a:solidFill>
-              <a:ln w="19050">
-                <a:solidFill>
-                  <a:srgbClr val="FF0000"/>
-                </a:solidFill>
-              </a:ln>
-            </p:spPr>
-            <p:style>
-              <a:lnRef idx="2">
-                <a:schemeClr val="accent1">
-                  <a:shade val="50000"/>
-                </a:schemeClr>
-              </a:lnRef>
-              <a:fillRef idx="1">
-                <a:schemeClr val="accent1"/>
-              </a:fillRef>
-              <a:effectRef idx="0">
-                <a:schemeClr val="accent1"/>
-              </a:effectRef>
-              <a:fontRef idx="minor">
-                <a:schemeClr val="lt1"/>
-              </a:fontRef>
-            </p:style>
-            <p:txBody>
-              <a:bodyPr rtlCol="0" anchor="ctr"/>
-              <a:lstStyle/>
-              <a:p>
-                <a:pPr algn="ctr"/>
-                <a:endParaRPr lang="en-US">
-                  <a:solidFill>
-                    <a:prstClr val="white"/>
-                  </a:solidFill>
-                  <a:latin typeface="Calibri"/>
-                </a:endParaRPr>
-              </a:p>
-            </p:txBody>
-          </p:sp>
-          <p:sp>
-            <p:nvSpPr>
-              <p:cNvPr id="33" name="Cross 32">
-                <a:extLst>
-                  <a:ext uri="{FF2B5EF4-FFF2-40B4-BE49-F238E27FC236}">
-                    <a16:creationId xmlns:a16="http://schemas.microsoft.com/office/drawing/2014/main" id="{BE556A49-C27D-47BD-8707-DAEF971D5575}"/>
-                  </a:ext>
-                </a:extLst>
-              </p:cNvPr>
-              <p:cNvSpPr/>
-              <p:nvPr/>
-            </p:nvSpPr>
-            <p:spPr>
-              <a:xfrm rot="2734294">
-                <a:off x="2099755" y="1232768"/>
-                <a:ext cx="153909" cy="153909"/>
-              </a:xfrm>
-              <a:prstGeom prst="plus">
-                <a:avLst>
-                  <a:gd name="adj" fmla="val 46579"/>
-                </a:avLst>
-              </a:prstGeom>
-              <a:solidFill>
-                <a:schemeClr val="tx1"/>
-              </a:solidFill>
-              <a:ln w="19050">
-                <a:solidFill>
-                  <a:srgbClr val="FF0000"/>
-                </a:solidFill>
-              </a:ln>
-            </p:spPr>
-            <p:style>
-              <a:lnRef idx="2">
-                <a:schemeClr val="accent1">
-                  <a:shade val="50000"/>
-                </a:schemeClr>
-              </a:lnRef>
-              <a:fillRef idx="1">
-                <a:schemeClr val="accent1"/>
-              </a:fillRef>
-              <a:effectRef idx="0">
-                <a:schemeClr val="accent1"/>
-              </a:effectRef>
-              <a:fontRef idx="minor">
-                <a:schemeClr val="lt1"/>
-              </a:fontRef>
-            </p:style>
-            <p:txBody>
-              <a:bodyPr rtlCol="0" anchor="ctr"/>
-              <a:lstStyle/>
-              <a:p>
-                <a:pPr algn="ctr"/>
-                <a:endParaRPr lang="en-US">
-                  <a:solidFill>
-                    <a:prstClr val="white"/>
-                  </a:solidFill>
-                  <a:latin typeface="Calibri"/>
-                </a:endParaRPr>
-              </a:p>
-            </p:txBody>
-          </p:sp>
-          <p:sp>
-            <p:nvSpPr>
-              <p:cNvPr id="34" name="Oval 33">
-                <a:extLst>
-                  <a:ext uri="{FF2B5EF4-FFF2-40B4-BE49-F238E27FC236}">
-                    <a16:creationId xmlns:a16="http://schemas.microsoft.com/office/drawing/2014/main" id="{199985A6-ED53-49F2-95EE-BA28532D7AB3}"/>
-                  </a:ext>
-                </a:extLst>
-              </p:cNvPr>
-              <p:cNvSpPr/>
-              <p:nvPr/>
-            </p:nvSpPr>
-            <p:spPr>
-              <a:xfrm>
-                <a:off x="1681443" y="2287165"/>
-                <a:ext cx="153439" cy="153439"/>
-              </a:xfrm>
-              <a:prstGeom prst="ellipse">
-                <a:avLst/>
-              </a:prstGeom>
-              <a:noFill/>
-              <a:ln w="19050">
-                <a:solidFill>
-                  <a:schemeClr val="tx2">
-                    <a:lumMod val="60000"/>
-                    <a:lumOff val="40000"/>
-                  </a:schemeClr>
-                </a:solidFill>
-              </a:ln>
-            </p:spPr>
-            <p:style>
-              <a:lnRef idx="2">
-                <a:schemeClr val="accent1">
-                  <a:shade val="50000"/>
-                </a:schemeClr>
-              </a:lnRef>
-              <a:fillRef idx="1">
-                <a:schemeClr val="accent1"/>
-              </a:fillRef>
-              <a:effectRef idx="0">
-                <a:schemeClr val="accent1"/>
-              </a:effectRef>
-              <a:fontRef idx="minor">
-                <a:schemeClr val="lt1"/>
-              </a:fontRef>
-            </p:style>
-            <p:txBody>
-              <a:bodyPr rtlCol="0" anchor="ctr"/>
-              <a:lstStyle/>
-              <a:p>
-                <a:pPr algn="ctr"/>
-                <a:endParaRPr lang="en-US">
-                  <a:solidFill>
-                    <a:prstClr val="white"/>
-                  </a:solidFill>
-                  <a:latin typeface="Calibri"/>
-                </a:endParaRPr>
-              </a:p>
-            </p:txBody>
-          </p:sp>
-          <p:sp>
-            <p:nvSpPr>
-              <p:cNvPr id="35" name="Cross 34">
-                <a:extLst>
-                  <a:ext uri="{FF2B5EF4-FFF2-40B4-BE49-F238E27FC236}">
-                    <a16:creationId xmlns:a16="http://schemas.microsoft.com/office/drawing/2014/main" id="{7FB1EBF7-C453-4147-BEEC-7BB35BD6AD54}"/>
-                  </a:ext>
-                </a:extLst>
-              </p:cNvPr>
-              <p:cNvSpPr/>
-              <p:nvPr/>
-            </p:nvSpPr>
-            <p:spPr>
-              <a:xfrm rot="2734294">
-                <a:off x="2184711" y="1497927"/>
-                <a:ext cx="153909" cy="153909"/>
-              </a:xfrm>
-              <a:prstGeom prst="plus">
-                <a:avLst>
-                  <a:gd name="adj" fmla="val 46579"/>
-                </a:avLst>
-              </a:prstGeom>
-              <a:solidFill>
-                <a:schemeClr val="tx1"/>
-              </a:solidFill>
-              <a:ln w="19050">
-                <a:solidFill>
-                  <a:srgbClr val="FF0000"/>
-                </a:solidFill>
-              </a:ln>
-            </p:spPr>
-            <p:style>
-              <a:lnRef idx="2">
-                <a:schemeClr val="accent1">
-                  <a:shade val="50000"/>
-                </a:schemeClr>
-              </a:lnRef>
-              <a:fillRef idx="1">
-                <a:schemeClr val="accent1"/>
-              </a:fillRef>
-              <a:effectRef idx="0">
-                <a:schemeClr val="accent1"/>
-              </a:effectRef>
-              <a:fontRef idx="minor">
-                <a:schemeClr val="lt1"/>
-              </a:fontRef>
-            </p:style>
-            <p:txBody>
-              <a:bodyPr rtlCol="0" anchor="ctr"/>
-              <a:lstStyle/>
-              <a:p>
-                <a:pPr algn="ctr"/>
-                <a:endParaRPr lang="en-US">
-                  <a:solidFill>
-                    <a:prstClr val="white"/>
-                  </a:solidFill>
-                  <a:latin typeface="Calibri"/>
-                </a:endParaRPr>
-              </a:p>
-            </p:txBody>
-          </p:sp>
-          <p:sp>
-            <p:nvSpPr>
-              <p:cNvPr id="36" name="Cross 35">
-                <a:extLst>
-                  <a:ext uri="{FF2B5EF4-FFF2-40B4-BE49-F238E27FC236}">
-                    <a16:creationId xmlns:a16="http://schemas.microsoft.com/office/drawing/2014/main" id="{DDF37830-74DA-4AFD-84B7-2C90B55B5458}"/>
-                  </a:ext>
-                </a:extLst>
-              </p:cNvPr>
-              <p:cNvSpPr/>
-              <p:nvPr/>
-            </p:nvSpPr>
-            <p:spPr>
-              <a:xfrm rot="2734294">
-                <a:off x="2066327" y="1718267"/>
-                <a:ext cx="153909" cy="153909"/>
-              </a:xfrm>
-              <a:prstGeom prst="plus">
-                <a:avLst>
-                  <a:gd name="adj" fmla="val 46579"/>
-                </a:avLst>
-              </a:prstGeom>
-              <a:solidFill>
-                <a:schemeClr val="tx1"/>
-              </a:solidFill>
-              <a:ln w="19050">
-                <a:solidFill>
-                  <a:srgbClr val="FF0000"/>
-                </a:solidFill>
-              </a:ln>
-            </p:spPr>
-            <p:style>
-              <a:lnRef idx="2">
-                <a:schemeClr val="accent1">
-                  <a:shade val="50000"/>
-                </a:schemeClr>
-              </a:lnRef>
-              <a:fillRef idx="1">
-                <a:schemeClr val="accent1"/>
-              </a:fillRef>
-              <a:effectRef idx="0">
-                <a:schemeClr val="accent1"/>
-              </a:effectRef>
-              <a:fontRef idx="minor">
-                <a:schemeClr val="lt1"/>
-              </a:fontRef>
-            </p:style>
-            <p:txBody>
-              <a:bodyPr rtlCol="0" anchor="ctr"/>
-              <a:lstStyle/>
-              <a:p>
-                <a:pPr algn="ctr"/>
-                <a:endParaRPr lang="en-US">
-                  <a:solidFill>
-                    <a:prstClr val="white"/>
-                  </a:solidFill>
-                  <a:latin typeface="Calibri"/>
-                </a:endParaRPr>
-              </a:p>
-            </p:txBody>
-          </p:sp>
-          <p:sp>
-            <p:nvSpPr>
-              <p:cNvPr id="37" name="Cross 36">
-                <a:extLst>
-                  <a:ext uri="{FF2B5EF4-FFF2-40B4-BE49-F238E27FC236}">
-                    <a16:creationId xmlns:a16="http://schemas.microsoft.com/office/drawing/2014/main" id="{B6B0D8AF-83BE-4171-9D63-E31E4225EB43}"/>
-                  </a:ext>
-                </a:extLst>
-              </p:cNvPr>
-              <p:cNvSpPr/>
-              <p:nvPr/>
-            </p:nvSpPr>
-            <p:spPr>
-              <a:xfrm rot="2734294">
-                <a:off x="2184616" y="1965316"/>
-                <a:ext cx="153909" cy="153909"/>
-              </a:xfrm>
-              <a:prstGeom prst="plus">
-                <a:avLst>
-                  <a:gd name="adj" fmla="val 46579"/>
-                </a:avLst>
-              </a:prstGeom>
-              <a:solidFill>
-                <a:schemeClr val="tx1"/>
-              </a:solidFill>
-              <a:ln w="19050">
-                <a:solidFill>
-                  <a:srgbClr val="FF0000"/>
-                </a:solidFill>
-              </a:ln>
-            </p:spPr>
-            <p:style>
-              <a:lnRef idx="2">
-                <a:schemeClr val="accent1">
-                  <a:shade val="50000"/>
-                </a:schemeClr>
-              </a:lnRef>
-              <a:fillRef idx="1">
-                <a:schemeClr val="accent1"/>
-              </a:fillRef>
-              <a:effectRef idx="0">
-                <a:schemeClr val="accent1"/>
-              </a:effectRef>
-              <a:fontRef idx="minor">
-                <a:schemeClr val="lt1"/>
-              </a:fontRef>
-            </p:style>
-            <p:txBody>
-              <a:bodyPr rtlCol="0" anchor="ctr"/>
-              <a:lstStyle/>
-              <a:p>
-                <a:pPr algn="ctr"/>
-                <a:endParaRPr lang="en-US">
-                  <a:solidFill>
-                    <a:prstClr val="white"/>
-                  </a:solidFill>
-                  <a:latin typeface="Calibri"/>
-                </a:endParaRPr>
-              </a:p>
-            </p:txBody>
-          </p:sp>
-          <p:sp>
-            <p:nvSpPr>
-              <p:cNvPr id="38" name="Cross 37">
-                <a:extLst>
-                  <a:ext uri="{FF2B5EF4-FFF2-40B4-BE49-F238E27FC236}">
-                    <a16:creationId xmlns:a16="http://schemas.microsoft.com/office/drawing/2014/main" id="{7FFD6FCD-413E-443E-B571-BC67BBE07799}"/>
-                  </a:ext>
-                </a:extLst>
-              </p:cNvPr>
-              <p:cNvSpPr/>
-              <p:nvPr/>
-            </p:nvSpPr>
-            <p:spPr>
-              <a:xfrm rot="2734294">
-                <a:off x="2382183" y="1703053"/>
-                <a:ext cx="153909" cy="153909"/>
-              </a:xfrm>
-              <a:prstGeom prst="plus">
-                <a:avLst>
-                  <a:gd name="adj" fmla="val 46579"/>
-                </a:avLst>
-              </a:prstGeom>
-              <a:solidFill>
-                <a:schemeClr val="tx1"/>
-              </a:solidFill>
-              <a:ln w="19050">
-                <a:solidFill>
-                  <a:srgbClr val="FF0000"/>
-                </a:solidFill>
-              </a:ln>
-            </p:spPr>
-            <p:style>
-              <a:lnRef idx="2">
-                <a:schemeClr val="accent1">
-                  <a:shade val="50000"/>
-                </a:schemeClr>
-              </a:lnRef>
-              <a:fillRef idx="1">
-                <a:schemeClr val="accent1"/>
-              </a:fillRef>
-              <a:effectRef idx="0">
-                <a:schemeClr val="accent1"/>
-              </a:effectRef>
-              <a:fontRef idx="minor">
-                <a:schemeClr val="lt1"/>
-              </a:fontRef>
-            </p:style>
-            <p:txBody>
-              <a:bodyPr rtlCol="0" anchor="ctr"/>
-              <a:lstStyle/>
-              <a:p>
-                <a:pPr algn="ctr"/>
-                <a:endParaRPr lang="en-US">
-                  <a:solidFill>
-                    <a:prstClr val="white"/>
-                  </a:solidFill>
-                  <a:latin typeface="Calibri"/>
-                </a:endParaRPr>
-              </a:p>
-            </p:txBody>
-          </p:sp>
-          <p:sp>
-            <p:nvSpPr>
-              <p:cNvPr id="39" name="Cross 38">
-                <a:extLst>
-                  <a:ext uri="{FF2B5EF4-FFF2-40B4-BE49-F238E27FC236}">
-                    <a16:creationId xmlns:a16="http://schemas.microsoft.com/office/drawing/2014/main" id="{7DBEC44B-8B12-43C3-BEFA-EC4DF2407DCF}"/>
-                  </a:ext>
-                </a:extLst>
-              </p:cNvPr>
-              <p:cNvSpPr/>
-              <p:nvPr/>
-            </p:nvSpPr>
-            <p:spPr>
-              <a:xfrm rot="2734294">
-                <a:off x="1948167" y="1015119"/>
-                <a:ext cx="153909" cy="153909"/>
-              </a:xfrm>
-              <a:prstGeom prst="plus">
-                <a:avLst>
-                  <a:gd name="adj" fmla="val 46579"/>
-                </a:avLst>
-              </a:prstGeom>
-              <a:solidFill>
-                <a:schemeClr val="tx1"/>
-              </a:solidFill>
-              <a:ln w="19050">
-                <a:solidFill>
-                  <a:srgbClr val="FF0000"/>
-                </a:solidFill>
-              </a:ln>
-            </p:spPr>
-            <p:style>
-              <a:lnRef idx="2">
-                <a:schemeClr val="accent1">
-                  <a:shade val="50000"/>
-                </a:schemeClr>
-              </a:lnRef>
-              <a:fillRef idx="1">
-                <a:schemeClr val="accent1"/>
-              </a:fillRef>
-              <a:effectRef idx="0">
-                <a:schemeClr val="accent1"/>
-              </a:effectRef>
-              <a:fontRef idx="minor">
-                <a:schemeClr val="lt1"/>
-              </a:fontRef>
-            </p:style>
-            <p:txBody>
-              <a:bodyPr rtlCol="0" anchor="ctr"/>
-              <a:lstStyle/>
-              <a:p>
-                <a:pPr algn="ctr"/>
-                <a:endParaRPr lang="en-US">
-                  <a:solidFill>
-                    <a:prstClr val="white"/>
-                  </a:solidFill>
-                  <a:latin typeface="Calibri"/>
-                </a:endParaRPr>
-              </a:p>
-            </p:txBody>
-          </p:sp>
-        </p:grpSp>
-        <p:sp>
-          <p:nvSpPr>
-            <p:cNvPr id="40" name="TextBox 39">
-              <a:extLst>
-                <a:ext uri="{FF2B5EF4-FFF2-40B4-BE49-F238E27FC236}">
-                  <a16:creationId xmlns:a16="http://schemas.microsoft.com/office/drawing/2014/main" id="{6CD72DE8-2967-4E99-BE13-63CA21B534FB}"/>
-                </a:ext>
-              </a:extLst>
-            </p:cNvPr>
-            <p:cNvSpPr txBox="1"/>
-            <p:nvPr/>
-          </p:nvSpPr>
-          <p:spPr>
-            <a:xfrm>
-              <a:off x="2208033" y="4016283"/>
-              <a:ext cx="274273" cy="338554"/>
-            </a:xfrm>
-            <a:prstGeom prst="rect">
-              <a:avLst/>
-            </a:prstGeom>
-            <a:noFill/>
-            <a:ln w="19050">
-              <a:noFill/>
-            </a:ln>
-          </p:spPr>
-          <p:txBody>
-            <a:bodyPr wrap="square" rtlCol="0">
-              <a:spAutoFit/>
-            </a:bodyPr>
-            <a:lstStyle/>
-            <a:p>
-              <a:r>
-                <a:rPr lang="en-US" sz="1600" dirty="0">
-                  <a:solidFill>
-                    <a:prstClr val="black"/>
-                  </a:solidFill>
-                  <a:latin typeface="Calibri"/>
-                </a:rPr>
-                <a:t>1</a:t>
-              </a:r>
-              <a:endParaRPr lang="en-US" sz="1600" baseline="-25000" dirty="0">
-                <a:solidFill>
-                  <a:prstClr val="black"/>
-                </a:solidFill>
-                <a:latin typeface="Calibri"/>
-              </a:endParaRPr>
-            </a:p>
-          </p:txBody>
-        </p:sp>
-        <p:sp>
-          <p:nvSpPr>
-            <p:cNvPr id="41" name="TextBox 40">
-              <a:extLst>
-                <a:ext uri="{FF2B5EF4-FFF2-40B4-BE49-F238E27FC236}">
-                  <a16:creationId xmlns:a16="http://schemas.microsoft.com/office/drawing/2014/main" id="{1E735789-F6FD-461A-AD0B-86E924D7E079}"/>
-                </a:ext>
-              </a:extLst>
-            </p:cNvPr>
-            <p:cNvSpPr txBox="1"/>
-            <p:nvPr/>
-          </p:nvSpPr>
-          <p:spPr>
-            <a:xfrm>
-              <a:off x="2594379" y="4016369"/>
-              <a:ext cx="274273" cy="338554"/>
-            </a:xfrm>
-            <a:prstGeom prst="rect">
-              <a:avLst/>
-            </a:prstGeom>
-            <a:noFill/>
-            <a:ln w="19050">
-              <a:noFill/>
-            </a:ln>
-          </p:spPr>
-          <p:txBody>
-            <a:bodyPr wrap="square" rtlCol="0">
-              <a:spAutoFit/>
-            </a:bodyPr>
-            <a:lstStyle/>
-            <a:p>
-              <a:r>
-                <a:rPr lang="en-US" sz="1600" dirty="0">
-                  <a:solidFill>
-                    <a:prstClr val="black"/>
-                  </a:solidFill>
-                  <a:latin typeface="Calibri"/>
-                </a:rPr>
-                <a:t>2</a:t>
-              </a:r>
-              <a:endParaRPr lang="en-US" sz="1600" baseline="-25000" dirty="0">
-                <a:solidFill>
-                  <a:prstClr val="black"/>
-                </a:solidFill>
-                <a:latin typeface="Calibri"/>
-              </a:endParaRPr>
-            </a:p>
-          </p:txBody>
-        </p:sp>
-        <p:sp>
-          <p:nvSpPr>
-            <p:cNvPr id="42" name="TextBox 41">
-              <a:extLst>
-                <a:ext uri="{FF2B5EF4-FFF2-40B4-BE49-F238E27FC236}">
-                  <a16:creationId xmlns:a16="http://schemas.microsoft.com/office/drawing/2014/main" id="{103261D2-329B-448A-A87A-5AB4E3A6A45F}"/>
-                </a:ext>
-              </a:extLst>
-            </p:cNvPr>
-            <p:cNvSpPr txBox="1"/>
-            <p:nvPr/>
-          </p:nvSpPr>
-          <p:spPr>
-            <a:xfrm>
-              <a:off x="3002720" y="4016369"/>
-              <a:ext cx="274273" cy="338554"/>
-            </a:xfrm>
-            <a:prstGeom prst="rect">
-              <a:avLst/>
-            </a:prstGeom>
-            <a:noFill/>
-            <a:ln w="19050">
-              <a:noFill/>
-            </a:ln>
-          </p:spPr>
-          <p:txBody>
-            <a:bodyPr wrap="square" rtlCol="0">
-              <a:spAutoFit/>
-            </a:bodyPr>
-            <a:lstStyle/>
-            <a:p>
-              <a:r>
-                <a:rPr lang="en-US" sz="1600" dirty="0">
-                  <a:solidFill>
-                    <a:prstClr val="black"/>
-                  </a:solidFill>
-                  <a:latin typeface="Calibri"/>
-                </a:rPr>
-                <a:t>3</a:t>
-              </a:r>
-              <a:endParaRPr lang="en-US" sz="1600" baseline="-25000" dirty="0">
-                <a:solidFill>
-                  <a:prstClr val="black"/>
-                </a:solidFill>
-                <a:latin typeface="Calibri"/>
-              </a:endParaRPr>
-            </a:p>
-          </p:txBody>
-        </p:sp>
-        <p:sp>
-          <p:nvSpPr>
-            <p:cNvPr id="43" name="TextBox 42">
-              <a:extLst>
-                <a:ext uri="{FF2B5EF4-FFF2-40B4-BE49-F238E27FC236}">
-                  <a16:creationId xmlns:a16="http://schemas.microsoft.com/office/drawing/2014/main" id="{D8FFD22E-78AA-42AD-ACFB-A392E5519BE0}"/>
-                </a:ext>
-              </a:extLst>
-            </p:cNvPr>
-            <p:cNvSpPr txBox="1"/>
-            <p:nvPr/>
-          </p:nvSpPr>
-          <p:spPr>
-            <a:xfrm>
-              <a:off x="1615546" y="3415625"/>
-              <a:ext cx="274273" cy="338554"/>
-            </a:xfrm>
-            <a:prstGeom prst="rect">
-              <a:avLst/>
-            </a:prstGeom>
-            <a:noFill/>
-            <a:ln w="19050">
-              <a:noFill/>
-            </a:ln>
-          </p:spPr>
-          <p:txBody>
-            <a:bodyPr wrap="square" rtlCol="0">
-              <a:spAutoFit/>
-            </a:bodyPr>
-            <a:lstStyle/>
-            <a:p>
-              <a:r>
-                <a:rPr lang="en-US" sz="1600" dirty="0">
-                  <a:solidFill>
-                    <a:prstClr val="black"/>
-                  </a:solidFill>
-                  <a:latin typeface="Calibri"/>
-                </a:rPr>
-                <a:t>1</a:t>
-              </a:r>
-              <a:endParaRPr lang="en-US" sz="1600" baseline="-25000" dirty="0">
-                <a:solidFill>
-                  <a:prstClr val="black"/>
-                </a:solidFill>
-                <a:latin typeface="Calibri"/>
-              </a:endParaRPr>
-            </a:p>
-          </p:txBody>
-        </p:sp>
-        <p:sp>
-          <p:nvSpPr>
-            <p:cNvPr id="44" name="TextBox 43">
-              <a:extLst>
-                <a:ext uri="{FF2B5EF4-FFF2-40B4-BE49-F238E27FC236}">
-                  <a16:creationId xmlns:a16="http://schemas.microsoft.com/office/drawing/2014/main" id="{55DA4251-3455-4A62-8CA2-4508B29F0889}"/>
-                </a:ext>
-              </a:extLst>
-            </p:cNvPr>
-            <p:cNvSpPr txBox="1"/>
-            <p:nvPr/>
-          </p:nvSpPr>
-          <p:spPr>
-            <a:xfrm>
-              <a:off x="1626163" y="2984884"/>
-              <a:ext cx="274273" cy="338554"/>
-            </a:xfrm>
-            <a:prstGeom prst="rect">
-              <a:avLst/>
-            </a:prstGeom>
-            <a:noFill/>
-            <a:ln w="19050">
-              <a:noFill/>
-            </a:ln>
-          </p:spPr>
-          <p:txBody>
-            <a:bodyPr wrap="square" rtlCol="0">
-              <a:spAutoFit/>
-            </a:bodyPr>
-            <a:lstStyle/>
-            <a:p>
-              <a:r>
-                <a:rPr lang="en-US" sz="1600" dirty="0">
-                  <a:solidFill>
-                    <a:prstClr val="black"/>
-                  </a:solidFill>
-                  <a:latin typeface="Calibri"/>
-                </a:rPr>
-                <a:t>2</a:t>
-              </a:r>
-              <a:endParaRPr lang="en-US" sz="1600" baseline="-25000" dirty="0">
-                <a:solidFill>
-                  <a:prstClr val="black"/>
-                </a:solidFill>
-                <a:latin typeface="Calibri"/>
-              </a:endParaRPr>
-            </a:p>
-          </p:txBody>
-        </p:sp>
-        <p:sp>
-          <p:nvSpPr>
-            <p:cNvPr id="45" name="TextBox 44">
-              <a:extLst>
-                <a:ext uri="{FF2B5EF4-FFF2-40B4-BE49-F238E27FC236}">
-                  <a16:creationId xmlns:a16="http://schemas.microsoft.com/office/drawing/2014/main" id="{959FC7C8-C763-4F1F-B02C-50ABA27F3659}"/>
-                </a:ext>
-              </a:extLst>
-            </p:cNvPr>
-            <p:cNvSpPr txBox="1"/>
-            <p:nvPr/>
-          </p:nvSpPr>
-          <p:spPr>
-            <a:xfrm>
-              <a:off x="1640788" y="2620381"/>
-              <a:ext cx="274273" cy="338554"/>
-            </a:xfrm>
-            <a:prstGeom prst="rect">
-              <a:avLst/>
-            </a:prstGeom>
-            <a:noFill/>
-            <a:ln w="19050">
-              <a:noFill/>
-            </a:ln>
-          </p:spPr>
-          <p:txBody>
-            <a:bodyPr wrap="square" rtlCol="0">
-              <a:spAutoFit/>
-            </a:bodyPr>
-            <a:lstStyle/>
-            <a:p>
-              <a:r>
-                <a:rPr lang="en-US" sz="1600" dirty="0">
-                  <a:solidFill>
-                    <a:prstClr val="black"/>
-                  </a:solidFill>
-                  <a:latin typeface="Calibri"/>
-                </a:rPr>
-                <a:t>3</a:t>
-              </a:r>
-              <a:endParaRPr lang="en-US" sz="1600" baseline="-25000" dirty="0">
-                <a:solidFill>
-                  <a:prstClr val="black"/>
-                </a:solidFill>
-                <a:latin typeface="Calibri"/>
-              </a:endParaRPr>
-            </a:p>
-          </p:txBody>
-        </p:sp>
-        <p:pic>
-          <p:nvPicPr>
-            <p:cNvPr id="46" name="Picture 45">
-              <a:extLst>
-                <a:ext uri="{FF2B5EF4-FFF2-40B4-BE49-F238E27FC236}">
-                  <a16:creationId xmlns:a16="http://schemas.microsoft.com/office/drawing/2014/main" id="{AACCF8A8-1D62-4EA6-9FF3-85B2F0DA909D}"/>
-                </a:ext>
-              </a:extLst>
-            </p:cNvPr>
-            <p:cNvPicPr>
-              <a:picLocks noChangeAspect="1"/>
-            </p:cNvPicPr>
-            <p:nvPr>
-              <p:custDataLst>
-                <p:tags r:id="rId1"/>
-              </p:custDataLst>
-            </p:nvPr>
-          </p:nvPicPr>
-          <p:blipFill>
-            <a:blip r:embed="rId3" cstate="print">
-              <a:extLst>
-                <a:ext uri="{28A0092B-C50C-407E-A947-70E740481C1C}">
-                  <a14:useLocalDpi xmlns:a14="http://schemas.microsoft.com/office/drawing/2010/main" val="0"/>
-                </a:ext>
-              </a:extLst>
-            </a:blip>
-            <a:stretch>
-              <a:fillRect/>
-            </a:stretch>
-          </p:blipFill>
-          <p:spPr>
-            <a:xfrm>
-              <a:off x="4484467" y="2866646"/>
-              <a:ext cx="4285869" cy="357378"/>
-            </a:xfrm>
-            <a:prstGeom prst="rect">
-              <a:avLst/>
-            </a:prstGeom>
-          </p:spPr>
-        </p:pic>
-        <p:sp>
-          <p:nvSpPr>
-            <p:cNvPr id="48" name="TextBox 47">
-              <a:extLst>
-                <a:ext uri="{FF2B5EF4-FFF2-40B4-BE49-F238E27FC236}">
-                  <a16:creationId xmlns:a16="http://schemas.microsoft.com/office/drawing/2014/main" id="{D755E491-7FAE-49CC-818A-996A46E9A49A}"/>
-                </a:ext>
-              </a:extLst>
-            </p:cNvPr>
-            <p:cNvSpPr txBox="1"/>
-            <p:nvPr/>
-          </p:nvSpPr>
-          <p:spPr>
-            <a:xfrm>
-              <a:off x="8872152" y="2787483"/>
-              <a:ext cx="822060" cy="461665"/>
-            </a:xfrm>
-            <a:prstGeom prst="rect">
-              <a:avLst/>
-            </a:prstGeom>
-            <a:noFill/>
-          </p:spPr>
-          <p:txBody>
-            <a:bodyPr wrap="square">
-              <a:spAutoFit/>
-            </a:bodyPr>
-            <a:lstStyle/>
-            <a:p>
-              <a:r>
-                <a:rPr lang="en-US" sz="2400" b="1" dirty="0">
-                  <a:latin typeface="Symbol" panose="05050102010706020507" pitchFamily="18" charset="2"/>
-                </a:rPr>
-                <a:t>= </a:t>
-              </a:r>
-              <a:r>
-                <a:rPr lang="en-US" sz="2400" b="1" dirty="0" err="1">
-                  <a:latin typeface="Symbol" panose="05050102010706020507" pitchFamily="18" charset="2"/>
-                </a:rPr>
-                <a:t>q</a:t>
-              </a:r>
-              <a:r>
-                <a:rPr lang="en-US" sz="2400" b="1" baseline="30000" dirty="0" err="1"/>
-                <a:t>T</a:t>
-              </a:r>
-              <a:r>
-                <a:rPr lang="en-US" sz="2400" b="1" dirty="0" err="1"/>
-                <a:t>x</a:t>
-              </a:r>
-              <a:endParaRPr lang="en-US" sz="2400" dirty="0"/>
-            </a:p>
-          </p:txBody>
-        </p:sp>
-      </p:grpSp>
-      <p:sp>
-        <p:nvSpPr>
-          <p:cNvPr id="49" name="TextBox 48">
-            <a:extLst>
-              <a:ext uri="{FF2B5EF4-FFF2-40B4-BE49-F238E27FC236}">
-                <a16:creationId xmlns:a16="http://schemas.microsoft.com/office/drawing/2014/main" id="{B1D765DB-F8B5-4FBC-B955-47876679F4F2}"/>
-              </a:ext>
-            </a:extLst>
-          </p:cNvPr>
-          <p:cNvSpPr txBox="1"/>
-          <p:nvPr/>
-        </p:nvSpPr>
-        <p:spPr>
-          <a:xfrm>
-            <a:off x="3216175" y="4816382"/>
-            <a:ext cx="5988936" cy="1569660"/>
-          </a:xfrm>
-          <a:prstGeom prst="rect">
-            <a:avLst/>
-          </a:prstGeom>
-          <a:noFill/>
-        </p:spPr>
-        <p:txBody>
-          <a:bodyPr wrap="square" rtlCol="0">
-            <a:spAutoFit/>
-          </a:bodyPr>
-          <a:lstStyle/>
-          <a:p>
-            <a:r>
-              <a:rPr lang="en-US" sz="2400" dirty="0">
-                <a:solidFill>
-                  <a:prstClr val="black"/>
-                </a:solidFill>
-                <a:latin typeface="Calibri"/>
-              </a:rPr>
-              <a:t>predict    y=1 if   </a:t>
-            </a:r>
-            <a:r>
-              <a:rPr lang="en-US" sz="2400" b="1" dirty="0" err="1">
-                <a:latin typeface="Symbol" panose="05050102010706020507" pitchFamily="18" charset="2"/>
-              </a:rPr>
-              <a:t>q</a:t>
-            </a:r>
-            <a:r>
-              <a:rPr lang="en-US" sz="2400" b="1" baseline="30000" dirty="0" err="1"/>
-              <a:t>T</a:t>
-            </a:r>
-            <a:r>
-              <a:rPr lang="en-US" sz="2400" b="1" dirty="0" err="1"/>
-              <a:t>x</a:t>
-            </a:r>
-            <a:r>
-              <a:rPr lang="en-US" sz="2400" b="1" dirty="0"/>
-              <a:t> &gt;= 0</a:t>
-            </a:r>
-          </a:p>
-          <a:p>
-            <a:endParaRPr lang="en-US" sz="2400" b="1" dirty="0">
-              <a:solidFill>
-                <a:prstClr val="black"/>
-              </a:solidFill>
-              <a:latin typeface="Calibri"/>
-            </a:endParaRPr>
-          </a:p>
-          <a:p>
-            <a:r>
-              <a:rPr lang="en-US" sz="2400" dirty="0">
-                <a:solidFill>
-                  <a:prstClr val="black"/>
-                </a:solidFill>
-                <a:latin typeface="Calibri"/>
-              </a:rPr>
-              <a:t>predict    y=0 if   </a:t>
-            </a:r>
-            <a:r>
-              <a:rPr lang="en-US" sz="2400" b="1" dirty="0" err="1">
-                <a:latin typeface="Symbol" panose="05050102010706020507" pitchFamily="18" charset="2"/>
-              </a:rPr>
-              <a:t>q</a:t>
-            </a:r>
-            <a:r>
-              <a:rPr lang="en-US" sz="2400" b="1" baseline="30000" dirty="0" err="1"/>
-              <a:t>T</a:t>
-            </a:r>
-            <a:r>
-              <a:rPr lang="en-US" sz="2400" b="1" dirty="0" err="1"/>
-              <a:t>x</a:t>
-            </a:r>
-            <a:r>
-              <a:rPr lang="en-US" sz="2400" b="1" dirty="0"/>
-              <a:t> &gt;= 0</a:t>
-            </a:r>
-          </a:p>
-          <a:p>
-            <a:endParaRPr lang="en-US" sz="2400" dirty="0">
-              <a:solidFill>
-                <a:prstClr val="black"/>
-              </a:solidFill>
-              <a:latin typeface="Calibri"/>
-            </a:endParaRPr>
-          </a:p>
-        </p:txBody>
-      </p:sp>
-    </p:spTree>
-    <p:extLst>
-      <p:ext uri="{BB962C8B-B14F-4D97-AF65-F5344CB8AC3E}">
-        <p14:creationId xmlns:p14="http://schemas.microsoft.com/office/powerpoint/2010/main" val="1364845829"/>
-      </p:ext>
-    </p:extLst>
-  </p:cSld>
-  <p:clrMapOvr>
-    <a:masterClrMapping/>
-  </p:clrMapOvr>
-  <p:timing>
-    <p:tnLst>
-      <p:par>
-        <p:cTn id="1" dur="indefinite" restart="never" nodeType="tmRoot">
-          <p:childTnLst>
-            <p:seq concurrent="1" nextAc="seek">
-              <p:cTn id="2" dur="indefinite" nodeType="mainSeq">
-                <p:childTnLst>
-                  <p:par>
-                    <p:cTn id="3" fill="hold">
-                      <p:stCondLst>
-                        <p:cond delay="indefinite"/>
-                      </p:stCondLst>
-                      <p:childTnLst>
-                        <p:par>
-                          <p:cTn id="4" fill="hold">
-                            <p:stCondLst>
-                              <p:cond delay="0"/>
-                            </p:stCondLst>
-                            <p:childTnLst>
-                              <p:par>
-                                <p:cTn id="5" presetID="1" presetClass="entr" presetSubtype="0" fill="hold" grpId="0" nodeType="clickEffect">
-                                  <p:stCondLst>
-                                    <p:cond delay="0"/>
-                                  </p:stCondLst>
-                                  <p:childTnLst>
-                                    <p:set>
-                                      <p:cBhvr>
-                                        <p:cTn id="6" dur="1" fill="hold">
-                                          <p:stCondLst>
-                                            <p:cond delay="0"/>
-                                          </p:stCondLst>
-                                        </p:cTn>
-                                        <p:tgtEl>
-                                          <p:spTgt spid="49"/>
-                                        </p:tgtEl>
-                                        <p:attrNameLst>
-                                          <p:attrName>style.visibility</p:attrName>
-                                        </p:attrNameLst>
-                                      </p:cBhvr>
-                                      <p:to>
-                                        <p:strVal val="visible"/>
-                                      </p:to>
-                                    </p:set>
-                                  </p:childTnLst>
-                                </p:cTn>
-                              </p:par>
-                            </p:childTnLst>
-                          </p:cTn>
-                        </p:par>
-                      </p:childTnLst>
-                    </p:cTn>
-                  </p:par>
-                </p:childTnLst>
-              </p:cTn>
-              <p:prevCondLst>
-                <p:cond evt="onPrev" delay="0">
-                  <p:tgtEl>
-                    <p:sldTgt/>
-                  </p:tgtEl>
-                </p:cond>
-              </p:prevCondLst>
-              <p:nextCondLst>
-                <p:cond evt="onNext" delay="0">
-                  <p:tgtEl>
-                    <p:sldTgt/>
-                  </p:tgtEl>
-                </p:cond>
-              </p:nextCondLst>
-            </p:seq>
-          </p:childTnLst>
-        </p:cTn>
-      </p:par>
-    </p:tnLst>
-    <p:bldLst>
-      <p:bldP spid="49" grpId="0"/>
-    </p:bldLst>
-  </p:timing>
-</p:sld>
-</file>
-
-<file path=ppt/slides/slide7.xml><?xml version="1.0" encoding="utf-8"?>
 <p:sld xmlns:a="http://schemas.openxmlformats.org/drawingml/2006/main" xmlns:r="http://schemas.openxmlformats.org/officeDocument/2006/relationships" xmlns:p="http://schemas.openxmlformats.org/presentationml/2006/main">
   <p:cSld>
     <p:spTree>
@@ -16133,7 +11080,7 @@
             </a:r>
             <a:r>
               <a:rPr lang="en-US" sz="2400" b="1" dirty="0"/>
-              <a:t> &gt;= 0</a:t>
+              <a:t> &lt;= 0</a:t>
             </a:r>
           </a:p>
           <a:p>
@@ -16686,7 +11633,7 @@
 </p:sld>
 </file>
 
-<file path=ppt/slides/slide8.xml><?xml version="1.0" encoding="utf-8"?>
+<file path=ppt/slides/slide7.xml><?xml version="1.0" encoding="utf-8"?>
 <p:sld xmlns:a="http://schemas.openxmlformats.org/drawingml/2006/main" xmlns:r="http://schemas.openxmlformats.org/officeDocument/2006/relationships" xmlns:p="http://schemas.openxmlformats.org/presentationml/2006/main">
   <p:cSld>
     <p:spTree>
@@ -19031,7 +13978,7 @@
 </p:sld>
 </file>
 
-<file path=ppt/slides/slide9.xml><?xml version="1.0" encoding="utf-8"?>
+<file path=ppt/slides/slide8.xml><?xml version="1.0" encoding="utf-8"?>
 <p:sld xmlns:a="http://schemas.openxmlformats.org/drawingml/2006/main" xmlns:r="http://schemas.openxmlformats.org/officeDocument/2006/relationships" xmlns:p="http://schemas.openxmlformats.org/presentationml/2006/main">
   <p:cSld>
     <p:spTree>
@@ -21314,6 +16261,2746 @@
 </p:sld>
 </file>
 
+<file path=ppt/slides/slide9.xml><?xml version="1.0" encoding="utf-8"?>
+<p:sld xmlns:a="http://schemas.openxmlformats.org/drawingml/2006/main" xmlns:r="http://schemas.openxmlformats.org/officeDocument/2006/relationships" xmlns:p="http://schemas.openxmlformats.org/presentationml/2006/main">
+  <p:cSld>
+    <p:spTree>
+      <p:nvGrpSpPr>
+        <p:cNvPr id="1" name=""/>
+        <p:cNvGrpSpPr/>
+        <p:nvPr/>
+      </p:nvGrpSpPr>
+      <p:grpSpPr>
+        <a:xfrm>
+          <a:off x="0" y="0"/>
+          <a:ext cx="0" cy="0"/>
+          <a:chOff x="0" y="0"/>
+          <a:chExt cx="0" cy="0"/>
+        </a:xfrm>
+      </p:grpSpPr>
+      <p:sp>
+        <p:nvSpPr>
+          <p:cNvPr id="3" name="Oval 2">
+            <a:extLst>
+              <a:ext uri="{FF2B5EF4-FFF2-40B4-BE49-F238E27FC236}">
+                <a16:creationId xmlns:a16="http://schemas.microsoft.com/office/drawing/2014/main" id="{0E9EA18A-DA6F-4514-8EF7-7451044E967A}"/>
+              </a:ext>
+            </a:extLst>
+          </p:cNvPr>
+          <p:cNvSpPr/>
+          <p:nvPr/>
+        </p:nvSpPr>
+        <p:spPr>
+          <a:xfrm>
+            <a:off x="1704073" y="2847685"/>
+            <a:ext cx="1148948" cy="1104297"/>
+          </a:xfrm>
+          <a:prstGeom prst="ellipse">
+            <a:avLst/>
+          </a:prstGeom>
+        </p:spPr>
+        <p:style>
+          <a:lnRef idx="2">
+            <a:schemeClr val="accent2"/>
+          </a:lnRef>
+          <a:fillRef idx="1">
+            <a:schemeClr val="lt1"/>
+          </a:fillRef>
+          <a:effectRef idx="0">
+            <a:schemeClr val="accent2"/>
+          </a:effectRef>
+          <a:fontRef idx="minor">
+            <a:schemeClr val="dk1"/>
+          </a:fontRef>
+        </p:style>
+        <p:txBody>
+          <a:bodyPr rtlCol="0" anchor="ctr"/>
+          <a:lstStyle/>
+          <a:p>
+            <a:pPr algn="ctr"/>
+            <a:endParaRPr lang="en-US"/>
+          </a:p>
+        </p:txBody>
+      </p:sp>
+      <p:sp>
+        <p:nvSpPr>
+          <p:cNvPr id="2" name="Title 1">
+            <a:extLst>
+              <a:ext uri="{FF2B5EF4-FFF2-40B4-BE49-F238E27FC236}">
+                <a16:creationId xmlns:a16="http://schemas.microsoft.com/office/drawing/2014/main" id="{D3A83D46-9A10-4E69-8C3E-C9CB340F5A47}"/>
+              </a:ext>
+            </a:extLst>
+          </p:cNvPr>
+          <p:cNvSpPr>
+            <a:spLocks noGrp="1"/>
+          </p:cNvSpPr>
+          <p:nvPr>
+            <p:ph type="title"/>
+          </p:nvPr>
+        </p:nvSpPr>
+        <p:spPr/>
+        <p:txBody>
+          <a:bodyPr/>
+          <a:lstStyle/>
+          <a:p>
+            <a:r>
+              <a:rPr lang="en-US" dirty="0"/>
+              <a:t>Polynomial Features</a:t>
+            </a:r>
+          </a:p>
+        </p:txBody>
+      </p:sp>
+      <p:sp>
+        <p:nvSpPr>
+          <p:cNvPr id="4" name="TextBox 3">
+            <a:extLst>
+              <a:ext uri="{FF2B5EF4-FFF2-40B4-BE49-F238E27FC236}">
+                <a16:creationId xmlns:a16="http://schemas.microsoft.com/office/drawing/2014/main" id="{DB68E18E-1EAE-421C-AD2C-203B4BE8B1D9}"/>
+              </a:ext>
+            </a:extLst>
+          </p:cNvPr>
+          <p:cNvSpPr txBox="1"/>
+          <p:nvPr/>
+        </p:nvSpPr>
+        <p:spPr>
+          <a:xfrm>
+            <a:off x="3363812" y="3275034"/>
+            <a:ext cx="241668" cy="253234"/>
+          </a:xfrm>
+          <a:prstGeom prst="rect">
+            <a:avLst/>
+          </a:prstGeom>
+          <a:noFill/>
+          <a:ln w="19050">
+            <a:noFill/>
+          </a:ln>
+        </p:spPr>
+        <p:txBody>
+          <a:bodyPr wrap="none" rtlCol="0">
+            <a:spAutoFit/>
+          </a:bodyPr>
+          <a:lstStyle/>
+          <a:p>
+            <a:r>
+              <a:rPr lang="en-US" sz="2000" dirty="0">
+                <a:solidFill>
+                  <a:prstClr val="black"/>
+                </a:solidFill>
+                <a:latin typeface="Calibri"/>
+              </a:rPr>
+              <a:t>x</a:t>
+            </a:r>
+            <a:r>
+              <a:rPr lang="en-US" sz="2000" baseline="-25000" dirty="0">
+                <a:solidFill>
+                  <a:prstClr val="black"/>
+                </a:solidFill>
+                <a:latin typeface="Calibri"/>
+              </a:rPr>
+              <a:t>1</a:t>
+            </a:r>
+          </a:p>
+        </p:txBody>
+      </p:sp>
+      <p:sp>
+        <p:nvSpPr>
+          <p:cNvPr id="5" name="TextBox 4">
+            <a:extLst>
+              <a:ext uri="{FF2B5EF4-FFF2-40B4-BE49-F238E27FC236}">
+                <a16:creationId xmlns:a16="http://schemas.microsoft.com/office/drawing/2014/main" id="{32E91CC1-5B29-43FF-98A2-4D4A7DE93992}"/>
+              </a:ext>
+            </a:extLst>
+          </p:cNvPr>
+          <p:cNvSpPr txBox="1"/>
+          <p:nvPr/>
+        </p:nvSpPr>
+        <p:spPr>
+          <a:xfrm>
+            <a:off x="1951295" y="2012745"/>
+            <a:ext cx="241668" cy="253234"/>
+          </a:xfrm>
+          <a:prstGeom prst="rect">
+            <a:avLst/>
+          </a:prstGeom>
+          <a:noFill/>
+          <a:ln w="19050">
+            <a:noFill/>
+          </a:ln>
+        </p:spPr>
+        <p:txBody>
+          <a:bodyPr wrap="none" rtlCol="0">
+            <a:spAutoFit/>
+          </a:bodyPr>
+          <a:lstStyle/>
+          <a:p>
+            <a:r>
+              <a:rPr lang="en-US" sz="2000" dirty="0">
+                <a:solidFill>
+                  <a:prstClr val="black"/>
+                </a:solidFill>
+                <a:latin typeface="Calibri"/>
+              </a:rPr>
+              <a:t>x</a:t>
+            </a:r>
+            <a:r>
+              <a:rPr lang="en-US" sz="2000" baseline="-25000" dirty="0">
+                <a:solidFill>
+                  <a:prstClr val="black"/>
+                </a:solidFill>
+                <a:latin typeface="Calibri"/>
+              </a:rPr>
+              <a:t>2</a:t>
+            </a:r>
+          </a:p>
+        </p:txBody>
+      </p:sp>
+      <p:cxnSp>
+        <p:nvCxnSpPr>
+          <p:cNvPr id="6" name="Straight Arrow Connector 5">
+            <a:extLst>
+              <a:ext uri="{FF2B5EF4-FFF2-40B4-BE49-F238E27FC236}">
+                <a16:creationId xmlns:a16="http://schemas.microsoft.com/office/drawing/2014/main" id="{594BF2C8-F617-4769-A800-D7F70985C2F5}"/>
+              </a:ext>
+            </a:extLst>
+          </p:cNvPr>
+          <p:cNvCxnSpPr/>
+          <p:nvPr/>
+        </p:nvCxnSpPr>
+        <p:spPr>
+          <a:xfrm flipV="1">
+            <a:off x="2294621" y="2322605"/>
+            <a:ext cx="0" cy="2119134"/>
+          </a:xfrm>
+          <a:prstGeom prst="straightConnector1">
+            <a:avLst/>
+          </a:prstGeom>
+          <a:ln w="19050">
+            <a:solidFill>
+              <a:schemeClr val="bg1">
+                <a:lumMod val="50000"/>
+              </a:schemeClr>
+            </a:solidFill>
+            <a:tailEnd type="arrow"/>
+          </a:ln>
+        </p:spPr>
+        <p:style>
+          <a:lnRef idx="1">
+            <a:schemeClr val="accent1"/>
+          </a:lnRef>
+          <a:fillRef idx="0">
+            <a:schemeClr val="accent1"/>
+          </a:fillRef>
+          <a:effectRef idx="0">
+            <a:schemeClr val="accent1"/>
+          </a:effectRef>
+          <a:fontRef idx="minor">
+            <a:schemeClr val="tx1"/>
+          </a:fontRef>
+        </p:style>
+      </p:cxnSp>
+      <p:cxnSp>
+        <p:nvCxnSpPr>
+          <p:cNvPr id="7" name="Straight Arrow Connector 6">
+            <a:extLst>
+              <a:ext uri="{FF2B5EF4-FFF2-40B4-BE49-F238E27FC236}">
+                <a16:creationId xmlns:a16="http://schemas.microsoft.com/office/drawing/2014/main" id="{2AB8313C-E58C-48ED-879E-224CAC4A5E31}"/>
+              </a:ext>
+            </a:extLst>
+          </p:cNvPr>
+          <p:cNvCxnSpPr/>
+          <p:nvPr/>
+        </p:nvCxnSpPr>
+        <p:spPr>
+          <a:xfrm>
+            <a:off x="1260826" y="3418962"/>
+            <a:ext cx="2018631" cy="0"/>
+          </a:xfrm>
+          <a:prstGeom prst="straightConnector1">
+            <a:avLst/>
+          </a:prstGeom>
+          <a:ln w="19050">
+            <a:solidFill>
+              <a:schemeClr val="bg1">
+                <a:lumMod val="50000"/>
+              </a:schemeClr>
+            </a:solidFill>
+            <a:tailEnd type="arrow"/>
+          </a:ln>
+        </p:spPr>
+        <p:style>
+          <a:lnRef idx="1">
+            <a:schemeClr val="accent1"/>
+          </a:lnRef>
+          <a:fillRef idx="0">
+            <a:schemeClr val="accent1"/>
+          </a:fillRef>
+          <a:effectRef idx="0">
+            <a:schemeClr val="accent1"/>
+          </a:effectRef>
+          <a:fontRef idx="minor">
+            <a:schemeClr val="tx1"/>
+          </a:fontRef>
+        </p:style>
+      </p:cxnSp>
+      <p:pic>
+        <p:nvPicPr>
+          <p:cNvPr id="8" name="Picture 7">
+            <a:extLst>
+              <a:ext uri="{FF2B5EF4-FFF2-40B4-BE49-F238E27FC236}">
+                <a16:creationId xmlns:a16="http://schemas.microsoft.com/office/drawing/2014/main" id="{BEE397F9-27D6-42D3-8553-73B405C25B83}"/>
+              </a:ext>
+            </a:extLst>
+          </p:cNvPr>
+          <p:cNvPicPr>
+            <a:picLocks noChangeAspect="1"/>
+          </p:cNvPicPr>
+          <p:nvPr>
+            <p:custDataLst>
+              <p:tags r:id="rId1"/>
+            </p:custDataLst>
+          </p:nvPr>
+        </p:nvPicPr>
+        <p:blipFill>
+          <a:blip r:embed="rId6" cstate="print">
+            <a:extLst>
+              <a:ext uri="{28A0092B-C50C-407E-A947-70E740481C1C}">
+                <a14:useLocalDpi xmlns:a14="http://schemas.microsoft.com/office/drawing/2010/main" val="0"/>
+              </a:ext>
+            </a:extLst>
+          </a:blip>
+          <a:stretch>
+            <a:fillRect/>
+          </a:stretch>
+        </p:blipFill>
+        <p:spPr>
+          <a:xfrm>
+            <a:off x="3958478" y="2393864"/>
+            <a:ext cx="4147185" cy="357378"/>
+          </a:xfrm>
+          <a:prstGeom prst="rect">
+            <a:avLst/>
+          </a:prstGeom>
+        </p:spPr>
+      </p:pic>
+      <p:pic>
+        <p:nvPicPr>
+          <p:cNvPr id="9" name="Picture 8">
+            <a:extLst>
+              <a:ext uri="{FF2B5EF4-FFF2-40B4-BE49-F238E27FC236}">
+                <a16:creationId xmlns:a16="http://schemas.microsoft.com/office/drawing/2014/main" id="{9A5A068E-1772-4C5B-844C-98F5C5A3073A}"/>
+              </a:ext>
+            </a:extLst>
+          </p:cNvPr>
+          <p:cNvPicPr>
+            <a:picLocks noChangeAspect="1"/>
+          </p:cNvPicPr>
+          <p:nvPr>
+            <p:custDataLst>
+              <p:tags r:id="rId2"/>
+            </p:custDataLst>
+          </p:nvPr>
+        </p:nvPicPr>
+        <p:blipFill>
+          <a:blip r:embed="rId7" cstate="print">
+            <a:extLst>
+              <a:ext uri="{28A0092B-C50C-407E-A947-70E740481C1C}">
+                <a14:useLocalDpi xmlns:a14="http://schemas.microsoft.com/office/drawing/2010/main" val="0"/>
+              </a:ext>
+            </a:extLst>
+          </a:blip>
+          <a:stretch>
+            <a:fillRect/>
+          </a:stretch>
+        </p:blipFill>
+        <p:spPr>
+          <a:xfrm>
+            <a:off x="6041595" y="2880574"/>
+            <a:ext cx="2168271" cy="384048"/>
+          </a:xfrm>
+          <a:prstGeom prst="rect">
+            <a:avLst/>
+          </a:prstGeom>
+        </p:spPr>
+      </p:pic>
+      <p:sp>
+        <p:nvSpPr>
+          <p:cNvPr id="10" name="TextBox 9">
+            <a:extLst>
+              <a:ext uri="{FF2B5EF4-FFF2-40B4-BE49-F238E27FC236}">
+                <a16:creationId xmlns:a16="http://schemas.microsoft.com/office/drawing/2014/main" id="{59437328-F460-4BEB-90F3-3EBFE4883604}"/>
+              </a:ext>
+            </a:extLst>
+          </p:cNvPr>
+          <p:cNvSpPr txBox="1"/>
+          <p:nvPr/>
+        </p:nvSpPr>
+        <p:spPr>
+          <a:xfrm>
+            <a:off x="1104900" y="5289728"/>
+            <a:ext cx="5410200" cy="523220"/>
+          </a:xfrm>
+          <a:prstGeom prst="rect">
+            <a:avLst/>
+          </a:prstGeom>
+          <a:noFill/>
+        </p:spPr>
+        <p:txBody>
+          <a:bodyPr wrap="square" rtlCol="0">
+            <a:spAutoFit/>
+          </a:bodyPr>
+          <a:lstStyle/>
+          <a:p>
+            <a:r>
+              <a:rPr lang="en-US" sz="2800" dirty="0">
+                <a:solidFill>
+                  <a:prstClr val="black"/>
+                </a:solidFill>
+                <a:latin typeface="Calibri"/>
+              </a:rPr>
+              <a:t>Predict “          “ if </a:t>
+            </a:r>
+          </a:p>
+        </p:txBody>
+      </p:sp>
+      <p:pic>
+        <p:nvPicPr>
+          <p:cNvPr id="11" name="Picture 10">
+            <a:extLst>
+              <a:ext uri="{FF2B5EF4-FFF2-40B4-BE49-F238E27FC236}">
+                <a16:creationId xmlns:a16="http://schemas.microsoft.com/office/drawing/2014/main" id="{C42DE325-1FA6-448F-AC59-63FE8B8D43B1}"/>
+              </a:ext>
+            </a:extLst>
+          </p:cNvPr>
+          <p:cNvPicPr>
+            <a:picLocks noChangeAspect="1"/>
+          </p:cNvPicPr>
+          <p:nvPr>
+            <p:custDataLst>
+              <p:tags r:id="rId3"/>
+            </p:custDataLst>
+          </p:nvPr>
+        </p:nvPicPr>
+        <p:blipFill>
+          <a:blip r:embed="rId8" cstate="print">
+            <a:extLst>
+              <a:ext uri="{28A0092B-C50C-407E-A947-70E740481C1C}">
+                <a14:useLocalDpi xmlns:a14="http://schemas.microsoft.com/office/drawing/2010/main" val="0"/>
+              </a:ext>
+            </a:extLst>
+          </a:blip>
+          <a:stretch>
+            <a:fillRect/>
+          </a:stretch>
+        </p:blipFill>
+        <p:spPr>
+          <a:xfrm>
+            <a:off x="2498246" y="5392574"/>
+            <a:ext cx="800100" cy="309372"/>
+          </a:xfrm>
+          <a:prstGeom prst="rect">
+            <a:avLst/>
+          </a:prstGeom>
+        </p:spPr>
+      </p:pic>
+      <p:pic>
+        <p:nvPicPr>
+          <p:cNvPr id="12" name="Picture 11">
+            <a:extLst>
+              <a:ext uri="{FF2B5EF4-FFF2-40B4-BE49-F238E27FC236}">
+                <a16:creationId xmlns:a16="http://schemas.microsoft.com/office/drawing/2014/main" id="{7FEFEC8A-48F8-4CF3-8196-AD33D14F188E}"/>
+              </a:ext>
+            </a:extLst>
+          </p:cNvPr>
+          <p:cNvPicPr>
+            <a:picLocks noChangeAspect="1"/>
+          </p:cNvPicPr>
+          <p:nvPr>
+            <p:custDataLst>
+              <p:tags r:id="rId4"/>
+            </p:custDataLst>
+          </p:nvPr>
+        </p:nvPicPr>
+        <p:blipFill>
+          <a:blip r:embed="rId9" cstate="print">
+            <a:extLst>
+              <a:ext uri="{28A0092B-C50C-407E-A947-70E740481C1C}">
+                <a14:useLocalDpi xmlns:a14="http://schemas.microsoft.com/office/drawing/2010/main" val="0"/>
+              </a:ext>
+            </a:extLst>
+          </a:blip>
+          <a:stretch>
+            <a:fillRect/>
+          </a:stretch>
+        </p:blipFill>
+        <p:spPr>
+          <a:xfrm>
+            <a:off x="4123561" y="5380034"/>
+            <a:ext cx="2650998" cy="384048"/>
+          </a:xfrm>
+          <a:prstGeom prst="rect">
+            <a:avLst/>
+          </a:prstGeom>
+        </p:spPr>
+      </p:pic>
+      <p:sp>
+        <p:nvSpPr>
+          <p:cNvPr id="13" name="TextBox 12">
+            <a:extLst>
+              <a:ext uri="{FF2B5EF4-FFF2-40B4-BE49-F238E27FC236}">
+                <a16:creationId xmlns:a16="http://schemas.microsoft.com/office/drawing/2014/main" id="{493A8D76-A38F-47A2-A043-6364CD13E87D}"/>
+              </a:ext>
+            </a:extLst>
+          </p:cNvPr>
+          <p:cNvSpPr txBox="1"/>
+          <p:nvPr/>
+        </p:nvSpPr>
+        <p:spPr>
+          <a:xfrm>
+            <a:off x="1541956" y="4289730"/>
+            <a:ext cx="241668" cy="253234"/>
+          </a:xfrm>
+          <a:prstGeom prst="rect">
+            <a:avLst/>
+          </a:prstGeom>
+          <a:noFill/>
+          <a:ln w="19050">
+            <a:noFill/>
+          </a:ln>
+        </p:spPr>
+        <p:txBody>
+          <a:bodyPr wrap="none" rtlCol="0">
+            <a:spAutoFit/>
+          </a:bodyPr>
+          <a:lstStyle/>
+          <a:p>
+            <a:r>
+              <a:rPr lang="en-US" sz="2000" dirty="0">
+                <a:solidFill>
+                  <a:prstClr val="black"/>
+                </a:solidFill>
+                <a:latin typeface="Calibri"/>
+              </a:rPr>
+              <a:t>x</a:t>
+            </a:r>
+            <a:r>
+              <a:rPr lang="en-US" sz="2000" baseline="-25000" dirty="0">
+                <a:solidFill>
+                  <a:prstClr val="black"/>
+                </a:solidFill>
+                <a:latin typeface="Calibri"/>
+              </a:rPr>
+              <a:t>2</a:t>
+            </a:r>
+          </a:p>
+        </p:txBody>
+      </p:sp>
+      <p:grpSp>
+        <p:nvGrpSpPr>
+          <p:cNvPr id="14" name="Group 13">
+            <a:extLst>
+              <a:ext uri="{FF2B5EF4-FFF2-40B4-BE49-F238E27FC236}">
+                <a16:creationId xmlns:a16="http://schemas.microsoft.com/office/drawing/2014/main" id="{2ADF6F40-D8C6-442A-9010-1F198D669B6C}"/>
+              </a:ext>
+            </a:extLst>
+          </p:cNvPr>
+          <p:cNvGrpSpPr/>
+          <p:nvPr/>
+        </p:nvGrpSpPr>
+        <p:grpSpPr>
+          <a:xfrm>
+            <a:off x="1332235" y="2472709"/>
+            <a:ext cx="1814029" cy="1829875"/>
+            <a:chOff x="812855" y="1212320"/>
+            <a:chExt cx="1814029" cy="1829875"/>
+          </a:xfrm>
+        </p:grpSpPr>
+        <p:sp>
+          <p:nvSpPr>
+            <p:cNvPr id="15" name="Oval 14">
+              <a:extLst>
+                <a:ext uri="{FF2B5EF4-FFF2-40B4-BE49-F238E27FC236}">
+                  <a16:creationId xmlns:a16="http://schemas.microsoft.com/office/drawing/2014/main" id="{D86A7636-4F83-4278-BBF6-32CB1AC07D21}"/>
+                </a:ext>
+              </a:extLst>
+            </p:cNvPr>
+            <p:cNvSpPr/>
+            <p:nvPr/>
+          </p:nvSpPr>
+          <p:spPr>
+            <a:xfrm>
+              <a:off x="1366477" y="2319308"/>
+              <a:ext cx="153439" cy="153439"/>
+            </a:xfrm>
+            <a:prstGeom prst="ellipse">
+              <a:avLst/>
+            </a:prstGeom>
+            <a:noFill/>
+            <a:ln w="19050">
+              <a:solidFill>
+                <a:schemeClr val="tx2">
+                  <a:lumMod val="60000"/>
+                  <a:lumOff val="40000"/>
+                </a:schemeClr>
+              </a:solidFill>
+            </a:ln>
+          </p:spPr>
+          <p:style>
+            <a:lnRef idx="2">
+              <a:schemeClr val="accent1">
+                <a:shade val="50000"/>
+              </a:schemeClr>
+            </a:lnRef>
+            <a:fillRef idx="1">
+              <a:schemeClr val="accent1"/>
+            </a:fillRef>
+            <a:effectRef idx="0">
+              <a:schemeClr val="accent1"/>
+            </a:effectRef>
+            <a:fontRef idx="minor">
+              <a:schemeClr val="lt1"/>
+            </a:fontRef>
+          </p:style>
+          <p:txBody>
+            <a:bodyPr rtlCol="0" anchor="ctr"/>
+            <a:lstStyle/>
+            <a:p>
+              <a:pPr algn="ctr"/>
+              <a:endParaRPr lang="en-US">
+                <a:solidFill>
+                  <a:prstClr val="white"/>
+                </a:solidFill>
+                <a:latin typeface="Calibri"/>
+              </a:endParaRPr>
+            </a:p>
+          </p:txBody>
+        </p:sp>
+        <p:sp>
+          <p:nvSpPr>
+            <p:cNvPr id="16" name="Oval 15">
+              <a:extLst>
+                <a:ext uri="{FF2B5EF4-FFF2-40B4-BE49-F238E27FC236}">
+                  <a16:creationId xmlns:a16="http://schemas.microsoft.com/office/drawing/2014/main" id="{BF1376F9-4484-4A26-954B-1C18FBA1BA15}"/>
+                </a:ext>
+              </a:extLst>
+            </p:cNvPr>
+            <p:cNvSpPr/>
+            <p:nvPr/>
+          </p:nvSpPr>
+          <p:spPr>
+            <a:xfrm>
+              <a:off x="1597322" y="2376201"/>
+              <a:ext cx="153439" cy="153439"/>
+            </a:xfrm>
+            <a:prstGeom prst="ellipse">
+              <a:avLst/>
+            </a:prstGeom>
+            <a:noFill/>
+            <a:ln w="19050">
+              <a:solidFill>
+                <a:schemeClr val="tx2">
+                  <a:lumMod val="60000"/>
+                  <a:lumOff val="40000"/>
+                </a:schemeClr>
+              </a:solidFill>
+            </a:ln>
+          </p:spPr>
+          <p:style>
+            <a:lnRef idx="2">
+              <a:schemeClr val="accent1">
+                <a:shade val="50000"/>
+              </a:schemeClr>
+            </a:lnRef>
+            <a:fillRef idx="1">
+              <a:schemeClr val="accent1"/>
+            </a:fillRef>
+            <a:effectRef idx="0">
+              <a:schemeClr val="accent1"/>
+            </a:effectRef>
+            <a:fontRef idx="minor">
+              <a:schemeClr val="lt1"/>
+            </a:fontRef>
+          </p:style>
+          <p:txBody>
+            <a:bodyPr rtlCol="0" anchor="ctr"/>
+            <a:lstStyle/>
+            <a:p>
+              <a:pPr algn="ctr"/>
+              <a:endParaRPr lang="en-US">
+                <a:solidFill>
+                  <a:prstClr val="white"/>
+                </a:solidFill>
+                <a:latin typeface="Calibri"/>
+              </a:endParaRPr>
+            </a:p>
+          </p:txBody>
+        </p:sp>
+        <p:sp>
+          <p:nvSpPr>
+            <p:cNvPr id="17" name="Oval 16">
+              <a:extLst>
+                <a:ext uri="{FF2B5EF4-FFF2-40B4-BE49-F238E27FC236}">
+                  <a16:creationId xmlns:a16="http://schemas.microsoft.com/office/drawing/2014/main" id="{965A8069-E388-4088-B0E6-5E0B5C805ED4}"/>
+                </a:ext>
+              </a:extLst>
+            </p:cNvPr>
+            <p:cNvSpPr/>
+            <p:nvPr/>
+          </p:nvSpPr>
+          <p:spPr>
+            <a:xfrm>
+              <a:off x="1538039" y="2147626"/>
+              <a:ext cx="153439" cy="153439"/>
+            </a:xfrm>
+            <a:prstGeom prst="ellipse">
+              <a:avLst/>
+            </a:prstGeom>
+            <a:noFill/>
+            <a:ln w="19050">
+              <a:solidFill>
+                <a:schemeClr val="tx2">
+                  <a:lumMod val="60000"/>
+                  <a:lumOff val="40000"/>
+                </a:schemeClr>
+              </a:solidFill>
+            </a:ln>
+          </p:spPr>
+          <p:style>
+            <a:lnRef idx="2">
+              <a:schemeClr val="accent1">
+                <a:shade val="50000"/>
+              </a:schemeClr>
+            </a:lnRef>
+            <a:fillRef idx="1">
+              <a:schemeClr val="accent1"/>
+            </a:fillRef>
+            <a:effectRef idx="0">
+              <a:schemeClr val="accent1"/>
+            </a:effectRef>
+            <a:fontRef idx="minor">
+              <a:schemeClr val="lt1"/>
+            </a:fontRef>
+          </p:style>
+          <p:txBody>
+            <a:bodyPr rtlCol="0" anchor="ctr"/>
+            <a:lstStyle/>
+            <a:p>
+              <a:pPr algn="ctr"/>
+              <a:endParaRPr lang="en-US">
+                <a:solidFill>
+                  <a:prstClr val="white"/>
+                </a:solidFill>
+                <a:latin typeface="Calibri"/>
+              </a:endParaRPr>
+            </a:p>
+          </p:txBody>
+        </p:sp>
+        <p:sp>
+          <p:nvSpPr>
+            <p:cNvPr id="18" name="Oval 17">
+              <a:extLst>
+                <a:ext uri="{FF2B5EF4-FFF2-40B4-BE49-F238E27FC236}">
+                  <a16:creationId xmlns:a16="http://schemas.microsoft.com/office/drawing/2014/main" id="{7CD86C3A-41E1-4996-800E-5BE656AF09ED}"/>
+                </a:ext>
+              </a:extLst>
+            </p:cNvPr>
+            <p:cNvSpPr/>
+            <p:nvPr/>
+          </p:nvSpPr>
+          <p:spPr>
+            <a:xfrm>
+              <a:off x="1387791" y="1823930"/>
+              <a:ext cx="153439" cy="153439"/>
+            </a:xfrm>
+            <a:prstGeom prst="ellipse">
+              <a:avLst/>
+            </a:prstGeom>
+            <a:noFill/>
+            <a:ln w="19050">
+              <a:solidFill>
+                <a:schemeClr val="tx2">
+                  <a:lumMod val="60000"/>
+                  <a:lumOff val="40000"/>
+                </a:schemeClr>
+              </a:solidFill>
+            </a:ln>
+          </p:spPr>
+          <p:style>
+            <a:lnRef idx="2">
+              <a:schemeClr val="accent1">
+                <a:shade val="50000"/>
+              </a:schemeClr>
+            </a:lnRef>
+            <a:fillRef idx="1">
+              <a:schemeClr val="accent1"/>
+            </a:fillRef>
+            <a:effectRef idx="0">
+              <a:schemeClr val="accent1"/>
+            </a:effectRef>
+            <a:fontRef idx="minor">
+              <a:schemeClr val="lt1"/>
+            </a:fontRef>
+          </p:style>
+          <p:txBody>
+            <a:bodyPr rtlCol="0" anchor="ctr"/>
+            <a:lstStyle/>
+            <a:p>
+              <a:pPr algn="ctr"/>
+              <a:endParaRPr lang="en-US">
+                <a:solidFill>
+                  <a:prstClr val="white"/>
+                </a:solidFill>
+                <a:latin typeface="Calibri"/>
+              </a:endParaRPr>
+            </a:p>
+          </p:txBody>
+        </p:sp>
+        <p:sp>
+          <p:nvSpPr>
+            <p:cNvPr id="19" name="Oval 18">
+              <a:extLst>
+                <a:ext uri="{FF2B5EF4-FFF2-40B4-BE49-F238E27FC236}">
+                  <a16:creationId xmlns:a16="http://schemas.microsoft.com/office/drawing/2014/main" id="{3D7502EB-DC41-4278-A54F-2C5CE9EEB7CF}"/>
+                </a:ext>
+              </a:extLst>
+            </p:cNvPr>
+            <p:cNvSpPr/>
+            <p:nvPr/>
+          </p:nvSpPr>
+          <p:spPr>
+            <a:xfrm>
+              <a:off x="1704237" y="1791140"/>
+              <a:ext cx="153439" cy="153439"/>
+            </a:xfrm>
+            <a:prstGeom prst="ellipse">
+              <a:avLst/>
+            </a:prstGeom>
+            <a:noFill/>
+            <a:ln w="19050">
+              <a:solidFill>
+                <a:schemeClr val="tx2">
+                  <a:lumMod val="60000"/>
+                  <a:lumOff val="40000"/>
+                </a:schemeClr>
+              </a:solidFill>
+            </a:ln>
+          </p:spPr>
+          <p:style>
+            <a:lnRef idx="2">
+              <a:schemeClr val="accent1">
+                <a:shade val="50000"/>
+              </a:schemeClr>
+            </a:lnRef>
+            <a:fillRef idx="1">
+              <a:schemeClr val="accent1"/>
+            </a:fillRef>
+            <a:effectRef idx="0">
+              <a:schemeClr val="accent1"/>
+            </a:effectRef>
+            <a:fontRef idx="minor">
+              <a:schemeClr val="lt1"/>
+            </a:fontRef>
+          </p:style>
+          <p:txBody>
+            <a:bodyPr rtlCol="0" anchor="ctr"/>
+            <a:lstStyle/>
+            <a:p>
+              <a:pPr algn="ctr"/>
+              <a:endParaRPr lang="en-US">
+                <a:solidFill>
+                  <a:prstClr val="white"/>
+                </a:solidFill>
+                <a:latin typeface="Calibri"/>
+              </a:endParaRPr>
+            </a:p>
+          </p:txBody>
+        </p:sp>
+        <p:sp>
+          <p:nvSpPr>
+            <p:cNvPr id="20" name="Oval 19">
+              <a:extLst>
+                <a:ext uri="{FF2B5EF4-FFF2-40B4-BE49-F238E27FC236}">
+                  <a16:creationId xmlns:a16="http://schemas.microsoft.com/office/drawing/2014/main" id="{466A64CA-8042-4A0F-A553-602DAB9833EC}"/>
+                </a:ext>
+              </a:extLst>
+            </p:cNvPr>
+            <p:cNvSpPr/>
+            <p:nvPr/>
+          </p:nvSpPr>
+          <p:spPr>
+            <a:xfrm>
+              <a:off x="1531490" y="1927513"/>
+              <a:ext cx="153439" cy="153439"/>
+            </a:xfrm>
+            <a:prstGeom prst="ellipse">
+              <a:avLst/>
+            </a:prstGeom>
+            <a:noFill/>
+            <a:ln w="19050">
+              <a:solidFill>
+                <a:schemeClr val="tx2">
+                  <a:lumMod val="60000"/>
+                  <a:lumOff val="40000"/>
+                </a:schemeClr>
+              </a:solidFill>
+            </a:ln>
+          </p:spPr>
+          <p:style>
+            <a:lnRef idx="2">
+              <a:schemeClr val="accent1">
+                <a:shade val="50000"/>
+              </a:schemeClr>
+            </a:lnRef>
+            <a:fillRef idx="1">
+              <a:schemeClr val="accent1"/>
+            </a:fillRef>
+            <a:effectRef idx="0">
+              <a:schemeClr val="accent1"/>
+            </a:effectRef>
+            <a:fontRef idx="minor">
+              <a:schemeClr val="lt1"/>
+            </a:fontRef>
+          </p:style>
+          <p:txBody>
+            <a:bodyPr rtlCol="0" anchor="ctr"/>
+            <a:lstStyle/>
+            <a:p>
+              <a:pPr algn="ctr"/>
+              <a:endParaRPr lang="en-US">
+                <a:solidFill>
+                  <a:prstClr val="white"/>
+                </a:solidFill>
+                <a:latin typeface="Calibri"/>
+              </a:endParaRPr>
+            </a:p>
+          </p:txBody>
+        </p:sp>
+        <p:sp>
+          <p:nvSpPr>
+            <p:cNvPr id="21" name="Oval 20">
+              <a:extLst>
+                <a:ext uri="{FF2B5EF4-FFF2-40B4-BE49-F238E27FC236}">
+                  <a16:creationId xmlns:a16="http://schemas.microsoft.com/office/drawing/2014/main" id="{F26F866B-F98B-4109-9574-7097B1D11313}"/>
+                </a:ext>
+              </a:extLst>
+            </p:cNvPr>
+            <p:cNvSpPr/>
+            <p:nvPr/>
+          </p:nvSpPr>
+          <p:spPr>
+            <a:xfrm>
+              <a:off x="1295400" y="2064623"/>
+              <a:ext cx="153439" cy="153439"/>
+            </a:xfrm>
+            <a:prstGeom prst="ellipse">
+              <a:avLst/>
+            </a:prstGeom>
+            <a:noFill/>
+            <a:ln w="19050">
+              <a:solidFill>
+                <a:schemeClr val="tx2">
+                  <a:lumMod val="60000"/>
+                  <a:lumOff val="40000"/>
+                </a:schemeClr>
+              </a:solidFill>
+            </a:ln>
+          </p:spPr>
+          <p:style>
+            <a:lnRef idx="2">
+              <a:schemeClr val="accent1">
+                <a:shade val="50000"/>
+              </a:schemeClr>
+            </a:lnRef>
+            <a:fillRef idx="1">
+              <a:schemeClr val="accent1"/>
+            </a:fillRef>
+            <a:effectRef idx="0">
+              <a:schemeClr val="accent1"/>
+            </a:effectRef>
+            <a:fontRef idx="minor">
+              <a:schemeClr val="lt1"/>
+            </a:fontRef>
+          </p:style>
+          <p:txBody>
+            <a:bodyPr rtlCol="0" anchor="ctr"/>
+            <a:lstStyle/>
+            <a:p>
+              <a:pPr algn="ctr"/>
+              <a:endParaRPr lang="en-US">
+                <a:solidFill>
+                  <a:prstClr val="white"/>
+                </a:solidFill>
+                <a:latin typeface="Calibri"/>
+              </a:endParaRPr>
+            </a:p>
+          </p:txBody>
+        </p:sp>
+        <p:sp>
+          <p:nvSpPr>
+            <p:cNvPr id="22" name="Oval 21">
+              <a:extLst>
+                <a:ext uri="{FF2B5EF4-FFF2-40B4-BE49-F238E27FC236}">
+                  <a16:creationId xmlns:a16="http://schemas.microsoft.com/office/drawing/2014/main" id="{71204575-CAEF-434C-AB2D-7A31D15B45CD}"/>
+                </a:ext>
+              </a:extLst>
+            </p:cNvPr>
+            <p:cNvSpPr/>
+            <p:nvPr/>
+          </p:nvSpPr>
+          <p:spPr>
+            <a:xfrm>
+              <a:off x="1580767" y="1683859"/>
+              <a:ext cx="153439" cy="153439"/>
+            </a:xfrm>
+            <a:prstGeom prst="ellipse">
+              <a:avLst/>
+            </a:prstGeom>
+            <a:noFill/>
+            <a:ln w="19050">
+              <a:solidFill>
+                <a:schemeClr val="tx2">
+                  <a:lumMod val="60000"/>
+                  <a:lumOff val="40000"/>
+                </a:schemeClr>
+              </a:solidFill>
+            </a:ln>
+          </p:spPr>
+          <p:style>
+            <a:lnRef idx="2">
+              <a:schemeClr val="accent1">
+                <a:shade val="50000"/>
+              </a:schemeClr>
+            </a:lnRef>
+            <a:fillRef idx="1">
+              <a:schemeClr val="accent1"/>
+            </a:fillRef>
+            <a:effectRef idx="0">
+              <a:schemeClr val="accent1"/>
+            </a:effectRef>
+            <a:fontRef idx="minor">
+              <a:schemeClr val="lt1"/>
+            </a:fontRef>
+          </p:style>
+          <p:txBody>
+            <a:bodyPr rtlCol="0" anchor="ctr"/>
+            <a:lstStyle/>
+            <a:p>
+              <a:pPr algn="ctr"/>
+              <a:endParaRPr lang="en-US">
+                <a:solidFill>
+                  <a:prstClr val="white"/>
+                </a:solidFill>
+                <a:latin typeface="Calibri"/>
+              </a:endParaRPr>
+            </a:p>
+          </p:txBody>
+        </p:sp>
+        <p:sp>
+          <p:nvSpPr>
+            <p:cNvPr id="23" name="Cross 22">
+              <a:extLst>
+                <a:ext uri="{FF2B5EF4-FFF2-40B4-BE49-F238E27FC236}">
+                  <a16:creationId xmlns:a16="http://schemas.microsoft.com/office/drawing/2014/main" id="{19E8292F-CE03-42A3-91A0-DC7F61EACCA9}"/>
+                </a:ext>
+              </a:extLst>
+            </p:cNvPr>
+            <p:cNvSpPr/>
+            <p:nvPr/>
+          </p:nvSpPr>
+          <p:spPr>
+            <a:xfrm rot="2734294">
+              <a:off x="2472981" y="2237190"/>
+              <a:ext cx="153134" cy="154670"/>
+            </a:xfrm>
+            <a:prstGeom prst="plus">
+              <a:avLst>
+                <a:gd name="adj" fmla="val 46579"/>
+              </a:avLst>
+            </a:prstGeom>
+            <a:solidFill>
+              <a:schemeClr val="tx1"/>
+            </a:solidFill>
+            <a:ln w="19050">
+              <a:solidFill>
+                <a:srgbClr val="FF0000"/>
+              </a:solidFill>
+            </a:ln>
+          </p:spPr>
+          <p:style>
+            <a:lnRef idx="2">
+              <a:schemeClr val="accent1">
+                <a:shade val="50000"/>
+              </a:schemeClr>
+            </a:lnRef>
+            <a:fillRef idx="1">
+              <a:schemeClr val="accent1"/>
+            </a:fillRef>
+            <a:effectRef idx="0">
+              <a:schemeClr val="accent1"/>
+            </a:effectRef>
+            <a:fontRef idx="minor">
+              <a:schemeClr val="lt1"/>
+            </a:fontRef>
+          </p:style>
+          <p:txBody>
+            <a:bodyPr rtlCol="0" anchor="ctr"/>
+            <a:lstStyle/>
+            <a:p>
+              <a:pPr algn="ctr"/>
+              <a:endParaRPr lang="en-US">
+                <a:solidFill>
+                  <a:prstClr val="white"/>
+                </a:solidFill>
+                <a:latin typeface="Calibri"/>
+              </a:endParaRPr>
+            </a:p>
+          </p:txBody>
+        </p:sp>
+        <p:sp>
+          <p:nvSpPr>
+            <p:cNvPr id="24" name="Cross 23">
+              <a:extLst>
+                <a:ext uri="{FF2B5EF4-FFF2-40B4-BE49-F238E27FC236}">
+                  <a16:creationId xmlns:a16="http://schemas.microsoft.com/office/drawing/2014/main" id="{D41F5348-960C-4360-A4C6-7CC78D7F6710}"/>
+                </a:ext>
+              </a:extLst>
+            </p:cNvPr>
+            <p:cNvSpPr/>
+            <p:nvPr/>
+          </p:nvSpPr>
+          <p:spPr>
+            <a:xfrm rot="2734294">
+              <a:off x="1120341" y="2646737"/>
+              <a:ext cx="153909" cy="153909"/>
+            </a:xfrm>
+            <a:prstGeom prst="plus">
+              <a:avLst>
+                <a:gd name="adj" fmla="val 46579"/>
+              </a:avLst>
+            </a:prstGeom>
+            <a:solidFill>
+              <a:schemeClr val="tx1"/>
+            </a:solidFill>
+            <a:ln w="19050">
+              <a:solidFill>
+                <a:srgbClr val="FF0000"/>
+              </a:solidFill>
+            </a:ln>
+          </p:spPr>
+          <p:style>
+            <a:lnRef idx="2">
+              <a:schemeClr val="accent1">
+                <a:shade val="50000"/>
+              </a:schemeClr>
+            </a:lnRef>
+            <a:fillRef idx="1">
+              <a:schemeClr val="accent1"/>
+            </a:fillRef>
+            <a:effectRef idx="0">
+              <a:schemeClr val="accent1"/>
+            </a:effectRef>
+            <a:fontRef idx="minor">
+              <a:schemeClr val="lt1"/>
+            </a:fontRef>
+          </p:style>
+          <p:txBody>
+            <a:bodyPr rtlCol="0" anchor="ctr"/>
+            <a:lstStyle/>
+            <a:p>
+              <a:pPr algn="ctr"/>
+              <a:endParaRPr lang="en-US">
+                <a:solidFill>
+                  <a:prstClr val="white"/>
+                </a:solidFill>
+                <a:latin typeface="Calibri"/>
+              </a:endParaRPr>
+            </a:p>
+          </p:txBody>
+        </p:sp>
+        <p:sp>
+          <p:nvSpPr>
+            <p:cNvPr id="25" name="Cross 24">
+              <a:extLst>
+                <a:ext uri="{FF2B5EF4-FFF2-40B4-BE49-F238E27FC236}">
+                  <a16:creationId xmlns:a16="http://schemas.microsoft.com/office/drawing/2014/main" id="{E8FA6CC2-5545-40AE-9D3A-9989F5C11044}"/>
+                </a:ext>
+              </a:extLst>
+            </p:cNvPr>
+            <p:cNvSpPr/>
+            <p:nvPr/>
+          </p:nvSpPr>
+          <p:spPr>
+            <a:xfrm rot="2734294">
+              <a:off x="1452062" y="2841006"/>
+              <a:ext cx="153909" cy="153909"/>
+            </a:xfrm>
+            <a:prstGeom prst="plus">
+              <a:avLst>
+                <a:gd name="adj" fmla="val 46579"/>
+              </a:avLst>
+            </a:prstGeom>
+            <a:solidFill>
+              <a:schemeClr val="tx1"/>
+            </a:solidFill>
+            <a:ln w="19050">
+              <a:solidFill>
+                <a:srgbClr val="FF0000"/>
+              </a:solidFill>
+            </a:ln>
+          </p:spPr>
+          <p:style>
+            <a:lnRef idx="2">
+              <a:schemeClr val="accent1">
+                <a:shade val="50000"/>
+              </a:schemeClr>
+            </a:lnRef>
+            <a:fillRef idx="1">
+              <a:schemeClr val="accent1"/>
+            </a:fillRef>
+            <a:effectRef idx="0">
+              <a:schemeClr val="accent1"/>
+            </a:effectRef>
+            <a:fontRef idx="minor">
+              <a:schemeClr val="lt1"/>
+            </a:fontRef>
+          </p:style>
+          <p:txBody>
+            <a:bodyPr rtlCol="0" anchor="ctr"/>
+            <a:lstStyle/>
+            <a:p>
+              <a:pPr algn="ctr"/>
+              <a:endParaRPr lang="en-US">
+                <a:solidFill>
+                  <a:prstClr val="white"/>
+                </a:solidFill>
+                <a:latin typeface="Calibri"/>
+              </a:endParaRPr>
+            </a:p>
+          </p:txBody>
+        </p:sp>
+        <p:sp>
+          <p:nvSpPr>
+            <p:cNvPr id="26" name="Cross 25">
+              <a:extLst>
+                <a:ext uri="{FF2B5EF4-FFF2-40B4-BE49-F238E27FC236}">
+                  <a16:creationId xmlns:a16="http://schemas.microsoft.com/office/drawing/2014/main" id="{95C5A63A-2A82-4DDC-838B-F8AFFA5D5AB6}"/>
+                </a:ext>
+              </a:extLst>
+            </p:cNvPr>
+            <p:cNvSpPr/>
+            <p:nvPr/>
+          </p:nvSpPr>
+          <p:spPr>
+            <a:xfrm rot="2734294">
+              <a:off x="2271958" y="2670635"/>
+              <a:ext cx="153909" cy="153909"/>
+            </a:xfrm>
+            <a:prstGeom prst="plus">
+              <a:avLst>
+                <a:gd name="adj" fmla="val 46579"/>
+              </a:avLst>
+            </a:prstGeom>
+            <a:solidFill>
+              <a:schemeClr val="tx1"/>
+            </a:solidFill>
+            <a:ln w="19050">
+              <a:solidFill>
+                <a:srgbClr val="FF0000"/>
+              </a:solidFill>
+            </a:ln>
+          </p:spPr>
+          <p:style>
+            <a:lnRef idx="2">
+              <a:schemeClr val="accent1">
+                <a:shade val="50000"/>
+              </a:schemeClr>
+            </a:lnRef>
+            <a:fillRef idx="1">
+              <a:schemeClr val="accent1"/>
+            </a:fillRef>
+            <a:effectRef idx="0">
+              <a:schemeClr val="accent1"/>
+            </a:effectRef>
+            <a:fontRef idx="minor">
+              <a:schemeClr val="lt1"/>
+            </a:fontRef>
+          </p:style>
+          <p:txBody>
+            <a:bodyPr rtlCol="0" anchor="ctr"/>
+            <a:lstStyle/>
+            <a:p>
+              <a:pPr algn="ctr"/>
+              <a:endParaRPr lang="en-US">
+                <a:solidFill>
+                  <a:prstClr val="white"/>
+                </a:solidFill>
+                <a:latin typeface="Calibri"/>
+              </a:endParaRPr>
+            </a:p>
+          </p:txBody>
+        </p:sp>
+        <p:sp>
+          <p:nvSpPr>
+            <p:cNvPr id="27" name="Cross 26">
+              <a:extLst>
+                <a:ext uri="{FF2B5EF4-FFF2-40B4-BE49-F238E27FC236}">
+                  <a16:creationId xmlns:a16="http://schemas.microsoft.com/office/drawing/2014/main" id="{7597D166-6D1D-4C64-B09D-61A234D2AD8C}"/>
+                </a:ext>
+              </a:extLst>
+            </p:cNvPr>
+            <p:cNvSpPr/>
+            <p:nvPr/>
+          </p:nvSpPr>
+          <p:spPr>
+            <a:xfrm rot="2734294">
+              <a:off x="1853770" y="2888286"/>
+              <a:ext cx="153909" cy="153909"/>
+            </a:xfrm>
+            <a:prstGeom prst="plus">
+              <a:avLst>
+                <a:gd name="adj" fmla="val 46579"/>
+              </a:avLst>
+            </a:prstGeom>
+            <a:solidFill>
+              <a:schemeClr val="tx1"/>
+            </a:solidFill>
+            <a:ln w="19050">
+              <a:solidFill>
+                <a:srgbClr val="FF0000"/>
+              </a:solidFill>
+            </a:ln>
+          </p:spPr>
+          <p:style>
+            <a:lnRef idx="2">
+              <a:schemeClr val="accent1">
+                <a:shade val="50000"/>
+              </a:schemeClr>
+            </a:lnRef>
+            <a:fillRef idx="1">
+              <a:schemeClr val="accent1"/>
+            </a:fillRef>
+            <a:effectRef idx="0">
+              <a:schemeClr val="accent1"/>
+            </a:effectRef>
+            <a:fontRef idx="minor">
+              <a:schemeClr val="lt1"/>
+            </a:fontRef>
+          </p:style>
+          <p:txBody>
+            <a:bodyPr rtlCol="0" anchor="ctr"/>
+            <a:lstStyle/>
+            <a:p>
+              <a:pPr algn="ctr"/>
+              <a:endParaRPr lang="en-US">
+                <a:solidFill>
+                  <a:prstClr val="white"/>
+                </a:solidFill>
+                <a:latin typeface="Calibri"/>
+              </a:endParaRPr>
+            </a:p>
+          </p:txBody>
+        </p:sp>
+        <p:sp>
+          <p:nvSpPr>
+            <p:cNvPr id="28" name="Cross 27">
+              <a:extLst>
+                <a:ext uri="{FF2B5EF4-FFF2-40B4-BE49-F238E27FC236}">
+                  <a16:creationId xmlns:a16="http://schemas.microsoft.com/office/drawing/2014/main" id="{B836E8CC-8EDC-4FB8-85C5-E107D8BBE08E}"/>
+                </a:ext>
+              </a:extLst>
+            </p:cNvPr>
+            <p:cNvSpPr/>
+            <p:nvPr/>
+          </p:nvSpPr>
+          <p:spPr>
+            <a:xfrm rot="2734294">
+              <a:off x="812855" y="2319072"/>
+              <a:ext cx="153909" cy="153909"/>
+            </a:xfrm>
+            <a:prstGeom prst="plus">
+              <a:avLst>
+                <a:gd name="adj" fmla="val 46579"/>
+              </a:avLst>
+            </a:prstGeom>
+            <a:solidFill>
+              <a:schemeClr val="tx1"/>
+            </a:solidFill>
+            <a:ln w="19050">
+              <a:solidFill>
+                <a:srgbClr val="FF0000"/>
+              </a:solidFill>
+            </a:ln>
+          </p:spPr>
+          <p:style>
+            <a:lnRef idx="2">
+              <a:schemeClr val="accent1">
+                <a:shade val="50000"/>
+              </a:schemeClr>
+            </a:lnRef>
+            <a:fillRef idx="1">
+              <a:schemeClr val="accent1"/>
+            </a:fillRef>
+            <a:effectRef idx="0">
+              <a:schemeClr val="accent1"/>
+            </a:effectRef>
+            <a:fontRef idx="minor">
+              <a:schemeClr val="lt1"/>
+            </a:fontRef>
+          </p:style>
+          <p:txBody>
+            <a:bodyPr rtlCol="0" anchor="ctr"/>
+            <a:lstStyle/>
+            <a:p>
+              <a:pPr algn="ctr"/>
+              <a:endParaRPr lang="en-US">
+                <a:solidFill>
+                  <a:prstClr val="white"/>
+                </a:solidFill>
+                <a:latin typeface="Calibri"/>
+              </a:endParaRPr>
+            </a:p>
+          </p:txBody>
+        </p:sp>
+        <p:sp>
+          <p:nvSpPr>
+            <p:cNvPr id="29" name="Oval 28">
+              <a:extLst>
+                <a:ext uri="{FF2B5EF4-FFF2-40B4-BE49-F238E27FC236}">
+                  <a16:creationId xmlns:a16="http://schemas.microsoft.com/office/drawing/2014/main" id="{C3A835F3-156C-42D7-8C0E-C216BA39437F}"/>
+                </a:ext>
+              </a:extLst>
+            </p:cNvPr>
+            <p:cNvSpPr/>
+            <p:nvPr/>
+          </p:nvSpPr>
+          <p:spPr>
+            <a:xfrm>
+              <a:off x="1848800" y="2070906"/>
+              <a:ext cx="153439" cy="153439"/>
+            </a:xfrm>
+            <a:prstGeom prst="ellipse">
+              <a:avLst/>
+            </a:prstGeom>
+            <a:noFill/>
+            <a:ln w="19050">
+              <a:solidFill>
+                <a:schemeClr val="tx2">
+                  <a:lumMod val="60000"/>
+                  <a:lumOff val="40000"/>
+                </a:schemeClr>
+              </a:solidFill>
+            </a:ln>
+          </p:spPr>
+          <p:style>
+            <a:lnRef idx="2">
+              <a:schemeClr val="accent1">
+                <a:shade val="50000"/>
+              </a:schemeClr>
+            </a:lnRef>
+            <a:fillRef idx="1">
+              <a:schemeClr val="accent1"/>
+            </a:fillRef>
+            <a:effectRef idx="0">
+              <a:schemeClr val="accent1"/>
+            </a:effectRef>
+            <a:fontRef idx="minor">
+              <a:schemeClr val="lt1"/>
+            </a:fontRef>
+          </p:style>
+          <p:txBody>
+            <a:bodyPr rtlCol="0" anchor="ctr"/>
+            <a:lstStyle/>
+            <a:p>
+              <a:pPr algn="ctr"/>
+              <a:endParaRPr lang="en-US">
+                <a:solidFill>
+                  <a:prstClr val="white"/>
+                </a:solidFill>
+                <a:latin typeface="Calibri"/>
+              </a:endParaRPr>
+            </a:p>
+          </p:txBody>
+        </p:sp>
+        <p:sp>
+          <p:nvSpPr>
+            <p:cNvPr id="30" name="Oval 29">
+              <a:extLst>
+                <a:ext uri="{FF2B5EF4-FFF2-40B4-BE49-F238E27FC236}">
+                  <a16:creationId xmlns:a16="http://schemas.microsoft.com/office/drawing/2014/main" id="{513D5C61-9DF3-4213-983B-B39DA081749A}"/>
+                </a:ext>
+              </a:extLst>
+            </p:cNvPr>
+            <p:cNvSpPr/>
+            <p:nvPr/>
+          </p:nvSpPr>
+          <p:spPr>
+            <a:xfrm>
+              <a:off x="2045415" y="2224345"/>
+              <a:ext cx="153439" cy="153439"/>
+            </a:xfrm>
+            <a:prstGeom prst="ellipse">
+              <a:avLst/>
+            </a:prstGeom>
+            <a:noFill/>
+            <a:ln w="19050">
+              <a:solidFill>
+                <a:schemeClr val="tx2">
+                  <a:lumMod val="60000"/>
+                  <a:lumOff val="40000"/>
+                </a:schemeClr>
+              </a:solidFill>
+            </a:ln>
+          </p:spPr>
+          <p:style>
+            <a:lnRef idx="2">
+              <a:schemeClr val="accent1">
+                <a:shade val="50000"/>
+              </a:schemeClr>
+            </a:lnRef>
+            <a:fillRef idx="1">
+              <a:schemeClr val="accent1"/>
+            </a:fillRef>
+            <a:effectRef idx="0">
+              <a:schemeClr val="accent1"/>
+            </a:effectRef>
+            <a:fontRef idx="minor">
+              <a:schemeClr val="lt1"/>
+            </a:fontRef>
+          </p:style>
+          <p:txBody>
+            <a:bodyPr rtlCol="0" anchor="ctr"/>
+            <a:lstStyle/>
+            <a:p>
+              <a:pPr algn="ctr"/>
+              <a:endParaRPr lang="en-US">
+                <a:solidFill>
+                  <a:prstClr val="white"/>
+                </a:solidFill>
+                <a:latin typeface="Calibri"/>
+              </a:endParaRPr>
+            </a:p>
+          </p:txBody>
+        </p:sp>
+        <p:sp>
+          <p:nvSpPr>
+            <p:cNvPr id="31" name="Oval 30">
+              <a:extLst>
+                <a:ext uri="{FF2B5EF4-FFF2-40B4-BE49-F238E27FC236}">
+                  <a16:creationId xmlns:a16="http://schemas.microsoft.com/office/drawing/2014/main" id="{FE9AB4B6-4158-4EA1-BEBE-20B8EAABBBB2}"/>
+                </a:ext>
+              </a:extLst>
+            </p:cNvPr>
+            <p:cNvSpPr/>
+            <p:nvPr/>
+          </p:nvSpPr>
+          <p:spPr>
+            <a:xfrm>
+              <a:off x="2026623" y="1882119"/>
+              <a:ext cx="153439" cy="153439"/>
+            </a:xfrm>
+            <a:prstGeom prst="ellipse">
+              <a:avLst/>
+            </a:prstGeom>
+            <a:noFill/>
+            <a:ln w="19050">
+              <a:solidFill>
+                <a:schemeClr val="tx2">
+                  <a:lumMod val="60000"/>
+                  <a:lumOff val="40000"/>
+                </a:schemeClr>
+              </a:solidFill>
+            </a:ln>
+          </p:spPr>
+          <p:style>
+            <a:lnRef idx="2">
+              <a:schemeClr val="accent1">
+                <a:shade val="50000"/>
+              </a:schemeClr>
+            </a:lnRef>
+            <a:fillRef idx="1">
+              <a:schemeClr val="accent1"/>
+            </a:fillRef>
+            <a:effectRef idx="0">
+              <a:schemeClr val="accent1"/>
+            </a:effectRef>
+            <a:fontRef idx="minor">
+              <a:schemeClr val="lt1"/>
+            </a:fontRef>
+          </p:style>
+          <p:txBody>
+            <a:bodyPr rtlCol="0" anchor="ctr"/>
+            <a:lstStyle/>
+            <a:p>
+              <a:pPr algn="ctr"/>
+              <a:endParaRPr lang="en-US">
+                <a:solidFill>
+                  <a:prstClr val="white"/>
+                </a:solidFill>
+                <a:latin typeface="Calibri"/>
+              </a:endParaRPr>
+            </a:p>
+          </p:txBody>
+        </p:sp>
+        <p:sp>
+          <p:nvSpPr>
+            <p:cNvPr id="32" name="Oval 31">
+              <a:extLst>
+                <a:ext uri="{FF2B5EF4-FFF2-40B4-BE49-F238E27FC236}">
+                  <a16:creationId xmlns:a16="http://schemas.microsoft.com/office/drawing/2014/main" id="{ECC517F6-98D0-460F-A178-16275E3DAD05}"/>
+                </a:ext>
+              </a:extLst>
+            </p:cNvPr>
+            <p:cNvSpPr/>
+            <p:nvPr/>
+          </p:nvSpPr>
+          <p:spPr>
+            <a:xfrm>
+              <a:off x="1848801" y="2428132"/>
+              <a:ext cx="153439" cy="153439"/>
+            </a:xfrm>
+            <a:prstGeom prst="ellipse">
+              <a:avLst/>
+            </a:prstGeom>
+            <a:noFill/>
+            <a:ln w="19050">
+              <a:solidFill>
+                <a:schemeClr val="tx2">
+                  <a:lumMod val="60000"/>
+                  <a:lumOff val="40000"/>
+                </a:schemeClr>
+              </a:solidFill>
+            </a:ln>
+          </p:spPr>
+          <p:style>
+            <a:lnRef idx="2">
+              <a:schemeClr val="accent1">
+                <a:shade val="50000"/>
+              </a:schemeClr>
+            </a:lnRef>
+            <a:fillRef idx="1">
+              <a:schemeClr val="accent1"/>
+            </a:fillRef>
+            <a:effectRef idx="0">
+              <a:schemeClr val="accent1"/>
+            </a:effectRef>
+            <a:fontRef idx="minor">
+              <a:schemeClr val="lt1"/>
+            </a:fontRef>
+          </p:style>
+          <p:txBody>
+            <a:bodyPr rtlCol="0" anchor="ctr"/>
+            <a:lstStyle/>
+            <a:p>
+              <a:pPr algn="ctr"/>
+              <a:endParaRPr lang="en-US">
+                <a:solidFill>
+                  <a:prstClr val="white"/>
+                </a:solidFill>
+                <a:latin typeface="Calibri"/>
+              </a:endParaRPr>
+            </a:p>
+          </p:txBody>
+        </p:sp>
+        <p:sp>
+          <p:nvSpPr>
+            <p:cNvPr id="33" name="Cross 32">
+              <a:extLst>
+                <a:ext uri="{FF2B5EF4-FFF2-40B4-BE49-F238E27FC236}">
+                  <a16:creationId xmlns:a16="http://schemas.microsoft.com/office/drawing/2014/main" id="{875F3C16-BD2A-44EF-9338-75455E0026E7}"/>
+                </a:ext>
+              </a:extLst>
+            </p:cNvPr>
+            <p:cNvSpPr/>
+            <p:nvPr/>
+          </p:nvSpPr>
+          <p:spPr>
+            <a:xfrm rot="2734294">
+              <a:off x="2472982" y="1734874"/>
+              <a:ext cx="153134" cy="154670"/>
+            </a:xfrm>
+            <a:prstGeom prst="plus">
+              <a:avLst>
+                <a:gd name="adj" fmla="val 46579"/>
+              </a:avLst>
+            </a:prstGeom>
+            <a:solidFill>
+              <a:schemeClr val="tx1"/>
+            </a:solidFill>
+            <a:ln w="19050">
+              <a:solidFill>
+                <a:srgbClr val="FF0000"/>
+              </a:solidFill>
+            </a:ln>
+          </p:spPr>
+          <p:style>
+            <a:lnRef idx="2">
+              <a:schemeClr val="accent1">
+                <a:shade val="50000"/>
+              </a:schemeClr>
+            </a:lnRef>
+            <a:fillRef idx="1">
+              <a:schemeClr val="accent1"/>
+            </a:fillRef>
+            <a:effectRef idx="0">
+              <a:schemeClr val="accent1"/>
+            </a:effectRef>
+            <a:fontRef idx="minor">
+              <a:schemeClr val="lt1"/>
+            </a:fontRef>
+          </p:style>
+          <p:txBody>
+            <a:bodyPr rtlCol="0" anchor="ctr"/>
+            <a:lstStyle/>
+            <a:p>
+              <a:pPr algn="ctr"/>
+              <a:endParaRPr lang="en-US">
+                <a:solidFill>
+                  <a:prstClr val="white"/>
+                </a:solidFill>
+                <a:latin typeface="Calibri"/>
+              </a:endParaRPr>
+            </a:p>
+          </p:txBody>
+        </p:sp>
+        <p:sp>
+          <p:nvSpPr>
+            <p:cNvPr id="34" name="Cross 33">
+              <a:extLst>
+                <a:ext uri="{FF2B5EF4-FFF2-40B4-BE49-F238E27FC236}">
+                  <a16:creationId xmlns:a16="http://schemas.microsoft.com/office/drawing/2014/main" id="{878A3921-8ED8-4F8B-A896-BC4B80E096A7}"/>
+                </a:ext>
+              </a:extLst>
+            </p:cNvPr>
+            <p:cNvSpPr/>
+            <p:nvPr/>
+          </p:nvSpPr>
+          <p:spPr>
+            <a:xfrm rot="2734294">
+              <a:off x="2292182" y="1410890"/>
+              <a:ext cx="153134" cy="154670"/>
+            </a:xfrm>
+            <a:prstGeom prst="plus">
+              <a:avLst>
+                <a:gd name="adj" fmla="val 46579"/>
+              </a:avLst>
+            </a:prstGeom>
+            <a:solidFill>
+              <a:schemeClr val="tx1"/>
+            </a:solidFill>
+            <a:ln w="19050">
+              <a:solidFill>
+                <a:srgbClr val="FF0000"/>
+              </a:solidFill>
+            </a:ln>
+          </p:spPr>
+          <p:style>
+            <a:lnRef idx="2">
+              <a:schemeClr val="accent1">
+                <a:shade val="50000"/>
+              </a:schemeClr>
+            </a:lnRef>
+            <a:fillRef idx="1">
+              <a:schemeClr val="accent1"/>
+            </a:fillRef>
+            <a:effectRef idx="0">
+              <a:schemeClr val="accent1"/>
+            </a:effectRef>
+            <a:fontRef idx="minor">
+              <a:schemeClr val="lt1"/>
+            </a:fontRef>
+          </p:style>
+          <p:txBody>
+            <a:bodyPr rtlCol="0" anchor="ctr"/>
+            <a:lstStyle/>
+            <a:p>
+              <a:pPr algn="ctr"/>
+              <a:endParaRPr lang="en-US">
+                <a:solidFill>
+                  <a:prstClr val="white"/>
+                </a:solidFill>
+                <a:latin typeface="Calibri"/>
+              </a:endParaRPr>
+            </a:p>
+          </p:txBody>
+        </p:sp>
+        <p:sp>
+          <p:nvSpPr>
+            <p:cNvPr id="35" name="Cross 34">
+              <a:extLst>
+                <a:ext uri="{FF2B5EF4-FFF2-40B4-BE49-F238E27FC236}">
+                  <a16:creationId xmlns:a16="http://schemas.microsoft.com/office/drawing/2014/main" id="{1793633B-8023-445E-A858-F8D1321E13F8}"/>
+                </a:ext>
+              </a:extLst>
+            </p:cNvPr>
+            <p:cNvSpPr/>
+            <p:nvPr/>
+          </p:nvSpPr>
+          <p:spPr>
+            <a:xfrm rot="2734294">
+              <a:off x="1902299" y="1211552"/>
+              <a:ext cx="153134" cy="154670"/>
+            </a:xfrm>
+            <a:prstGeom prst="plus">
+              <a:avLst>
+                <a:gd name="adj" fmla="val 46579"/>
+              </a:avLst>
+            </a:prstGeom>
+            <a:solidFill>
+              <a:schemeClr val="tx1"/>
+            </a:solidFill>
+            <a:ln w="19050">
+              <a:solidFill>
+                <a:srgbClr val="FF0000"/>
+              </a:solidFill>
+            </a:ln>
+          </p:spPr>
+          <p:style>
+            <a:lnRef idx="2">
+              <a:schemeClr val="accent1">
+                <a:shade val="50000"/>
+              </a:schemeClr>
+            </a:lnRef>
+            <a:fillRef idx="1">
+              <a:schemeClr val="accent1"/>
+            </a:fillRef>
+            <a:effectRef idx="0">
+              <a:schemeClr val="accent1"/>
+            </a:effectRef>
+            <a:fontRef idx="minor">
+              <a:schemeClr val="lt1"/>
+            </a:fontRef>
+          </p:style>
+          <p:txBody>
+            <a:bodyPr rtlCol="0" anchor="ctr"/>
+            <a:lstStyle/>
+            <a:p>
+              <a:pPr algn="ctr"/>
+              <a:endParaRPr lang="en-US">
+                <a:solidFill>
+                  <a:prstClr val="white"/>
+                </a:solidFill>
+                <a:latin typeface="Calibri"/>
+              </a:endParaRPr>
+            </a:p>
+          </p:txBody>
+        </p:sp>
+        <p:sp>
+          <p:nvSpPr>
+            <p:cNvPr id="36" name="Cross 35">
+              <a:extLst>
+                <a:ext uri="{FF2B5EF4-FFF2-40B4-BE49-F238E27FC236}">
+                  <a16:creationId xmlns:a16="http://schemas.microsoft.com/office/drawing/2014/main" id="{169A4C88-6E06-453E-8BAF-6FF197C2D26E}"/>
+                </a:ext>
+              </a:extLst>
+            </p:cNvPr>
+            <p:cNvSpPr/>
+            <p:nvPr/>
+          </p:nvSpPr>
+          <p:spPr>
+            <a:xfrm rot="2734294">
+              <a:off x="1433225" y="1211552"/>
+              <a:ext cx="153134" cy="154670"/>
+            </a:xfrm>
+            <a:prstGeom prst="plus">
+              <a:avLst>
+                <a:gd name="adj" fmla="val 46579"/>
+              </a:avLst>
+            </a:prstGeom>
+            <a:solidFill>
+              <a:schemeClr val="tx1"/>
+            </a:solidFill>
+            <a:ln w="19050">
+              <a:solidFill>
+                <a:srgbClr val="FF0000"/>
+              </a:solidFill>
+            </a:ln>
+          </p:spPr>
+          <p:style>
+            <a:lnRef idx="2">
+              <a:schemeClr val="accent1">
+                <a:shade val="50000"/>
+              </a:schemeClr>
+            </a:lnRef>
+            <a:fillRef idx="1">
+              <a:schemeClr val="accent1"/>
+            </a:fillRef>
+            <a:effectRef idx="0">
+              <a:schemeClr val="accent1"/>
+            </a:effectRef>
+            <a:fontRef idx="minor">
+              <a:schemeClr val="lt1"/>
+            </a:fontRef>
+          </p:style>
+          <p:txBody>
+            <a:bodyPr rtlCol="0" anchor="ctr"/>
+            <a:lstStyle/>
+            <a:p>
+              <a:pPr algn="ctr"/>
+              <a:endParaRPr lang="en-US">
+                <a:solidFill>
+                  <a:prstClr val="white"/>
+                </a:solidFill>
+                <a:latin typeface="Calibri"/>
+              </a:endParaRPr>
+            </a:p>
+          </p:txBody>
+        </p:sp>
+        <p:sp>
+          <p:nvSpPr>
+            <p:cNvPr id="37" name="Cross 36">
+              <a:extLst>
+                <a:ext uri="{FF2B5EF4-FFF2-40B4-BE49-F238E27FC236}">
+                  <a16:creationId xmlns:a16="http://schemas.microsoft.com/office/drawing/2014/main" id="{28EB489C-CDE4-4DE3-B597-10E0835CDE2C}"/>
+                </a:ext>
+              </a:extLst>
+            </p:cNvPr>
+            <p:cNvSpPr/>
+            <p:nvPr/>
+          </p:nvSpPr>
+          <p:spPr>
+            <a:xfrm rot="2734294">
+              <a:off x="1019788" y="1354717"/>
+              <a:ext cx="153134" cy="154670"/>
+            </a:xfrm>
+            <a:prstGeom prst="plus">
+              <a:avLst>
+                <a:gd name="adj" fmla="val 46579"/>
+              </a:avLst>
+            </a:prstGeom>
+            <a:solidFill>
+              <a:schemeClr val="tx1"/>
+            </a:solidFill>
+            <a:ln w="19050">
+              <a:solidFill>
+                <a:srgbClr val="FF0000"/>
+              </a:solidFill>
+            </a:ln>
+          </p:spPr>
+          <p:style>
+            <a:lnRef idx="2">
+              <a:schemeClr val="accent1">
+                <a:shade val="50000"/>
+              </a:schemeClr>
+            </a:lnRef>
+            <a:fillRef idx="1">
+              <a:schemeClr val="accent1"/>
+            </a:fillRef>
+            <a:effectRef idx="0">
+              <a:schemeClr val="accent1"/>
+            </a:effectRef>
+            <a:fontRef idx="minor">
+              <a:schemeClr val="lt1"/>
+            </a:fontRef>
+          </p:style>
+          <p:txBody>
+            <a:bodyPr rtlCol="0" anchor="ctr"/>
+            <a:lstStyle/>
+            <a:p>
+              <a:pPr algn="ctr"/>
+              <a:endParaRPr lang="en-US">
+                <a:solidFill>
+                  <a:prstClr val="white"/>
+                </a:solidFill>
+                <a:latin typeface="Calibri"/>
+              </a:endParaRPr>
+            </a:p>
+          </p:txBody>
+        </p:sp>
+        <p:sp>
+          <p:nvSpPr>
+            <p:cNvPr id="38" name="Cross 37">
+              <a:extLst>
+                <a:ext uri="{FF2B5EF4-FFF2-40B4-BE49-F238E27FC236}">
+                  <a16:creationId xmlns:a16="http://schemas.microsoft.com/office/drawing/2014/main" id="{DDCC1B47-8281-4498-BEAF-481521EF1884}"/>
+                </a:ext>
+              </a:extLst>
+            </p:cNvPr>
+            <p:cNvSpPr/>
+            <p:nvPr/>
+          </p:nvSpPr>
+          <p:spPr>
+            <a:xfrm rot="2734294">
+              <a:off x="816315" y="1790525"/>
+              <a:ext cx="153134" cy="154670"/>
+            </a:xfrm>
+            <a:prstGeom prst="plus">
+              <a:avLst>
+                <a:gd name="adj" fmla="val 46579"/>
+              </a:avLst>
+            </a:prstGeom>
+            <a:solidFill>
+              <a:schemeClr val="tx1"/>
+            </a:solidFill>
+            <a:ln w="19050">
+              <a:solidFill>
+                <a:srgbClr val="FF0000"/>
+              </a:solidFill>
+            </a:ln>
+          </p:spPr>
+          <p:style>
+            <a:lnRef idx="2">
+              <a:schemeClr val="accent1">
+                <a:shade val="50000"/>
+              </a:schemeClr>
+            </a:lnRef>
+            <a:fillRef idx="1">
+              <a:schemeClr val="accent1"/>
+            </a:fillRef>
+            <a:effectRef idx="0">
+              <a:schemeClr val="accent1"/>
+            </a:effectRef>
+            <a:fontRef idx="minor">
+              <a:schemeClr val="lt1"/>
+            </a:fontRef>
+          </p:style>
+          <p:txBody>
+            <a:bodyPr rtlCol="0" anchor="ctr"/>
+            <a:lstStyle/>
+            <a:p>
+              <a:pPr algn="ctr"/>
+              <a:endParaRPr lang="en-US">
+                <a:solidFill>
+                  <a:prstClr val="white"/>
+                </a:solidFill>
+                <a:latin typeface="Calibri"/>
+              </a:endParaRPr>
+            </a:p>
+          </p:txBody>
+        </p:sp>
+      </p:grpSp>
+      <p:sp>
+        <p:nvSpPr>
+          <p:cNvPr id="39" name="TextBox 38">
+            <a:extLst>
+              <a:ext uri="{FF2B5EF4-FFF2-40B4-BE49-F238E27FC236}">
+                <a16:creationId xmlns:a16="http://schemas.microsoft.com/office/drawing/2014/main" id="{A64BB2DB-5674-4F70-85D8-59B935A00CEC}"/>
+              </a:ext>
+            </a:extLst>
+          </p:cNvPr>
+          <p:cNvSpPr txBox="1"/>
+          <p:nvPr/>
+        </p:nvSpPr>
+        <p:spPr>
+          <a:xfrm>
+            <a:off x="2718234" y="3402690"/>
+            <a:ext cx="274273" cy="261610"/>
+          </a:xfrm>
+          <a:prstGeom prst="rect">
+            <a:avLst/>
+          </a:prstGeom>
+          <a:noFill/>
+          <a:ln w="19050">
+            <a:noFill/>
+          </a:ln>
+        </p:spPr>
+        <p:txBody>
+          <a:bodyPr wrap="square" rtlCol="0">
+            <a:spAutoFit/>
+          </a:bodyPr>
+          <a:lstStyle/>
+          <a:p>
+            <a:r>
+              <a:rPr lang="en-US" sz="1100" dirty="0">
+                <a:solidFill>
+                  <a:prstClr val="black"/>
+                </a:solidFill>
+                <a:latin typeface="Calibri"/>
+              </a:rPr>
+              <a:t>1</a:t>
+            </a:r>
+            <a:endParaRPr lang="en-US" sz="1100" baseline="-25000" dirty="0">
+              <a:solidFill>
+                <a:prstClr val="black"/>
+              </a:solidFill>
+              <a:latin typeface="Calibri"/>
+            </a:endParaRPr>
+          </a:p>
+        </p:txBody>
+      </p:sp>
+      <p:cxnSp>
+        <p:nvCxnSpPr>
+          <p:cNvPr id="40" name="Straight Arrow Connector 39">
+            <a:extLst>
+              <a:ext uri="{FF2B5EF4-FFF2-40B4-BE49-F238E27FC236}">
+                <a16:creationId xmlns:a16="http://schemas.microsoft.com/office/drawing/2014/main" id="{B813471D-786E-4A3B-83B2-0B8A90AF9D24}"/>
+              </a:ext>
+            </a:extLst>
+          </p:cNvPr>
+          <p:cNvCxnSpPr/>
+          <p:nvPr/>
+        </p:nvCxnSpPr>
+        <p:spPr>
+          <a:xfrm rot="16200000">
+            <a:off x="2803964" y="3410829"/>
+            <a:ext cx="98115" cy="0"/>
+          </a:xfrm>
+          <a:prstGeom prst="straightConnector1">
+            <a:avLst/>
+          </a:prstGeom>
+          <a:ln w="19050">
+            <a:solidFill>
+              <a:schemeClr val="bg1">
+                <a:lumMod val="50000"/>
+              </a:schemeClr>
+            </a:solidFill>
+            <a:tailEnd type="none"/>
+          </a:ln>
+        </p:spPr>
+        <p:style>
+          <a:lnRef idx="1">
+            <a:schemeClr val="accent1"/>
+          </a:lnRef>
+          <a:fillRef idx="0">
+            <a:schemeClr val="accent1"/>
+          </a:fillRef>
+          <a:effectRef idx="0">
+            <a:schemeClr val="accent1"/>
+          </a:effectRef>
+          <a:fontRef idx="minor">
+            <a:schemeClr val="tx1"/>
+          </a:fontRef>
+        </p:style>
+      </p:cxnSp>
+      <p:cxnSp>
+        <p:nvCxnSpPr>
+          <p:cNvPr id="41" name="Straight Arrow Connector 40">
+            <a:extLst>
+              <a:ext uri="{FF2B5EF4-FFF2-40B4-BE49-F238E27FC236}">
+                <a16:creationId xmlns:a16="http://schemas.microsoft.com/office/drawing/2014/main" id="{95BA9F41-7526-4705-A91D-8EB7BE9414C8}"/>
+              </a:ext>
+            </a:extLst>
+          </p:cNvPr>
+          <p:cNvCxnSpPr/>
+          <p:nvPr/>
+        </p:nvCxnSpPr>
+        <p:spPr>
+          <a:xfrm rot="16200000">
+            <a:off x="1668257" y="3412714"/>
+            <a:ext cx="98115" cy="0"/>
+          </a:xfrm>
+          <a:prstGeom prst="straightConnector1">
+            <a:avLst/>
+          </a:prstGeom>
+          <a:ln w="19050">
+            <a:solidFill>
+              <a:schemeClr val="bg1">
+                <a:lumMod val="50000"/>
+              </a:schemeClr>
+            </a:solidFill>
+            <a:tailEnd type="none"/>
+          </a:ln>
+        </p:spPr>
+        <p:style>
+          <a:lnRef idx="1">
+            <a:schemeClr val="accent1"/>
+          </a:lnRef>
+          <a:fillRef idx="0">
+            <a:schemeClr val="accent1"/>
+          </a:fillRef>
+          <a:effectRef idx="0">
+            <a:schemeClr val="accent1"/>
+          </a:effectRef>
+          <a:fontRef idx="minor">
+            <a:schemeClr val="tx1"/>
+          </a:fontRef>
+        </p:style>
+      </p:cxnSp>
+      <p:sp>
+        <p:nvSpPr>
+          <p:cNvPr id="42" name="TextBox 41">
+            <a:extLst>
+              <a:ext uri="{FF2B5EF4-FFF2-40B4-BE49-F238E27FC236}">
+                <a16:creationId xmlns:a16="http://schemas.microsoft.com/office/drawing/2014/main" id="{C1B87F13-EFB6-47D7-B55F-BE43D802693B}"/>
+              </a:ext>
+            </a:extLst>
+          </p:cNvPr>
+          <p:cNvSpPr txBox="1"/>
+          <p:nvPr/>
+        </p:nvSpPr>
+        <p:spPr>
+          <a:xfrm>
+            <a:off x="1568990" y="3419240"/>
+            <a:ext cx="408823" cy="261610"/>
+          </a:xfrm>
+          <a:prstGeom prst="rect">
+            <a:avLst/>
+          </a:prstGeom>
+          <a:noFill/>
+          <a:ln w="19050">
+            <a:noFill/>
+          </a:ln>
+        </p:spPr>
+        <p:txBody>
+          <a:bodyPr wrap="square" rtlCol="0">
+            <a:spAutoFit/>
+          </a:bodyPr>
+          <a:lstStyle/>
+          <a:p>
+            <a:r>
+              <a:rPr lang="en-US" sz="1100" dirty="0">
+                <a:solidFill>
+                  <a:prstClr val="black"/>
+                </a:solidFill>
+                <a:latin typeface="Calibri"/>
+              </a:rPr>
+              <a:t>-1</a:t>
+            </a:r>
+            <a:endParaRPr lang="en-US" sz="1100" baseline="-25000" dirty="0">
+              <a:solidFill>
+                <a:prstClr val="black"/>
+              </a:solidFill>
+              <a:latin typeface="Calibri"/>
+            </a:endParaRPr>
+          </a:p>
+        </p:txBody>
+      </p:sp>
+      <p:sp>
+        <p:nvSpPr>
+          <p:cNvPr id="43" name="TextBox 42">
+            <a:extLst>
+              <a:ext uri="{FF2B5EF4-FFF2-40B4-BE49-F238E27FC236}">
+                <a16:creationId xmlns:a16="http://schemas.microsoft.com/office/drawing/2014/main" id="{32ADECFB-6BDF-47B2-8F12-FD62F0018D02}"/>
+              </a:ext>
+            </a:extLst>
+          </p:cNvPr>
+          <p:cNvSpPr txBox="1"/>
+          <p:nvPr/>
+        </p:nvSpPr>
+        <p:spPr>
+          <a:xfrm>
+            <a:off x="2015557" y="3842772"/>
+            <a:ext cx="408823" cy="261610"/>
+          </a:xfrm>
+          <a:prstGeom prst="rect">
+            <a:avLst/>
+          </a:prstGeom>
+          <a:noFill/>
+          <a:ln w="19050">
+            <a:noFill/>
+          </a:ln>
+        </p:spPr>
+        <p:txBody>
+          <a:bodyPr wrap="square" rtlCol="0">
+            <a:spAutoFit/>
+          </a:bodyPr>
+          <a:lstStyle/>
+          <a:p>
+            <a:r>
+              <a:rPr lang="en-US" sz="1100" dirty="0">
+                <a:solidFill>
+                  <a:prstClr val="black"/>
+                </a:solidFill>
+                <a:latin typeface="Calibri"/>
+              </a:rPr>
+              <a:t>-1</a:t>
+            </a:r>
+            <a:endParaRPr lang="en-US" sz="1100" baseline="-25000" dirty="0">
+              <a:solidFill>
+                <a:prstClr val="black"/>
+              </a:solidFill>
+              <a:latin typeface="Calibri"/>
+            </a:endParaRPr>
+          </a:p>
+        </p:txBody>
+      </p:sp>
+      <p:cxnSp>
+        <p:nvCxnSpPr>
+          <p:cNvPr id="44" name="Straight Arrow Connector 43">
+            <a:extLst>
+              <a:ext uri="{FF2B5EF4-FFF2-40B4-BE49-F238E27FC236}">
+                <a16:creationId xmlns:a16="http://schemas.microsoft.com/office/drawing/2014/main" id="{BC377D22-9444-4B21-ABC5-574444C21320}"/>
+              </a:ext>
+            </a:extLst>
+          </p:cNvPr>
+          <p:cNvCxnSpPr/>
+          <p:nvPr/>
+        </p:nvCxnSpPr>
+        <p:spPr>
+          <a:xfrm>
+            <a:off x="2250714" y="3951982"/>
+            <a:ext cx="98115" cy="0"/>
+          </a:xfrm>
+          <a:prstGeom prst="straightConnector1">
+            <a:avLst/>
+          </a:prstGeom>
+          <a:ln w="19050">
+            <a:solidFill>
+              <a:schemeClr val="bg1">
+                <a:lumMod val="50000"/>
+              </a:schemeClr>
+            </a:solidFill>
+            <a:tailEnd type="none"/>
+          </a:ln>
+        </p:spPr>
+        <p:style>
+          <a:lnRef idx="1">
+            <a:schemeClr val="accent1"/>
+          </a:lnRef>
+          <a:fillRef idx="0">
+            <a:schemeClr val="accent1"/>
+          </a:fillRef>
+          <a:effectRef idx="0">
+            <a:schemeClr val="accent1"/>
+          </a:effectRef>
+          <a:fontRef idx="minor">
+            <a:schemeClr val="tx1"/>
+          </a:fontRef>
+        </p:style>
+      </p:cxnSp>
+      <p:cxnSp>
+        <p:nvCxnSpPr>
+          <p:cNvPr id="45" name="Straight Arrow Connector 44">
+            <a:extLst>
+              <a:ext uri="{FF2B5EF4-FFF2-40B4-BE49-F238E27FC236}">
+                <a16:creationId xmlns:a16="http://schemas.microsoft.com/office/drawing/2014/main" id="{D5D8445A-2B60-4070-8228-D0683326D647}"/>
+              </a:ext>
+            </a:extLst>
+          </p:cNvPr>
+          <p:cNvCxnSpPr/>
+          <p:nvPr/>
+        </p:nvCxnSpPr>
+        <p:spPr>
+          <a:xfrm>
+            <a:off x="2250714" y="2852172"/>
+            <a:ext cx="98115" cy="0"/>
+          </a:xfrm>
+          <a:prstGeom prst="straightConnector1">
+            <a:avLst/>
+          </a:prstGeom>
+          <a:ln w="19050">
+            <a:solidFill>
+              <a:schemeClr val="bg1">
+                <a:lumMod val="50000"/>
+              </a:schemeClr>
+            </a:solidFill>
+            <a:tailEnd type="none"/>
+          </a:ln>
+        </p:spPr>
+        <p:style>
+          <a:lnRef idx="1">
+            <a:schemeClr val="accent1"/>
+          </a:lnRef>
+          <a:fillRef idx="0">
+            <a:schemeClr val="accent1"/>
+          </a:fillRef>
+          <a:effectRef idx="0">
+            <a:schemeClr val="accent1"/>
+          </a:effectRef>
+          <a:fontRef idx="minor">
+            <a:schemeClr val="tx1"/>
+          </a:fontRef>
+        </p:style>
+      </p:cxnSp>
+      <p:sp>
+        <p:nvSpPr>
+          <p:cNvPr id="46" name="TextBox 45">
+            <a:extLst>
+              <a:ext uri="{FF2B5EF4-FFF2-40B4-BE49-F238E27FC236}">
+                <a16:creationId xmlns:a16="http://schemas.microsoft.com/office/drawing/2014/main" id="{18C5A615-3514-486C-93FF-2D6550657109}"/>
+              </a:ext>
+            </a:extLst>
+          </p:cNvPr>
+          <p:cNvSpPr txBox="1"/>
+          <p:nvPr/>
+        </p:nvSpPr>
+        <p:spPr>
+          <a:xfrm>
+            <a:off x="2041611" y="2722807"/>
+            <a:ext cx="274273" cy="261610"/>
+          </a:xfrm>
+          <a:prstGeom prst="rect">
+            <a:avLst/>
+          </a:prstGeom>
+          <a:noFill/>
+          <a:ln w="19050">
+            <a:noFill/>
+          </a:ln>
+        </p:spPr>
+        <p:txBody>
+          <a:bodyPr wrap="square" rtlCol="0">
+            <a:spAutoFit/>
+          </a:bodyPr>
+          <a:lstStyle/>
+          <a:p>
+            <a:r>
+              <a:rPr lang="en-US" sz="1100" dirty="0">
+                <a:solidFill>
+                  <a:prstClr val="black"/>
+                </a:solidFill>
+                <a:latin typeface="Calibri"/>
+              </a:rPr>
+              <a:t>1</a:t>
+            </a:r>
+            <a:endParaRPr lang="en-US" sz="1100" baseline="-25000" dirty="0">
+              <a:solidFill>
+                <a:prstClr val="black"/>
+              </a:solidFill>
+              <a:latin typeface="Calibri"/>
+            </a:endParaRPr>
+          </a:p>
+        </p:txBody>
+      </p:sp>
+      <p:sp>
+        <p:nvSpPr>
+          <p:cNvPr id="49" name="TextBox 48">
+            <a:extLst>
+              <a:ext uri="{FF2B5EF4-FFF2-40B4-BE49-F238E27FC236}">
+                <a16:creationId xmlns:a16="http://schemas.microsoft.com/office/drawing/2014/main" id="{10267455-DB89-46D4-9170-17F461863CC1}"/>
+              </a:ext>
+            </a:extLst>
+          </p:cNvPr>
+          <p:cNvSpPr txBox="1"/>
+          <p:nvPr/>
+        </p:nvSpPr>
+        <p:spPr>
+          <a:xfrm>
+            <a:off x="4110878" y="3915798"/>
+            <a:ext cx="6098058" cy="369332"/>
+          </a:xfrm>
+          <a:prstGeom prst="rect">
+            <a:avLst/>
+          </a:prstGeom>
+          <a:noFill/>
+        </p:spPr>
+        <p:txBody>
+          <a:bodyPr wrap="square">
+            <a:spAutoFit/>
+          </a:bodyPr>
+          <a:lstStyle/>
+          <a:p>
+            <a:r>
+              <a:rPr lang="en-US" sz="1800" dirty="0"/>
+              <a:t>Suppose </a:t>
+            </a:r>
+            <a:r>
+              <a:rPr lang="en-US" sz="1800" dirty="0">
+                <a:latin typeface="Symbol" panose="05050102010706020507" pitchFamily="18" charset="2"/>
+              </a:rPr>
+              <a:t>q</a:t>
+            </a:r>
+            <a:r>
+              <a:rPr lang="en-US" sz="1800" dirty="0"/>
+              <a:t> = [-1, </a:t>
+            </a:r>
+            <a:r>
+              <a:rPr lang="en-US" dirty="0"/>
+              <a:t>0</a:t>
+            </a:r>
+            <a:r>
+              <a:rPr lang="en-US" sz="1800" dirty="0"/>
+              <a:t>, </a:t>
+            </a:r>
+            <a:r>
+              <a:rPr lang="en-US" dirty="0"/>
+              <a:t>0, 1, 1</a:t>
+            </a:r>
+            <a:r>
+              <a:rPr lang="en-US" sz="1800" dirty="0"/>
+              <a:t>] </a:t>
+            </a:r>
+            <a:endParaRPr lang="en-US" dirty="0"/>
+          </a:p>
+        </p:txBody>
+      </p:sp>
+      <p:sp>
+        <p:nvSpPr>
+          <p:cNvPr id="47" name="TextBox 46">
+            <a:extLst>
+              <a:ext uri="{FF2B5EF4-FFF2-40B4-BE49-F238E27FC236}">
+                <a16:creationId xmlns:a16="http://schemas.microsoft.com/office/drawing/2014/main" id="{D96A5930-34DF-48DB-848E-32D27E73E858}"/>
+              </a:ext>
+            </a:extLst>
+          </p:cNvPr>
+          <p:cNvSpPr txBox="1"/>
+          <p:nvPr/>
+        </p:nvSpPr>
+        <p:spPr>
+          <a:xfrm>
+            <a:off x="261254" y="2258563"/>
+            <a:ext cx="1701322" cy="369332"/>
+          </a:xfrm>
+          <a:prstGeom prst="rect">
+            <a:avLst/>
+          </a:prstGeom>
+          <a:noFill/>
+        </p:spPr>
+        <p:txBody>
+          <a:bodyPr wrap="square" rtlCol="0">
+            <a:spAutoFit/>
+          </a:bodyPr>
+          <a:lstStyle/>
+          <a:p>
+            <a:r>
+              <a:rPr lang="en-US" dirty="0">
+                <a:solidFill>
+                  <a:schemeClr val="accent2"/>
+                </a:solidFill>
+              </a:rPr>
+              <a:t>x</a:t>
+            </a:r>
+            <a:r>
+              <a:rPr lang="en-US" baseline="-25000" dirty="0">
+                <a:solidFill>
+                  <a:schemeClr val="accent2"/>
+                </a:solidFill>
+              </a:rPr>
+              <a:t>1</a:t>
+            </a:r>
+            <a:r>
+              <a:rPr lang="en-US" dirty="0">
+                <a:solidFill>
+                  <a:schemeClr val="accent2"/>
+                </a:solidFill>
+              </a:rPr>
+              <a:t>^2+ x</a:t>
+            </a:r>
+            <a:r>
+              <a:rPr lang="en-US" baseline="-25000" dirty="0">
+                <a:solidFill>
+                  <a:schemeClr val="accent2"/>
+                </a:solidFill>
+              </a:rPr>
+              <a:t>2</a:t>
+            </a:r>
+            <a:r>
+              <a:rPr lang="en-US" dirty="0">
+                <a:solidFill>
+                  <a:schemeClr val="accent2"/>
+                </a:solidFill>
+              </a:rPr>
+              <a:t>^2 = 1</a:t>
+            </a:r>
+          </a:p>
+        </p:txBody>
+      </p:sp>
+    </p:spTree>
+    <p:extLst>
+      <p:ext uri="{BB962C8B-B14F-4D97-AF65-F5344CB8AC3E}">
+        <p14:creationId xmlns:p14="http://schemas.microsoft.com/office/powerpoint/2010/main" val="2551146709"/>
+      </p:ext>
+    </p:extLst>
+  </p:cSld>
+  <p:clrMapOvr>
+    <a:masterClrMapping/>
+  </p:clrMapOvr>
+  <p:timing>
+    <p:tnLst>
+      <p:par>
+        <p:cTn id="1" dur="indefinite" restart="never" nodeType="tmRoot">
+          <p:childTnLst>
+            <p:seq concurrent="1" nextAc="seek">
+              <p:cTn id="2" dur="indefinite" nodeType="mainSeq">
+                <p:childTnLst>
+                  <p:par>
+                    <p:cTn id="3" fill="hold">
+                      <p:stCondLst>
+                        <p:cond delay="indefinite"/>
+                      </p:stCondLst>
+                      <p:childTnLst>
+                        <p:par>
+                          <p:cTn id="4" fill="hold">
+                            <p:stCondLst>
+                              <p:cond delay="0"/>
+                            </p:stCondLst>
+                            <p:childTnLst>
+                              <p:par>
+                                <p:cTn id="5" presetID="1" presetClass="entr" presetSubtype="0" fill="hold" grpId="0" nodeType="clickEffect">
+                                  <p:stCondLst>
+                                    <p:cond delay="0"/>
+                                  </p:stCondLst>
+                                  <p:childTnLst>
+                                    <p:set>
+                                      <p:cBhvr>
+                                        <p:cTn id="6" dur="1" fill="hold">
+                                          <p:stCondLst>
+                                            <p:cond delay="0"/>
+                                          </p:stCondLst>
+                                        </p:cTn>
+                                        <p:tgtEl>
+                                          <p:spTgt spid="3"/>
+                                        </p:tgtEl>
+                                        <p:attrNameLst>
+                                          <p:attrName>style.visibility</p:attrName>
+                                        </p:attrNameLst>
+                                      </p:cBhvr>
+                                      <p:to>
+                                        <p:strVal val="visible"/>
+                                      </p:to>
+                                    </p:set>
+                                  </p:childTnLst>
+                                </p:cTn>
+                              </p:par>
+                              <p:par>
+                                <p:cTn id="7" presetID="1" presetClass="entr" presetSubtype="0" fill="hold" grpId="0" nodeType="withEffect">
+                                  <p:stCondLst>
+                                    <p:cond delay="0"/>
+                                  </p:stCondLst>
+                                  <p:childTnLst>
+                                    <p:set>
+                                      <p:cBhvr>
+                                        <p:cTn id="8" dur="1" fill="hold">
+                                          <p:stCondLst>
+                                            <p:cond delay="0"/>
+                                          </p:stCondLst>
+                                        </p:cTn>
+                                        <p:tgtEl>
+                                          <p:spTgt spid="47"/>
+                                        </p:tgtEl>
+                                        <p:attrNameLst>
+                                          <p:attrName>style.visibility</p:attrName>
+                                        </p:attrNameLst>
+                                      </p:cBhvr>
+                                      <p:to>
+                                        <p:strVal val="visible"/>
+                                      </p:to>
+                                    </p:set>
+                                  </p:childTnLst>
+                                </p:cTn>
+                              </p:par>
+                              <p:par>
+                                <p:cTn id="9" presetID="1" presetClass="entr" presetSubtype="0" fill="hold" grpId="0" nodeType="withEffect">
+                                  <p:stCondLst>
+                                    <p:cond delay="0"/>
+                                  </p:stCondLst>
+                                  <p:childTnLst>
+                                    <p:set>
+                                      <p:cBhvr>
+                                        <p:cTn id="10" dur="1" fill="hold">
+                                          <p:stCondLst>
+                                            <p:cond delay="0"/>
+                                          </p:stCondLst>
+                                        </p:cTn>
+                                        <p:tgtEl>
+                                          <p:spTgt spid="49"/>
+                                        </p:tgtEl>
+                                        <p:attrNameLst>
+                                          <p:attrName>style.visibility</p:attrName>
+                                        </p:attrNameLst>
+                                      </p:cBhvr>
+                                      <p:to>
+                                        <p:strVal val="visible"/>
+                                      </p:to>
+                                    </p:set>
+                                  </p:childTnLst>
+                                </p:cTn>
+                              </p:par>
+                              <p:par>
+                                <p:cTn id="11" presetID="1" presetClass="entr" presetSubtype="0" fill="hold" grpId="0" nodeType="withEffect">
+                                  <p:stCondLst>
+                                    <p:cond delay="0"/>
+                                  </p:stCondLst>
+                                  <p:childTnLst>
+                                    <p:set>
+                                      <p:cBhvr>
+                                        <p:cTn id="12" dur="1" fill="hold">
+                                          <p:stCondLst>
+                                            <p:cond delay="0"/>
+                                          </p:stCondLst>
+                                        </p:cTn>
+                                        <p:tgtEl>
+                                          <p:spTgt spid="10"/>
+                                        </p:tgtEl>
+                                        <p:attrNameLst>
+                                          <p:attrName>style.visibility</p:attrName>
+                                        </p:attrNameLst>
+                                      </p:cBhvr>
+                                      <p:to>
+                                        <p:strVal val="visible"/>
+                                      </p:to>
+                                    </p:set>
+                                  </p:childTnLst>
+                                </p:cTn>
+                              </p:par>
+                              <p:par>
+                                <p:cTn id="13" presetID="1" presetClass="entr" presetSubtype="0" fill="hold" nodeType="withEffect">
+                                  <p:stCondLst>
+                                    <p:cond delay="0"/>
+                                  </p:stCondLst>
+                                  <p:childTnLst>
+                                    <p:set>
+                                      <p:cBhvr>
+                                        <p:cTn id="14" dur="1" fill="hold">
+                                          <p:stCondLst>
+                                            <p:cond delay="0"/>
+                                          </p:stCondLst>
+                                        </p:cTn>
+                                        <p:tgtEl>
+                                          <p:spTgt spid="11"/>
+                                        </p:tgtEl>
+                                        <p:attrNameLst>
+                                          <p:attrName>style.visibility</p:attrName>
+                                        </p:attrNameLst>
+                                      </p:cBhvr>
+                                      <p:to>
+                                        <p:strVal val="visible"/>
+                                      </p:to>
+                                    </p:set>
+                                  </p:childTnLst>
+                                </p:cTn>
+                              </p:par>
+                              <p:par>
+                                <p:cTn id="15" presetID="1" presetClass="entr" presetSubtype="0" fill="hold" nodeType="withEffect">
+                                  <p:stCondLst>
+                                    <p:cond delay="0"/>
+                                  </p:stCondLst>
+                                  <p:childTnLst>
+                                    <p:set>
+                                      <p:cBhvr>
+                                        <p:cTn id="16" dur="1" fill="hold">
+                                          <p:stCondLst>
+                                            <p:cond delay="0"/>
+                                          </p:stCondLst>
+                                        </p:cTn>
+                                        <p:tgtEl>
+                                          <p:spTgt spid="12"/>
+                                        </p:tgtEl>
+                                        <p:attrNameLst>
+                                          <p:attrName>style.visibility</p:attrName>
+                                        </p:attrNameLst>
+                                      </p:cBhvr>
+                                      <p:to>
+                                        <p:strVal val="visible"/>
+                                      </p:to>
+                                    </p:set>
+                                  </p:childTnLst>
+                                </p:cTn>
+                              </p:par>
+                            </p:childTnLst>
+                          </p:cTn>
+                        </p:par>
+                      </p:childTnLst>
+                    </p:cTn>
+                  </p:par>
+                </p:childTnLst>
+              </p:cTn>
+              <p:prevCondLst>
+                <p:cond evt="onPrev" delay="0">
+                  <p:tgtEl>
+                    <p:sldTgt/>
+                  </p:tgtEl>
+                </p:cond>
+              </p:prevCondLst>
+              <p:nextCondLst>
+                <p:cond evt="onNext" delay="0">
+                  <p:tgtEl>
+                    <p:sldTgt/>
+                  </p:tgtEl>
+                </p:cond>
+              </p:nextCondLst>
+            </p:seq>
+          </p:childTnLst>
+        </p:cTn>
+      </p:par>
+    </p:tnLst>
+    <p:bldLst>
+      <p:bldP spid="3" grpId="0" animBg="1"/>
+      <p:bldP spid="10" grpId="0"/>
+      <p:bldP spid="49" grpId="0"/>
+      <p:bldP spid="47" grpId="0"/>
+    </p:bldLst>
+  </p:timing>
+</p:sld>
+</file>
+
 <file path=ppt/tags/tag1.xml><?xml version="1.0" encoding="utf-8"?>
 <p:tagLst xmlns:a="http://schemas.openxmlformats.org/drawingml/2006/main" xmlns:r="http://schemas.openxmlformats.org/officeDocument/2006/relationships" xmlns:p="http://schemas.openxmlformats.org/presentationml/2006/main">
   <p:tag name="LATEXADDIN" val="\documentclass{article}&#10;\usepackage{amsmath}&#10;\pagestyle{empty}&#10;\begin{document}&#10;&#10;&#10;$ \displaystyle&#10;0 \le h_\theta(x) \le 1&#10;$&#10;&#10;\end{document}"/>
@@ -21351,42 +19038,42 @@
 
 <file path=ppt/tags/tag14.xml><?xml version="1.0" encoding="utf-8"?>
 <p:tagLst xmlns:a="http://schemas.openxmlformats.org/drawingml/2006/main" xmlns:r="http://schemas.openxmlformats.org/officeDocument/2006/relationships" xmlns:p="http://schemas.openxmlformats.org/presentationml/2006/main">
-  <p:tag name="LATEXADDIN" val="\documentclass{article}&#10;\usepackage{amsmath}&#10;\usepackage{color}&#10;\pagestyle{empty}&#10;\begin{document}&#10;&#10;$&#10;h_\theta (x) = g(\theta_0 + \theta_1 x_1 + \theta_2 x_2)&#10;$&#10;&#10;\end{document}"/>
+  <p:tag name="LATEXADDIN" val="\documentclass{article}&#10;\usepackage{amsmath}&#10;\usepackage{color}&#10;\pagestyle{empty}&#10;\begin{document}&#10;&#10;$&#10;y = 1&#10;$&#10;&#10;\end{document}"/>
   <p:tag name="IGUANATEXSIZE" val="28"/>
 </p:tagLst>
 </file>
 
 <file path=ppt/tags/tag15.xml><?xml version="1.0" encoding="utf-8"?>
 <p:tagLst xmlns:a="http://schemas.openxmlformats.org/drawingml/2006/main" xmlns:r="http://schemas.openxmlformats.org/officeDocument/2006/relationships" xmlns:p="http://schemas.openxmlformats.org/presentationml/2006/main">
-  <p:tag name="LATEXADDIN" val="\documentclass{article}&#10;\usepackage{amsmath}&#10;\usepackage{color}&#10;\pagestyle{empty}&#10;\begin{document}&#10;&#10;$&#10;y = 1&#10;$&#10;&#10;\end{document}"/>
+  <p:tag name="LATEXADDIN" val="\documentclass{article}&#10;\usepackage{amsmath}&#10;\usepackage{color}&#10;\pagestyle{empty}&#10;\begin{document}&#10;&#10;$&#10;-3 + x_1 + x_2 \geq 0&#10;$&#10;&#10;\end{document}"/>
   <p:tag name="IGUANATEXSIZE" val="28"/>
 </p:tagLst>
 </file>
 
 <file path=ppt/tags/tag16.xml><?xml version="1.0" encoding="utf-8"?>
 <p:tagLst xmlns:a="http://schemas.openxmlformats.org/drawingml/2006/main" xmlns:r="http://schemas.openxmlformats.org/officeDocument/2006/relationships" xmlns:p="http://schemas.openxmlformats.org/presentationml/2006/main">
-  <p:tag name="LATEXADDIN" val="\documentclass{article}&#10;\usepackage{amsmath}&#10;\usepackage{color}&#10;\pagestyle{empty}&#10;\begin{document}&#10;&#10;$&#10;-3 + x_1 + x_2 \geq 0&#10;$&#10;&#10;\end{document}"/>
+  <p:tag name="LATEXADDIN" val="\documentclass{article}&#10;\usepackage{amsmath}&#10;\usepackage{color}&#10;\pagestyle{empty}&#10;\begin{document}&#10;&#10;$&#10;h_\theta (x) = g(\theta_0 + \theta_1 x_1 + \theta_2 x_2)&#10;$&#10;&#10;\end{document}"/>
   <p:tag name="IGUANATEXSIZE" val="28"/>
 </p:tagLst>
 </file>
 
 <file path=ppt/tags/tag17.xml><?xml version="1.0" encoding="utf-8"?>
 <p:tagLst xmlns:a="http://schemas.openxmlformats.org/drawingml/2006/main" xmlns:r="http://schemas.openxmlformats.org/officeDocument/2006/relationships" xmlns:p="http://schemas.openxmlformats.org/presentationml/2006/main">
-  <p:tag name="LATEXADDIN" val="\documentclass{article}&#10;\usepackage{amsmath}&#10;\usepackage{color}&#10;\pagestyle{empty}&#10;\begin{document}&#10;&#10;$&#10;h_\theta (x) = g(\theta_0 + \theta_1 x_1 + \theta_2 x_2)&#10;$&#10;&#10;\end{document}"/>
+  <p:tag name="LATEXADDIN" val="\documentclass{article}&#10;\usepackage{amsmath}&#10;\usepackage{color}&#10;\pagestyle{empty}&#10;\begin{document}&#10;&#10;$&#10;h_\theta (x) = g(\theta_0 + \theta_1 x_1 + \theta_2 x_2&#10;$&#10;&#10;\end{document}"/>
   <p:tag name="IGUANATEXSIZE" val="28"/>
 </p:tagLst>
 </file>
 
 <file path=ppt/tags/tag18.xml><?xml version="1.0" encoding="utf-8"?>
 <p:tagLst xmlns:a="http://schemas.openxmlformats.org/drawingml/2006/main" xmlns:r="http://schemas.openxmlformats.org/officeDocument/2006/relationships" xmlns:p="http://schemas.openxmlformats.org/presentationml/2006/main">
-  <p:tag name="LATEXADDIN" val="\documentclass{article}&#10;\usepackage{amsmath}&#10;\usepackage{color}&#10;\pagestyle{empty}&#10;\begin{document}&#10;&#10;$&#10;h_\theta (x) = g(\theta_0 + \theta_1 x_1 + \theta_2 x_2&#10;$&#10;&#10;\end{document}"/>
+  <p:tag name="LATEXADDIN" val="\documentclass{article}&#10;\usepackage{amsmath}&#10;\usepackage{color}&#10;\pagestyle{empty}&#10;\begin{document}&#10;&#10;$&#10;+ \theta_3 x_1^2 + \theta_4 x_2^2)&#10;$&#10;&#10;\end{document}"/>
   <p:tag name="IGUANATEXSIZE" val="28"/>
 </p:tagLst>
 </file>
 
 <file path=ppt/tags/tag19.xml><?xml version="1.0" encoding="utf-8"?>
 <p:tagLst xmlns:a="http://schemas.openxmlformats.org/drawingml/2006/main" xmlns:r="http://schemas.openxmlformats.org/officeDocument/2006/relationships" xmlns:p="http://schemas.openxmlformats.org/presentationml/2006/main">
-  <p:tag name="LATEXADDIN" val="\documentclass{article}&#10;\usepackage{amsmath}&#10;\usepackage{color}&#10;\pagestyle{empty}&#10;\begin{document}&#10;&#10;$&#10;+ \theta_3 x_1^2 + \theta_4 x_2^2)&#10;$&#10;&#10;\end{document}"/>
+  <p:tag name="LATEXADDIN" val="\documentclass{article}&#10;\usepackage{amsmath}&#10;\usepackage{color}&#10;\pagestyle{empty}&#10;\begin{document}&#10;&#10;$&#10;y = 1&#10;$&#10;&#10;\end{document}"/>
   <p:tag name="IGUANATEXSIZE" val="28"/>
 </p:tagLst>
 </file>
@@ -21400,54 +19087,47 @@
 
 <file path=ppt/tags/tag20.xml><?xml version="1.0" encoding="utf-8"?>
 <p:tagLst xmlns:a="http://schemas.openxmlformats.org/drawingml/2006/main" xmlns:r="http://schemas.openxmlformats.org/officeDocument/2006/relationships" xmlns:p="http://schemas.openxmlformats.org/presentationml/2006/main">
-  <p:tag name="LATEXADDIN" val="\documentclass{article}&#10;\usepackage{amsmath}&#10;\usepackage{color}&#10;\pagestyle{empty}&#10;\begin{document}&#10;&#10;$&#10;y = 1&#10;$&#10;&#10;\end{document}"/>
+  <p:tag name="LATEXADDIN" val="\documentclass{article}&#10;\usepackage{amsmath}&#10;\usepackage{color}&#10;\pagestyle{empty}&#10;\begin{document}&#10;&#10;$&#10;-1 + x_1^2 + x_2^2 \geq 0&#10;$&#10;&#10;\end{document}"/>
   <p:tag name="IGUANATEXSIZE" val="28"/>
 </p:tagLst>
 </file>
 
 <file path=ppt/tags/tag21.xml><?xml version="1.0" encoding="utf-8"?>
 <p:tagLst xmlns:a="http://schemas.openxmlformats.org/drawingml/2006/main" xmlns:r="http://schemas.openxmlformats.org/officeDocument/2006/relationships" xmlns:p="http://schemas.openxmlformats.org/presentationml/2006/main">
-  <p:tag name="LATEXADDIN" val="\documentclass{article}&#10;\usepackage{amsmath}&#10;\usepackage{color}&#10;\pagestyle{empty}&#10;\begin{document}&#10;&#10;$&#10;-1 + x_1^2 + x_2^2 \geq 0&#10;$&#10;&#10;\end{document}"/>
+  <p:tag name="LATEXADDIN" val="\documentclass{article}&#10;\usepackage{amsmath}&#10;\usepackage{color}&#10;\pagestyle{empty}&#10;\begin{document}&#10;&#10;$&#10;h_\theta (x) = g(\theta_0 + \theta_1 x_1 + \theta_2 x_2&#10;$&#10;&#10;\end{document}"/>
   <p:tag name="IGUANATEXSIZE" val="28"/>
 </p:tagLst>
 </file>
 
 <file path=ppt/tags/tag22.xml><?xml version="1.0" encoding="utf-8"?>
 <p:tagLst xmlns:a="http://schemas.openxmlformats.org/drawingml/2006/main" xmlns:r="http://schemas.openxmlformats.org/officeDocument/2006/relationships" xmlns:p="http://schemas.openxmlformats.org/presentationml/2006/main">
-  <p:tag name="LATEXADDIN" val="\documentclass{article}&#10;\usepackage{amsmath}&#10;\usepackage{color}&#10;\pagestyle{empty}&#10;\begin{document}&#10;&#10;$&#10;h_\theta (x) = g(\theta_0 + \theta_1 x_1 + \theta_2 x_2&#10;$&#10;&#10;\end{document}"/>
+  <p:tag name="LATEXADDIN" val="\documentclass{article}&#10;\usepackage{amsmath}&#10;\usepackage{color}&#10;\pagestyle{empty}&#10;\begin{document}&#10;&#10;$&#10;+ \theta_3 x_1^2 + \theta_4 x_2^2)&#10;$&#10;&#10;\end{document}"/>
   <p:tag name="IGUANATEXSIZE" val="28"/>
 </p:tagLst>
 </file>
 
 <file path=ppt/tags/tag23.xml><?xml version="1.0" encoding="utf-8"?>
 <p:tagLst xmlns:a="http://schemas.openxmlformats.org/drawingml/2006/main" xmlns:r="http://schemas.openxmlformats.org/officeDocument/2006/relationships" xmlns:p="http://schemas.openxmlformats.org/presentationml/2006/main">
-  <p:tag name="LATEXADDIN" val="\documentclass{article}&#10;\usepackage{amsmath}&#10;\usepackage{color}&#10;\pagestyle{empty}&#10;\begin{document}&#10;&#10;$&#10;+ \theta_3 x_1^2 + \theta_4 x_2^2)&#10;$&#10;&#10;\end{document}"/>
+  <p:tag name="LATEXADDIN" val="\documentclass{article}&#10;\usepackage{amsmath}&#10;\usepackage{color}&#10;\pagestyle{empty}&#10;\begin{document}&#10;&#10;$&#10;y = 1&#10;$&#10;&#10;\end{document}"/>
   <p:tag name="IGUANATEXSIZE" val="28"/>
 </p:tagLst>
 </file>
 
 <file path=ppt/tags/tag24.xml><?xml version="1.0" encoding="utf-8"?>
 <p:tagLst xmlns:a="http://schemas.openxmlformats.org/drawingml/2006/main" xmlns:r="http://schemas.openxmlformats.org/officeDocument/2006/relationships" xmlns:p="http://schemas.openxmlformats.org/presentationml/2006/main">
-  <p:tag name="LATEXADDIN" val="\documentclass{article}&#10;\usepackage{amsmath}&#10;\usepackage{color}&#10;\pagestyle{empty}&#10;\begin{document}&#10;&#10;$&#10;y = 1&#10;$&#10;&#10;\end{document}"/>
+  <p:tag name="LATEXADDIN" val="\documentclass{article}&#10;\usepackage{amsmath}&#10;\usepackage{color}&#10;\pagestyle{empty}&#10;\begin{document}&#10;&#10;$&#10;-1 + x_1^2 + x_2^2 \geq 0&#10;$&#10;&#10;\end{document}"/>
   <p:tag name="IGUANATEXSIZE" val="28"/>
 </p:tagLst>
 </file>
 
 <file path=ppt/tags/tag25.xml><?xml version="1.0" encoding="utf-8"?>
 <p:tagLst xmlns:a="http://schemas.openxmlformats.org/drawingml/2006/main" xmlns:r="http://schemas.openxmlformats.org/officeDocument/2006/relationships" xmlns:p="http://schemas.openxmlformats.org/presentationml/2006/main">
-  <p:tag name="LATEXADDIN" val="\documentclass{article}&#10;\usepackage{amsmath}&#10;\usepackage{color}&#10;\pagestyle{empty}&#10;\begin{document}&#10;&#10;$&#10;-1 + x_1^2 + x_2^2 \geq 0&#10;$&#10;&#10;\end{document}"/>
+  <p:tag name="LATEXADDIN" val="\documentclass{article}&#10;\usepackage{amsmath}&#10;\usepackage{color}&#10;\pagestyle{empty}&#10;\begin{document}&#10;&#10;$&#10;h_\theta (x) = g(\theta_0 + \theta_1 x_1 + \theta_2 x_2 + \theta_3 x_1^2&#10;$&#10;&#10;\end{document}"/>
   <p:tag name="IGUANATEXSIZE" val="28"/>
 </p:tagLst>
 </file>
 
 <file path=ppt/tags/tag26.xml><?xml version="1.0" encoding="utf-8"?>
-<p:tagLst xmlns:a="http://schemas.openxmlformats.org/drawingml/2006/main" xmlns:r="http://schemas.openxmlformats.org/officeDocument/2006/relationships" xmlns:p="http://schemas.openxmlformats.org/presentationml/2006/main">
-  <p:tag name="LATEXADDIN" val="\documentclass{article}&#10;\usepackage{amsmath}&#10;\usepackage{color}&#10;\pagestyle{empty}&#10;\begin{document}&#10;&#10;$&#10;h_\theta (x) = g(\theta_0 + \theta_1 x_1 + \theta_2 x_2 + \theta_3 x_1^2&#10;$&#10;&#10;\end{document}"/>
-  <p:tag name="IGUANATEXSIZE" val="28"/>
-</p:tagLst>
-</file>
-
-<file path=ppt/tags/tag27.xml><?xml version="1.0" encoding="utf-8"?>
 <p:tagLst xmlns:a="http://schemas.openxmlformats.org/drawingml/2006/main" xmlns:r="http://schemas.openxmlformats.org/officeDocument/2006/relationships" xmlns:p="http://schemas.openxmlformats.org/presentationml/2006/main">
   <p:tag name="LATEXADDIN" val="\documentclass{article}&#10;\usepackage{amsmath}&#10;\usepackage{color}&#10;\pagestyle{empty}&#10;\begin{document}&#10;&#10;$&#10;+ \theta_4 x_1^2 x_2 + \theta_5 x_1^2 x_2^2 + \theta_6 x_1^3 x_2 + \dots)&#10;$&#10;&#10;\end{document}"/>
   <p:tag name="IGUANATEXSIZE" val="28"/>

--- a/Courses/ML_Concepts/Module_01_Introduction_to_Classification/Module_01_Introduction_to_Classification_02_LogisticRegression.pptx
+++ b/Courses/ML_Concepts/Module_01_Introduction_to_Classification/Module_01_Introduction_to_Classification_02_LogisticRegression.pptx
@@ -220,7 +220,7 @@
           <a:p>
             <a:fld id="{8BF7BA16-693B-49DC-B4FA-AF7A11A8ED46}" type="datetimeFigureOut">
               <a:rPr lang="en-US" smtClean="0"/>
-              <a:t>1/3/2023</a:t>
+              <a:t>3/25/2023</a:t>
             </a:fld>
             <a:endParaRPr lang="en-US"/>
           </a:p>
@@ -487,6 +487,1024 @@
 </p:notesMaster>
 </file>
 
+<file path=ppt/notesSlides/notesSlide1.xml><?xml version="1.0" encoding="utf-8"?>
+<p:notes xmlns:a="http://schemas.openxmlformats.org/drawingml/2006/main" xmlns:r="http://schemas.openxmlformats.org/officeDocument/2006/relationships" xmlns:p="http://schemas.openxmlformats.org/presentationml/2006/main">
+  <p:cSld>
+    <p:spTree>
+      <p:nvGrpSpPr>
+        <p:cNvPr id="1" name=""/>
+        <p:cNvGrpSpPr/>
+        <p:nvPr/>
+      </p:nvGrpSpPr>
+      <p:grpSpPr>
+        <a:xfrm>
+          <a:off x="0" y="0"/>
+          <a:ext cx="0" cy="0"/>
+          <a:chOff x="0" y="0"/>
+          <a:chExt cx="0" cy="0"/>
+        </a:xfrm>
+      </p:grpSpPr>
+      <p:sp>
+        <p:nvSpPr>
+          <p:cNvPr id="2" name="Slide Image Placeholder 1"/>
+          <p:cNvSpPr>
+            <a:spLocks noGrp="1" noRot="1" noChangeAspect="1"/>
+          </p:cNvSpPr>
+          <p:nvPr>
+            <p:ph type="sldImg"/>
+          </p:nvPr>
+        </p:nvSpPr>
+        <p:spPr/>
+      </p:sp>
+      <p:sp>
+        <p:nvSpPr>
+          <p:cNvPr id="3" name="Notes Placeholder 2"/>
+          <p:cNvSpPr>
+            <a:spLocks noGrp="1"/>
+          </p:cNvSpPr>
+          <p:nvPr>
+            <p:ph type="body" idx="1"/>
+          </p:nvPr>
+        </p:nvSpPr>
+        <p:spPr/>
+        <p:txBody>
+          <a:bodyPr/>
+          <a:lstStyle/>
+          <a:p>
+            <a:r>
+              <a:rPr lang="en-US" dirty="0"/>
+              <a:t>When building a mathematical model for a binary classification problem, we want a function that limits its output between zero and one.</a:t>
+            </a:r>
+          </a:p>
+          <a:p>
+            <a:endParaRPr lang="en-US" dirty="0"/>
+          </a:p>
+          <a:p>
+            <a:r>
+              <a:rPr lang="en-US" dirty="0"/>
+              <a:t>One such function is called the Sigmoid function, also known as Logistic function.</a:t>
+            </a:r>
+          </a:p>
+          <a:p>
+            <a:endParaRPr lang="en-US" dirty="0"/>
+          </a:p>
+          <a:p>
+            <a:r>
+              <a:rPr lang="en-US" dirty="0"/>
+              <a:t>The function, represented by g(z), will output a value between zero and one for any input value of z.</a:t>
+            </a:r>
+          </a:p>
+          <a:p>
+            <a:endParaRPr lang="en-US" dirty="0"/>
+          </a:p>
+          <a:p>
+            <a:r>
+              <a:rPr lang="en-US" dirty="0"/>
+              <a:t>We can define z to be a linear, weighed combination of our input features. </a:t>
+            </a:r>
+          </a:p>
+          <a:p>
+            <a:endParaRPr lang="en-US" dirty="0"/>
+          </a:p>
+          <a:p>
+            <a:r>
+              <a:rPr lang="en-US" dirty="0"/>
+              <a:t>That is to say, if we have 10 datapoints, z is the sum of each of those datapoints multiplied by a weight (</a:t>
+            </a:r>
+            <a:r>
+              <a:rPr lang="el-GR" dirty="0"/>
+              <a:t>θ</a:t>
+            </a:r>
+            <a:r>
+              <a:rPr lang="en-US" dirty="0"/>
+              <a:t>1 is the weight for variable 1)</a:t>
+            </a:r>
+          </a:p>
+          <a:p>
+            <a:endParaRPr lang="en-US" dirty="0"/>
+          </a:p>
+          <a:p>
+            <a:r>
+              <a:rPr lang="en-US" dirty="0"/>
+              <a:t>In linear algebra the weighted sum can be defined as </a:t>
+            </a:r>
+            <a:r>
+              <a:rPr lang="el-GR" dirty="0"/>
+              <a:t>θ</a:t>
+            </a:r>
+            <a:r>
+              <a:rPr lang="en-US" dirty="0"/>
+              <a:t>T (Theta transpose: the weights for each datapoint) times x (the values for each datapoint)</a:t>
+            </a:r>
+          </a:p>
+          <a:p>
+            <a:endParaRPr lang="en-US" dirty="0"/>
+          </a:p>
+          <a:p>
+            <a:r>
+              <a:rPr lang="en-US" dirty="0"/>
+              <a:t>If we define z = </a:t>
+            </a:r>
+            <a:r>
+              <a:rPr lang="el-GR" dirty="0"/>
+              <a:t>θ</a:t>
+            </a:r>
+            <a:r>
+              <a:rPr lang="en-US" dirty="0"/>
+              <a:t>Tx , our function for predicting our binary classification is g(</a:t>
+            </a:r>
+            <a:r>
+              <a:rPr lang="el-GR" dirty="0"/>
+              <a:t>θ</a:t>
+            </a:r>
+            <a:r>
+              <a:rPr lang="en-US" dirty="0"/>
+              <a:t>Tx). </a:t>
+            </a:r>
+          </a:p>
+        </p:txBody>
+      </p:sp>
+      <p:sp>
+        <p:nvSpPr>
+          <p:cNvPr id="4" name="Slide Number Placeholder 3"/>
+          <p:cNvSpPr>
+            <a:spLocks noGrp="1"/>
+          </p:cNvSpPr>
+          <p:nvPr>
+            <p:ph type="sldNum" sz="quarter" idx="5"/>
+          </p:nvPr>
+        </p:nvSpPr>
+        <p:spPr/>
+        <p:txBody>
+          <a:bodyPr/>
+          <a:lstStyle/>
+          <a:p>
+            <a:fld id="{B1A2EA0D-22F4-4AFD-9B05-B1DF34251A83}" type="slidenum">
+              <a:rPr lang="en-US" smtClean="0"/>
+              <a:t>3</a:t>
+            </a:fld>
+            <a:endParaRPr lang="en-US"/>
+          </a:p>
+        </p:txBody>
+      </p:sp>
+    </p:spTree>
+    <p:extLst>
+      <p:ext uri="{BB962C8B-B14F-4D97-AF65-F5344CB8AC3E}">
+        <p14:creationId xmlns:p14="http://schemas.microsoft.com/office/powerpoint/2010/main" val="1718261746"/>
+      </p:ext>
+    </p:extLst>
+  </p:cSld>
+  <p:clrMapOvr>
+    <a:masterClrMapping/>
+  </p:clrMapOvr>
+</p:notes>
+</file>
+
+<file path=ppt/notesSlides/notesSlide2.xml><?xml version="1.0" encoding="utf-8"?>
+<p:notes xmlns:a="http://schemas.openxmlformats.org/drawingml/2006/main" xmlns:r="http://schemas.openxmlformats.org/officeDocument/2006/relationships" xmlns:p="http://schemas.openxmlformats.org/presentationml/2006/main">
+  <p:cSld>
+    <p:spTree>
+      <p:nvGrpSpPr>
+        <p:cNvPr id="1" name=""/>
+        <p:cNvGrpSpPr/>
+        <p:nvPr/>
+      </p:nvGrpSpPr>
+      <p:grpSpPr>
+        <a:xfrm>
+          <a:off x="0" y="0"/>
+          <a:ext cx="0" cy="0"/>
+          <a:chOff x="0" y="0"/>
+          <a:chExt cx="0" cy="0"/>
+        </a:xfrm>
+      </p:grpSpPr>
+      <p:sp>
+        <p:nvSpPr>
+          <p:cNvPr id="2" name="Slide Image Placeholder 1"/>
+          <p:cNvSpPr>
+            <a:spLocks noGrp="1" noRot="1" noChangeAspect="1"/>
+          </p:cNvSpPr>
+          <p:nvPr>
+            <p:ph type="sldImg"/>
+          </p:nvPr>
+        </p:nvSpPr>
+        <p:spPr/>
+      </p:sp>
+      <p:sp>
+        <p:nvSpPr>
+          <p:cNvPr id="3" name="Notes Placeholder 2"/>
+          <p:cNvSpPr>
+            <a:spLocks noGrp="1"/>
+          </p:cNvSpPr>
+          <p:nvPr>
+            <p:ph type="body" idx="1"/>
+          </p:nvPr>
+        </p:nvSpPr>
+        <p:spPr/>
+        <p:txBody>
+          <a:bodyPr/>
+          <a:lstStyle/>
+          <a:p>
+            <a:r>
+              <a:rPr lang="en-US" dirty="0"/>
+              <a:t>Now for any set of input data, we will have an output value between 0 and 1.</a:t>
+            </a:r>
+          </a:p>
+          <a:p>
+            <a:endParaRPr lang="en-US" dirty="0"/>
+          </a:p>
+          <a:p>
+            <a:r>
+              <a:rPr lang="en-US" dirty="0"/>
+              <a:t>The behavior of the logistic function means the inflection point will always be at y = 0.5.</a:t>
+            </a:r>
+          </a:p>
+          <a:p>
+            <a:endParaRPr lang="en-US" dirty="0"/>
+          </a:p>
+          <a:p>
+            <a:r>
+              <a:rPr lang="en-US" dirty="0"/>
+              <a:t>So we can predict y = 1 if the output of our logistic function is larger than 0.5.</a:t>
+            </a:r>
+          </a:p>
+          <a:p>
+            <a:endParaRPr lang="en-US" dirty="0"/>
+          </a:p>
+          <a:p>
+            <a:r>
+              <a:rPr lang="en-US" dirty="0"/>
+              <a:t>Similarly, we can predict y – 0 if the output of the logistic function is smaller than 0.5.</a:t>
+            </a:r>
+          </a:p>
+          <a:p>
+            <a:endParaRPr lang="en-US" dirty="0"/>
+          </a:p>
+          <a:p>
+            <a:r>
+              <a:rPr lang="en-US" dirty="0"/>
+              <a:t>What does our </a:t>
+            </a:r>
+            <a:r>
+              <a:rPr lang="el-GR" dirty="0"/>
+              <a:t>θ</a:t>
+            </a:r>
+            <a:r>
+              <a:rPr lang="en-US" dirty="0"/>
+              <a:t>Tx look like in each of these scenarios? That is, what does the input look like?</a:t>
+            </a:r>
+          </a:p>
+          <a:p>
+            <a:endParaRPr lang="en-US" dirty="0"/>
+          </a:p>
+        </p:txBody>
+      </p:sp>
+      <p:sp>
+        <p:nvSpPr>
+          <p:cNvPr id="4" name="Slide Number Placeholder 3"/>
+          <p:cNvSpPr>
+            <a:spLocks noGrp="1"/>
+          </p:cNvSpPr>
+          <p:nvPr>
+            <p:ph type="sldNum" sz="quarter" idx="5"/>
+          </p:nvPr>
+        </p:nvSpPr>
+        <p:spPr/>
+        <p:txBody>
+          <a:bodyPr/>
+          <a:lstStyle/>
+          <a:p>
+            <a:fld id="{B1A2EA0D-22F4-4AFD-9B05-B1DF34251A83}" type="slidenum">
+              <a:rPr lang="en-US" smtClean="0"/>
+              <a:t>4</a:t>
+            </a:fld>
+            <a:endParaRPr lang="en-US"/>
+          </a:p>
+        </p:txBody>
+      </p:sp>
+    </p:spTree>
+    <p:extLst>
+      <p:ext uri="{BB962C8B-B14F-4D97-AF65-F5344CB8AC3E}">
+        <p14:creationId xmlns:p14="http://schemas.microsoft.com/office/powerpoint/2010/main" val="3870149960"/>
+      </p:ext>
+    </p:extLst>
+  </p:cSld>
+  <p:clrMapOvr>
+    <a:masterClrMapping/>
+  </p:clrMapOvr>
+</p:notes>
+</file>
+
+<file path=ppt/notesSlides/notesSlide3.xml><?xml version="1.0" encoding="utf-8"?>
+<p:notes xmlns:a="http://schemas.openxmlformats.org/drawingml/2006/main" xmlns:r="http://schemas.openxmlformats.org/officeDocument/2006/relationships" xmlns:p="http://schemas.openxmlformats.org/presentationml/2006/main">
+  <p:cSld>
+    <p:spTree>
+      <p:nvGrpSpPr>
+        <p:cNvPr id="1" name=""/>
+        <p:cNvGrpSpPr/>
+        <p:nvPr/>
+      </p:nvGrpSpPr>
+      <p:grpSpPr>
+        <a:xfrm>
+          <a:off x="0" y="0"/>
+          <a:ext cx="0" cy="0"/>
+          <a:chOff x="0" y="0"/>
+          <a:chExt cx="0" cy="0"/>
+        </a:xfrm>
+      </p:grpSpPr>
+      <p:sp>
+        <p:nvSpPr>
+          <p:cNvPr id="2" name="Slide Image Placeholder 1"/>
+          <p:cNvSpPr>
+            <a:spLocks noGrp="1" noRot="1" noChangeAspect="1"/>
+          </p:cNvSpPr>
+          <p:nvPr>
+            <p:ph type="sldImg"/>
+          </p:nvPr>
+        </p:nvSpPr>
+        <p:spPr/>
+      </p:sp>
+      <p:sp>
+        <p:nvSpPr>
+          <p:cNvPr id="3" name="Notes Placeholder 2"/>
+          <p:cNvSpPr>
+            <a:spLocks noGrp="1"/>
+          </p:cNvSpPr>
+          <p:nvPr>
+            <p:ph type="body" idx="1"/>
+          </p:nvPr>
+        </p:nvSpPr>
+        <p:spPr/>
+        <p:txBody>
+          <a:bodyPr/>
+          <a:lstStyle/>
+          <a:p>
+            <a:r>
+              <a:rPr lang="en-US" dirty="0"/>
+              <a:t>Whatever value </a:t>
+            </a:r>
+            <a:r>
+              <a:rPr lang="el-GR" dirty="0"/>
+              <a:t>θ</a:t>
+            </a:r>
+            <a:r>
+              <a:rPr lang="en-US" dirty="0"/>
+              <a:t>Tx turns out to be, it shows up as a negative exponent in the denominator of the logistic function.</a:t>
+            </a:r>
+          </a:p>
+          <a:p>
+            <a:endParaRPr lang="en-US" dirty="0"/>
+          </a:p>
+          <a:p>
+            <a:r>
+              <a:rPr lang="en-US" dirty="0"/>
+              <a:t>This means that if the weighted sum of our data point (</a:t>
+            </a:r>
+            <a:r>
+              <a:rPr lang="el-GR" dirty="0"/>
+              <a:t>θ</a:t>
+            </a:r>
+            <a:r>
+              <a:rPr lang="en-US" dirty="0"/>
+              <a:t>Tx) is large, the exponential term will be very small (e raised to a very large negative number), and the output will be close to 1.</a:t>
+            </a:r>
+          </a:p>
+          <a:p>
+            <a:endParaRPr lang="en-US" dirty="0"/>
+          </a:p>
+          <a:p>
+            <a:r>
+              <a:rPr lang="en-US" dirty="0"/>
+              <a:t>On the other hand, negative values of </a:t>
+            </a:r>
+            <a:r>
+              <a:rPr lang="el-GR" dirty="0"/>
+              <a:t>θ</a:t>
+            </a:r>
+            <a:r>
+              <a:rPr lang="en-US" dirty="0"/>
+              <a:t>Tx will produce a very large exponential term, and drive the output of the logistic function to 0.</a:t>
+            </a:r>
+          </a:p>
+          <a:p>
+            <a:endParaRPr lang="en-US" dirty="0"/>
+          </a:p>
+          <a:p>
+            <a:r>
+              <a:rPr lang="en-US" dirty="0"/>
+              <a:t>When the value of z (</a:t>
+            </a:r>
+            <a:r>
+              <a:rPr lang="el-GR" dirty="0"/>
+              <a:t>θ</a:t>
+            </a:r>
+            <a:r>
+              <a:rPr lang="en-US" dirty="0"/>
+              <a:t>Tx) is zero, the value of the exponential term will be 1, which will output 0.5.</a:t>
+            </a:r>
+          </a:p>
+          <a:p>
+            <a:endParaRPr lang="en-US" dirty="0"/>
+          </a:p>
+          <a:p>
+            <a:r>
+              <a:rPr lang="en-US" dirty="0"/>
+              <a:t>Therefore, when our weighted sum of the input data is positive, we can predict y = 1. When our sum is negative, we can predict y = 0.</a:t>
+            </a:r>
+          </a:p>
+          <a:p>
+            <a:endParaRPr lang="en-US" dirty="0"/>
+          </a:p>
+          <a:p>
+            <a:endParaRPr lang="en-US" dirty="0"/>
+          </a:p>
+        </p:txBody>
+      </p:sp>
+      <p:sp>
+        <p:nvSpPr>
+          <p:cNvPr id="4" name="Slide Number Placeholder 3"/>
+          <p:cNvSpPr>
+            <a:spLocks noGrp="1"/>
+          </p:cNvSpPr>
+          <p:nvPr>
+            <p:ph type="sldNum" sz="quarter" idx="5"/>
+          </p:nvPr>
+        </p:nvSpPr>
+        <p:spPr/>
+        <p:txBody>
+          <a:bodyPr/>
+          <a:lstStyle/>
+          <a:p>
+            <a:fld id="{B1A2EA0D-22F4-4AFD-9B05-B1DF34251A83}" type="slidenum">
+              <a:rPr lang="en-US" smtClean="0"/>
+              <a:t>5</a:t>
+            </a:fld>
+            <a:endParaRPr lang="en-US"/>
+          </a:p>
+        </p:txBody>
+      </p:sp>
+    </p:spTree>
+    <p:extLst>
+      <p:ext uri="{BB962C8B-B14F-4D97-AF65-F5344CB8AC3E}">
+        <p14:creationId xmlns:p14="http://schemas.microsoft.com/office/powerpoint/2010/main" val="2831919594"/>
+      </p:ext>
+    </p:extLst>
+  </p:cSld>
+  <p:clrMapOvr>
+    <a:masterClrMapping/>
+  </p:clrMapOvr>
+</p:notes>
+</file>
+
+<file path=ppt/notesSlides/notesSlide4.xml><?xml version="1.0" encoding="utf-8"?>
+<p:notes xmlns:a="http://schemas.openxmlformats.org/drawingml/2006/main" xmlns:r="http://schemas.openxmlformats.org/officeDocument/2006/relationships" xmlns:p="http://schemas.openxmlformats.org/presentationml/2006/main">
+  <p:cSld>
+    <p:spTree>
+      <p:nvGrpSpPr>
+        <p:cNvPr id="1" name=""/>
+        <p:cNvGrpSpPr/>
+        <p:nvPr/>
+      </p:nvGrpSpPr>
+      <p:grpSpPr>
+        <a:xfrm>
+          <a:off x="0" y="0"/>
+          <a:ext cx="0" cy="0"/>
+          <a:chOff x="0" y="0"/>
+          <a:chExt cx="0" cy="0"/>
+        </a:xfrm>
+      </p:grpSpPr>
+      <p:sp>
+        <p:nvSpPr>
+          <p:cNvPr id="2" name="Slide Image Placeholder 1"/>
+          <p:cNvSpPr>
+            <a:spLocks noGrp="1" noRot="1" noChangeAspect="1"/>
+          </p:cNvSpPr>
+          <p:nvPr>
+            <p:ph type="sldImg"/>
+          </p:nvPr>
+        </p:nvSpPr>
+        <p:spPr/>
+      </p:sp>
+      <p:sp>
+        <p:nvSpPr>
+          <p:cNvPr id="3" name="Notes Placeholder 2"/>
+          <p:cNvSpPr>
+            <a:spLocks noGrp="1"/>
+          </p:cNvSpPr>
+          <p:nvPr>
+            <p:ph type="body" idx="1"/>
+          </p:nvPr>
+        </p:nvSpPr>
+        <p:spPr/>
+        <p:txBody>
+          <a:bodyPr/>
+          <a:lstStyle/>
+          <a:p>
+            <a:r>
+              <a:rPr lang="en-US" dirty="0"/>
+              <a:t>Since this provides us a prediction directly based on the input datapoints, we can use this threshold to generate a decision boundary.</a:t>
+            </a:r>
+          </a:p>
+          <a:p>
+            <a:endParaRPr lang="en-US" dirty="0"/>
+          </a:p>
+          <a:p>
+            <a:r>
+              <a:rPr lang="en-US" dirty="0"/>
+              <a:t>Consider the case where we have 2 variables describing each datapoint, x1 and x2.</a:t>
+            </a:r>
+          </a:p>
+          <a:p>
+            <a:endParaRPr lang="en-US" dirty="0"/>
+          </a:p>
+          <a:p>
+            <a:r>
+              <a:rPr lang="en-US" dirty="0"/>
+              <a:t>We learn the weights (</a:t>
+            </a:r>
+            <a:r>
+              <a:rPr lang="el-GR" dirty="0"/>
+              <a:t>θ</a:t>
+            </a:r>
+            <a:r>
+              <a:rPr lang="en-US" dirty="0"/>
+              <a:t>) from the training data but for now, assume we know what they are. </a:t>
+            </a:r>
+          </a:p>
+          <a:p>
+            <a:endParaRPr lang="en-US" dirty="0"/>
+          </a:p>
+          <a:p>
+            <a:r>
+              <a:rPr lang="en-US" dirty="0"/>
+              <a:t>Our model can then be described in terms of our two input variables, which will describe a line within the 2D parameter space where </a:t>
+            </a:r>
+            <a:r>
+              <a:rPr lang="el-GR" dirty="0"/>
+              <a:t>θ</a:t>
+            </a:r>
+            <a:r>
+              <a:rPr lang="en-US" dirty="0"/>
+              <a:t>Tx = 0.</a:t>
+            </a:r>
+          </a:p>
+          <a:p>
+            <a:endParaRPr lang="en-US" dirty="0"/>
+          </a:p>
+          <a:p>
+            <a:r>
+              <a:rPr lang="en-US" dirty="0"/>
+              <a:t>We can then predict if a new datapoint is classified as a 1 or 0 based on where it falls relative to this line.</a:t>
+            </a:r>
+          </a:p>
+        </p:txBody>
+      </p:sp>
+      <p:sp>
+        <p:nvSpPr>
+          <p:cNvPr id="4" name="Slide Number Placeholder 3"/>
+          <p:cNvSpPr>
+            <a:spLocks noGrp="1"/>
+          </p:cNvSpPr>
+          <p:nvPr>
+            <p:ph type="sldNum" sz="quarter" idx="5"/>
+          </p:nvPr>
+        </p:nvSpPr>
+        <p:spPr/>
+        <p:txBody>
+          <a:bodyPr/>
+          <a:lstStyle/>
+          <a:p>
+            <a:fld id="{B1A2EA0D-22F4-4AFD-9B05-B1DF34251A83}" type="slidenum">
+              <a:rPr lang="en-US" smtClean="0"/>
+              <a:t>6</a:t>
+            </a:fld>
+            <a:endParaRPr lang="en-US"/>
+          </a:p>
+        </p:txBody>
+      </p:sp>
+    </p:spTree>
+    <p:extLst>
+      <p:ext uri="{BB962C8B-B14F-4D97-AF65-F5344CB8AC3E}">
+        <p14:creationId xmlns:p14="http://schemas.microsoft.com/office/powerpoint/2010/main" val="1959751964"/>
+      </p:ext>
+    </p:extLst>
+  </p:cSld>
+  <p:clrMapOvr>
+    <a:masterClrMapping/>
+  </p:clrMapOvr>
+</p:notes>
+</file>
+
+<file path=ppt/notesSlides/notesSlide5.xml><?xml version="1.0" encoding="utf-8"?>
+<p:notes xmlns:a="http://schemas.openxmlformats.org/drawingml/2006/main" xmlns:r="http://schemas.openxmlformats.org/officeDocument/2006/relationships" xmlns:p="http://schemas.openxmlformats.org/presentationml/2006/main">
+  <p:cSld>
+    <p:spTree>
+      <p:nvGrpSpPr>
+        <p:cNvPr id="1" name=""/>
+        <p:cNvGrpSpPr/>
+        <p:nvPr/>
+      </p:nvGrpSpPr>
+      <p:grpSpPr>
+        <a:xfrm>
+          <a:off x="0" y="0"/>
+          <a:ext cx="0" cy="0"/>
+          <a:chOff x="0" y="0"/>
+          <a:chExt cx="0" cy="0"/>
+        </a:xfrm>
+      </p:grpSpPr>
+      <p:sp>
+        <p:nvSpPr>
+          <p:cNvPr id="2" name="Slide Image Placeholder 1"/>
+          <p:cNvSpPr>
+            <a:spLocks noGrp="1" noRot="1" noChangeAspect="1"/>
+          </p:cNvSpPr>
+          <p:nvPr>
+            <p:ph type="sldImg"/>
+          </p:nvPr>
+        </p:nvSpPr>
+        <p:spPr/>
+      </p:sp>
+      <p:sp>
+        <p:nvSpPr>
+          <p:cNvPr id="3" name="Notes Placeholder 2"/>
+          <p:cNvSpPr>
+            <a:spLocks noGrp="1"/>
+          </p:cNvSpPr>
+          <p:nvPr>
+            <p:ph type="body" idx="1"/>
+          </p:nvPr>
+        </p:nvSpPr>
+        <p:spPr/>
+        <p:txBody>
+          <a:bodyPr/>
+          <a:lstStyle/>
+          <a:p>
+            <a:r>
+              <a:rPr lang="en-US" dirty="0"/>
+              <a:t>This line, where </a:t>
+            </a:r>
+            <a:r>
+              <a:rPr lang="el-GR" dirty="0"/>
+              <a:t>θ</a:t>
+            </a:r>
+            <a:r>
+              <a:rPr lang="en-US" dirty="0"/>
+              <a:t>Tx = 0, is known as the “Decision Boundary.”</a:t>
+            </a:r>
+          </a:p>
+          <a:p>
+            <a:endParaRPr lang="en-US" dirty="0"/>
+          </a:p>
+          <a:p>
+            <a:r>
+              <a:rPr lang="en-US" dirty="0"/>
+              <a:t>Depending on which side of our decision boundary our new data falls, we can make a prediction. </a:t>
+            </a:r>
+          </a:p>
+          <a:p>
+            <a:endParaRPr lang="en-US" dirty="0"/>
+          </a:p>
+          <a:p>
+            <a:endParaRPr lang="en-US" dirty="0"/>
+          </a:p>
+        </p:txBody>
+      </p:sp>
+      <p:sp>
+        <p:nvSpPr>
+          <p:cNvPr id="4" name="Slide Number Placeholder 3"/>
+          <p:cNvSpPr>
+            <a:spLocks noGrp="1"/>
+          </p:cNvSpPr>
+          <p:nvPr>
+            <p:ph type="sldNum" sz="quarter" idx="5"/>
+          </p:nvPr>
+        </p:nvSpPr>
+        <p:spPr/>
+        <p:txBody>
+          <a:bodyPr/>
+          <a:lstStyle/>
+          <a:p>
+            <a:fld id="{B1A2EA0D-22F4-4AFD-9B05-B1DF34251A83}" type="slidenum">
+              <a:rPr lang="en-US" smtClean="0"/>
+              <a:t>7</a:t>
+            </a:fld>
+            <a:endParaRPr lang="en-US"/>
+          </a:p>
+        </p:txBody>
+      </p:sp>
+    </p:spTree>
+    <p:extLst>
+      <p:ext uri="{BB962C8B-B14F-4D97-AF65-F5344CB8AC3E}">
+        <p14:creationId xmlns:p14="http://schemas.microsoft.com/office/powerpoint/2010/main" val="1571440398"/>
+      </p:ext>
+    </p:extLst>
+  </p:cSld>
+  <p:clrMapOvr>
+    <a:masterClrMapping/>
+  </p:clrMapOvr>
+</p:notes>
+</file>
+
+<file path=ppt/notesSlides/notesSlide6.xml><?xml version="1.0" encoding="utf-8"?>
+<p:notes xmlns:a="http://schemas.openxmlformats.org/drawingml/2006/main" xmlns:r="http://schemas.openxmlformats.org/officeDocument/2006/relationships" xmlns:p="http://schemas.openxmlformats.org/presentationml/2006/main">
+  <p:cSld>
+    <p:spTree>
+      <p:nvGrpSpPr>
+        <p:cNvPr id="1" name=""/>
+        <p:cNvGrpSpPr/>
+        <p:nvPr/>
+      </p:nvGrpSpPr>
+      <p:grpSpPr>
+        <a:xfrm>
+          <a:off x="0" y="0"/>
+          <a:ext cx="0" cy="0"/>
+          <a:chOff x="0" y="0"/>
+          <a:chExt cx="0" cy="0"/>
+        </a:xfrm>
+      </p:grpSpPr>
+      <p:sp>
+        <p:nvSpPr>
+          <p:cNvPr id="2" name="Slide Image Placeholder 1"/>
+          <p:cNvSpPr>
+            <a:spLocks noGrp="1" noRot="1" noChangeAspect="1"/>
+          </p:cNvSpPr>
+          <p:nvPr>
+            <p:ph type="sldImg"/>
+          </p:nvPr>
+        </p:nvSpPr>
+        <p:spPr/>
+      </p:sp>
+      <p:sp>
+        <p:nvSpPr>
+          <p:cNvPr id="3" name="Notes Placeholder 2"/>
+          <p:cNvSpPr>
+            <a:spLocks noGrp="1"/>
+          </p:cNvSpPr>
+          <p:nvPr>
+            <p:ph type="body" idx="1"/>
+          </p:nvPr>
+        </p:nvSpPr>
+        <p:spPr/>
+        <p:txBody>
+          <a:bodyPr/>
+          <a:lstStyle/>
+          <a:p>
+            <a:r>
+              <a:rPr lang="en-US" dirty="0"/>
+              <a:t>But what if the Decision Boundary is not linear?</a:t>
+            </a:r>
+          </a:p>
+          <a:p>
+            <a:endParaRPr lang="en-US" dirty="0"/>
+          </a:p>
+          <a:p>
+            <a:r>
+              <a:rPr lang="en-US" dirty="0"/>
+              <a:t>We can define polynomial features from our original dataset by combining individual datapoint into new input features.</a:t>
+            </a:r>
+          </a:p>
+        </p:txBody>
+      </p:sp>
+      <p:sp>
+        <p:nvSpPr>
+          <p:cNvPr id="4" name="Slide Number Placeholder 3"/>
+          <p:cNvSpPr>
+            <a:spLocks noGrp="1"/>
+          </p:cNvSpPr>
+          <p:nvPr>
+            <p:ph type="sldNum" sz="quarter" idx="5"/>
+          </p:nvPr>
+        </p:nvSpPr>
+        <p:spPr/>
+        <p:txBody>
+          <a:bodyPr/>
+          <a:lstStyle/>
+          <a:p>
+            <a:fld id="{B1A2EA0D-22F4-4AFD-9B05-B1DF34251A83}" type="slidenum">
+              <a:rPr lang="en-US" smtClean="0"/>
+              <a:t>8</a:t>
+            </a:fld>
+            <a:endParaRPr lang="en-US"/>
+          </a:p>
+        </p:txBody>
+      </p:sp>
+    </p:spTree>
+    <p:extLst>
+      <p:ext uri="{BB962C8B-B14F-4D97-AF65-F5344CB8AC3E}">
+        <p14:creationId xmlns:p14="http://schemas.microsoft.com/office/powerpoint/2010/main" val="902764298"/>
+      </p:ext>
+    </p:extLst>
+  </p:cSld>
+  <p:clrMapOvr>
+    <a:masterClrMapping/>
+  </p:clrMapOvr>
+</p:notes>
+</file>
+
+<file path=ppt/notesSlides/notesSlide7.xml><?xml version="1.0" encoding="utf-8"?>
+<p:notes xmlns:a="http://schemas.openxmlformats.org/drawingml/2006/main" xmlns:r="http://schemas.openxmlformats.org/officeDocument/2006/relationships" xmlns:p="http://schemas.openxmlformats.org/presentationml/2006/main">
+  <p:cSld>
+    <p:spTree>
+      <p:nvGrpSpPr>
+        <p:cNvPr id="1" name=""/>
+        <p:cNvGrpSpPr/>
+        <p:nvPr/>
+      </p:nvGrpSpPr>
+      <p:grpSpPr>
+        <a:xfrm>
+          <a:off x="0" y="0"/>
+          <a:ext cx="0" cy="0"/>
+          <a:chOff x="0" y="0"/>
+          <a:chExt cx="0" cy="0"/>
+        </a:xfrm>
+      </p:grpSpPr>
+      <p:sp>
+        <p:nvSpPr>
+          <p:cNvPr id="2" name="Slide Image Placeholder 1"/>
+          <p:cNvSpPr>
+            <a:spLocks noGrp="1" noRot="1" noChangeAspect="1"/>
+          </p:cNvSpPr>
+          <p:nvPr>
+            <p:ph type="sldImg"/>
+          </p:nvPr>
+        </p:nvSpPr>
+        <p:spPr/>
+      </p:sp>
+      <p:sp>
+        <p:nvSpPr>
+          <p:cNvPr id="3" name="Notes Placeholder 2"/>
+          <p:cNvSpPr>
+            <a:spLocks noGrp="1"/>
+          </p:cNvSpPr>
+          <p:nvPr>
+            <p:ph type="body" idx="1"/>
+          </p:nvPr>
+        </p:nvSpPr>
+        <p:spPr/>
+        <p:txBody>
+          <a:bodyPr/>
+          <a:lstStyle/>
+          <a:p>
+            <a:r>
+              <a:rPr lang="en-US" dirty="0"/>
+              <a:t>In the case of 2 input variables, we can create 3 new variable through multiplication… the square of each of our two inputs and the product of the two.</a:t>
+            </a:r>
+          </a:p>
+          <a:p>
+            <a:endParaRPr lang="en-US" dirty="0"/>
+          </a:p>
+          <a:p>
+            <a:r>
+              <a:rPr lang="en-US" dirty="0"/>
+              <a:t>These nonlinear variable can now be used to define a complex function. In this case the input parameters (</a:t>
+            </a:r>
+            <a:r>
+              <a:rPr lang="el-GR" dirty="0"/>
+              <a:t>θ</a:t>
+            </a:r>
+            <a:r>
+              <a:rPr lang="en-US" dirty="0"/>
+              <a:t>) define a circle.</a:t>
+            </a:r>
+          </a:p>
+          <a:p>
+            <a:endParaRPr lang="en-US" dirty="0"/>
+          </a:p>
+          <a:p>
+            <a:r>
+              <a:rPr lang="en-US" dirty="0"/>
+              <a:t>If a point falls within the circle, we’d predict y = 0. We’d predict y=1 for a point falling outside the circular decision boundary.</a:t>
+            </a:r>
+          </a:p>
+        </p:txBody>
+      </p:sp>
+      <p:sp>
+        <p:nvSpPr>
+          <p:cNvPr id="4" name="Slide Number Placeholder 3"/>
+          <p:cNvSpPr>
+            <a:spLocks noGrp="1"/>
+          </p:cNvSpPr>
+          <p:nvPr>
+            <p:ph type="sldNum" sz="quarter" idx="5"/>
+          </p:nvPr>
+        </p:nvSpPr>
+        <p:spPr/>
+        <p:txBody>
+          <a:bodyPr/>
+          <a:lstStyle/>
+          <a:p>
+            <a:fld id="{B1A2EA0D-22F4-4AFD-9B05-B1DF34251A83}" type="slidenum">
+              <a:rPr lang="en-US" smtClean="0"/>
+              <a:t>9</a:t>
+            </a:fld>
+            <a:endParaRPr lang="en-US"/>
+          </a:p>
+        </p:txBody>
+      </p:sp>
+    </p:spTree>
+    <p:extLst>
+      <p:ext uri="{BB962C8B-B14F-4D97-AF65-F5344CB8AC3E}">
+        <p14:creationId xmlns:p14="http://schemas.microsoft.com/office/powerpoint/2010/main" val="2581780016"/>
+      </p:ext>
+    </p:extLst>
+  </p:cSld>
+  <p:clrMapOvr>
+    <a:masterClrMapping/>
+  </p:clrMapOvr>
+</p:notes>
+</file>
+
+<file path=ppt/notesSlides/notesSlide8.xml><?xml version="1.0" encoding="utf-8"?>
+<p:notes xmlns:a="http://schemas.openxmlformats.org/drawingml/2006/main" xmlns:r="http://schemas.openxmlformats.org/officeDocument/2006/relationships" xmlns:p="http://schemas.openxmlformats.org/presentationml/2006/main">
+  <p:cSld>
+    <p:spTree>
+      <p:nvGrpSpPr>
+        <p:cNvPr id="1" name=""/>
+        <p:cNvGrpSpPr/>
+        <p:nvPr/>
+      </p:nvGrpSpPr>
+      <p:grpSpPr>
+        <a:xfrm>
+          <a:off x="0" y="0"/>
+          <a:ext cx="0" cy="0"/>
+          <a:chOff x="0" y="0"/>
+          <a:chExt cx="0" cy="0"/>
+        </a:xfrm>
+      </p:grpSpPr>
+      <p:sp>
+        <p:nvSpPr>
+          <p:cNvPr id="2" name="Slide Image Placeholder 1"/>
+          <p:cNvSpPr>
+            <a:spLocks noGrp="1" noRot="1" noChangeAspect="1"/>
+          </p:cNvSpPr>
+          <p:nvPr>
+            <p:ph type="sldImg"/>
+          </p:nvPr>
+        </p:nvSpPr>
+        <p:spPr/>
+      </p:sp>
+      <p:sp>
+        <p:nvSpPr>
+          <p:cNvPr id="3" name="Notes Placeholder 2"/>
+          <p:cNvSpPr>
+            <a:spLocks noGrp="1"/>
+          </p:cNvSpPr>
+          <p:nvPr>
+            <p:ph type="body" idx="1"/>
+          </p:nvPr>
+        </p:nvSpPr>
+        <p:spPr/>
+        <p:txBody>
+          <a:bodyPr/>
+          <a:lstStyle/>
+          <a:p>
+            <a:r>
+              <a:rPr lang="en-US" dirty="0"/>
+              <a:t>And even more complex combinations can be made to help learn even more complex decision boundaries</a:t>
+            </a:r>
+            <a:r>
+              <a:rPr lang="en-US"/>
+              <a:t>. </a:t>
+            </a:r>
+            <a:endParaRPr lang="en-US" dirty="0"/>
+          </a:p>
+        </p:txBody>
+      </p:sp>
+      <p:sp>
+        <p:nvSpPr>
+          <p:cNvPr id="4" name="Slide Number Placeholder 3"/>
+          <p:cNvSpPr>
+            <a:spLocks noGrp="1"/>
+          </p:cNvSpPr>
+          <p:nvPr>
+            <p:ph type="sldNum" sz="quarter" idx="5"/>
+          </p:nvPr>
+        </p:nvSpPr>
+        <p:spPr/>
+        <p:txBody>
+          <a:bodyPr/>
+          <a:lstStyle/>
+          <a:p>
+            <a:fld id="{B1A2EA0D-22F4-4AFD-9B05-B1DF34251A83}" type="slidenum">
+              <a:rPr lang="en-US" smtClean="0"/>
+              <a:t>10</a:t>
+            </a:fld>
+            <a:endParaRPr lang="en-US"/>
+          </a:p>
+        </p:txBody>
+      </p:sp>
+    </p:spTree>
+    <p:extLst>
+      <p:ext uri="{BB962C8B-B14F-4D97-AF65-F5344CB8AC3E}">
+        <p14:creationId xmlns:p14="http://schemas.microsoft.com/office/powerpoint/2010/main" val="2988090501"/>
+      </p:ext>
+    </p:extLst>
+  </p:cSld>
+  <p:clrMapOvr>
+    <a:masterClrMapping/>
+  </p:clrMapOvr>
+</p:notes>
+</file>
+
 <file path=ppt/slideLayouts/slideLayout1.xml><?xml version="1.0" encoding="utf-8"?>
 <p:sldLayout xmlns:a="http://schemas.openxmlformats.org/drawingml/2006/main" xmlns:r="http://schemas.openxmlformats.org/officeDocument/2006/relationships" xmlns:p="http://schemas.openxmlformats.org/presentationml/2006/main" type="title" preserve="1">
   <p:cSld name="Title Slide">
@@ -634,7 +1652,7 @@
           <a:p>
             <a:fld id="{D788A639-B81C-4455-ABEE-AAB245CF3941}" type="datetimeFigureOut">
               <a:rPr lang="en-US" smtClean="0"/>
-              <a:t>1/3/2023</a:t>
+              <a:t>3/25/2023</a:t>
             </a:fld>
             <a:endParaRPr lang="en-US"/>
           </a:p>
@@ -832,7 +1850,7 @@
           <a:p>
             <a:fld id="{D788A639-B81C-4455-ABEE-AAB245CF3941}" type="datetimeFigureOut">
               <a:rPr lang="en-US" smtClean="0"/>
-              <a:t>1/3/2023</a:t>
+              <a:t>3/25/2023</a:t>
             </a:fld>
             <a:endParaRPr lang="en-US"/>
           </a:p>
@@ -1040,7 +2058,7 @@
           <a:p>
             <a:fld id="{D788A639-B81C-4455-ABEE-AAB245CF3941}" type="datetimeFigureOut">
               <a:rPr lang="en-US" smtClean="0"/>
-              <a:t>1/3/2023</a:t>
+              <a:t>3/25/2023</a:t>
             </a:fld>
             <a:endParaRPr lang="en-US"/>
           </a:p>
@@ -1238,7 +2256,7 @@
           <a:p>
             <a:fld id="{D788A639-B81C-4455-ABEE-AAB245CF3941}" type="datetimeFigureOut">
               <a:rPr lang="en-US" smtClean="0"/>
-              <a:t>1/3/2023</a:t>
+              <a:t>3/25/2023</a:t>
             </a:fld>
             <a:endParaRPr lang="en-US"/>
           </a:p>
@@ -1513,7 +2531,7 @@
           <a:p>
             <a:fld id="{D788A639-B81C-4455-ABEE-AAB245CF3941}" type="datetimeFigureOut">
               <a:rPr lang="en-US" smtClean="0"/>
-              <a:t>1/3/2023</a:t>
+              <a:t>3/25/2023</a:t>
             </a:fld>
             <a:endParaRPr lang="en-US"/>
           </a:p>
@@ -1778,7 +2796,7 @@
           <a:p>
             <a:fld id="{D788A639-B81C-4455-ABEE-AAB245CF3941}" type="datetimeFigureOut">
               <a:rPr lang="en-US" smtClean="0"/>
-              <a:t>1/3/2023</a:t>
+              <a:t>3/25/2023</a:t>
             </a:fld>
             <a:endParaRPr lang="en-US"/>
           </a:p>
@@ -2190,7 +3208,7 @@
           <a:p>
             <a:fld id="{D788A639-B81C-4455-ABEE-AAB245CF3941}" type="datetimeFigureOut">
               <a:rPr lang="en-US" smtClean="0"/>
-              <a:t>1/3/2023</a:t>
+              <a:t>3/25/2023</a:t>
             </a:fld>
             <a:endParaRPr lang="en-US"/>
           </a:p>
@@ -2331,7 +3349,7 @@
           <a:p>
             <a:fld id="{D788A639-B81C-4455-ABEE-AAB245CF3941}" type="datetimeFigureOut">
               <a:rPr lang="en-US" smtClean="0"/>
-              <a:t>1/3/2023</a:t>
+              <a:t>3/25/2023</a:t>
             </a:fld>
             <a:endParaRPr lang="en-US"/>
           </a:p>
@@ -2444,7 +3462,7 @@
           <a:p>
             <a:fld id="{D788A639-B81C-4455-ABEE-AAB245CF3941}" type="datetimeFigureOut">
               <a:rPr lang="en-US" smtClean="0"/>
-              <a:t>1/3/2023</a:t>
+              <a:t>3/25/2023</a:t>
             </a:fld>
             <a:endParaRPr lang="en-US"/>
           </a:p>
@@ -2755,7 +3773,7 @@
           <a:p>
             <a:fld id="{D788A639-B81C-4455-ABEE-AAB245CF3941}" type="datetimeFigureOut">
               <a:rPr lang="en-US" smtClean="0"/>
-              <a:t>1/3/2023</a:t>
+              <a:t>3/25/2023</a:t>
             </a:fld>
             <a:endParaRPr lang="en-US"/>
           </a:p>
@@ -3043,7 +4061,7 @@
           <a:p>
             <a:fld id="{D788A639-B81C-4455-ABEE-AAB245CF3941}" type="datetimeFigureOut">
               <a:rPr lang="en-US" smtClean="0"/>
-              <a:t>1/3/2023</a:t>
+              <a:t>3/25/2023</a:t>
             </a:fld>
             <a:endParaRPr lang="en-US"/>
           </a:p>
@@ -3284,7 +4302,7 @@
           <a:p>
             <a:fld id="{D788A639-B81C-4455-ABEE-AAB245CF3941}" type="datetimeFigureOut">
               <a:rPr lang="en-US" smtClean="0"/>
-              <a:t>1/3/2023</a:t>
+              <a:t>3/25/2023</a:t>
             </a:fld>
             <a:endParaRPr lang="en-US"/>
           </a:p>
@@ -4129,7 +5147,7 @@
           </p:nvPr>
         </p:nvPicPr>
         <p:blipFill>
-          <a:blip r:embed="rId8" cstate="print">
+          <a:blip r:embed="rId9" cstate="print">
             <a:extLst>
               <a:ext uri="{28A0092B-C50C-407E-A947-70E740481C1C}">
                 <a14:useLocalDpi xmlns:a14="http://schemas.microsoft.com/office/drawing/2010/main" val="0"/>
@@ -4169,7 +5187,7 @@
           </p:nvPr>
         </p:nvPicPr>
         <p:blipFill>
-          <a:blip r:embed="rId9" cstate="print">
+          <a:blip r:embed="rId10" cstate="print">
             <a:extLst>
               <a:ext uri="{28A0092B-C50C-407E-A947-70E740481C1C}">
                 <a14:useLocalDpi xmlns:a14="http://schemas.microsoft.com/office/drawing/2010/main" val="0"/>
@@ -4249,7 +5267,7 @@
           </p:nvPr>
         </p:nvPicPr>
         <p:blipFill>
-          <a:blip r:embed="rId10" cstate="print">
+          <a:blip r:embed="rId11" cstate="print">
             <a:extLst>
               <a:ext uri="{28A0092B-C50C-407E-A947-70E740481C1C}">
                 <a14:useLocalDpi xmlns:a14="http://schemas.microsoft.com/office/drawing/2010/main" val="0"/>
@@ -4289,7 +5307,7 @@
           </p:nvPr>
         </p:nvPicPr>
         <p:blipFill>
-          <a:blip r:embed="rId11" cstate="print">
+          <a:blip r:embed="rId12" cstate="print">
             <a:extLst>
               <a:ext uri="{28A0092B-C50C-407E-A947-70E740481C1C}">
                 <a14:useLocalDpi xmlns:a14="http://schemas.microsoft.com/office/drawing/2010/main" val="0"/>
@@ -4329,7 +5347,7 @@
           </p:nvPr>
         </p:nvPicPr>
         <p:blipFill>
-          <a:blip r:embed="rId12" cstate="print">
+          <a:blip r:embed="rId13" cstate="print">
             <a:extLst>
               <a:ext uri="{28A0092B-C50C-407E-A947-70E740481C1C}">
                 <a14:useLocalDpi xmlns:a14="http://schemas.microsoft.com/office/drawing/2010/main" val="0"/>
@@ -4561,7 +5579,7 @@
           </p:nvPr>
         </p:nvPicPr>
         <p:blipFill>
-          <a:blip r:embed="rId13" cstate="print">
+          <a:blip r:embed="rId14" cstate="print">
             <a:extLst>
               <a:ext uri="{28A0092B-C50C-407E-A947-70E740481C1C}">
                 <a14:useLocalDpi xmlns:a14="http://schemas.microsoft.com/office/drawing/2010/main" val="0"/>
@@ -6624,7 +7642,7 @@
           <p:nvPr/>
         </p:nvPicPr>
         <p:blipFill>
-          <a:blip r:embed="rId3">
+          <a:blip r:embed="rId4">
             <a:extLst>
               <a:ext uri="{28A0092B-C50C-407E-A947-70E740481C1C}">
                 <a14:useLocalDpi xmlns:a14="http://schemas.microsoft.com/office/drawing/2010/main" val="0"/>
@@ -6734,7 +7752,7 @@
           </p:nvPr>
         </p:nvPicPr>
         <p:blipFill>
-          <a:blip r:embed="rId4" cstate="print">
+          <a:blip r:embed="rId5" cstate="print">
             <a:extLst>
               <a:ext uri="{28A0092B-C50C-407E-A947-70E740481C1C}">
                 <a14:useLocalDpi xmlns:a14="http://schemas.microsoft.com/office/drawing/2010/main" val="0"/>
@@ -6879,7 +7897,7 @@
           <p:nvPr/>
         </p:nvPicPr>
         <p:blipFill>
-          <a:blip r:embed="rId5"/>
+          <a:blip r:embed="rId6"/>
           <a:stretch>
             <a:fillRect/>
           </a:stretch>
@@ -6909,7 +7927,7 @@
           <p:nvPr/>
         </p:nvPicPr>
         <p:blipFill rotWithShape="1">
-          <a:blip r:embed="rId6"/>
+          <a:blip r:embed="rId7"/>
           <a:srcRect t="39456"/>
           <a:stretch/>
         </p:blipFill>
@@ -7059,7 +8077,7 @@
           <p:nvPr/>
         </p:nvPicPr>
         <p:blipFill rotWithShape="1">
-          <a:blip r:embed="rId6"/>
+          <a:blip r:embed="rId7"/>
           <a:srcRect t="107" r="39201" b="56592"/>
           <a:stretch/>
         </p:blipFill>
@@ -7531,7 +8549,7 @@
         </p:nvGrpSpPr>
         <p:grpSpPr>
           <a:xfrm>
-            <a:off x="559915" y="1875111"/>
+            <a:off x="577159" y="1905075"/>
             <a:ext cx="6495793" cy="3848069"/>
             <a:chOff x="1455012" y="2295525"/>
             <a:chExt cx="5543627" cy="2837024"/>
@@ -7556,7 +8574,7 @@
             </p:nvPr>
           </p:nvPicPr>
           <p:blipFill>
-            <a:blip r:embed="rId8" cstate="print">
+            <a:blip r:embed="rId9" cstate="print">
               <a:extLst>
                 <a:ext uri="{28A0092B-C50C-407E-A947-70E740481C1C}">
                   <a14:useLocalDpi xmlns:a14="http://schemas.microsoft.com/office/drawing/2010/main" val="0"/>
@@ -7596,7 +8614,7 @@
             </p:nvPr>
           </p:nvPicPr>
           <p:blipFill>
-            <a:blip r:embed="rId9" cstate="print">
+            <a:blip r:embed="rId10" cstate="print">
               <a:extLst>
                 <a:ext uri="{28A0092B-C50C-407E-A947-70E740481C1C}">
                   <a14:useLocalDpi xmlns:a14="http://schemas.microsoft.com/office/drawing/2010/main" val="0"/>
@@ -7676,7 +8694,7 @@
             </p:nvPr>
           </p:nvPicPr>
           <p:blipFill>
-            <a:blip r:embed="rId10" cstate="print">
+            <a:blip r:embed="rId11" cstate="print">
               <a:extLst>
                 <a:ext uri="{28A0092B-C50C-407E-A947-70E740481C1C}">
                   <a14:useLocalDpi xmlns:a14="http://schemas.microsoft.com/office/drawing/2010/main" val="0"/>
@@ -7716,7 +8734,7 @@
             </p:nvPr>
           </p:nvPicPr>
           <p:blipFill>
-            <a:blip r:embed="rId11" cstate="print">
+            <a:blip r:embed="rId12" cstate="print">
               <a:extLst>
                 <a:ext uri="{28A0092B-C50C-407E-A947-70E740481C1C}">
                   <a14:useLocalDpi xmlns:a14="http://schemas.microsoft.com/office/drawing/2010/main" val="0"/>
@@ -7797,7 +8815,7 @@
             </p:nvPr>
           </p:nvPicPr>
           <p:blipFill>
-            <a:blip r:embed="rId12" cstate="print">
+            <a:blip r:embed="rId13" cstate="print">
               <a:extLst>
                 <a:ext uri="{28A0092B-C50C-407E-A947-70E740481C1C}">
                   <a14:useLocalDpi xmlns:a14="http://schemas.microsoft.com/office/drawing/2010/main" val="0"/>
@@ -7837,7 +8855,7 @@
             </p:nvPr>
           </p:nvPicPr>
           <p:blipFill>
-            <a:blip r:embed="rId13" cstate="print">
+            <a:blip r:embed="rId14" cstate="print">
               <a:extLst>
                 <a:ext uri="{28A0092B-C50C-407E-A947-70E740481C1C}">
                   <a14:useLocalDpi xmlns:a14="http://schemas.microsoft.com/office/drawing/2010/main" val="0"/>
@@ -7874,7 +8892,7 @@
           <p:nvPr/>
         </p:nvPicPr>
         <p:blipFill>
-          <a:blip r:embed="rId14">
+          <a:blip r:embed="rId15">
             <a:extLst>
               <a:ext uri="{28A0092B-C50C-407E-A947-70E740481C1C}">
                 <a14:useLocalDpi xmlns:a14="http://schemas.microsoft.com/office/drawing/2010/main" val="0"/>
@@ -7981,7 +8999,7 @@
           <p:nvPr/>
         </p:nvPicPr>
         <p:blipFill>
-          <a:blip r:embed="rId15"/>
+          <a:blip r:embed="rId16"/>
           <a:stretch>
             <a:fillRect/>
           </a:stretch>
@@ -8154,7 +9172,7 @@
             </p:nvPr>
           </p:nvPicPr>
           <p:blipFill>
-            <a:blip r:embed="rId8" cstate="print">
+            <a:blip r:embed="rId9" cstate="print">
               <a:extLst>
                 <a:ext uri="{28A0092B-C50C-407E-A947-70E740481C1C}">
                   <a14:useLocalDpi xmlns:a14="http://schemas.microsoft.com/office/drawing/2010/main" val="0"/>
@@ -8194,7 +9212,7 @@
             </p:nvPr>
           </p:nvPicPr>
           <p:blipFill>
-            <a:blip r:embed="rId9" cstate="print">
+            <a:blip r:embed="rId10" cstate="print">
               <a:extLst>
                 <a:ext uri="{28A0092B-C50C-407E-A947-70E740481C1C}">
                   <a14:useLocalDpi xmlns:a14="http://schemas.microsoft.com/office/drawing/2010/main" val="0"/>
@@ -8274,7 +9292,7 @@
             </p:nvPr>
           </p:nvPicPr>
           <p:blipFill>
-            <a:blip r:embed="rId10" cstate="print">
+            <a:blip r:embed="rId11" cstate="print">
               <a:extLst>
                 <a:ext uri="{28A0092B-C50C-407E-A947-70E740481C1C}">
                   <a14:useLocalDpi xmlns:a14="http://schemas.microsoft.com/office/drawing/2010/main" val="0"/>
@@ -8314,7 +9332,7 @@
             </p:nvPr>
           </p:nvPicPr>
           <p:blipFill>
-            <a:blip r:embed="rId11" cstate="print">
+            <a:blip r:embed="rId12" cstate="print">
               <a:extLst>
                 <a:ext uri="{28A0092B-C50C-407E-A947-70E740481C1C}">
                   <a14:useLocalDpi xmlns:a14="http://schemas.microsoft.com/office/drawing/2010/main" val="0"/>
@@ -8395,7 +9413,7 @@
             </p:nvPr>
           </p:nvPicPr>
           <p:blipFill>
-            <a:blip r:embed="rId12" cstate="print">
+            <a:blip r:embed="rId13" cstate="print">
               <a:extLst>
                 <a:ext uri="{28A0092B-C50C-407E-A947-70E740481C1C}">
                   <a14:useLocalDpi xmlns:a14="http://schemas.microsoft.com/office/drawing/2010/main" val="0"/>
@@ -8435,7 +9453,7 @@
             </p:nvPr>
           </p:nvPicPr>
           <p:blipFill>
-            <a:blip r:embed="rId13" cstate="print">
+            <a:blip r:embed="rId14" cstate="print">
               <a:extLst>
                 <a:ext uri="{28A0092B-C50C-407E-A947-70E740481C1C}">
                   <a14:useLocalDpi xmlns:a14="http://schemas.microsoft.com/office/drawing/2010/main" val="0"/>
@@ -8472,7 +9490,7 @@
           <p:nvPr/>
         </p:nvPicPr>
         <p:blipFill>
-          <a:blip r:embed="rId14">
+          <a:blip r:embed="rId15">
             <a:extLst>
               <a:ext uri="{28A0092B-C50C-407E-A947-70E740481C1C}">
                 <a14:useLocalDpi xmlns:a14="http://schemas.microsoft.com/office/drawing/2010/main" val="0"/>
@@ -8579,7 +9597,7 @@
           <p:nvPr/>
         </p:nvPicPr>
         <p:blipFill>
-          <a:blip r:embed="rId15"/>
+          <a:blip r:embed="rId16"/>
           <a:stretch>
             <a:fillRect/>
           </a:stretch>
@@ -10910,7 +11928,7 @@
             </p:nvPr>
           </p:nvPicPr>
           <p:blipFill>
-            <a:blip r:embed="rId5" cstate="print">
+            <a:blip r:embed="rId6" cstate="print">
               <a:extLst>
                 <a:ext uri="{28A0092B-C50C-407E-A947-70E740481C1C}">
                   <a14:useLocalDpi xmlns:a14="http://schemas.microsoft.com/office/drawing/2010/main" val="0"/>
@@ -11312,7 +12330,7 @@
           </p:nvPr>
         </p:nvPicPr>
         <p:blipFill>
-          <a:blip r:embed="rId6" cstate="print">
+          <a:blip r:embed="rId7" cstate="print">
             <a:extLst>
               <a:ext uri="{28A0092B-C50C-407E-A947-70E740481C1C}">
                 <a14:useLocalDpi xmlns:a14="http://schemas.microsoft.com/office/drawing/2010/main" val="0"/>
@@ -11352,7 +12370,7 @@
           </p:nvPr>
         </p:nvPicPr>
         <p:blipFill>
-          <a:blip r:embed="rId7" cstate="print">
+          <a:blip r:embed="rId8" cstate="print">
             <a:extLst>
               <a:ext uri="{28A0092B-C50C-407E-A947-70E740481C1C}">
                 <a14:useLocalDpi xmlns:a14="http://schemas.microsoft.com/office/drawing/2010/main" val="0"/>
@@ -12168,13 +13186,13 @@
           <p:nvPr/>
         </p:nvPicPr>
         <p:blipFill>
-          <a:blip r:embed="rId2">
+          <a:blip r:embed="rId3">
             <a:extLst>
               <a:ext uri="{28A0092B-C50C-407E-A947-70E740481C1C}">
                 <a14:useLocalDpi xmlns:a14="http://schemas.microsoft.com/office/drawing/2010/main" val="0"/>
               </a:ext>
               <a:ext uri="{96DAC541-7B7A-43D3-8B79-37D633B846F1}">
-                <asvg:svgBlip xmlns:asvg="http://schemas.microsoft.com/office/drawing/2016/SVG/main" r:embed="rId3"/>
+                <asvg:svgBlip xmlns:asvg="http://schemas.microsoft.com/office/drawing/2016/SVG/main" r:embed="rId4"/>
               </a:ext>
             </a:extLst>
           </a:blip>
@@ -12207,13 +13225,13 @@
           <p:nvPr/>
         </p:nvPicPr>
         <p:blipFill>
-          <a:blip r:embed="rId2">
+          <a:blip r:embed="rId3">
             <a:extLst>
               <a:ext uri="{28A0092B-C50C-407E-A947-70E740481C1C}">
                 <a14:useLocalDpi xmlns:a14="http://schemas.microsoft.com/office/drawing/2010/main" val="0"/>
               </a:ext>
               <a:ext uri="{96DAC541-7B7A-43D3-8B79-37D633B846F1}">
-                <asvg:svgBlip xmlns:asvg="http://schemas.microsoft.com/office/drawing/2016/SVG/main" r:embed="rId3"/>
+                <asvg:svgBlip xmlns:asvg="http://schemas.microsoft.com/office/drawing/2016/SVG/main" r:embed="rId4"/>
               </a:ext>
             </a:extLst>
           </a:blip>
@@ -12246,13 +13264,13 @@
           <p:nvPr/>
         </p:nvPicPr>
         <p:blipFill>
-          <a:blip r:embed="rId2">
+          <a:blip r:embed="rId3">
             <a:extLst>
               <a:ext uri="{28A0092B-C50C-407E-A947-70E740481C1C}">
                 <a14:useLocalDpi xmlns:a14="http://schemas.microsoft.com/office/drawing/2010/main" val="0"/>
               </a:ext>
               <a:ext uri="{96DAC541-7B7A-43D3-8B79-37D633B846F1}">
-                <asvg:svgBlip xmlns:asvg="http://schemas.microsoft.com/office/drawing/2016/SVG/main" r:embed="rId3"/>
+                <asvg:svgBlip xmlns:asvg="http://schemas.microsoft.com/office/drawing/2016/SVG/main" r:embed="rId4"/>
               </a:ext>
             </a:extLst>
           </a:blip>
@@ -12285,13 +13303,13 @@
           <p:nvPr/>
         </p:nvPicPr>
         <p:blipFill>
-          <a:blip r:embed="rId2">
+          <a:blip r:embed="rId3">
             <a:extLst>
               <a:ext uri="{28A0092B-C50C-407E-A947-70E740481C1C}">
                 <a14:useLocalDpi xmlns:a14="http://schemas.microsoft.com/office/drawing/2010/main" val="0"/>
               </a:ext>
               <a:ext uri="{96DAC541-7B7A-43D3-8B79-37D633B846F1}">
-                <asvg:svgBlip xmlns:asvg="http://schemas.microsoft.com/office/drawing/2016/SVG/main" r:embed="rId3"/>
+                <asvg:svgBlip xmlns:asvg="http://schemas.microsoft.com/office/drawing/2016/SVG/main" r:embed="rId4"/>
               </a:ext>
             </a:extLst>
           </a:blip>
@@ -12324,13 +13342,13 @@
           <p:nvPr/>
         </p:nvPicPr>
         <p:blipFill>
-          <a:blip r:embed="rId2">
+          <a:blip r:embed="rId3">
             <a:extLst>
               <a:ext uri="{28A0092B-C50C-407E-A947-70E740481C1C}">
                 <a14:useLocalDpi xmlns:a14="http://schemas.microsoft.com/office/drawing/2010/main" val="0"/>
               </a:ext>
               <a:ext uri="{96DAC541-7B7A-43D3-8B79-37D633B846F1}">
-                <asvg:svgBlip xmlns:asvg="http://schemas.microsoft.com/office/drawing/2016/SVG/main" r:embed="rId3"/>
+                <asvg:svgBlip xmlns:asvg="http://schemas.microsoft.com/office/drawing/2016/SVG/main" r:embed="rId4"/>
               </a:ext>
             </a:extLst>
           </a:blip>
@@ -12363,13 +13381,13 @@
           <p:nvPr/>
         </p:nvPicPr>
         <p:blipFill>
-          <a:blip r:embed="rId2">
+          <a:blip r:embed="rId3">
             <a:extLst>
               <a:ext uri="{28A0092B-C50C-407E-A947-70E740481C1C}">
                 <a14:useLocalDpi xmlns:a14="http://schemas.microsoft.com/office/drawing/2010/main" val="0"/>
               </a:ext>
               <a:ext uri="{96DAC541-7B7A-43D3-8B79-37D633B846F1}">
-                <asvg:svgBlip xmlns:asvg="http://schemas.microsoft.com/office/drawing/2016/SVG/main" r:embed="rId3"/>
+                <asvg:svgBlip xmlns:asvg="http://schemas.microsoft.com/office/drawing/2016/SVG/main" r:embed="rId4"/>
               </a:ext>
             </a:extLst>
           </a:blip>
@@ -12402,13 +13420,13 @@
           <p:nvPr/>
         </p:nvPicPr>
         <p:blipFill>
-          <a:blip r:embed="rId2">
+          <a:blip r:embed="rId3">
             <a:extLst>
               <a:ext uri="{28A0092B-C50C-407E-A947-70E740481C1C}">
                 <a14:useLocalDpi xmlns:a14="http://schemas.microsoft.com/office/drawing/2010/main" val="0"/>
               </a:ext>
               <a:ext uri="{96DAC541-7B7A-43D3-8B79-37D633B846F1}">
-                <asvg:svgBlip xmlns:asvg="http://schemas.microsoft.com/office/drawing/2016/SVG/main" r:embed="rId3"/>
+                <asvg:svgBlip xmlns:asvg="http://schemas.microsoft.com/office/drawing/2016/SVG/main" r:embed="rId4"/>
               </a:ext>
             </a:extLst>
           </a:blip>
@@ -12441,13 +13459,13 @@
           <p:nvPr/>
         </p:nvPicPr>
         <p:blipFill>
-          <a:blip r:embed="rId2">
+          <a:blip r:embed="rId3">
             <a:extLst>
               <a:ext uri="{28A0092B-C50C-407E-A947-70E740481C1C}">
                 <a14:useLocalDpi xmlns:a14="http://schemas.microsoft.com/office/drawing/2010/main" val="0"/>
               </a:ext>
               <a:ext uri="{96DAC541-7B7A-43D3-8B79-37D633B846F1}">
-                <asvg:svgBlip xmlns:asvg="http://schemas.microsoft.com/office/drawing/2016/SVG/main" r:embed="rId3"/>
+                <asvg:svgBlip xmlns:asvg="http://schemas.microsoft.com/office/drawing/2016/SVG/main" r:embed="rId4"/>
               </a:ext>
             </a:extLst>
           </a:blip>
@@ -12480,13 +13498,13 @@
           <p:nvPr/>
         </p:nvPicPr>
         <p:blipFill>
-          <a:blip r:embed="rId2">
+          <a:blip r:embed="rId3">
             <a:extLst>
               <a:ext uri="{28A0092B-C50C-407E-A947-70E740481C1C}">
                 <a14:useLocalDpi xmlns:a14="http://schemas.microsoft.com/office/drawing/2010/main" val="0"/>
               </a:ext>
               <a:ext uri="{96DAC541-7B7A-43D3-8B79-37D633B846F1}">
-                <asvg:svgBlip xmlns:asvg="http://schemas.microsoft.com/office/drawing/2016/SVG/main" r:embed="rId3"/>
+                <asvg:svgBlip xmlns:asvg="http://schemas.microsoft.com/office/drawing/2016/SVG/main" r:embed="rId4"/>
               </a:ext>
             </a:extLst>
           </a:blip>
@@ -12519,13 +13537,13 @@
           <p:nvPr/>
         </p:nvPicPr>
         <p:blipFill>
-          <a:blip r:embed="rId2">
+          <a:blip r:embed="rId3">
             <a:extLst>
               <a:ext uri="{28A0092B-C50C-407E-A947-70E740481C1C}">
                 <a14:useLocalDpi xmlns:a14="http://schemas.microsoft.com/office/drawing/2010/main" val="0"/>
               </a:ext>
               <a:ext uri="{96DAC541-7B7A-43D3-8B79-37D633B846F1}">
-                <asvg:svgBlip xmlns:asvg="http://schemas.microsoft.com/office/drawing/2016/SVG/main" r:embed="rId3"/>
+                <asvg:svgBlip xmlns:asvg="http://schemas.microsoft.com/office/drawing/2016/SVG/main" r:embed="rId4"/>
               </a:ext>
             </a:extLst>
           </a:blip>
@@ -12558,13 +13576,13 @@
           <p:nvPr/>
         </p:nvPicPr>
         <p:blipFill>
-          <a:blip r:embed="rId2">
+          <a:blip r:embed="rId3">
             <a:extLst>
               <a:ext uri="{28A0092B-C50C-407E-A947-70E740481C1C}">
                 <a14:useLocalDpi xmlns:a14="http://schemas.microsoft.com/office/drawing/2010/main" val="0"/>
               </a:ext>
               <a:ext uri="{96DAC541-7B7A-43D3-8B79-37D633B846F1}">
-                <asvg:svgBlip xmlns:asvg="http://schemas.microsoft.com/office/drawing/2016/SVG/main" r:embed="rId3"/>
+                <asvg:svgBlip xmlns:asvg="http://schemas.microsoft.com/office/drawing/2016/SVG/main" r:embed="rId4"/>
               </a:ext>
             </a:extLst>
           </a:blip>
@@ -13047,13 +14065,13 @@
           <p:nvPr/>
         </p:nvPicPr>
         <p:blipFill>
-          <a:blip r:embed="rId2">
+          <a:blip r:embed="rId3">
             <a:extLst>
               <a:ext uri="{28A0092B-C50C-407E-A947-70E740481C1C}">
                 <a14:useLocalDpi xmlns:a14="http://schemas.microsoft.com/office/drawing/2010/main" val="0"/>
               </a:ext>
               <a:ext uri="{96DAC541-7B7A-43D3-8B79-37D633B846F1}">
-                <asvg:svgBlip xmlns:asvg="http://schemas.microsoft.com/office/drawing/2016/SVG/main" r:embed="rId3"/>
+                <asvg:svgBlip xmlns:asvg="http://schemas.microsoft.com/office/drawing/2016/SVG/main" r:embed="rId4"/>
               </a:ext>
             </a:extLst>
           </a:blip>
@@ -13131,13 +14149,13 @@
           <p:nvPr/>
         </p:nvPicPr>
         <p:blipFill>
-          <a:blip r:embed="rId2">
+          <a:blip r:embed="rId3">
             <a:extLst>
               <a:ext uri="{28A0092B-C50C-407E-A947-70E740481C1C}">
                 <a14:useLocalDpi xmlns:a14="http://schemas.microsoft.com/office/drawing/2010/main" val="0"/>
               </a:ext>
               <a:ext uri="{96DAC541-7B7A-43D3-8B79-37D633B846F1}">
-                <asvg:svgBlip xmlns:asvg="http://schemas.microsoft.com/office/drawing/2016/SVG/main" r:embed="rId3"/>
+                <asvg:svgBlip xmlns:asvg="http://schemas.microsoft.com/office/drawing/2016/SVG/main" r:embed="rId4"/>
               </a:ext>
             </a:extLst>
           </a:blip>
@@ -16561,7 +17579,7 @@
           </p:nvPr>
         </p:nvPicPr>
         <p:blipFill>
-          <a:blip r:embed="rId6" cstate="print">
+          <a:blip r:embed="rId7" cstate="print">
             <a:extLst>
               <a:ext uri="{28A0092B-C50C-407E-A947-70E740481C1C}">
                 <a14:useLocalDpi xmlns:a14="http://schemas.microsoft.com/office/drawing/2010/main" val="0"/>
@@ -16601,7 +17619,7 @@
           </p:nvPr>
         </p:nvPicPr>
         <p:blipFill>
-          <a:blip r:embed="rId7" cstate="print">
+          <a:blip r:embed="rId8" cstate="print">
             <a:extLst>
               <a:ext uri="{28A0092B-C50C-407E-A947-70E740481C1C}">
                 <a14:useLocalDpi xmlns:a14="http://schemas.microsoft.com/office/drawing/2010/main" val="0"/>
@@ -16681,7 +17699,7 @@
           </p:nvPr>
         </p:nvPicPr>
         <p:blipFill>
-          <a:blip r:embed="rId8" cstate="print">
+          <a:blip r:embed="rId9" cstate="print">
             <a:extLst>
               <a:ext uri="{28A0092B-C50C-407E-A947-70E740481C1C}">
                 <a14:useLocalDpi xmlns:a14="http://schemas.microsoft.com/office/drawing/2010/main" val="0"/>
@@ -16721,7 +17739,7 @@
           </p:nvPr>
         </p:nvPicPr>
         <p:blipFill>
-          <a:blip r:embed="rId9" cstate="print">
+          <a:blip r:embed="rId10" cstate="print">
             <a:extLst>
               <a:ext uri="{28A0092B-C50C-407E-A947-70E740481C1C}">
                 <a14:useLocalDpi xmlns:a14="http://schemas.microsoft.com/office/drawing/2010/main" val="0"/>

--- a/Courses/ML_Concepts/Module_01_Introduction_to_Classification/Module_01_Introduction_to_Classification_02_LogisticRegression.pptx
+++ b/Courses/ML_Concepts/Module_01_Introduction_to_Classification/Module_01_Introduction_to_Classification_02_LogisticRegression.pptx
@@ -5,7 +5,7 @@
     <p:sldMasterId id="2147483648" r:id="rId1"/>
   </p:sldMasterIdLst>
   <p:notesMasterIdLst>
-    <p:notesMasterId r:id="rId12"/>
+    <p:notesMasterId r:id="rId11"/>
   </p:notesMasterIdLst>
   <p:sldIdLst>
     <p:sldId id="1995" r:id="rId2"/>
@@ -17,22 +17,21 @@
     <p:sldId id="1916" r:id="rId8"/>
     <p:sldId id="1984" r:id="rId9"/>
     <p:sldId id="1983" r:id="rId10"/>
-    <p:sldId id="1985" r:id="rId11"/>
   </p:sldIdLst>
   <p:sldSz cx="12192000" cy="6858000"/>
   <p:notesSz cx="6858000" cy="9144000"/>
   <p:embeddedFontLst>
     <p:embeddedFont>
       <p:font typeface="Calibri" panose="020F0502020204030204" pitchFamily="34" charset="0"/>
-      <p:regular r:id="rId13"/>
-      <p:bold r:id="rId14"/>
-      <p:italic r:id="rId15"/>
-      <p:boldItalic r:id="rId16"/>
+      <p:regular r:id="rId12"/>
+      <p:bold r:id="rId13"/>
+      <p:italic r:id="rId14"/>
+      <p:boldItalic r:id="rId15"/>
     </p:embeddedFont>
     <p:embeddedFont>
       <p:font typeface="Calibri Light" panose="020F0302020204030204" pitchFamily="34" charset="0"/>
-      <p:regular r:id="rId17"/>
-      <p:italic r:id="rId18"/>
+      <p:regular r:id="rId16"/>
+      <p:italic r:id="rId17"/>
     </p:embeddedFont>
   </p:embeddedFontLst>
   <p:defaultTextStyle>
@@ -220,7 +219,7 @@
           <a:p>
             <a:fld id="{8BF7BA16-693B-49DC-B4FA-AF7A11A8ED46}" type="datetimeFigureOut">
               <a:rPr lang="en-US" smtClean="0"/>
-              <a:t>3/25/2023</a:t>
+              <a:t>4/13/2023</a:t>
             </a:fld>
             <a:endParaRPr lang="en-US"/>
           </a:p>
@@ -1413,98 +1412,6 @@
 </p:notes>
 </file>
 
-<file path=ppt/notesSlides/notesSlide8.xml><?xml version="1.0" encoding="utf-8"?>
-<p:notes xmlns:a="http://schemas.openxmlformats.org/drawingml/2006/main" xmlns:r="http://schemas.openxmlformats.org/officeDocument/2006/relationships" xmlns:p="http://schemas.openxmlformats.org/presentationml/2006/main">
-  <p:cSld>
-    <p:spTree>
-      <p:nvGrpSpPr>
-        <p:cNvPr id="1" name=""/>
-        <p:cNvGrpSpPr/>
-        <p:nvPr/>
-      </p:nvGrpSpPr>
-      <p:grpSpPr>
-        <a:xfrm>
-          <a:off x="0" y="0"/>
-          <a:ext cx="0" cy="0"/>
-          <a:chOff x="0" y="0"/>
-          <a:chExt cx="0" cy="0"/>
-        </a:xfrm>
-      </p:grpSpPr>
-      <p:sp>
-        <p:nvSpPr>
-          <p:cNvPr id="2" name="Slide Image Placeholder 1"/>
-          <p:cNvSpPr>
-            <a:spLocks noGrp="1" noRot="1" noChangeAspect="1"/>
-          </p:cNvSpPr>
-          <p:nvPr>
-            <p:ph type="sldImg"/>
-          </p:nvPr>
-        </p:nvSpPr>
-        <p:spPr/>
-      </p:sp>
-      <p:sp>
-        <p:nvSpPr>
-          <p:cNvPr id="3" name="Notes Placeholder 2"/>
-          <p:cNvSpPr>
-            <a:spLocks noGrp="1"/>
-          </p:cNvSpPr>
-          <p:nvPr>
-            <p:ph type="body" idx="1"/>
-          </p:nvPr>
-        </p:nvSpPr>
-        <p:spPr/>
-        <p:txBody>
-          <a:bodyPr/>
-          <a:lstStyle/>
-          <a:p>
-            <a:r>
-              <a:rPr lang="en-US" dirty="0"/>
-              <a:t>And even more complex combinations can be made to help learn even more complex decision boundaries</a:t>
-            </a:r>
-            <a:r>
-              <a:rPr lang="en-US"/>
-              <a:t>. </a:t>
-            </a:r>
-            <a:endParaRPr lang="en-US" dirty="0"/>
-          </a:p>
-        </p:txBody>
-      </p:sp>
-      <p:sp>
-        <p:nvSpPr>
-          <p:cNvPr id="4" name="Slide Number Placeholder 3"/>
-          <p:cNvSpPr>
-            <a:spLocks noGrp="1"/>
-          </p:cNvSpPr>
-          <p:nvPr>
-            <p:ph type="sldNum" sz="quarter" idx="5"/>
-          </p:nvPr>
-        </p:nvSpPr>
-        <p:spPr/>
-        <p:txBody>
-          <a:bodyPr/>
-          <a:lstStyle/>
-          <a:p>
-            <a:fld id="{B1A2EA0D-22F4-4AFD-9B05-B1DF34251A83}" type="slidenum">
-              <a:rPr lang="en-US" smtClean="0"/>
-              <a:t>10</a:t>
-            </a:fld>
-            <a:endParaRPr lang="en-US"/>
-          </a:p>
-        </p:txBody>
-      </p:sp>
-    </p:spTree>
-    <p:extLst>
-      <p:ext uri="{BB962C8B-B14F-4D97-AF65-F5344CB8AC3E}">
-        <p14:creationId xmlns:p14="http://schemas.microsoft.com/office/powerpoint/2010/main" val="2988090501"/>
-      </p:ext>
-    </p:extLst>
-  </p:cSld>
-  <p:clrMapOvr>
-    <a:masterClrMapping/>
-  </p:clrMapOvr>
-</p:notes>
-</file>
-
 <file path=ppt/slideLayouts/slideLayout1.xml><?xml version="1.0" encoding="utf-8"?>
 <p:sldLayout xmlns:a="http://schemas.openxmlformats.org/drawingml/2006/main" xmlns:r="http://schemas.openxmlformats.org/officeDocument/2006/relationships" xmlns:p="http://schemas.openxmlformats.org/presentationml/2006/main" type="title" preserve="1">
   <p:cSld name="Title Slide">
@@ -1652,7 +1559,7 @@
           <a:p>
             <a:fld id="{D788A639-B81C-4455-ABEE-AAB245CF3941}" type="datetimeFigureOut">
               <a:rPr lang="en-US" smtClean="0"/>
-              <a:t>3/25/2023</a:t>
+              <a:t>4/13/2023</a:t>
             </a:fld>
             <a:endParaRPr lang="en-US"/>
           </a:p>
@@ -1850,7 +1757,7 @@
           <a:p>
             <a:fld id="{D788A639-B81C-4455-ABEE-AAB245CF3941}" type="datetimeFigureOut">
               <a:rPr lang="en-US" smtClean="0"/>
-              <a:t>3/25/2023</a:t>
+              <a:t>4/13/2023</a:t>
             </a:fld>
             <a:endParaRPr lang="en-US"/>
           </a:p>
@@ -2058,7 +1965,7 @@
           <a:p>
             <a:fld id="{D788A639-B81C-4455-ABEE-AAB245CF3941}" type="datetimeFigureOut">
               <a:rPr lang="en-US" smtClean="0"/>
-              <a:t>3/25/2023</a:t>
+              <a:t>4/13/2023</a:t>
             </a:fld>
             <a:endParaRPr lang="en-US"/>
           </a:p>
@@ -2256,7 +2163,7 @@
           <a:p>
             <a:fld id="{D788A639-B81C-4455-ABEE-AAB245CF3941}" type="datetimeFigureOut">
               <a:rPr lang="en-US" smtClean="0"/>
-              <a:t>3/25/2023</a:t>
+              <a:t>4/13/2023</a:t>
             </a:fld>
             <a:endParaRPr lang="en-US"/>
           </a:p>
@@ -2531,7 +2438,7 @@
           <a:p>
             <a:fld id="{D788A639-B81C-4455-ABEE-AAB245CF3941}" type="datetimeFigureOut">
               <a:rPr lang="en-US" smtClean="0"/>
-              <a:t>3/25/2023</a:t>
+              <a:t>4/13/2023</a:t>
             </a:fld>
             <a:endParaRPr lang="en-US"/>
           </a:p>
@@ -2796,7 +2703,7 @@
           <a:p>
             <a:fld id="{D788A639-B81C-4455-ABEE-AAB245CF3941}" type="datetimeFigureOut">
               <a:rPr lang="en-US" smtClean="0"/>
-              <a:t>3/25/2023</a:t>
+              <a:t>4/13/2023</a:t>
             </a:fld>
             <a:endParaRPr lang="en-US"/>
           </a:p>
@@ -3208,7 +3115,7 @@
           <a:p>
             <a:fld id="{D788A639-B81C-4455-ABEE-AAB245CF3941}" type="datetimeFigureOut">
               <a:rPr lang="en-US" smtClean="0"/>
-              <a:t>3/25/2023</a:t>
+              <a:t>4/13/2023</a:t>
             </a:fld>
             <a:endParaRPr lang="en-US"/>
           </a:p>
@@ -3349,7 +3256,7 @@
           <a:p>
             <a:fld id="{D788A639-B81C-4455-ABEE-AAB245CF3941}" type="datetimeFigureOut">
               <a:rPr lang="en-US" smtClean="0"/>
-              <a:t>3/25/2023</a:t>
+              <a:t>4/13/2023</a:t>
             </a:fld>
             <a:endParaRPr lang="en-US"/>
           </a:p>
@@ -3462,7 +3369,7 @@
           <a:p>
             <a:fld id="{D788A639-B81C-4455-ABEE-AAB245CF3941}" type="datetimeFigureOut">
               <a:rPr lang="en-US" smtClean="0"/>
-              <a:t>3/25/2023</a:t>
+              <a:t>4/13/2023</a:t>
             </a:fld>
             <a:endParaRPr lang="en-US"/>
           </a:p>
@@ -3773,7 +3680,7 @@
           <a:p>
             <a:fld id="{D788A639-B81C-4455-ABEE-AAB245CF3941}" type="datetimeFigureOut">
               <a:rPr lang="en-US" smtClean="0"/>
-              <a:t>3/25/2023</a:t>
+              <a:t>4/13/2023</a:t>
             </a:fld>
             <a:endParaRPr lang="en-US"/>
           </a:p>
@@ -4061,7 +3968,7 @@
           <a:p>
             <a:fld id="{D788A639-B81C-4455-ABEE-AAB245CF3941}" type="datetimeFigureOut">
               <a:rPr lang="en-US" smtClean="0"/>
-              <a:t>3/25/2023</a:t>
+              <a:t>4/13/2023</a:t>
             </a:fld>
             <a:endParaRPr lang="en-US"/>
           </a:p>
@@ -4302,7 +4209,7 @@
           <a:p>
             <a:fld id="{D788A639-B81C-4455-ABEE-AAB245CF3941}" type="datetimeFigureOut">
               <a:rPr lang="en-US" smtClean="0"/>
-              <a:t>3/25/2023</a:t>
+              <a:t>4/13/2023</a:t>
             </a:fld>
             <a:endParaRPr lang="en-US"/>
           </a:p>
@@ -4833,2680 +4740,6 @@
     <p:extLst>
       <p:ext uri="{BB962C8B-B14F-4D97-AF65-F5344CB8AC3E}">
         <p14:creationId xmlns:p14="http://schemas.microsoft.com/office/powerpoint/2010/main" val="535035816"/>
-      </p:ext>
-    </p:extLst>
-  </p:cSld>
-  <p:clrMapOvr>
-    <a:masterClrMapping/>
-  </p:clrMapOvr>
-</p:sld>
-</file>
-
-<file path=ppt/slides/slide10.xml><?xml version="1.0" encoding="utf-8"?>
-<p:sld xmlns:a="http://schemas.openxmlformats.org/drawingml/2006/main" xmlns:r="http://schemas.openxmlformats.org/officeDocument/2006/relationships" xmlns:p="http://schemas.openxmlformats.org/presentationml/2006/main">
-  <p:cSld>
-    <p:spTree>
-      <p:nvGrpSpPr>
-        <p:cNvPr id="1" name=""/>
-        <p:cNvGrpSpPr/>
-        <p:nvPr/>
-      </p:nvGrpSpPr>
-      <p:grpSpPr>
-        <a:xfrm>
-          <a:off x="0" y="0"/>
-          <a:ext cx="0" cy="0"/>
-          <a:chOff x="0" y="0"/>
-          <a:chExt cx="0" cy="0"/>
-        </a:xfrm>
-      </p:grpSpPr>
-      <p:sp>
-        <p:nvSpPr>
-          <p:cNvPr id="52" name="Oval 51">
-            <a:extLst>
-              <a:ext uri="{FF2B5EF4-FFF2-40B4-BE49-F238E27FC236}">
-                <a16:creationId xmlns:a16="http://schemas.microsoft.com/office/drawing/2014/main" id="{5CD072F4-4364-44BA-8AD1-AEAEEAB6E7E6}"/>
-              </a:ext>
-            </a:extLst>
-          </p:cNvPr>
-          <p:cNvSpPr/>
-          <p:nvPr/>
-        </p:nvSpPr>
-        <p:spPr>
-          <a:xfrm>
-            <a:off x="2495198" y="2478099"/>
-            <a:ext cx="1148948" cy="1104297"/>
-          </a:xfrm>
-          <a:prstGeom prst="ellipse">
-            <a:avLst/>
-          </a:prstGeom>
-        </p:spPr>
-        <p:style>
-          <a:lnRef idx="2">
-            <a:schemeClr val="accent2"/>
-          </a:lnRef>
-          <a:fillRef idx="1">
-            <a:schemeClr val="lt1"/>
-          </a:fillRef>
-          <a:effectRef idx="0">
-            <a:schemeClr val="accent2"/>
-          </a:effectRef>
-          <a:fontRef idx="minor">
-            <a:schemeClr val="dk1"/>
-          </a:fontRef>
-        </p:style>
-        <p:txBody>
-          <a:bodyPr rtlCol="0" anchor="ctr"/>
-          <a:lstStyle/>
-          <a:p>
-            <a:pPr algn="ctr"/>
-            <a:endParaRPr lang="en-US"/>
-          </a:p>
-        </p:txBody>
-      </p:sp>
-      <p:sp>
-        <p:nvSpPr>
-          <p:cNvPr id="2" name="Title 1">
-            <a:extLst>
-              <a:ext uri="{FF2B5EF4-FFF2-40B4-BE49-F238E27FC236}">
-                <a16:creationId xmlns:a16="http://schemas.microsoft.com/office/drawing/2014/main" id="{0E3722C8-42C0-462F-97DC-EDBD653D1579}"/>
-              </a:ext>
-            </a:extLst>
-          </p:cNvPr>
-          <p:cNvSpPr>
-            <a:spLocks noGrp="1"/>
-          </p:cNvSpPr>
-          <p:nvPr>
-            <p:ph type="title"/>
-          </p:nvPr>
-        </p:nvSpPr>
-        <p:spPr>
-          <a:xfrm>
-            <a:off x="838200" y="365126"/>
-            <a:ext cx="10515600" cy="697556"/>
-          </a:xfrm>
-        </p:spPr>
-        <p:txBody>
-          <a:bodyPr/>
-          <a:lstStyle/>
-          <a:p>
-            <a:r>
-              <a:rPr lang="en-US" dirty="0"/>
-              <a:t>More complex boundaries</a:t>
-            </a:r>
-          </a:p>
-        </p:txBody>
-      </p:sp>
-      <p:sp>
-        <p:nvSpPr>
-          <p:cNvPr id="4" name="TextBox 3">
-            <a:extLst>
-              <a:ext uri="{FF2B5EF4-FFF2-40B4-BE49-F238E27FC236}">
-                <a16:creationId xmlns:a16="http://schemas.microsoft.com/office/drawing/2014/main" id="{AD65D475-87FB-476A-817F-E55CF9BA2362}"/>
-              </a:ext>
-            </a:extLst>
-          </p:cNvPr>
-          <p:cNvSpPr txBox="1"/>
-          <p:nvPr/>
-        </p:nvSpPr>
-        <p:spPr>
-          <a:xfrm>
-            <a:off x="4154248" y="2879618"/>
-            <a:ext cx="241668" cy="253234"/>
-          </a:xfrm>
-          <a:prstGeom prst="rect">
-            <a:avLst/>
-          </a:prstGeom>
-          <a:noFill/>
-          <a:ln w="19050">
-            <a:noFill/>
-          </a:ln>
-        </p:spPr>
-        <p:txBody>
-          <a:bodyPr wrap="none" rtlCol="0">
-            <a:spAutoFit/>
-          </a:bodyPr>
-          <a:lstStyle/>
-          <a:p>
-            <a:r>
-              <a:rPr lang="en-US" sz="2000" dirty="0">
-                <a:solidFill>
-                  <a:prstClr val="black"/>
-                </a:solidFill>
-                <a:latin typeface="Calibri"/>
-              </a:rPr>
-              <a:t>x</a:t>
-            </a:r>
-            <a:r>
-              <a:rPr lang="en-US" sz="2000" baseline="-25000" dirty="0">
-                <a:solidFill>
-                  <a:prstClr val="black"/>
-                </a:solidFill>
-                <a:latin typeface="Calibri"/>
-              </a:rPr>
-              <a:t>1</a:t>
-            </a:r>
-          </a:p>
-        </p:txBody>
-      </p:sp>
-      <p:sp>
-        <p:nvSpPr>
-          <p:cNvPr id="5" name="TextBox 4">
-            <a:extLst>
-              <a:ext uri="{FF2B5EF4-FFF2-40B4-BE49-F238E27FC236}">
-                <a16:creationId xmlns:a16="http://schemas.microsoft.com/office/drawing/2014/main" id="{0BDB3D22-D811-4872-8FE0-0E2A9E4CDD81}"/>
-              </a:ext>
-            </a:extLst>
-          </p:cNvPr>
-          <p:cNvSpPr txBox="1"/>
-          <p:nvPr/>
-        </p:nvSpPr>
-        <p:spPr>
-          <a:xfrm>
-            <a:off x="2741731" y="1617329"/>
-            <a:ext cx="241668" cy="253234"/>
-          </a:xfrm>
-          <a:prstGeom prst="rect">
-            <a:avLst/>
-          </a:prstGeom>
-          <a:noFill/>
-          <a:ln w="19050">
-            <a:noFill/>
-          </a:ln>
-        </p:spPr>
-        <p:txBody>
-          <a:bodyPr wrap="none" rtlCol="0">
-            <a:spAutoFit/>
-          </a:bodyPr>
-          <a:lstStyle/>
-          <a:p>
-            <a:r>
-              <a:rPr lang="en-US" sz="2000" dirty="0">
-                <a:solidFill>
-                  <a:prstClr val="black"/>
-                </a:solidFill>
-                <a:latin typeface="Calibri"/>
-              </a:rPr>
-              <a:t>x</a:t>
-            </a:r>
-            <a:r>
-              <a:rPr lang="en-US" sz="2000" baseline="-25000" dirty="0">
-                <a:solidFill>
-                  <a:prstClr val="black"/>
-                </a:solidFill>
-                <a:latin typeface="Calibri"/>
-              </a:rPr>
-              <a:t>2</a:t>
-            </a:r>
-          </a:p>
-        </p:txBody>
-      </p:sp>
-      <p:cxnSp>
-        <p:nvCxnSpPr>
-          <p:cNvPr id="6" name="Straight Arrow Connector 5">
-            <a:extLst>
-              <a:ext uri="{FF2B5EF4-FFF2-40B4-BE49-F238E27FC236}">
-                <a16:creationId xmlns:a16="http://schemas.microsoft.com/office/drawing/2014/main" id="{E7A5A2C9-8199-404A-B871-F962C343F04E}"/>
-              </a:ext>
-            </a:extLst>
-          </p:cNvPr>
-          <p:cNvCxnSpPr/>
-          <p:nvPr/>
-        </p:nvCxnSpPr>
-        <p:spPr>
-          <a:xfrm flipV="1">
-            <a:off x="3085057" y="1927189"/>
-            <a:ext cx="0" cy="2119134"/>
-          </a:xfrm>
-          <a:prstGeom prst="straightConnector1">
-            <a:avLst/>
-          </a:prstGeom>
-          <a:ln w="19050">
-            <a:solidFill>
-              <a:schemeClr val="bg1">
-                <a:lumMod val="50000"/>
-              </a:schemeClr>
-            </a:solidFill>
-            <a:tailEnd type="arrow"/>
-          </a:ln>
-        </p:spPr>
-        <p:style>
-          <a:lnRef idx="1">
-            <a:schemeClr val="accent1"/>
-          </a:lnRef>
-          <a:fillRef idx="0">
-            <a:schemeClr val="accent1"/>
-          </a:fillRef>
-          <a:effectRef idx="0">
-            <a:schemeClr val="accent1"/>
-          </a:effectRef>
-          <a:fontRef idx="minor">
-            <a:schemeClr val="tx1"/>
-          </a:fontRef>
-        </p:style>
-      </p:cxnSp>
-      <p:cxnSp>
-        <p:nvCxnSpPr>
-          <p:cNvPr id="7" name="Straight Arrow Connector 6">
-            <a:extLst>
-              <a:ext uri="{FF2B5EF4-FFF2-40B4-BE49-F238E27FC236}">
-                <a16:creationId xmlns:a16="http://schemas.microsoft.com/office/drawing/2014/main" id="{CFA17E53-DBC4-41FD-B0BA-2FEB699282DD}"/>
-              </a:ext>
-            </a:extLst>
-          </p:cNvPr>
-          <p:cNvCxnSpPr/>
-          <p:nvPr/>
-        </p:nvCxnSpPr>
-        <p:spPr>
-          <a:xfrm>
-            <a:off x="2051262" y="3023546"/>
-            <a:ext cx="2018631" cy="0"/>
-          </a:xfrm>
-          <a:prstGeom prst="straightConnector1">
-            <a:avLst/>
-          </a:prstGeom>
-          <a:ln w="19050">
-            <a:solidFill>
-              <a:schemeClr val="bg1">
-                <a:lumMod val="50000"/>
-              </a:schemeClr>
-            </a:solidFill>
-            <a:tailEnd type="arrow"/>
-          </a:ln>
-        </p:spPr>
-        <p:style>
-          <a:lnRef idx="1">
-            <a:schemeClr val="accent1"/>
-          </a:lnRef>
-          <a:fillRef idx="0">
-            <a:schemeClr val="accent1"/>
-          </a:fillRef>
-          <a:effectRef idx="0">
-            <a:schemeClr val="accent1"/>
-          </a:effectRef>
-          <a:fontRef idx="minor">
-            <a:schemeClr val="tx1"/>
-          </a:fontRef>
-        </p:style>
-      </p:cxnSp>
-      <p:pic>
-        <p:nvPicPr>
-          <p:cNvPr id="8" name="Picture 7">
-            <a:extLst>
-              <a:ext uri="{FF2B5EF4-FFF2-40B4-BE49-F238E27FC236}">
-                <a16:creationId xmlns:a16="http://schemas.microsoft.com/office/drawing/2014/main" id="{AA02CA60-8729-4884-88E6-2BDEDDDDD956}"/>
-              </a:ext>
-            </a:extLst>
-          </p:cNvPr>
-          <p:cNvPicPr>
-            <a:picLocks noChangeAspect="1"/>
-          </p:cNvPicPr>
-          <p:nvPr>
-            <p:custDataLst>
-              <p:tags r:id="rId1"/>
-            </p:custDataLst>
-          </p:nvPr>
-        </p:nvPicPr>
-        <p:blipFill>
-          <a:blip r:embed="rId9" cstate="print">
-            <a:extLst>
-              <a:ext uri="{28A0092B-C50C-407E-A947-70E740481C1C}">
-                <a14:useLocalDpi xmlns:a14="http://schemas.microsoft.com/office/drawing/2010/main" val="0"/>
-              </a:ext>
-            </a:extLst>
-          </a:blip>
-          <a:stretch>
-            <a:fillRect/>
-          </a:stretch>
-        </p:blipFill>
-        <p:spPr>
-          <a:xfrm>
-            <a:off x="4748914" y="1998448"/>
-            <a:ext cx="4147185" cy="357378"/>
-          </a:xfrm>
-          <a:prstGeom prst="rect">
-            <a:avLst/>
-          </a:prstGeom>
-        </p:spPr>
-      </p:pic>
-      <p:pic>
-        <p:nvPicPr>
-          <p:cNvPr id="9" name="Picture 8">
-            <a:extLst>
-              <a:ext uri="{FF2B5EF4-FFF2-40B4-BE49-F238E27FC236}">
-                <a16:creationId xmlns:a16="http://schemas.microsoft.com/office/drawing/2014/main" id="{457402BA-9566-4CB9-BA7B-3CF851381D4D}"/>
-              </a:ext>
-            </a:extLst>
-          </p:cNvPr>
-          <p:cNvPicPr>
-            <a:picLocks noChangeAspect="1"/>
-          </p:cNvPicPr>
-          <p:nvPr>
-            <p:custDataLst>
-              <p:tags r:id="rId2"/>
-            </p:custDataLst>
-          </p:nvPr>
-        </p:nvPicPr>
-        <p:blipFill>
-          <a:blip r:embed="rId10" cstate="print">
-            <a:extLst>
-              <a:ext uri="{28A0092B-C50C-407E-A947-70E740481C1C}">
-                <a14:useLocalDpi xmlns:a14="http://schemas.microsoft.com/office/drawing/2010/main" val="0"/>
-              </a:ext>
-            </a:extLst>
-          </a:blip>
-          <a:stretch>
-            <a:fillRect/>
-          </a:stretch>
-        </p:blipFill>
-        <p:spPr>
-          <a:xfrm>
-            <a:off x="6832031" y="2485158"/>
-            <a:ext cx="2168271" cy="384048"/>
-          </a:xfrm>
-          <a:prstGeom prst="rect">
-            <a:avLst/>
-          </a:prstGeom>
-        </p:spPr>
-      </p:pic>
-      <p:sp>
-        <p:nvSpPr>
-          <p:cNvPr id="10" name="TextBox 9">
-            <a:extLst>
-              <a:ext uri="{FF2B5EF4-FFF2-40B4-BE49-F238E27FC236}">
-                <a16:creationId xmlns:a16="http://schemas.microsoft.com/office/drawing/2014/main" id="{C74C014C-97EE-493F-B025-89C113991CA9}"/>
-              </a:ext>
-            </a:extLst>
-          </p:cNvPr>
-          <p:cNvSpPr txBox="1"/>
-          <p:nvPr/>
-        </p:nvSpPr>
-        <p:spPr>
-          <a:xfrm>
-            <a:off x="4181336" y="3436723"/>
-            <a:ext cx="5410200" cy="523220"/>
-          </a:xfrm>
-          <a:prstGeom prst="rect">
-            <a:avLst/>
-          </a:prstGeom>
-          <a:noFill/>
-        </p:spPr>
-        <p:txBody>
-          <a:bodyPr wrap="square" rtlCol="0">
-            <a:spAutoFit/>
-          </a:bodyPr>
-          <a:lstStyle/>
-          <a:p>
-            <a:r>
-              <a:rPr lang="en-US" sz="2800" dirty="0">
-                <a:solidFill>
-                  <a:prstClr val="black"/>
-                </a:solidFill>
-                <a:latin typeface="Calibri"/>
-              </a:rPr>
-              <a:t>Predict “          “ if </a:t>
-            </a:r>
-          </a:p>
-        </p:txBody>
-      </p:sp>
-      <p:pic>
-        <p:nvPicPr>
-          <p:cNvPr id="11" name="Picture 10">
-            <a:extLst>
-              <a:ext uri="{FF2B5EF4-FFF2-40B4-BE49-F238E27FC236}">
-                <a16:creationId xmlns:a16="http://schemas.microsoft.com/office/drawing/2014/main" id="{57FC82EE-B9BF-426B-8D60-D4587DA7248D}"/>
-              </a:ext>
-            </a:extLst>
-          </p:cNvPr>
-          <p:cNvPicPr>
-            <a:picLocks noChangeAspect="1"/>
-          </p:cNvPicPr>
-          <p:nvPr>
-            <p:custDataLst>
-              <p:tags r:id="rId3"/>
-            </p:custDataLst>
-          </p:nvPr>
-        </p:nvPicPr>
-        <p:blipFill>
-          <a:blip r:embed="rId11" cstate="print">
-            <a:extLst>
-              <a:ext uri="{28A0092B-C50C-407E-A947-70E740481C1C}">
-                <a14:useLocalDpi xmlns:a14="http://schemas.microsoft.com/office/drawing/2010/main" val="0"/>
-              </a:ext>
-            </a:extLst>
-          </a:blip>
-          <a:stretch>
-            <a:fillRect/>
-          </a:stretch>
-        </p:blipFill>
-        <p:spPr>
-          <a:xfrm>
-            <a:off x="5562652" y="3567160"/>
-            <a:ext cx="800100" cy="309372"/>
-          </a:xfrm>
-          <a:prstGeom prst="rect">
-            <a:avLst/>
-          </a:prstGeom>
-        </p:spPr>
-      </p:pic>
-      <p:pic>
-        <p:nvPicPr>
-          <p:cNvPr id="12" name="Picture 11">
-            <a:extLst>
-              <a:ext uri="{FF2B5EF4-FFF2-40B4-BE49-F238E27FC236}">
-                <a16:creationId xmlns:a16="http://schemas.microsoft.com/office/drawing/2014/main" id="{FBAFE135-2E95-4F40-A6E3-8B372BF4FBD5}"/>
-              </a:ext>
-            </a:extLst>
-          </p:cNvPr>
-          <p:cNvPicPr>
-            <a:picLocks noChangeAspect="1"/>
-          </p:cNvPicPr>
-          <p:nvPr>
-            <p:custDataLst>
-              <p:tags r:id="rId4"/>
-            </p:custDataLst>
-          </p:nvPr>
-        </p:nvPicPr>
-        <p:blipFill>
-          <a:blip r:embed="rId12" cstate="print">
-            <a:extLst>
-              <a:ext uri="{28A0092B-C50C-407E-A947-70E740481C1C}">
-                <a14:useLocalDpi xmlns:a14="http://schemas.microsoft.com/office/drawing/2010/main" val="0"/>
-              </a:ext>
-            </a:extLst>
-          </a:blip>
-          <a:stretch>
-            <a:fillRect/>
-          </a:stretch>
-        </p:blipFill>
-        <p:spPr>
-          <a:xfrm>
-            <a:off x="7007404" y="3545423"/>
-            <a:ext cx="2650998" cy="384048"/>
-          </a:xfrm>
-          <a:prstGeom prst="rect">
-            <a:avLst/>
-          </a:prstGeom>
-        </p:spPr>
-      </p:pic>
-      <p:pic>
-        <p:nvPicPr>
-          <p:cNvPr id="13" name="Picture 12">
-            <a:extLst>
-              <a:ext uri="{FF2B5EF4-FFF2-40B4-BE49-F238E27FC236}">
-                <a16:creationId xmlns:a16="http://schemas.microsoft.com/office/drawing/2014/main" id="{A7773BFF-D93D-4972-B8BD-33EC54BB5646}"/>
-              </a:ext>
-            </a:extLst>
-          </p:cNvPr>
-          <p:cNvPicPr>
-            <a:picLocks noChangeAspect="1"/>
-          </p:cNvPicPr>
-          <p:nvPr>
-            <p:custDataLst>
-              <p:tags r:id="rId5"/>
-            </p:custDataLst>
-          </p:nvPr>
-        </p:nvPicPr>
-        <p:blipFill>
-          <a:blip r:embed="rId13" cstate="print">
-            <a:extLst>
-              <a:ext uri="{28A0092B-C50C-407E-A947-70E740481C1C}">
-                <a14:useLocalDpi xmlns:a14="http://schemas.microsoft.com/office/drawing/2010/main" val="0"/>
-              </a:ext>
-            </a:extLst>
-          </a:blip>
-          <a:stretch>
-            <a:fillRect/>
-          </a:stretch>
-        </p:blipFill>
-        <p:spPr>
-          <a:xfrm>
-            <a:off x="4410127" y="4787349"/>
-            <a:ext cx="5267325" cy="384048"/>
-          </a:xfrm>
-          <a:prstGeom prst="rect">
-            <a:avLst/>
-          </a:prstGeom>
-        </p:spPr>
-      </p:pic>
-      <p:sp>
-        <p:nvSpPr>
-          <p:cNvPr id="14" name="TextBox 13">
-            <a:extLst>
-              <a:ext uri="{FF2B5EF4-FFF2-40B4-BE49-F238E27FC236}">
-                <a16:creationId xmlns:a16="http://schemas.microsoft.com/office/drawing/2014/main" id="{80BD4828-E3B7-455D-B14F-396AD81F59DF}"/>
-              </a:ext>
-            </a:extLst>
-          </p:cNvPr>
-          <p:cNvSpPr txBox="1"/>
-          <p:nvPr/>
-        </p:nvSpPr>
-        <p:spPr>
-          <a:xfrm>
-            <a:off x="3522622" y="4936089"/>
-            <a:ext cx="241668" cy="253234"/>
-          </a:xfrm>
-          <a:prstGeom prst="rect">
-            <a:avLst/>
-          </a:prstGeom>
-          <a:noFill/>
-          <a:ln w="19050">
-            <a:noFill/>
-          </a:ln>
-        </p:spPr>
-        <p:txBody>
-          <a:bodyPr wrap="none" rtlCol="0">
-            <a:spAutoFit/>
-          </a:bodyPr>
-          <a:lstStyle/>
-          <a:p>
-            <a:r>
-              <a:rPr lang="en-US" sz="2000" dirty="0">
-                <a:solidFill>
-                  <a:prstClr val="black"/>
-                </a:solidFill>
-                <a:latin typeface="Calibri"/>
-              </a:rPr>
-              <a:t>x</a:t>
-            </a:r>
-            <a:r>
-              <a:rPr lang="en-US" sz="2000" baseline="-25000" dirty="0">
-                <a:solidFill>
-                  <a:prstClr val="black"/>
-                </a:solidFill>
-                <a:latin typeface="Calibri"/>
-              </a:rPr>
-              <a:t>1</a:t>
-            </a:r>
-          </a:p>
-        </p:txBody>
-      </p:sp>
-      <p:sp>
-        <p:nvSpPr>
-          <p:cNvPr id="15" name="TextBox 14">
-            <a:extLst>
-              <a:ext uri="{FF2B5EF4-FFF2-40B4-BE49-F238E27FC236}">
-                <a16:creationId xmlns:a16="http://schemas.microsoft.com/office/drawing/2014/main" id="{2256BC66-5383-4E96-BFDC-0465EF42CE1F}"/>
-              </a:ext>
-            </a:extLst>
-          </p:cNvPr>
-          <p:cNvSpPr txBox="1"/>
-          <p:nvPr/>
-        </p:nvSpPr>
-        <p:spPr>
-          <a:xfrm>
-            <a:off x="2332392" y="3894314"/>
-            <a:ext cx="241668" cy="253234"/>
-          </a:xfrm>
-          <a:prstGeom prst="rect">
-            <a:avLst/>
-          </a:prstGeom>
-          <a:noFill/>
-          <a:ln w="19050">
-            <a:noFill/>
-          </a:ln>
-        </p:spPr>
-        <p:txBody>
-          <a:bodyPr wrap="none" rtlCol="0">
-            <a:spAutoFit/>
-          </a:bodyPr>
-          <a:lstStyle/>
-          <a:p>
-            <a:r>
-              <a:rPr lang="en-US" sz="2000" dirty="0">
-                <a:solidFill>
-                  <a:prstClr val="black"/>
-                </a:solidFill>
-                <a:latin typeface="Calibri"/>
-              </a:rPr>
-              <a:t>x</a:t>
-            </a:r>
-            <a:r>
-              <a:rPr lang="en-US" sz="2000" baseline="-25000" dirty="0">
-                <a:solidFill>
-                  <a:prstClr val="black"/>
-                </a:solidFill>
-                <a:latin typeface="Calibri"/>
-              </a:rPr>
-              <a:t>2</a:t>
-            </a:r>
-          </a:p>
-        </p:txBody>
-      </p:sp>
-      <p:cxnSp>
-        <p:nvCxnSpPr>
-          <p:cNvPr id="16" name="Straight Arrow Connector 15">
-            <a:extLst>
-              <a:ext uri="{FF2B5EF4-FFF2-40B4-BE49-F238E27FC236}">
-                <a16:creationId xmlns:a16="http://schemas.microsoft.com/office/drawing/2014/main" id="{0F135DFE-EC6C-4B2C-A1F4-0ED31BFAF095}"/>
-              </a:ext>
-            </a:extLst>
-          </p:cNvPr>
-          <p:cNvCxnSpPr/>
-          <p:nvPr/>
-        </p:nvCxnSpPr>
-        <p:spPr>
-          <a:xfrm flipV="1">
-            <a:off x="2666286" y="4204174"/>
-            <a:ext cx="9432" cy="1686942"/>
-          </a:xfrm>
-          <a:prstGeom prst="straightConnector1">
-            <a:avLst/>
-          </a:prstGeom>
-          <a:ln w="19050">
-            <a:solidFill>
-              <a:schemeClr val="bg1">
-                <a:lumMod val="50000"/>
-              </a:schemeClr>
-            </a:solidFill>
-            <a:tailEnd type="arrow"/>
-          </a:ln>
-        </p:spPr>
-        <p:style>
-          <a:lnRef idx="1">
-            <a:schemeClr val="accent1"/>
-          </a:lnRef>
-          <a:fillRef idx="0">
-            <a:schemeClr val="accent1"/>
-          </a:fillRef>
-          <a:effectRef idx="0">
-            <a:schemeClr val="accent1"/>
-          </a:effectRef>
-          <a:fontRef idx="minor">
-            <a:schemeClr val="tx1"/>
-          </a:fontRef>
-        </p:style>
-      </p:cxnSp>
-      <p:cxnSp>
-        <p:nvCxnSpPr>
-          <p:cNvPr id="17" name="Straight Arrow Connector 16">
-            <a:extLst>
-              <a:ext uri="{FF2B5EF4-FFF2-40B4-BE49-F238E27FC236}">
-                <a16:creationId xmlns:a16="http://schemas.microsoft.com/office/drawing/2014/main" id="{2A355D88-78D0-486E-8D47-1CED925363D6}"/>
-              </a:ext>
-            </a:extLst>
-          </p:cNvPr>
-          <p:cNvCxnSpPr/>
-          <p:nvPr/>
-        </p:nvCxnSpPr>
-        <p:spPr>
-          <a:xfrm>
-            <a:off x="1821245" y="5101462"/>
-            <a:ext cx="1728659" cy="0"/>
-          </a:xfrm>
-          <a:prstGeom prst="straightConnector1">
-            <a:avLst/>
-          </a:prstGeom>
-          <a:ln w="19050">
-            <a:solidFill>
-              <a:schemeClr val="bg1">
-                <a:lumMod val="50000"/>
-              </a:schemeClr>
-            </a:solidFill>
-            <a:tailEnd type="arrow"/>
-          </a:ln>
-        </p:spPr>
-        <p:style>
-          <a:lnRef idx="1">
-            <a:schemeClr val="accent1"/>
-          </a:lnRef>
-          <a:fillRef idx="0">
-            <a:schemeClr val="accent1"/>
-          </a:fillRef>
-          <a:effectRef idx="0">
-            <a:schemeClr val="accent1"/>
-          </a:effectRef>
-          <a:fontRef idx="minor">
-            <a:schemeClr val="tx1"/>
-          </a:fontRef>
-        </p:style>
-      </p:cxnSp>
-      <p:pic>
-        <p:nvPicPr>
-          <p:cNvPr id="18" name="Picture 17">
-            <a:extLst>
-              <a:ext uri="{FF2B5EF4-FFF2-40B4-BE49-F238E27FC236}">
-                <a16:creationId xmlns:a16="http://schemas.microsoft.com/office/drawing/2014/main" id="{5F87B9F4-F40D-4AE4-8753-C8F932EB4834}"/>
-              </a:ext>
-            </a:extLst>
-          </p:cNvPr>
-          <p:cNvPicPr>
-            <a:picLocks noChangeAspect="1"/>
-          </p:cNvPicPr>
-          <p:nvPr>
-            <p:custDataLst>
-              <p:tags r:id="rId6"/>
-            </p:custDataLst>
-          </p:nvPr>
-        </p:nvPicPr>
-        <p:blipFill>
-          <a:blip r:embed="rId14" cstate="print">
-            <a:extLst>
-              <a:ext uri="{28A0092B-C50C-407E-A947-70E740481C1C}">
-                <a14:useLocalDpi xmlns:a14="http://schemas.microsoft.com/office/drawing/2010/main" val="0"/>
-              </a:ext>
-            </a:extLst>
-          </a:blip>
-          <a:stretch>
-            <a:fillRect/>
-          </a:stretch>
-        </p:blipFill>
-        <p:spPr>
-          <a:xfrm>
-            <a:off x="4510216" y="5262475"/>
-            <a:ext cx="5277993" cy="384048"/>
-          </a:xfrm>
-          <a:prstGeom prst="rect">
-            <a:avLst/>
-          </a:prstGeom>
-        </p:spPr>
-      </p:pic>
-      <p:grpSp>
-        <p:nvGrpSpPr>
-          <p:cNvPr id="19" name="Group 18">
-            <a:extLst>
-              <a:ext uri="{FF2B5EF4-FFF2-40B4-BE49-F238E27FC236}">
-                <a16:creationId xmlns:a16="http://schemas.microsoft.com/office/drawing/2014/main" id="{EE6DC815-3675-472B-8213-C9E0AAF2C1C5}"/>
-              </a:ext>
-            </a:extLst>
-          </p:cNvPr>
-          <p:cNvGrpSpPr/>
-          <p:nvPr/>
-        </p:nvGrpSpPr>
-        <p:grpSpPr>
-          <a:xfrm>
-            <a:off x="2122671" y="2077293"/>
-            <a:ext cx="1814029" cy="1829875"/>
-            <a:chOff x="812855" y="1212320"/>
-            <a:chExt cx="1814029" cy="1829875"/>
-          </a:xfrm>
-        </p:grpSpPr>
-        <p:sp>
-          <p:nvSpPr>
-            <p:cNvPr id="20" name="Oval 19">
-              <a:extLst>
-                <a:ext uri="{FF2B5EF4-FFF2-40B4-BE49-F238E27FC236}">
-                  <a16:creationId xmlns:a16="http://schemas.microsoft.com/office/drawing/2014/main" id="{1A4DAD53-143B-4F93-904A-696DD05C8F66}"/>
-                </a:ext>
-              </a:extLst>
-            </p:cNvPr>
-            <p:cNvSpPr/>
-            <p:nvPr/>
-          </p:nvSpPr>
-          <p:spPr>
-            <a:xfrm>
-              <a:off x="1366477" y="2319308"/>
-              <a:ext cx="153439" cy="153439"/>
-            </a:xfrm>
-            <a:prstGeom prst="ellipse">
-              <a:avLst/>
-            </a:prstGeom>
-            <a:noFill/>
-            <a:ln w="19050">
-              <a:solidFill>
-                <a:schemeClr val="tx2">
-                  <a:lumMod val="60000"/>
-                  <a:lumOff val="40000"/>
-                </a:schemeClr>
-              </a:solidFill>
-            </a:ln>
-          </p:spPr>
-          <p:style>
-            <a:lnRef idx="2">
-              <a:schemeClr val="accent1">
-                <a:shade val="50000"/>
-              </a:schemeClr>
-            </a:lnRef>
-            <a:fillRef idx="1">
-              <a:schemeClr val="accent1"/>
-            </a:fillRef>
-            <a:effectRef idx="0">
-              <a:schemeClr val="accent1"/>
-            </a:effectRef>
-            <a:fontRef idx="minor">
-              <a:schemeClr val="lt1"/>
-            </a:fontRef>
-          </p:style>
-          <p:txBody>
-            <a:bodyPr rtlCol="0" anchor="ctr"/>
-            <a:lstStyle/>
-            <a:p>
-              <a:pPr algn="ctr"/>
-              <a:endParaRPr lang="en-US">
-                <a:solidFill>
-                  <a:prstClr val="white"/>
-                </a:solidFill>
-                <a:latin typeface="Calibri"/>
-              </a:endParaRPr>
-            </a:p>
-          </p:txBody>
-        </p:sp>
-        <p:sp>
-          <p:nvSpPr>
-            <p:cNvPr id="21" name="Oval 20">
-              <a:extLst>
-                <a:ext uri="{FF2B5EF4-FFF2-40B4-BE49-F238E27FC236}">
-                  <a16:creationId xmlns:a16="http://schemas.microsoft.com/office/drawing/2014/main" id="{5127E32E-D17F-441C-9A47-FE9F611E2325}"/>
-                </a:ext>
-              </a:extLst>
-            </p:cNvPr>
-            <p:cNvSpPr/>
-            <p:nvPr/>
-          </p:nvSpPr>
-          <p:spPr>
-            <a:xfrm>
-              <a:off x="1597322" y="2376201"/>
-              <a:ext cx="153439" cy="153439"/>
-            </a:xfrm>
-            <a:prstGeom prst="ellipse">
-              <a:avLst/>
-            </a:prstGeom>
-            <a:noFill/>
-            <a:ln w="19050">
-              <a:solidFill>
-                <a:schemeClr val="tx2">
-                  <a:lumMod val="60000"/>
-                  <a:lumOff val="40000"/>
-                </a:schemeClr>
-              </a:solidFill>
-            </a:ln>
-          </p:spPr>
-          <p:style>
-            <a:lnRef idx="2">
-              <a:schemeClr val="accent1">
-                <a:shade val="50000"/>
-              </a:schemeClr>
-            </a:lnRef>
-            <a:fillRef idx="1">
-              <a:schemeClr val="accent1"/>
-            </a:fillRef>
-            <a:effectRef idx="0">
-              <a:schemeClr val="accent1"/>
-            </a:effectRef>
-            <a:fontRef idx="minor">
-              <a:schemeClr val="lt1"/>
-            </a:fontRef>
-          </p:style>
-          <p:txBody>
-            <a:bodyPr rtlCol="0" anchor="ctr"/>
-            <a:lstStyle/>
-            <a:p>
-              <a:pPr algn="ctr"/>
-              <a:endParaRPr lang="en-US">
-                <a:solidFill>
-                  <a:prstClr val="white"/>
-                </a:solidFill>
-                <a:latin typeface="Calibri"/>
-              </a:endParaRPr>
-            </a:p>
-          </p:txBody>
-        </p:sp>
-        <p:sp>
-          <p:nvSpPr>
-            <p:cNvPr id="22" name="Oval 21">
-              <a:extLst>
-                <a:ext uri="{FF2B5EF4-FFF2-40B4-BE49-F238E27FC236}">
-                  <a16:creationId xmlns:a16="http://schemas.microsoft.com/office/drawing/2014/main" id="{11CCFCA3-8E8B-448C-B567-7772DE77D2EC}"/>
-                </a:ext>
-              </a:extLst>
-            </p:cNvPr>
-            <p:cNvSpPr/>
-            <p:nvPr/>
-          </p:nvSpPr>
-          <p:spPr>
-            <a:xfrm>
-              <a:off x="1538039" y="2147626"/>
-              <a:ext cx="153439" cy="153439"/>
-            </a:xfrm>
-            <a:prstGeom prst="ellipse">
-              <a:avLst/>
-            </a:prstGeom>
-            <a:noFill/>
-            <a:ln w="19050">
-              <a:solidFill>
-                <a:schemeClr val="tx2">
-                  <a:lumMod val="60000"/>
-                  <a:lumOff val="40000"/>
-                </a:schemeClr>
-              </a:solidFill>
-            </a:ln>
-          </p:spPr>
-          <p:style>
-            <a:lnRef idx="2">
-              <a:schemeClr val="accent1">
-                <a:shade val="50000"/>
-              </a:schemeClr>
-            </a:lnRef>
-            <a:fillRef idx="1">
-              <a:schemeClr val="accent1"/>
-            </a:fillRef>
-            <a:effectRef idx="0">
-              <a:schemeClr val="accent1"/>
-            </a:effectRef>
-            <a:fontRef idx="minor">
-              <a:schemeClr val="lt1"/>
-            </a:fontRef>
-          </p:style>
-          <p:txBody>
-            <a:bodyPr rtlCol="0" anchor="ctr"/>
-            <a:lstStyle/>
-            <a:p>
-              <a:pPr algn="ctr"/>
-              <a:endParaRPr lang="en-US">
-                <a:solidFill>
-                  <a:prstClr val="white"/>
-                </a:solidFill>
-                <a:latin typeface="Calibri"/>
-              </a:endParaRPr>
-            </a:p>
-          </p:txBody>
-        </p:sp>
-        <p:sp>
-          <p:nvSpPr>
-            <p:cNvPr id="23" name="Oval 22">
-              <a:extLst>
-                <a:ext uri="{FF2B5EF4-FFF2-40B4-BE49-F238E27FC236}">
-                  <a16:creationId xmlns:a16="http://schemas.microsoft.com/office/drawing/2014/main" id="{24993957-A2C6-4B75-A917-FFA690E87D03}"/>
-                </a:ext>
-              </a:extLst>
-            </p:cNvPr>
-            <p:cNvSpPr/>
-            <p:nvPr/>
-          </p:nvSpPr>
-          <p:spPr>
-            <a:xfrm>
-              <a:off x="1387791" y="1823930"/>
-              <a:ext cx="153439" cy="153439"/>
-            </a:xfrm>
-            <a:prstGeom prst="ellipse">
-              <a:avLst/>
-            </a:prstGeom>
-            <a:noFill/>
-            <a:ln w="19050">
-              <a:solidFill>
-                <a:schemeClr val="tx2">
-                  <a:lumMod val="60000"/>
-                  <a:lumOff val="40000"/>
-                </a:schemeClr>
-              </a:solidFill>
-            </a:ln>
-          </p:spPr>
-          <p:style>
-            <a:lnRef idx="2">
-              <a:schemeClr val="accent1">
-                <a:shade val="50000"/>
-              </a:schemeClr>
-            </a:lnRef>
-            <a:fillRef idx="1">
-              <a:schemeClr val="accent1"/>
-            </a:fillRef>
-            <a:effectRef idx="0">
-              <a:schemeClr val="accent1"/>
-            </a:effectRef>
-            <a:fontRef idx="minor">
-              <a:schemeClr val="lt1"/>
-            </a:fontRef>
-          </p:style>
-          <p:txBody>
-            <a:bodyPr rtlCol="0" anchor="ctr"/>
-            <a:lstStyle/>
-            <a:p>
-              <a:pPr algn="ctr"/>
-              <a:endParaRPr lang="en-US">
-                <a:solidFill>
-                  <a:prstClr val="white"/>
-                </a:solidFill>
-                <a:latin typeface="Calibri"/>
-              </a:endParaRPr>
-            </a:p>
-          </p:txBody>
-        </p:sp>
-        <p:sp>
-          <p:nvSpPr>
-            <p:cNvPr id="24" name="Oval 23">
-              <a:extLst>
-                <a:ext uri="{FF2B5EF4-FFF2-40B4-BE49-F238E27FC236}">
-                  <a16:creationId xmlns:a16="http://schemas.microsoft.com/office/drawing/2014/main" id="{A8FF0426-EE25-4328-8F5C-0098DD259F8F}"/>
-                </a:ext>
-              </a:extLst>
-            </p:cNvPr>
-            <p:cNvSpPr/>
-            <p:nvPr/>
-          </p:nvSpPr>
-          <p:spPr>
-            <a:xfrm>
-              <a:off x="1704237" y="1791140"/>
-              <a:ext cx="153439" cy="153439"/>
-            </a:xfrm>
-            <a:prstGeom prst="ellipse">
-              <a:avLst/>
-            </a:prstGeom>
-            <a:noFill/>
-            <a:ln w="19050">
-              <a:solidFill>
-                <a:schemeClr val="tx2">
-                  <a:lumMod val="60000"/>
-                  <a:lumOff val="40000"/>
-                </a:schemeClr>
-              </a:solidFill>
-            </a:ln>
-          </p:spPr>
-          <p:style>
-            <a:lnRef idx="2">
-              <a:schemeClr val="accent1">
-                <a:shade val="50000"/>
-              </a:schemeClr>
-            </a:lnRef>
-            <a:fillRef idx="1">
-              <a:schemeClr val="accent1"/>
-            </a:fillRef>
-            <a:effectRef idx="0">
-              <a:schemeClr val="accent1"/>
-            </a:effectRef>
-            <a:fontRef idx="minor">
-              <a:schemeClr val="lt1"/>
-            </a:fontRef>
-          </p:style>
-          <p:txBody>
-            <a:bodyPr rtlCol="0" anchor="ctr"/>
-            <a:lstStyle/>
-            <a:p>
-              <a:pPr algn="ctr"/>
-              <a:endParaRPr lang="en-US">
-                <a:solidFill>
-                  <a:prstClr val="white"/>
-                </a:solidFill>
-                <a:latin typeface="Calibri"/>
-              </a:endParaRPr>
-            </a:p>
-          </p:txBody>
-        </p:sp>
-        <p:sp>
-          <p:nvSpPr>
-            <p:cNvPr id="25" name="Oval 24">
-              <a:extLst>
-                <a:ext uri="{FF2B5EF4-FFF2-40B4-BE49-F238E27FC236}">
-                  <a16:creationId xmlns:a16="http://schemas.microsoft.com/office/drawing/2014/main" id="{B18B4522-39BD-4818-B439-1B444A87E36F}"/>
-                </a:ext>
-              </a:extLst>
-            </p:cNvPr>
-            <p:cNvSpPr/>
-            <p:nvPr/>
-          </p:nvSpPr>
-          <p:spPr>
-            <a:xfrm>
-              <a:off x="1531490" y="1927513"/>
-              <a:ext cx="153439" cy="153439"/>
-            </a:xfrm>
-            <a:prstGeom prst="ellipse">
-              <a:avLst/>
-            </a:prstGeom>
-            <a:noFill/>
-            <a:ln w="19050">
-              <a:solidFill>
-                <a:schemeClr val="tx2">
-                  <a:lumMod val="60000"/>
-                  <a:lumOff val="40000"/>
-                </a:schemeClr>
-              </a:solidFill>
-            </a:ln>
-          </p:spPr>
-          <p:style>
-            <a:lnRef idx="2">
-              <a:schemeClr val="accent1">
-                <a:shade val="50000"/>
-              </a:schemeClr>
-            </a:lnRef>
-            <a:fillRef idx="1">
-              <a:schemeClr val="accent1"/>
-            </a:fillRef>
-            <a:effectRef idx="0">
-              <a:schemeClr val="accent1"/>
-            </a:effectRef>
-            <a:fontRef idx="minor">
-              <a:schemeClr val="lt1"/>
-            </a:fontRef>
-          </p:style>
-          <p:txBody>
-            <a:bodyPr rtlCol="0" anchor="ctr"/>
-            <a:lstStyle/>
-            <a:p>
-              <a:pPr algn="ctr"/>
-              <a:endParaRPr lang="en-US">
-                <a:solidFill>
-                  <a:prstClr val="white"/>
-                </a:solidFill>
-                <a:latin typeface="Calibri"/>
-              </a:endParaRPr>
-            </a:p>
-          </p:txBody>
-        </p:sp>
-        <p:sp>
-          <p:nvSpPr>
-            <p:cNvPr id="26" name="Oval 25">
-              <a:extLst>
-                <a:ext uri="{FF2B5EF4-FFF2-40B4-BE49-F238E27FC236}">
-                  <a16:creationId xmlns:a16="http://schemas.microsoft.com/office/drawing/2014/main" id="{30D07982-EA2C-4D19-8DB8-FF0DAF110E4D}"/>
-                </a:ext>
-              </a:extLst>
-            </p:cNvPr>
-            <p:cNvSpPr/>
-            <p:nvPr/>
-          </p:nvSpPr>
-          <p:spPr>
-            <a:xfrm>
-              <a:off x="1295400" y="2064623"/>
-              <a:ext cx="153439" cy="153439"/>
-            </a:xfrm>
-            <a:prstGeom prst="ellipse">
-              <a:avLst/>
-            </a:prstGeom>
-            <a:noFill/>
-            <a:ln w="19050">
-              <a:solidFill>
-                <a:schemeClr val="tx2">
-                  <a:lumMod val="60000"/>
-                  <a:lumOff val="40000"/>
-                </a:schemeClr>
-              </a:solidFill>
-            </a:ln>
-          </p:spPr>
-          <p:style>
-            <a:lnRef idx="2">
-              <a:schemeClr val="accent1">
-                <a:shade val="50000"/>
-              </a:schemeClr>
-            </a:lnRef>
-            <a:fillRef idx="1">
-              <a:schemeClr val="accent1"/>
-            </a:fillRef>
-            <a:effectRef idx="0">
-              <a:schemeClr val="accent1"/>
-            </a:effectRef>
-            <a:fontRef idx="minor">
-              <a:schemeClr val="lt1"/>
-            </a:fontRef>
-          </p:style>
-          <p:txBody>
-            <a:bodyPr rtlCol="0" anchor="ctr"/>
-            <a:lstStyle/>
-            <a:p>
-              <a:pPr algn="ctr"/>
-              <a:endParaRPr lang="en-US">
-                <a:solidFill>
-                  <a:prstClr val="white"/>
-                </a:solidFill>
-                <a:latin typeface="Calibri"/>
-              </a:endParaRPr>
-            </a:p>
-          </p:txBody>
-        </p:sp>
-        <p:sp>
-          <p:nvSpPr>
-            <p:cNvPr id="27" name="Oval 26">
-              <a:extLst>
-                <a:ext uri="{FF2B5EF4-FFF2-40B4-BE49-F238E27FC236}">
-                  <a16:creationId xmlns:a16="http://schemas.microsoft.com/office/drawing/2014/main" id="{A3B22560-C79C-4655-9190-766C2C9478FB}"/>
-                </a:ext>
-              </a:extLst>
-            </p:cNvPr>
-            <p:cNvSpPr/>
-            <p:nvPr/>
-          </p:nvSpPr>
-          <p:spPr>
-            <a:xfrm>
-              <a:off x="1580767" y="1683859"/>
-              <a:ext cx="153439" cy="153439"/>
-            </a:xfrm>
-            <a:prstGeom prst="ellipse">
-              <a:avLst/>
-            </a:prstGeom>
-            <a:noFill/>
-            <a:ln w="19050">
-              <a:solidFill>
-                <a:schemeClr val="tx2">
-                  <a:lumMod val="60000"/>
-                  <a:lumOff val="40000"/>
-                </a:schemeClr>
-              </a:solidFill>
-            </a:ln>
-          </p:spPr>
-          <p:style>
-            <a:lnRef idx="2">
-              <a:schemeClr val="accent1">
-                <a:shade val="50000"/>
-              </a:schemeClr>
-            </a:lnRef>
-            <a:fillRef idx="1">
-              <a:schemeClr val="accent1"/>
-            </a:fillRef>
-            <a:effectRef idx="0">
-              <a:schemeClr val="accent1"/>
-            </a:effectRef>
-            <a:fontRef idx="minor">
-              <a:schemeClr val="lt1"/>
-            </a:fontRef>
-          </p:style>
-          <p:txBody>
-            <a:bodyPr rtlCol="0" anchor="ctr"/>
-            <a:lstStyle/>
-            <a:p>
-              <a:pPr algn="ctr"/>
-              <a:endParaRPr lang="en-US">
-                <a:solidFill>
-                  <a:prstClr val="white"/>
-                </a:solidFill>
-                <a:latin typeface="Calibri"/>
-              </a:endParaRPr>
-            </a:p>
-          </p:txBody>
-        </p:sp>
-        <p:sp>
-          <p:nvSpPr>
-            <p:cNvPr id="28" name="Cross 27">
-              <a:extLst>
-                <a:ext uri="{FF2B5EF4-FFF2-40B4-BE49-F238E27FC236}">
-                  <a16:creationId xmlns:a16="http://schemas.microsoft.com/office/drawing/2014/main" id="{6B207B42-789F-4485-AC4F-9C2D0AA9DEA9}"/>
-                </a:ext>
-              </a:extLst>
-            </p:cNvPr>
-            <p:cNvSpPr/>
-            <p:nvPr/>
-          </p:nvSpPr>
-          <p:spPr>
-            <a:xfrm rot="2734294">
-              <a:off x="2472981" y="2237190"/>
-              <a:ext cx="153134" cy="154670"/>
-            </a:xfrm>
-            <a:prstGeom prst="plus">
-              <a:avLst>
-                <a:gd name="adj" fmla="val 46579"/>
-              </a:avLst>
-            </a:prstGeom>
-            <a:solidFill>
-              <a:schemeClr val="tx1"/>
-            </a:solidFill>
-            <a:ln w="19050">
-              <a:solidFill>
-                <a:srgbClr val="FF0000"/>
-              </a:solidFill>
-            </a:ln>
-          </p:spPr>
-          <p:style>
-            <a:lnRef idx="2">
-              <a:schemeClr val="accent1">
-                <a:shade val="50000"/>
-              </a:schemeClr>
-            </a:lnRef>
-            <a:fillRef idx="1">
-              <a:schemeClr val="accent1"/>
-            </a:fillRef>
-            <a:effectRef idx="0">
-              <a:schemeClr val="accent1"/>
-            </a:effectRef>
-            <a:fontRef idx="minor">
-              <a:schemeClr val="lt1"/>
-            </a:fontRef>
-          </p:style>
-          <p:txBody>
-            <a:bodyPr rtlCol="0" anchor="ctr"/>
-            <a:lstStyle/>
-            <a:p>
-              <a:pPr algn="ctr"/>
-              <a:endParaRPr lang="en-US">
-                <a:solidFill>
-                  <a:prstClr val="white"/>
-                </a:solidFill>
-                <a:latin typeface="Calibri"/>
-              </a:endParaRPr>
-            </a:p>
-          </p:txBody>
-        </p:sp>
-        <p:sp>
-          <p:nvSpPr>
-            <p:cNvPr id="29" name="Cross 28">
-              <a:extLst>
-                <a:ext uri="{FF2B5EF4-FFF2-40B4-BE49-F238E27FC236}">
-                  <a16:creationId xmlns:a16="http://schemas.microsoft.com/office/drawing/2014/main" id="{D52B3030-6A59-46BF-880C-05D696C5F990}"/>
-                </a:ext>
-              </a:extLst>
-            </p:cNvPr>
-            <p:cNvSpPr/>
-            <p:nvPr/>
-          </p:nvSpPr>
-          <p:spPr>
-            <a:xfrm rot="2734294">
-              <a:off x="1120341" y="2646737"/>
-              <a:ext cx="153909" cy="153909"/>
-            </a:xfrm>
-            <a:prstGeom prst="plus">
-              <a:avLst>
-                <a:gd name="adj" fmla="val 46579"/>
-              </a:avLst>
-            </a:prstGeom>
-            <a:solidFill>
-              <a:schemeClr val="tx1"/>
-            </a:solidFill>
-            <a:ln w="19050">
-              <a:solidFill>
-                <a:srgbClr val="FF0000"/>
-              </a:solidFill>
-            </a:ln>
-          </p:spPr>
-          <p:style>
-            <a:lnRef idx="2">
-              <a:schemeClr val="accent1">
-                <a:shade val="50000"/>
-              </a:schemeClr>
-            </a:lnRef>
-            <a:fillRef idx="1">
-              <a:schemeClr val="accent1"/>
-            </a:fillRef>
-            <a:effectRef idx="0">
-              <a:schemeClr val="accent1"/>
-            </a:effectRef>
-            <a:fontRef idx="minor">
-              <a:schemeClr val="lt1"/>
-            </a:fontRef>
-          </p:style>
-          <p:txBody>
-            <a:bodyPr rtlCol="0" anchor="ctr"/>
-            <a:lstStyle/>
-            <a:p>
-              <a:pPr algn="ctr"/>
-              <a:endParaRPr lang="en-US">
-                <a:solidFill>
-                  <a:prstClr val="white"/>
-                </a:solidFill>
-                <a:latin typeface="Calibri"/>
-              </a:endParaRPr>
-            </a:p>
-          </p:txBody>
-        </p:sp>
-        <p:sp>
-          <p:nvSpPr>
-            <p:cNvPr id="30" name="Cross 29">
-              <a:extLst>
-                <a:ext uri="{FF2B5EF4-FFF2-40B4-BE49-F238E27FC236}">
-                  <a16:creationId xmlns:a16="http://schemas.microsoft.com/office/drawing/2014/main" id="{A98646BF-5FAA-4A2D-A447-A9C25109D3EF}"/>
-                </a:ext>
-              </a:extLst>
-            </p:cNvPr>
-            <p:cNvSpPr/>
-            <p:nvPr/>
-          </p:nvSpPr>
-          <p:spPr>
-            <a:xfrm rot="2734294">
-              <a:off x="1452062" y="2841006"/>
-              <a:ext cx="153909" cy="153909"/>
-            </a:xfrm>
-            <a:prstGeom prst="plus">
-              <a:avLst>
-                <a:gd name="adj" fmla="val 46579"/>
-              </a:avLst>
-            </a:prstGeom>
-            <a:solidFill>
-              <a:schemeClr val="tx1"/>
-            </a:solidFill>
-            <a:ln w="19050">
-              <a:solidFill>
-                <a:srgbClr val="FF0000"/>
-              </a:solidFill>
-            </a:ln>
-          </p:spPr>
-          <p:style>
-            <a:lnRef idx="2">
-              <a:schemeClr val="accent1">
-                <a:shade val="50000"/>
-              </a:schemeClr>
-            </a:lnRef>
-            <a:fillRef idx="1">
-              <a:schemeClr val="accent1"/>
-            </a:fillRef>
-            <a:effectRef idx="0">
-              <a:schemeClr val="accent1"/>
-            </a:effectRef>
-            <a:fontRef idx="minor">
-              <a:schemeClr val="lt1"/>
-            </a:fontRef>
-          </p:style>
-          <p:txBody>
-            <a:bodyPr rtlCol="0" anchor="ctr"/>
-            <a:lstStyle/>
-            <a:p>
-              <a:pPr algn="ctr"/>
-              <a:endParaRPr lang="en-US">
-                <a:solidFill>
-                  <a:prstClr val="white"/>
-                </a:solidFill>
-                <a:latin typeface="Calibri"/>
-              </a:endParaRPr>
-            </a:p>
-          </p:txBody>
-        </p:sp>
-        <p:sp>
-          <p:nvSpPr>
-            <p:cNvPr id="31" name="Cross 30">
-              <a:extLst>
-                <a:ext uri="{FF2B5EF4-FFF2-40B4-BE49-F238E27FC236}">
-                  <a16:creationId xmlns:a16="http://schemas.microsoft.com/office/drawing/2014/main" id="{2EE09689-B336-40AB-AA97-97BB9DADD9F3}"/>
-                </a:ext>
-              </a:extLst>
-            </p:cNvPr>
-            <p:cNvSpPr/>
-            <p:nvPr/>
-          </p:nvSpPr>
-          <p:spPr>
-            <a:xfrm rot="2734294">
-              <a:off x="2271958" y="2670635"/>
-              <a:ext cx="153909" cy="153909"/>
-            </a:xfrm>
-            <a:prstGeom prst="plus">
-              <a:avLst>
-                <a:gd name="adj" fmla="val 46579"/>
-              </a:avLst>
-            </a:prstGeom>
-            <a:solidFill>
-              <a:schemeClr val="tx1"/>
-            </a:solidFill>
-            <a:ln w="19050">
-              <a:solidFill>
-                <a:srgbClr val="FF0000"/>
-              </a:solidFill>
-            </a:ln>
-          </p:spPr>
-          <p:style>
-            <a:lnRef idx="2">
-              <a:schemeClr val="accent1">
-                <a:shade val="50000"/>
-              </a:schemeClr>
-            </a:lnRef>
-            <a:fillRef idx="1">
-              <a:schemeClr val="accent1"/>
-            </a:fillRef>
-            <a:effectRef idx="0">
-              <a:schemeClr val="accent1"/>
-            </a:effectRef>
-            <a:fontRef idx="minor">
-              <a:schemeClr val="lt1"/>
-            </a:fontRef>
-          </p:style>
-          <p:txBody>
-            <a:bodyPr rtlCol="0" anchor="ctr"/>
-            <a:lstStyle/>
-            <a:p>
-              <a:pPr algn="ctr"/>
-              <a:endParaRPr lang="en-US">
-                <a:solidFill>
-                  <a:prstClr val="white"/>
-                </a:solidFill>
-                <a:latin typeface="Calibri"/>
-              </a:endParaRPr>
-            </a:p>
-          </p:txBody>
-        </p:sp>
-        <p:sp>
-          <p:nvSpPr>
-            <p:cNvPr id="32" name="Cross 31">
-              <a:extLst>
-                <a:ext uri="{FF2B5EF4-FFF2-40B4-BE49-F238E27FC236}">
-                  <a16:creationId xmlns:a16="http://schemas.microsoft.com/office/drawing/2014/main" id="{AEEDD4A3-F56B-445B-976A-17EB4E481996}"/>
-                </a:ext>
-              </a:extLst>
-            </p:cNvPr>
-            <p:cNvSpPr/>
-            <p:nvPr/>
-          </p:nvSpPr>
-          <p:spPr>
-            <a:xfrm rot="2734294">
-              <a:off x="1853770" y="2888286"/>
-              <a:ext cx="153909" cy="153909"/>
-            </a:xfrm>
-            <a:prstGeom prst="plus">
-              <a:avLst>
-                <a:gd name="adj" fmla="val 46579"/>
-              </a:avLst>
-            </a:prstGeom>
-            <a:solidFill>
-              <a:schemeClr val="tx1"/>
-            </a:solidFill>
-            <a:ln w="19050">
-              <a:solidFill>
-                <a:srgbClr val="FF0000"/>
-              </a:solidFill>
-            </a:ln>
-          </p:spPr>
-          <p:style>
-            <a:lnRef idx="2">
-              <a:schemeClr val="accent1">
-                <a:shade val="50000"/>
-              </a:schemeClr>
-            </a:lnRef>
-            <a:fillRef idx="1">
-              <a:schemeClr val="accent1"/>
-            </a:fillRef>
-            <a:effectRef idx="0">
-              <a:schemeClr val="accent1"/>
-            </a:effectRef>
-            <a:fontRef idx="minor">
-              <a:schemeClr val="lt1"/>
-            </a:fontRef>
-          </p:style>
-          <p:txBody>
-            <a:bodyPr rtlCol="0" anchor="ctr"/>
-            <a:lstStyle/>
-            <a:p>
-              <a:pPr algn="ctr"/>
-              <a:endParaRPr lang="en-US">
-                <a:solidFill>
-                  <a:prstClr val="white"/>
-                </a:solidFill>
-                <a:latin typeface="Calibri"/>
-              </a:endParaRPr>
-            </a:p>
-          </p:txBody>
-        </p:sp>
-        <p:sp>
-          <p:nvSpPr>
-            <p:cNvPr id="33" name="Cross 32">
-              <a:extLst>
-                <a:ext uri="{FF2B5EF4-FFF2-40B4-BE49-F238E27FC236}">
-                  <a16:creationId xmlns:a16="http://schemas.microsoft.com/office/drawing/2014/main" id="{CDB8FB1D-772D-4201-9855-BE320DB559D3}"/>
-                </a:ext>
-              </a:extLst>
-            </p:cNvPr>
-            <p:cNvSpPr/>
-            <p:nvPr/>
-          </p:nvSpPr>
-          <p:spPr>
-            <a:xfrm rot="2734294">
-              <a:off x="812855" y="2319072"/>
-              <a:ext cx="153909" cy="153909"/>
-            </a:xfrm>
-            <a:prstGeom prst="plus">
-              <a:avLst>
-                <a:gd name="adj" fmla="val 46579"/>
-              </a:avLst>
-            </a:prstGeom>
-            <a:solidFill>
-              <a:schemeClr val="tx1"/>
-            </a:solidFill>
-            <a:ln w="19050">
-              <a:solidFill>
-                <a:srgbClr val="FF0000"/>
-              </a:solidFill>
-            </a:ln>
-          </p:spPr>
-          <p:style>
-            <a:lnRef idx="2">
-              <a:schemeClr val="accent1">
-                <a:shade val="50000"/>
-              </a:schemeClr>
-            </a:lnRef>
-            <a:fillRef idx="1">
-              <a:schemeClr val="accent1"/>
-            </a:fillRef>
-            <a:effectRef idx="0">
-              <a:schemeClr val="accent1"/>
-            </a:effectRef>
-            <a:fontRef idx="minor">
-              <a:schemeClr val="lt1"/>
-            </a:fontRef>
-          </p:style>
-          <p:txBody>
-            <a:bodyPr rtlCol="0" anchor="ctr"/>
-            <a:lstStyle/>
-            <a:p>
-              <a:pPr algn="ctr"/>
-              <a:endParaRPr lang="en-US">
-                <a:solidFill>
-                  <a:prstClr val="white"/>
-                </a:solidFill>
-                <a:latin typeface="Calibri"/>
-              </a:endParaRPr>
-            </a:p>
-          </p:txBody>
-        </p:sp>
-        <p:sp>
-          <p:nvSpPr>
-            <p:cNvPr id="34" name="Oval 33">
-              <a:extLst>
-                <a:ext uri="{FF2B5EF4-FFF2-40B4-BE49-F238E27FC236}">
-                  <a16:creationId xmlns:a16="http://schemas.microsoft.com/office/drawing/2014/main" id="{8D069EF8-8258-46A1-945D-8F113442A889}"/>
-                </a:ext>
-              </a:extLst>
-            </p:cNvPr>
-            <p:cNvSpPr/>
-            <p:nvPr/>
-          </p:nvSpPr>
-          <p:spPr>
-            <a:xfrm>
-              <a:off x="1848800" y="2070906"/>
-              <a:ext cx="153439" cy="153439"/>
-            </a:xfrm>
-            <a:prstGeom prst="ellipse">
-              <a:avLst/>
-            </a:prstGeom>
-            <a:noFill/>
-            <a:ln w="19050">
-              <a:solidFill>
-                <a:schemeClr val="tx2">
-                  <a:lumMod val="60000"/>
-                  <a:lumOff val="40000"/>
-                </a:schemeClr>
-              </a:solidFill>
-            </a:ln>
-          </p:spPr>
-          <p:style>
-            <a:lnRef idx="2">
-              <a:schemeClr val="accent1">
-                <a:shade val="50000"/>
-              </a:schemeClr>
-            </a:lnRef>
-            <a:fillRef idx="1">
-              <a:schemeClr val="accent1"/>
-            </a:fillRef>
-            <a:effectRef idx="0">
-              <a:schemeClr val="accent1"/>
-            </a:effectRef>
-            <a:fontRef idx="minor">
-              <a:schemeClr val="lt1"/>
-            </a:fontRef>
-          </p:style>
-          <p:txBody>
-            <a:bodyPr rtlCol="0" anchor="ctr"/>
-            <a:lstStyle/>
-            <a:p>
-              <a:pPr algn="ctr"/>
-              <a:endParaRPr lang="en-US">
-                <a:solidFill>
-                  <a:prstClr val="white"/>
-                </a:solidFill>
-                <a:latin typeface="Calibri"/>
-              </a:endParaRPr>
-            </a:p>
-          </p:txBody>
-        </p:sp>
-        <p:sp>
-          <p:nvSpPr>
-            <p:cNvPr id="35" name="Oval 34">
-              <a:extLst>
-                <a:ext uri="{FF2B5EF4-FFF2-40B4-BE49-F238E27FC236}">
-                  <a16:creationId xmlns:a16="http://schemas.microsoft.com/office/drawing/2014/main" id="{16FD6E51-7DAF-40AC-94CC-47C471C44F4F}"/>
-                </a:ext>
-              </a:extLst>
-            </p:cNvPr>
-            <p:cNvSpPr/>
-            <p:nvPr/>
-          </p:nvSpPr>
-          <p:spPr>
-            <a:xfrm>
-              <a:off x="2045415" y="2224345"/>
-              <a:ext cx="153439" cy="153439"/>
-            </a:xfrm>
-            <a:prstGeom prst="ellipse">
-              <a:avLst/>
-            </a:prstGeom>
-            <a:noFill/>
-            <a:ln w="19050">
-              <a:solidFill>
-                <a:schemeClr val="tx2">
-                  <a:lumMod val="60000"/>
-                  <a:lumOff val="40000"/>
-                </a:schemeClr>
-              </a:solidFill>
-            </a:ln>
-          </p:spPr>
-          <p:style>
-            <a:lnRef idx="2">
-              <a:schemeClr val="accent1">
-                <a:shade val="50000"/>
-              </a:schemeClr>
-            </a:lnRef>
-            <a:fillRef idx="1">
-              <a:schemeClr val="accent1"/>
-            </a:fillRef>
-            <a:effectRef idx="0">
-              <a:schemeClr val="accent1"/>
-            </a:effectRef>
-            <a:fontRef idx="minor">
-              <a:schemeClr val="lt1"/>
-            </a:fontRef>
-          </p:style>
-          <p:txBody>
-            <a:bodyPr rtlCol="0" anchor="ctr"/>
-            <a:lstStyle/>
-            <a:p>
-              <a:pPr algn="ctr"/>
-              <a:endParaRPr lang="en-US">
-                <a:solidFill>
-                  <a:prstClr val="white"/>
-                </a:solidFill>
-                <a:latin typeface="Calibri"/>
-              </a:endParaRPr>
-            </a:p>
-          </p:txBody>
-        </p:sp>
-        <p:sp>
-          <p:nvSpPr>
-            <p:cNvPr id="36" name="Oval 35">
-              <a:extLst>
-                <a:ext uri="{FF2B5EF4-FFF2-40B4-BE49-F238E27FC236}">
-                  <a16:creationId xmlns:a16="http://schemas.microsoft.com/office/drawing/2014/main" id="{0749EA01-5D9B-4AE1-80A2-FAA62E7BF72E}"/>
-                </a:ext>
-              </a:extLst>
-            </p:cNvPr>
-            <p:cNvSpPr/>
-            <p:nvPr/>
-          </p:nvSpPr>
-          <p:spPr>
-            <a:xfrm>
-              <a:off x="2026623" y="1882119"/>
-              <a:ext cx="153439" cy="153439"/>
-            </a:xfrm>
-            <a:prstGeom prst="ellipse">
-              <a:avLst/>
-            </a:prstGeom>
-            <a:noFill/>
-            <a:ln w="19050">
-              <a:solidFill>
-                <a:schemeClr val="tx2">
-                  <a:lumMod val="60000"/>
-                  <a:lumOff val="40000"/>
-                </a:schemeClr>
-              </a:solidFill>
-            </a:ln>
-          </p:spPr>
-          <p:style>
-            <a:lnRef idx="2">
-              <a:schemeClr val="accent1">
-                <a:shade val="50000"/>
-              </a:schemeClr>
-            </a:lnRef>
-            <a:fillRef idx="1">
-              <a:schemeClr val="accent1"/>
-            </a:fillRef>
-            <a:effectRef idx="0">
-              <a:schemeClr val="accent1"/>
-            </a:effectRef>
-            <a:fontRef idx="minor">
-              <a:schemeClr val="lt1"/>
-            </a:fontRef>
-          </p:style>
-          <p:txBody>
-            <a:bodyPr rtlCol="0" anchor="ctr"/>
-            <a:lstStyle/>
-            <a:p>
-              <a:pPr algn="ctr"/>
-              <a:endParaRPr lang="en-US">
-                <a:solidFill>
-                  <a:prstClr val="white"/>
-                </a:solidFill>
-                <a:latin typeface="Calibri"/>
-              </a:endParaRPr>
-            </a:p>
-          </p:txBody>
-        </p:sp>
-        <p:sp>
-          <p:nvSpPr>
-            <p:cNvPr id="37" name="Oval 36">
-              <a:extLst>
-                <a:ext uri="{FF2B5EF4-FFF2-40B4-BE49-F238E27FC236}">
-                  <a16:creationId xmlns:a16="http://schemas.microsoft.com/office/drawing/2014/main" id="{7B74B05B-4A52-4B26-8134-24F84D2FB909}"/>
-                </a:ext>
-              </a:extLst>
-            </p:cNvPr>
-            <p:cNvSpPr/>
-            <p:nvPr/>
-          </p:nvSpPr>
-          <p:spPr>
-            <a:xfrm>
-              <a:off x="1848801" y="2428132"/>
-              <a:ext cx="153439" cy="153439"/>
-            </a:xfrm>
-            <a:prstGeom prst="ellipse">
-              <a:avLst/>
-            </a:prstGeom>
-            <a:noFill/>
-            <a:ln w="19050">
-              <a:solidFill>
-                <a:schemeClr val="tx2">
-                  <a:lumMod val="60000"/>
-                  <a:lumOff val="40000"/>
-                </a:schemeClr>
-              </a:solidFill>
-            </a:ln>
-          </p:spPr>
-          <p:style>
-            <a:lnRef idx="2">
-              <a:schemeClr val="accent1">
-                <a:shade val="50000"/>
-              </a:schemeClr>
-            </a:lnRef>
-            <a:fillRef idx="1">
-              <a:schemeClr val="accent1"/>
-            </a:fillRef>
-            <a:effectRef idx="0">
-              <a:schemeClr val="accent1"/>
-            </a:effectRef>
-            <a:fontRef idx="minor">
-              <a:schemeClr val="lt1"/>
-            </a:fontRef>
-          </p:style>
-          <p:txBody>
-            <a:bodyPr rtlCol="0" anchor="ctr"/>
-            <a:lstStyle/>
-            <a:p>
-              <a:pPr algn="ctr"/>
-              <a:endParaRPr lang="en-US">
-                <a:solidFill>
-                  <a:prstClr val="white"/>
-                </a:solidFill>
-                <a:latin typeface="Calibri"/>
-              </a:endParaRPr>
-            </a:p>
-          </p:txBody>
-        </p:sp>
-        <p:sp>
-          <p:nvSpPr>
-            <p:cNvPr id="38" name="Cross 37">
-              <a:extLst>
-                <a:ext uri="{FF2B5EF4-FFF2-40B4-BE49-F238E27FC236}">
-                  <a16:creationId xmlns:a16="http://schemas.microsoft.com/office/drawing/2014/main" id="{F10F9043-9139-4BF6-BB8B-F1F10309FD50}"/>
-                </a:ext>
-              </a:extLst>
-            </p:cNvPr>
-            <p:cNvSpPr/>
-            <p:nvPr/>
-          </p:nvSpPr>
-          <p:spPr>
-            <a:xfrm rot="2734294">
-              <a:off x="2472982" y="1734874"/>
-              <a:ext cx="153134" cy="154670"/>
-            </a:xfrm>
-            <a:prstGeom prst="plus">
-              <a:avLst>
-                <a:gd name="adj" fmla="val 46579"/>
-              </a:avLst>
-            </a:prstGeom>
-            <a:solidFill>
-              <a:schemeClr val="tx1"/>
-            </a:solidFill>
-            <a:ln w="19050">
-              <a:solidFill>
-                <a:srgbClr val="FF0000"/>
-              </a:solidFill>
-            </a:ln>
-          </p:spPr>
-          <p:style>
-            <a:lnRef idx="2">
-              <a:schemeClr val="accent1">
-                <a:shade val="50000"/>
-              </a:schemeClr>
-            </a:lnRef>
-            <a:fillRef idx="1">
-              <a:schemeClr val="accent1"/>
-            </a:fillRef>
-            <a:effectRef idx="0">
-              <a:schemeClr val="accent1"/>
-            </a:effectRef>
-            <a:fontRef idx="minor">
-              <a:schemeClr val="lt1"/>
-            </a:fontRef>
-          </p:style>
-          <p:txBody>
-            <a:bodyPr rtlCol="0" anchor="ctr"/>
-            <a:lstStyle/>
-            <a:p>
-              <a:pPr algn="ctr"/>
-              <a:endParaRPr lang="en-US">
-                <a:solidFill>
-                  <a:prstClr val="white"/>
-                </a:solidFill>
-                <a:latin typeface="Calibri"/>
-              </a:endParaRPr>
-            </a:p>
-          </p:txBody>
-        </p:sp>
-        <p:sp>
-          <p:nvSpPr>
-            <p:cNvPr id="39" name="Cross 38">
-              <a:extLst>
-                <a:ext uri="{FF2B5EF4-FFF2-40B4-BE49-F238E27FC236}">
-                  <a16:creationId xmlns:a16="http://schemas.microsoft.com/office/drawing/2014/main" id="{0282E96B-6F7C-4EBF-8BEA-CDA2FC9EF642}"/>
-                </a:ext>
-              </a:extLst>
-            </p:cNvPr>
-            <p:cNvSpPr/>
-            <p:nvPr/>
-          </p:nvSpPr>
-          <p:spPr>
-            <a:xfrm rot="2734294">
-              <a:off x="2292182" y="1410890"/>
-              <a:ext cx="153134" cy="154670"/>
-            </a:xfrm>
-            <a:prstGeom prst="plus">
-              <a:avLst>
-                <a:gd name="adj" fmla="val 46579"/>
-              </a:avLst>
-            </a:prstGeom>
-            <a:solidFill>
-              <a:schemeClr val="tx1"/>
-            </a:solidFill>
-            <a:ln w="19050">
-              <a:solidFill>
-                <a:srgbClr val="FF0000"/>
-              </a:solidFill>
-            </a:ln>
-          </p:spPr>
-          <p:style>
-            <a:lnRef idx="2">
-              <a:schemeClr val="accent1">
-                <a:shade val="50000"/>
-              </a:schemeClr>
-            </a:lnRef>
-            <a:fillRef idx="1">
-              <a:schemeClr val="accent1"/>
-            </a:fillRef>
-            <a:effectRef idx="0">
-              <a:schemeClr val="accent1"/>
-            </a:effectRef>
-            <a:fontRef idx="minor">
-              <a:schemeClr val="lt1"/>
-            </a:fontRef>
-          </p:style>
-          <p:txBody>
-            <a:bodyPr rtlCol="0" anchor="ctr"/>
-            <a:lstStyle/>
-            <a:p>
-              <a:pPr algn="ctr"/>
-              <a:endParaRPr lang="en-US">
-                <a:solidFill>
-                  <a:prstClr val="white"/>
-                </a:solidFill>
-                <a:latin typeface="Calibri"/>
-              </a:endParaRPr>
-            </a:p>
-          </p:txBody>
-        </p:sp>
-        <p:sp>
-          <p:nvSpPr>
-            <p:cNvPr id="40" name="Cross 39">
-              <a:extLst>
-                <a:ext uri="{FF2B5EF4-FFF2-40B4-BE49-F238E27FC236}">
-                  <a16:creationId xmlns:a16="http://schemas.microsoft.com/office/drawing/2014/main" id="{2ED4062C-36D5-4852-B51B-868E182E514F}"/>
-                </a:ext>
-              </a:extLst>
-            </p:cNvPr>
-            <p:cNvSpPr/>
-            <p:nvPr/>
-          </p:nvSpPr>
-          <p:spPr>
-            <a:xfrm rot="2734294">
-              <a:off x="1902299" y="1211552"/>
-              <a:ext cx="153134" cy="154670"/>
-            </a:xfrm>
-            <a:prstGeom prst="plus">
-              <a:avLst>
-                <a:gd name="adj" fmla="val 46579"/>
-              </a:avLst>
-            </a:prstGeom>
-            <a:solidFill>
-              <a:schemeClr val="tx1"/>
-            </a:solidFill>
-            <a:ln w="19050">
-              <a:solidFill>
-                <a:srgbClr val="FF0000"/>
-              </a:solidFill>
-            </a:ln>
-          </p:spPr>
-          <p:style>
-            <a:lnRef idx="2">
-              <a:schemeClr val="accent1">
-                <a:shade val="50000"/>
-              </a:schemeClr>
-            </a:lnRef>
-            <a:fillRef idx="1">
-              <a:schemeClr val="accent1"/>
-            </a:fillRef>
-            <a:effectRef idx="0">
-              <a:schemeClr val="accent1"/>
-            </a:effectRef>
-            <a:fontRef idx="minor">
-              <a:schemeClr val="lt1"/>
-            </a:fontRef>
-          </p:style>
-          <p:txBody>
-            <a:bodyPr rtlCol="0" anchor="ctr"/>
-            <a:lstStyle/>
-            <a:p>
-              <a:pPr algn="ctr"/>
-              <a:endParaRPr lang="en-US">
-                <a:solidFill>
-                  <a:prstClr val="white"/>
-                </a:solidFill>
-                <a:latin typeface="Calibri"/>
-              </a:endParaRPr>
-            </a:p>
-          </p:txBody>
-        </p:sp>
-        <p:sp>
-          <p:nvSpPr>
-            <p:cNvPr id="41" name="Cross 40">
-              <a:extLst>
-                <a:ext uri="{FF2B5EF4-FFF2-40B4-BE49-F238E27FC236}">
-                  <a16:creationId xmlns:a16="http://schemas.microsoft.com/office/drawing/2014/main" id="{C4D878D8-D0AE-4D99-B09A-D2C3B8BA363B}"/>
-                </a:ext>
-              </a:extLst>
-            </p:cNvPr>
-            <p:cNvSpPr/>
-            <p:nvPr/>
-          </p:nvSpPr>
-          <p:spPr>
-            <a:xfrm rot="2734294">
-              <a:off x="1433225" y="1211552"/>
-              <a:ext cx="153134" cy="154670"/>
-            </a:xfrm>
-            <a:prstGeom prst="plus">
-              <a:avLst>
-                <a:gd name="adj" fmla="val 46579"/>
-              </a:avLst>
-            </a:prstGeom>
-            <a:solidFill>
-              <a:schemeClr val="tx1"/>
-            </a:solidFill>
-            <a:ln w="19050">
-              <a:solidFill>
-                <a:srgbClr val="FF0000"/>
-              </a:solidFill>
-            </a:ln>
-          </p:spPr>
-          <p:style>
-            <a:lnRef idx="2">
-              <a:schemeClr val="accent1">
-                <a:shade val="50000"/>
-              </a:schemeClr>
-            </a:lnRef>
-            <a:fillRef idx="1">
-              <a:schemeClr val="accent1"/>
-            </a:fillRef>
-            <a:effectRef idx="0">
-              <a:schemeClr val="accent1"/>
-            </a:effectRef>
-            <a:fontRef idx="minor">
-              <a:schemeClr val="lt1"/>
-            </a:fontRef>
-          </p:style>
-          <p:txBody>
-            <a:bodyPr rtlCol="0" anchor="ctr"/>
-            <a:lstStyle/>
-            <a:p>
-              <a:pPr algn="ctr"/>
-              <a:endParaRPr lang="en-US">
-                <a:solidFill>
-                  <a:prstClr val="white"/>
-                </a:solidFill>
-                <a:latin typeface="Calibri"/>
-              </a:endParaRPr>
-            </a:p>
-          </p:txBody>
-        </p:sp>
-        <p:sp>
-          <p:nvSpPr>
-            <p:cNvPr id="42" name="Cross 41">
-              <a:extLst>
-                <a:ext uri="{FF2B5EF4-FFF2-40B4-BE49-F238E27FC236}">
-                  <a16:creationId xmlns:a16="http://schemas.microsoft.com/office/drawing/2014/main" id="{92E9437B-A061-4048-8DF7-34405B795634}"/>
-                </a:ext>
-              </a:extLst>
-            </p:cNvPr>
-            <p:cNvSpPr/>
-            <p:nvPr/>
-          </p:nvSpPr>
-          <p:spPr>
-            <a:xfrm rot="2734294">
-              <a:off x="1019788" y="1354717"/>
-              <a:ext cx="153134" cy="154670"/>
-            </a:xfrm>
-            <a:prstGeom prst="plus">
-              <a:avLst>
-                <a:gd name="adj" fmla="val 46579"/>
-              </a:avLst>
-            </a:prstGeom>
-            <a:solidFill>
-              <a:schemeClr val="tx1"/>
-            </a:solidFill>
-            <a:ln w="19050">
-              <a:solidFill>
-                <a:srgbClr val="FF0000"/>
-              </a:solidFill>
-            </a:ln>
-          </p:spPr>
-          <p:style>
-            <a:lnRef idx="2">
-              <a:schemeClr val="accent1">
-                <a:shade val="50000"/>
-              </a:schemeClr>
-            </a:lnRef>
-            <a:fillRef idx="1">
-              <a:schemeClr val="accent1"/>
-            </a:fillRef>
-            <a:effectRef idx="0">
-              <a:schemeClr val="accent1"/>
-            </a:effectRef>
-            <a:fontRef idx="minor">
-              <a:schemeClr val="lt1"/>
-            </a:fontRef>
-          </p:style>
-          <p:txBody>
-            <a:bodyPr rtlCol="0" anchor="ctr"/>
-            <a:lstStyle/>
-            <a:p>
-              <a:pPr algn="ctr"/>
-              <a:endParaRPr lang="en-US">
-                <a:solidFill>
-                  <a:prstClr val="white"/>
-                </a:solidFill>
-                <a:latin typeface="Calibri"/>
-              </a:endParaRPr>
-            </a:p>
-          </p:txBody>
-        </p:sp>
-        <p:sp>
-          <p:nvSpPr>
-            <p:cNvPr id="43" name="Cross 42">
-              <a:extLst>
-                <a:ext uri="{FF2B5EF4-FFF2-40B4-BE49-F238E27FC236}">
-                  <a16:creationId xmlns:a16="http://schemas.microsoft.com/office/drawing/2014/main" id="{049D9EBB-1AE5-4E45-ABB7-5CAFC4D27D29}"/>
-                </a:ext>
-              </a:extLst>
-            </p:cNvPr>
-            <p:cNvSpPr/>
-            <p:nvPr/>
-          </p:nvSpPr>
-          <p:spPr>
-            <a:xfrm rot="2734294">
-              <a:off x="816315" y="1790525"/>
-              <a:ext cx="153134" cy="154670"/>
-            </a:xfrm>
-            <a:prstGeom prst="plus">
-              <a:avLst>
-                <a:gd name="adj" fmla="val 46579"/>
-              </a:avLst>
-            </a:prstGeom>
-            <a:solidFill>
-              <a:schemeClr val="tx1"/>
-            </a:solidFill>
-            <a:ln w="19050">
-              <a:solidFill>
-                <a:srgbClr val="FF0000"/>
-              </a:solidFill>
-            </a:ln>
-          </p:spPr>
-          <p:style>
-            <a:lnRef idx="2">
-              <a:schemeClr val="accent1">
-                <a:shade val="50000"/>
-              </a:schemeClr>
-            </a:lnRef>
-            <a:fillRef idx="1">
-              <a:schemeClr val="accent1"/>
-            </a:fillRef>
-            <a:effectRef idx="0">
-              <a:schemeClr val="accent1"/>
-            </a:effectRef>
-            <a:fontRef idx="minor">
-              <a:schemeClr val="lt1"/>
-            </a:fontRef>
-          </p:style>
-          <p:txBody>
-            <a:bodyPr rtlCol="0" anchor="ctr"/>
-            <a:lstStyle/>
-            <a:p>
-              <a:pPr algn="ctr"/>
-              <a:endParaRPr lang="en-US">
-                <a:solidFill>
-                  <a:prstClr val="white"/>
-                </a:solidFill>
-                <a:latin typeface="Calibri"/>
-              </a:endParaRPr>
-            </a:p>
-          </p:txBody>
-        </p:sp>
-      </p:grpSp>
-      <p:sp>
-        <p:nvSpPr>
-          <p:cNvPr id="44" name="TextBox 43">
-            <a:extLst>
-              <a:ext uri="{FF2B5EF4-FFF2-40B4-BE49-F238E27FC236}">
-                <a16:creationId xmlns:a16="http://schemas.microsoft.com/office/drawing/2014/main" id="{019E3856-D2ED-4C1F-83E9-1B19BCE63718}"/>
-              </a:ext>
-            </a:extLst>
-          </p:cNvPr>
-          <p:cNvSpPr txBox="1"/>
-          <p:nvPr/>
-        </p:nvSpPr>
-        <p:spPr>
-          <a:xfrm>
-            <a:off x="3508670" y="3007274"/>
-            <a:ext cx="274273" cy="261610"/>
-          </a:xfrm>
-          <a:prstGeom prst="rect">
-            <a:avLst/>
-          </a:prstGeom>
-          <a:noFill/>
-          <a:ln w="19050">
-            <a:noFill/>
-          </a:ln>
-        </p:spPr>
-        <p:txBody>
-          <a:bodyPr wrap="square" rtlCol="0">
-            <a:spAutoFit/>
-          </a:bodyPr>
-          <a:lstStyle/>
-          <a:p>
-            <a:r>
-              <a:rPr lang="en-US" sz="1100" dirty="0">
-                <a:solidFill>
-                  <a:prstClr val="black"/>
-                </a:solidFill>
-                <a:latin typeface="Calibri"/>
-              </a:rPr>
-              <a:t>1</a:t>
-            </a:r>
-            <a:endParaRPr lang="en-US" sz="1100" baseline="-25000" dirty="0">
-              <a:solidFill>
-                <a:prstClr val="black"/>
-              </a:solidFill>
-              <a:latin typeface="Calibri"/>
-            </a:endParaRPr>
-          </a:p>
-        </p:txBody>
-      </p:sp>
-      <p:cxnSp>
-        <p:nvCxnSpPr>
-          <p:cNvPr id="45" name="Straight Arrow Connector 44">
-            <a:extLst>
-              <a:ext uri="{FF2B5EF4-FFF2-40B4-BE49-F238E27FC236}">
-                <a16:creationId xmlns:a16="http://schemas.microsoft.com/office/drawing/2014/main" id="{848F4780-3362-4D98-848D-4EE4A29EF6BC}"/>
-              </a:ext>
-            </a:extLst>
-          </p:cNvPr>
-          <p:cNvCxnSpPr/>
-          <p:nvPr/>
-        </p:nvCxnSpPr>
-        <p:spPr>
-          <a:xfrm rot="16200000">
-            <a:off x="3594400" y="3015413"/>
-            <a:ext cx="98115" cy="0"/>
-          </a:xfrm>
-          <a:prstGeom prst="straightConnector1">
-            <a:avLst/>
-          </a:prstGeom>
-          <a:ln w="19050">
-            <a:solidFill>
-              <a:schemeClr val="bg1">
-                <a:lumMod val="50000"/>
-              </a:schemeClr>
-            </a:solidFill>
-            <a:tailEnd type="none"/>
-          </a:ln>
-        </p:spPr>
-        <p:style>
-          <a:lnRef idx="1">
-            <a:schemeClr val="accent1"/>
-          </a:lnRef>
-          <a:fillRef idx="0">
-            <a:schemeClr val="accent1"/>
-          </a:fillRef>
-          <a:effectRef idx="0">
-            <a:schemeClr val="accent1"/>
-          </a:effectRef>
-          <a:fontRef idx="minor">
-            <a:schemeClr val="tx1"/>
-          </a:fontRef>
-        </p:style>
-      </p:cxnSp>
-      <p:cxnSp>
-        <p:nvCxnSpPr>
-          <p:cNvPr id="46" name="Straight Arrow Connector 45">
-            <a:extLst>
-              <a:ext uri="{FF2B5EF4-FFF2-40B4-BE49-F238E27FC236}">
-                <a16:creationId xmlns:a16="http://schemas.microsoft.com/office/drawing/2014/main" id="{E96F53EB-42B4-48F6-BDDD-000C00EDD1A9}"/>
-              </a:ext>
-            </a:extLst>
-          </p:cNvPr>
-          <p:cNvCxnSpPr/>
-          <p:nvPr/>
-        </p:nvCxnSpPr>
-        <p:spPr>
-          <a:xfrm rot="16200000">
-            <a:off x="2458693" y="3017298"/>
-            <a:ext cx="98115" cy="0"/>
-          </a:xfrm>
-          <a:prstGeom prst="straightConnector1">
-            <a:avLst/>
-          </a:prstGeom>
-          <a:ln w="19050">
-            <a:solidFill>
-              <a:schemeClr val="bg1">
-                <a:lumMod val="50000"/>
-              </a:schemeClr>
-            </a:solidFill>
-            <a:tailEnd type="none"/>
-          </a:ln>
-        </p:spPr>
-        <p:style>
-          <a:lnRef idx="1">
-            <a:schemeClr val="accent1"/>
-          </a:lnRef>
-          <a:fillRef idx="0">
-            <a:schemeClr val="accent1"/>
-          </a:fillRef>
-          <a:effectRef idx="0">
-            <a:schemeClr val="accent1"/>
-          </a:effectRef>
-          <a:fontRef idx="minor">
-            <a:schemeClr val="tx1"/>
-          </a:fontRef>
-        </p:style>
-      </p:cxnSp>
-      <p:sp>
-        <p:nvSpPr>
-          <p:cNvPr id="47" name="TextBox 46">
-            <a:extLst>
-              <a:ext uri="{FF2B5EF4-FFF2-40B4-BE49-F238E27FC236}">
-                <a16:creationId xmlns:a16="http://schemas.microsoft.com/office/drawing/2014/main" id="{23D39190-CC09-4D36-8967-6EB6280E2859}"/>
-              </a:ext>
-            </a:extLst>
-          </p:cNvPr>
-          <p:cNvSpPr txBox="1"/>
-          <p:nvPr/>
-        </p:nvSpPr>
-        <p:spPr>
-          <a:xfrm>
-            <a:off x="2359426" y="3023824"/>
-            <a:ext cx="408823" cy="261610"/>
-          </a:xfrm>
-          <a:prstGeom prst="rect">
-            <a:avLst/>
-          </a:prstGeom>
-          <a:noFill/>
-          <a:ln w="19050">
-            <a:noFill/>
-          </a:ln>
-        </p:spPr>
-        <p:txBody>
-          <a:bodyPr wrap="square" rtlCol="0">
-            <a:spAutoFit/>
-          </a:bodyPr>
-          <a:lstStyle/>
-          <a:p>
-            <a:r>
-              <a:rPr lang="en-US" sz="1100" dirty="0">
-                <a:solidFill>
-                  <a:prstClr val="black"/>
-                </a:solidFill>
-                <a:latin typeface="Calibri"/>
-              </a:rPr>
-              <a:t>-1</a:t>
-            </a:r>
-            <a:endParaRPr lang="en-US" sz="1100" baseline="-25000" dirty="0">
-              <a:solidFill>
-                <a:prstClr val="black"/>
-              </a:solidFill>
-              <a:latin typeface="Calibri"/>
-            </a:endParaRPr>
-          </a:p>
-        </p:txBody>
-      </p:sp>
-      <p:sp>
-        <p:nvSpPr>
-          <p:cNvPr id="48" name="TextBox 47">
-            <a:extLst>
-              <a:ext uri="{FF2B5EF4-FFF2-40B4-BE49-F238E27FC236}">
-                <a16:creationId xmlns:a16="http://schemas.microsoft.com/office/drawing/2014/main" id="{3F4F19D5-E5A9-4693-A858-03C4459A5470}"/>
-              </a:ext>
-            </a:extLst>
-          </p:cNvPr>
-          <p:cNvSpPr txBox="1"/>
-          <p:nvPr/>
-        </p:nvSpPr>
-        <p:spPr>
-          <a:xfrm>
-            <a:off x="2805993" y="3447356"/>
-            <a:ext cx="408823" cy="261610"/>
-          </a:xfrm>
-          <a:prstGeom prst="rect">
-            <a:avLst/>
-          </a:prstGeom>
-          <a:noFill/>
-          <a:ln w="19050">
-            <a:noFill/>
-          </a:ln>
-        </p:spPr>
-        <p:txBody>
-          <a:bodyPr wrap="square" rtlCol="0">
-            <a:spAutoFit/>
-          </a:bodyPr>
-          <a:lstStyle/>
-          <a:p>
-            <a:r>
-              <a:rPr lang="en-US" sz="1100" dirty="0">
-                <a:solidFill>
-                  <a:prstClr val="black"/>
-                </a:solidFill>
-                <a:latin typeface="Calibri"/>
-              </a:rPr>
-              <a:t>-1</a:t>
-            </a:r>
-            <a:endParaRPr lang="en-US" sz="1100" baseline="-25000" dirty="0">
-              <a:solidFill>
-                <a:prstClr val="black"/>
-              </a:solidFill>
-              <a:latin typeface="Calibri"/>
-            </a:endParaRPr>
-          </a:p>
-        </p:txBody>
-      </p:sp>
-      <p:cxnSp>
-        <p:nvCxnSpPr>
-          <p:cNvPr id="49" name="Straight Arrow Connector 48">
-            <a:extLst>
-              <a:ext uri="{FF2B5EF4-FFF2-40B4-BE49-F238E27FC236}">
-                <a16:creationId xmlns:a16="http://schemas.microsoft.com/office/drawing/2014/main" id="{00C30CDE-FE36-493A-97E1-F5F9D74BA47B}"/>
-              </a:ext>
-            </a:extLst>
-          </p:cNvPr>
-          <p:cNvCxnSpPr/>
-          <p:nvPr/>
-        </p:nvCxnSpPr>
-        <p:spPr>
-          <a:xfrm>
-            <a:off x="3041150" y="3556566"/>
-            <a:ext cx="98115" cy="0"/>
-          </a:xfrm>
-          <a:prstGeom prst="straightConnector1">
-            <a:avLst/>
-          </a:prstGeom>
-          <a:ln w="19050">
-            <a:solidFill>
-              <a:schemeClr val="bg1">
-                <a:lumMod val="50000"/>
-              </a:schemeClr>
-            </a:solidFill>
-            <a:tailEnd type="none"/>
-          </a:ln>
-        </p:spPr>
-        <p:style>
-          <a:lnRef idx="1">
-            <a:schemeClr val="accent1"/>
-          </a:lnRef>
-          <a:fillRef idx="0">
-            <a:schemeClr val="accent1"/>
-          </a:fillRef>
-          <a:effectRef idx="0">
-            <a:schemeClr val="accent1"/>
-          </a:effectRef>
-          <a:fontRef idx="minor">
-            <a:schemeClr val="tx1"/>
-          </a:fontRef>
-        </p:style>
-      </p:cxnSp>
-      <p:cxnSp>
-        <p:nvCxnSpPr>
-          <p:cNvPr id="50" name="Straight Arrow Connector 49">
-            <a:extLst>
-              <a:ext uri="{FF2B5EF4-FFF2-40B4-BE49-F238E27FC236}">
-                <a16:creationId xmlns:a16="http://schemas.microsoft.com/office/drawing/2014/main" id="{72D287A7-C24E-41C1-A7D8-95B66C552A0A}"/>
-              </a:ext>
-            </a:extLst>
-          </p:cNvPr>
-          <p:cNvCxnSpPr/>
-          <p:nvPr/>
-        </p:nvCxnSpPr>
-        <p:spPr>
-          <a:xfrm>
-            <a:off x="3041150" y="2456756"/>
-            <a:ext cx="98115" cy="0"/>
-          </a:xfrm>
-          <a:prstGeom prst="straightConnector1">
-            <a:avLst/>
-          </a:prstGeom>
-          <a:ln w="19050">
-            <a:solidFill>
-              <a:schemeClr val="bg1">
-                <a:lumMod val="50000"/>
-              </a:schemeClr>
-            </a:solidFill>
-            <a:tailEnd type="none"/>
-          </a:ln>
-        </p:spPr>
-        <p:style>
-          <a:lnRef idx="1">
-            <a:schemeClr val="accent1"/>
-          </a:lnRef>
-          <a:fillRef idx="0">
-            <a:schemeClr val="accent1"/>
-          </a:fillRef>
-          <a:effectRef idx="0">
-            <a:schemeClr val="accent1"/>
-          </a:effectRef>
-          <a:fontRef idx="minor">
-            <a:schemeClr val="tx1"/>
-          </a:fontRef>
-        </p:style>
-      </p:cxnSp>
-      <p:sp>
-        <p:nvSpPr>
-          <p:cNvPr id="51" name="TextBox 50">
-            <a:extLst>
-              <a:ext uri="{FF2B5EF4-FFF2-40B4-BE49-F238E27FC236}">
-                <a16:creationId xmlns:a16="http://schemas.microsoft.com/office/drawing/2014/main" id="{09C3A200-4348-412C-B71A-88A968ED93FD}"/>
-              </a:ext>
-            </a:extLst>
-          </p:cNvPr>
-          <p:cNvSpPr txBox="1"/>
-          <p:nvPr/>
-        </p:nvSpPr>
-        <p:spPr>
-          <a:xfrm>
-            <a:off x="2832047" y="2327391"/>
-            <a:ext cx="274273" cy="261610"/>
-          </a:xfrm>
-          <a:prstGeom prst="rect">
-            <a:avLst/>
-          </a:prstGeom>
-          <a:noFill/>
-          <a:ln w="19050">
-            <a:noFill/>
-          </a:ln>
-        </p:spPr>
-        <p:txBody>
-          <a:bodyPr wrap="square" rtlCol="0">
-            <a:spAutoFit/>
-          </a:bodyPr>
-          <a:lstStyle/>
-          <a:p>
-            <a:r>
-              <a:rPr lang="en-US" sz="1100" dirty="0">
-                <a:solidFill>
-                  <a:prstClr val="black"/>
-                </a:solidFill>
-                <a:latin typeface="Calibri"/>
-              </a:rPr>
-              <a:t>1</a:t>
-            </a:r>
-            <a:endParaRPr lang="en-US" sz="1100" baseline="-25000" dirty="0">
-              <a:solidFill>
-                <a:prstClr val="black"/>
-              </a:solidFill>
-              <a:latin typeface="Calibri"/>
-            </a:endParaRPr>
-          </a:p>
-        </p:txBody>
-      </p:sp>
-      <p:sp>
-        <p:nvSpPr>
-          <p:cNvPr id="53" name="TextBox 52">
-            <a:extLst>
-              <a:ext uri="{FF2B5EF4-FFF2-40B4-BE49-F238E27FC236}">
-                <a16:creationId xmlns:a16="http://schemas.microsoft.com/office/drawing/2014/main" id="{C02A35B3-384F-47EC-9620-DAE3FCA70920}"/>
-              </a:ext>
-            </a:extLst>
-          </p:cNvPr>
-          <p:cNvSpPr txBox="1"/>
-          <p:nvPr/>
-        </p:nvSpPr>
-        <p:spPr>
-          <a:xfrm>
-            <a:off x="9975933" y="3479839"/>
-            <a:ext cx="1800248" cy="369332"/>
-          </a:xfrm>
-          <a:prstGeom prst="rect">
-            <a:avLst/>
-          </a:prstGeom>
-          <a:noFill/>
-        </p:spPr>
-        <p:txBody>
-          <a:bodyPr wrap="square">
-            <a:spAutoFit/>
-          </a:bodyPr>
-          <a:lstStyle/>
-          <a:p>
-            <a:r>
-              <a:rPr lang="en-US" sz="1800" dirty="0">
-                <a:latin typeface="Symbol" panose="05050102010706020507" pitchFamily="18" charset="2"/>
-              </a:rPr>
-              <a:t>q</a:t>
-            </a:r>
-            <a:r>
-              <a:rPr lang="en-US" sz="1800" dirty="0"/>
-              <a:t> = [-1, </a:t>
-            </a:r>
-            <a:r>
-              <a:rPr lang="en-US" dirty="0"/>
-              <a:t>0</a:t>
-            </a:r>
-            <a:r>
-              <a:rPr lang="en-US" sz="1800" dirty="0"/>
-              <a:t>, </a:t>
-            </a:r>
-            <a:r>
-              <a:rPr lang="en-US" dirty="0"/>
-              <a:t>0, 1, 1</a:t>
-            </a:r>
-            <a:r>
-              <a:rPr lang="en-US" sz="1800" dirty="0"/>
-              <a:t>] </a:t>
-            </a:r>
-            <a:endParaRPr lang="en-US" dirty="0"/>
-          </a:p>
-        </p:txBody>
-      </p:sp>
-    </p:spTree>
-    <p:extLst>
-      <p:ext uri="{BB962C8B-B14F-4D97-AF65-F5344CB8AC3E}">
-        <p14:creationId xmlns:p14="http://schemas.microsoft.com/office/powerpoint/2010/main" val="2860882452"/>
       </p:ext>
     </p:extLst>
   </p:cSld>
@@ -20110,48 +17343,6 @@
 </p:tagLst>
 </file>
 
-<file path=ppt/tags/tag21.xml><?xml version="1.0" encoding="utf-8"?>
-<p:tagLst xmlns:a="http://schemas.openxmlformats.org/drawingml/2006/main" xmlns:r="http://schemas.openxmlformats.org/officeDocument/2006/relationships" xmlns:p="http://schemas.openxmlformats.org/presentationml/2006/main">
-  <p:tag name="LATEXADDIN" val="\documentclass{article}&#10;\usepackage{amsmath}&#10;\usepackage{color}&#10;\pagestyle{empty}&#10;\begin{document}&#10;&#10;$&#10;h_\theta (x) = g(\theta_0 + \theta_1 x_1 + \theta_2 x_2&#10;$&#10;&#10;\end{document}"/>
-  <p:tag name="IGUANATEXSIZE" val="28"/>
-</p:tagLst>
-</file>
-
-<file path=ppt/tags/tag22.xml><?xml version="1.0" encoding="utf-8"?>
-<p:tagLst xmlns:a="http://schemas.openxmlformats.org/drawingml/2006/main" xmlns:r="http://schemas.openxmlformats.org/officeDocument/2006/relationships" xmlns:p="http://schemas.openxmlformats.org/presentationml/2006/main">
-  <p:tag name="LATEXADDIN" val="\documentclass{article}&#10;\usepackage{amsmath}&#10;\usepackage{color}&#10;\pagestyle{empty}&#10;\begin{document}&#10;&#10;$&#10;+ \theta_3 x_1^2 + \theta_4 x_2^2)&#10;$&#10;&#10;\end{document}"/>
-  <p:tag name="IGUANATEXSIZE" val="28"/>
-</p:tagLst>
-</file>
-
-<file path=ppt/tags/tag23.xml><?xml version="1.0" encoding="utf-8"?>
-<p:tagLst xmlns:a="http://schemas.openxmlformats.org/drawingml/2006/main" xmlns:r="http://schemas.openxmlformats.org/officeDocument/2006/relationships" xmlns:p="http://schemas.openxmlformats.org/presentationml/2006/main">
-  <p:tag name="LATEXADDIN" val="\documentclass{article}&#10;\usepackage{amsmath}&#10;\usepackage{color}&#10;\pagestyle{empty}&#10;\begin{document}&#10;&#10;$&#10;y = 1&#10;$&#10;&#10;\end{document}"/>
-  <p:tag name="IGUANATEXSIZE" val="28"/>
-</p:tagLst>
-</file>
-
-<file path=ppt/tags/tag24.xml><?xml version="1.0" encoding="utf-8"?>
-<p:tagLst xmlns:a="http://schemas.openxmlformats.org/drawingml/2006/main" xmlns:r="http://schemas.openxmlformats.org/officeDocument/2006/relationships" xmlns:p="http://schemas.openxmlformats.org/presentationml/2006/main">
-  <p:tag name="LATEXADDIN" val="\documentclass{article}&#10;\usepackage{amsmath}&#10;\usepackage{color}&#10;\pagestyle{empty}&#10;\begin{document}&#10;&#10;$&#10;-1 + x_1^2 + x_2^2 \geq 0&#10;$&#10;&#10;\end{document}"/>
-  <p:tag name="IGUANATEXSIZE" val="28"/>
-</p:tagLst>
-</file>
-
-<file path=ppt/tags/tag25.xml><?xml version="1.0" encoding="utf-8"?>
-<p:tagLst xmlns:a="http://schemas.openxmlformats.org/drawingml/2006/main" xmlns:r="http://schemas.openxmlformats.org/officeDocument/2006/relationships" xmlns:p="http://schemas.openxmlformats.org/presentationml/2006/main">
-  <p:tag name="LATEXADDIN" val="\documentclass{article}&#10;\usepackage{amsmath}&#10;\usepackage{color}&#10;\pagestyle{empty}&#10;\begin{document}&#10;&#10;$&#10;h_\theta (x) = g(\theta_0 + \theta_1 x_1 + \theta_2 x_2 + \theta_3 x_1^2&#10;$&#10;&#10;\end{document}"/>
-  <p:tag name="IGUANATEXSIZE" val="28"/>
-</p:tagLst>
-</file>
-
-<file path=ppt/tags/tag26.xml><?xml version="1.0" encoding="utf-8"?>
-<p:tagLst xmlns:a="http://schemas.openxmlformats.org/drawingml/2006/main" xmlns:r="http://schemas.openxmlformats.org/officeDocument/2006/relationships" xmlns:p="http://schemas.openxmlformats.org/presentationml/2006/main">
-  <p:tag name="LATEXADDIN" val="\documentclass{article}&#10;\usepackage{amsmath}&#10;\usepackage{color}&#10;\pagestyle{empty}&#10;\begin{document}&#10;&#10;$&#10;+ \theta_4 x_1^2 x_2 + \theta_5 x_1^2 x_2^2 + \theta_6 x_1^3 x_2 + \dots)&#10;$&#10;&#10;\end{document}"/>
-  <p:tag name="IGUANATEXSIZE" val="28"/>
-</p:tagLst>
-</file>
-
 <file path=ppt/tags/tag3.xml><?xml version="1.0" encoding="utf-8"?>
 <p:tagLst xmlns:a="http://schemas.openxmlformats.org/drawingml/2006/main" xmlns:r="http://schemas.openxmlformats.org/officeDocument/2006/relationships" xmlns:p="http://schemas.openxmlformats.org/presentationml/2006/main">
   <p:tag name="LATEXADDIN" val="\documentclass{article}&#10;\usepackage{amsmath}&#10;\usepackage{color}&#10;\pagestyle{empty}&#10;\begin{document}&#10;&#10;$&#10;g(z) = \frac{1}{1+e^{-z}}&#10;$&#10;&#10;\end{document}"/>
